--- a/프레젠테이션1.pptx
+++ b/프레젠테이션1.pptx
@@ -12,6 +12,8 @@
     <p:sldId id="260" r:id="rId6"/>
     <p:sldId id="261" r:id="rId7"/>
     <p:sldId id="262" r:id="rId8"/>
+    <p:sldId id="263" r:id="rId9"/>
+    <p:sldId id="264" r:id="rId10"/>
   </p:sldIdLst>
   <p:sldSz cx="12192000" cy="6858000"/>
   <p:notesSz cx="6858000" cy="9144000"/>
@@ -113,7 +115,7 @@
   <p:extLst>
     <p:ext uri="{EFAFB233-063F-42B5-8137-9DF3F51BA10A}">
       <p15:sldGuideLst xmlns:p15="http://schemas.microsoft.com/office/powerpoint/2012/main">
-        <p15:guide id="1" orient="horz" pos="278" userDrawn="1">
+        <p15:guide id="1" orient="horz" pos="2999" userDrawn="1">
           <p15:clr>
             <a:srgbClr val="A4A3A4"/>
           </p15:clr>
@@ -260,7 +262,7 @@
           <a:p>
             <a:fld id="{0F277587-4E01-4B1D-81CB-961BCCFD9D6E}" type="datetimeFigureOut">
               <a:rPr lang="ko-KR" altLang="en-US" smtClean="0"/>
-              <a:t>2021-02-23</a:t>
+              <a:t>2021-02-24</a:t>
             </a:fld>
             <a:endParaRPr lang="ko-KR" altLang="en-US"/>
           </a:p>
@@ -430,7 +432,7 @@
           <a:p>
             <a:fld id="{0F277587-4E01-4B1D-81CB-961BCCFD9D6E}" type="datetimeFigureOut">
               <a:rPr lang="ko-KR" altLang="en-US" smtClean="0"/>
-              <a:t>2021-02-23</a:t>
+              <a:t>2021-02-24</a:t>
             </a:fld>
             <a:endParaRPr lang="ko-KR" altLang="en-US"/>
           </a:p>
@@ -610,7 +612,7 @@
           <a:p>
             <a:fld id="{0F277587-4E01-4B1D-81CB-961BCCFD9D6E}" type="datetimeFigureOut">
               <a:rPr lang="ko-KR" altLang="en-US" smtClean="0"/>
-              <a:t>2021-02-23</a:t>
+              <a:t>2021-02-24</a:t>
             </a:fld>
             <a:endParaRPr lang="ko-KR" altLang="en-US"/>
           </a:p>
@@ -780,7 +782,7 @@
           <a:p>
             <a:fld id="{0F277587-4E01-4B1D-81CB-961BCCFD9D6E}" type="datetimeFigureOut">
               <a:rPr lang="ko-KR" altLang="en-US" smtClean="0"/>
-              <a:t>2021-02-23</a:t>
+              <a:t>2021-02-24</a:t>
             </a:fld>
             <a:endParaRPr lang="ko-KR" altLang="en-US"/>
           </a:p>
@@ -1026,7 +1028,7 @@
           <a:p>
             <a:fld id="{0F277587-4E01-4B1D-81CB-961BCCFD9D6E}" type="datetimeFigureOut">
               <a:rPr lang="ko-KR" altLang="en-US" smtClean="0"/>
-              <a:t>2021-02-23</a:t>
+              <a:t>2021-02-24</a:t>
             </a:fld>
             <a:endParaRPr lang="ko-KR" altLang="en-US"/>
           </a:p>
@@ -1258,7 +1260,7 @@
           <a:p>
             <a:fld id="{0F277587-4E01-4B1D-81CB-961BCCFD9D6E}" type="datetimeFigureOut">
               <a:rPr lang="ko-KR" altLang="en-US" smtClean="0"/>
-              <a:t>2021-02-23</a:t>
+              <a:t>2021-02-24</a:t>
             </a:fld>
             <a:endParaRPr lang="ko-KR" altLang="en-US"/>
           </a:p>
@@ -1625,7 +1627,7 @@
           <a:p>
             <a:fld id="{0F277587-4E01-4B1D-81CB-961BCCFD9D6E}" type="datetimeFigureOut">
               <a:rPr lang="ko-KR" altLang="en-US" smtClean="0"/>
-              <a:t>2021-02-23</a:t>
+              <a:t>2021-02-24</a:t>
             </a:fld>
             <a:endParaRPr lang="ko-KR" altLang="en-US"/>
           </a:p>
@@ -1743,7 +1745,7 @@
           <a:p>
             <a:fld id="{0F277587-4E01-4B1D-81CB-961BCCFD9D6E}" type="datetimeFigureOut">
               <a:rPr lang="ko-KR" altLang="en-US" smtClean="0"/>
-              <a:t>2021-02-23</a:t>
+              <a:t>2021-02-24</a:t>
             </a:fld>
             <a:endParaRPr lang="ko-KR" altLang="en-US"/>
           </a:p>
@@ -1838,7 +1840,7 @@
           <a:p>
             <a:fld id="{0F277587-4E01-4B1D-81CB-961BCCFD9D6E}" type="datetimeFigureOut">
               <a:rPr lang="ko-KR" altLang="en-US" smtClean="0"/>
-              <a:t>2021-02-23</a:t>
+              <a:t>2021-02-24</a:t>
             </a:fld>
             <a:endParaRPr lang="ko-KR" altLang="en-US"/>
           </a:p>
@@ -2115,7 +2117,7 @@
           <a:p>
             <a:fld id="{0F277587-4E01-4B1D-81CB-961BCCFD9D6E}" type="datetimeFigureOut">
               <a:rPr lang="ko-KR" altLang="en-US" smtClean="0"/>
-              <a:t>2021-02-23</a:t>
+              <a:t>2021-02-24</a:t>
             </a:fld>
             <a:endParaRPr lang="ko-KR" altLang="en-US"/>
           </a:p>
@@ -2368,7 +2370,7 @@
           <a:p>
             <a:fld id="{0F277587-4E01-4B1D-81CB-961BCCFD9D6E}" type="datetimeFigureOut">
               <a:rPr lang="ko-KR" altLang="en-US" smtClean="0"/>
-              <a:t>2021-02-23</a:t>
+              <a:t>2021-02-24</a:t>
             </a:fld>
             <a:endParaRPr lang="ko-KR" altLang="en-US"/>
           </a:p>
@@ -2581,7 +2583,7 @@
           <a:p>
             <a:fld id="{0F277587-4E01-4B1D-81CB-961BCCFD9D6E}" type="datetimeFigureOut">
               <a:rPr lang="ko-KR" altLang="en-US" smtClean="0"/>
-              <a:t>2021-02-23</a:t>
+              <a:t>2021-02-24</a:t>
             </a:fld>
             <a:endParaRPr lang="ko-KR" altLang="en-US"/>
           </a:p>
@@ -10849,7 +10851,6 @@
                 <a:rPr lang="ko-KR" altLang="en-US" dirty="0"/>
                 <a:t>월</a:t>
               </a:r>
-              <a:endParaRPr lang="ko-KR" altLang="en-US" dirty="0"/>
             </a:p>
           </p:txBody>
         </p:sp>
@@ -10965,7 +10966,6 @@
                 <a:rPr lang="ko-KR" altLang="en-US" dirty="0"/>
                 <a:t>화</a:t>
               </a:r>
-              <a:endParaRPr lang="ko-KR" altLang="en-US" dirty="0"/>
             </a:p>
           </p:txBody>
         </p:sp>
@@ -11081,7 +11081,6 @@
                 <a:rPr lang="ko-KR" altLang="en-US" dirty="0"/>
                 <a:t>수</a:t>
               </a:r>
-              <a:endParaRPr lang="ko-KR" altLang="en-US" dirty="0"/>
             </a:p>
           </p:txBody>
         </p:sp>
@@ -11313,7 +11312,6 @@
                 <a:rPr lang="ko-KR" altLang="en-US" dirty="0"/>
                 <a:t>금</a:t>
               </a:r>
-              <a:endParaRPr lang="ko-KR" altLang="en-US" dirty="0"/>
             </a:p>
           </p:txBody>
         </p:sp>
@@ -11433,11 +11431,6 @@
                 </a:rPr>
                 <a:t>토</a:t>
               </a:r>
-              <a:endParaRPr lang="ko-KR" altLang="en-US" dirty="0">
-                <a:solidFill>
-                  <a:schemeClr val="accent1"/>
-                </a:solidFill>
-              </a:endParaRPr>
             </a:p>
           </p:txBody>
         </p:sp>
@@ -11677,7 +11670,6 @@
                 <a:rPr lang="ko-KR" altLang="en-US" dirty="0"/>
                 <a:t>월</a:t>
               </a:r>
-              <a:endParaRPr lang="ko-KR" altLang="en-US" dirty="0"/>
             </a:p>
           </p:txBody>
         </p:sp>
@@ -11793,7 +11785,6 @@
                 <a:rPr lang="ko-KR" altLang="en-US" dirty="0"/>
                 <a:t>화</a:t>
               </a:r>
-              <a:endParaRPr lang="ko-KR" altLang="en-US" dirty="0"/>
             </a:p>
           </p:txBody>
         </p:sp>
@@ -11909,7 +11900,6 @@
                 <a:rPr lang="ko-KR" altLang="en-US" dirty="0"/>
                 <a:t>수</a:t>
               </a:r>
-              <a:endParaRPr lang="ko-KR" altLang="en-US" dirty="0"/>
             </a:p>
           </p:txBody>
         </p:sp>
@@ -12141,7 +12131,6 @@
                 <a:rPr lang="ko-KR" altLang="en-US" dirty="0"/>
                 <a:t>금</a:t>
               </a:r>
-              <a:endParaRPr lang="ko-KR" altLang="en-US" dirty="0"/>
             </a:p>
           </p:txBody>
         </p:sp>
@@ -12261,11 +12250,6 @@
                 </a:rPr>
                 <a:t>토</a:t>
               </a:r>
-              <a:endParaRPr lang="ko-KR" altLang="en-US" dirty="0">
-                <a:solidFill>
-                  <a:schemeClr val="accent1"/>
-                </a:solidFill>
-              </a:endParaRPr>
             </a:p>
           </p:txBody>
         </p:sp>
@@ -12505,7 +12489,6 @@
                 <a:rPr lang="ko-KR" altLang="en-US" dirty="0"/>
                 <a:t>월</a:t>
               </a:r>
-              <a:endParaRPr lang="ko-KR" altLang="en-US" dirty="0"/>
             </a:p>
           </p:txBody>
         </p:sp>
@@ -12621,7 +12604,6 @@
                 <a:rPr lang="ko-KR" altLang="en-US" dirty="0"/>
                 <a:t>화</a:t>
               </a:r>
-              <a:endParaRPr lang="ko-KR" altLang="en-US" dirty="0"/>
             </a:p>
           </p:txBody>
         </p:sp>
@@ -12737,7 +12719,6 @@
                 <a:rPr lang="ko-KR" altLang="en-US" dirty="0"/>
                 <a:t>수</a:t>
               </a:r>
-              <a:endParaRPr lang="ko-KR" altLang="en-US" dirty="0"/>
             </a:p>
           </p:txBody>
         </p:sp>
@@ -12969,7 +12950,6 @@
                 <a:rPr lang="ko-KR" altLang="en-US" dirty="0"/>
                 <a:t>금</a:t>
               </a:r>
-              <a:endParaRPr lang="ko-KR" altLang="en-US" dirty="0"/>
             </a:p>
           </p:txBody>
         </p:sp>
@@ -13089,11 +13069,6 @@
                 </a:rPr>
                 <a:t>토</a:t>
               </a:r>
-              <a:endParaRPr lang="ko-KR" altLang="en-US" dirty="0">
-                <a:solidFill>
-                  <a:schemeClr val="accent1"/>
-                </a:solidFill>
-              </a:endParaRPr>
             </a:p>
           </p:txBody>
         </p:sp>
@@ -13333,7 +13308,6 @@
                 <a:rPr lang="ko-KR" altLang="en-US" dirty="0"/>
                 <a:t>월</a:t>
               </a:r>
-              <a:endParaRPr lang="ko-KR" altLang="en-US" dirty="0"/>
             </a:p>
           </p:txBody>
         </p:sp>
@@ -13449,7 +13423,6 @@
                 <a:rPr lang="ko-KR" altLang="en-US" dirty="0"/>
                 <a:t>화</a:t>
               </a:r>
-              <a:endParaRPr lang="ko-KR" altLang="en-US" dirty="0"/>
             </a:p>
           </p:txBody>
         </p:sp>
@@ -13565,7 +13538,6 @@
                 <a:rPr lang="ko-KR" altLang="en-US" dirty="0"/>
                 <a:t>수</a:t>
               </a:r>
-              <a:endParaRPr lang="ko-KR" altLang="en-US" dirty="0"/>
             </a:p>
           </p:txBody>
         </p:sp>
@@ -13797,7 +13769,6 @@
                 <a:rPr lang="ko-KR" altLang="en-US" dirty="0"/>
                 <a:t>금</a:t>
               </a:r>
-              <a:endParaRPr lang="ko-KR" altLang="en-US" dirty="0"/>
             </a:p>
           </p:txBody>
         </p:sp>
@@ -13917,11 +13888,6 @@
                 </a:rPr>
                 <a:t>토</a:t>
               </a:r>
-              <a:endParaRPr lang="ko-KR" altLang="en-US" dirty="0">
-                <a:solidFill>
-                  <a:schemeClr val="accent1"/>
-                </a:solidFill>
-              </a:endParaRPr>
             </a:p>
           </p:txBody>
         </p:sp>
@@ -14161,7 +14127,6 @@
                 <a:rPr lang="ko-KR" altLang="en-US" dirty="0"/>
                 <a:t>월</a:t>
               </a:r>
-              <a:endParaRPr lang="ko-KR" altLang="en-US" dirty="0"/>
             </a:p>
           </p:txBody>
         </p:sp>
@@ -14277,7 +14242,6 @@
                 <a:rPr lang="ko-KR" altLang="en-US" dirty="0"/>
                 <a:t>화</a:t>
               </a:r>
-              <a:endParaRPr lang="ko-KR" altLang="en-US" dirty="0"/>
             </a:p>
           </p:txBody>
         </p:sp>
@@ -14393,7 +14357,6 @@
                 <a:rPr lang="ko-KR" altLang="en-US" dirty="0"/>
                 <a:t>수</a:t>
               </a:r>
-              <a:endParaRPr lang="ko-KR" altLang="en-US" dirty="0"/>
             </a:p>
           </p:txBody>
         </p:sp>
@@ -14625,7 +14588,6 @@
                 <a:rPr lang="ko-KR" altLang="en-US" dirty="0"/>
                 <a:t>금</a:t>
               </a:r>
-              <a:endParaRPr lang="ko-KR" altLang="en-US" dirty="0"/>
             </a:p>
           </p:txBody>
         </p:sp>
@@ -14745,11 +14707,6 @@
                 </a:rPr>
                 <a:t>토</a:t>
               </a:r>
-              <a:endParaRPr lang="ko-KR" altLang="en-US" dirty="0">
-                <a:solidFill>
-                  <a:schemeClr val="accent1"/>
-                </a:solidFill>
-              </a:endParaRPr>
             </a:p>
           </p:txBody>
         </p:sp>
@@ -17304,11 +17261,7 @@
             </a:r>
             <a:r>
               <a:rPr lang="ko-KR" altLang="en-US" dirty="0" smtClean="0"/>
-              <a:t>일 이</a:t>
-            </a:r>
-            <a:r>
-              <a:rPr lang="ko-KR" altLang="en-US" dirty="0" smtClean="0"/>
-              <a:t>후</a:t>
+              <a:t>일 이후</a:t>
             </a:r>
             <a:endParaRPr lang="ko-KR" altLang="en-US" dirty="0"/>
           </a:p>
@@ -20025,7 +19978,7 @@
           <a:lstStyle/>
           <a:p>
             <a:r>
-              <a:rPr lang="ko-KR" altLang="en-US" smtClean="0"/>
+              <a:rPr lang="ko-KR" altLang="en-US" dirty="0" err="1" smtClean="0"/>
               <a:t>증감량</a:t>
             </a:r>
             <a:endParaRPr lang="ko-KR" altLang="en-US" dirty="0"/>
@@ -20604,6 +20557,8325 @@
     <p:extLst>
       <p:ext uri="{BB962C8B-B14F-4D97-AF65-F5344CB8AC3E}">
         <p14:creationId xmlns:p14="http://schemas.microsoft.com/office/powerpoint/2010/main" val="2485629632"/>
+      </p:ext>
+    </p:extLst>
+  </p:cSld>
+  <p:clrMapOvr>
+    <a:masterClrMapping/>
+  </p:clrMapOvr>
+</p:sld>
+</file>
+
+<file path=ppt/slides/slide8.xml><?xml version="1.0" encoding="utf-8"?>
+<p:sld xmlns:a="http://schemas.openxmlformats.org/drawingml/2006/main" xmlns:r="http://schemas.openxmlformats.org/officeDocument/2006/relationships" xmlns:p="http://schemas.openxmlformats.org/presentationml/2006/main">
+  <p:cSld>
+    <p:spTree>
+      <p:nvGrpSpPr>
+        <p:cNvPr id="1" name=""/>
+        <p:cNvGrpSpPr/>
+        <p:nvPr/>
+      </p:nvGrpSpPr>
+      <p:grpSpPr>
+        <a:xfrm>
+          <a:off x="0" y="0"/>
+          <a:ext cx="0" cy="0"/>
+          <a:chOff x="0" y="0"/>
+          <a:chExt cx="0" cy="0"/>
+        </a:xfrm>
+      </p:grpSpPr>
+      <p:sp>
+        <p:nvSpPr>
+          <p:cNvPr id="192" name="오른쪽 대괄호 191"/>
+          <p:cNvSpPr/>
+          <p:nvPr/>
+        </p:nvSpPr>
+        <p:spPr>
+          <a:xfrm rot="5400000">
+            <a:off x="6925305" y="1303194"/>
+            <a:ext cx="201317" cy="491009"/>
+          </a:xfrm>
+          <a:prstGeom prst="rightBracket">
+            <a:avLst/>
+          </a:prstGeom>
+        </p:spPr>
+        <p:style>
+          <a:lnRef idx="1">
+            <a:schemeClr val="accent1"/>
+          </a:lnRef>
+          <a:fillRef idx="0">
+            <a:schemeClr val="accent1"/>
+          </a:fillRef>
+          <a:effectRef idx="0">
+            <a:schemeClr val="accent1"/>
+          </a:effectRef>
+          <a:fontRef idx="minor">
+            <a:schemeClr val="tx1"/>
+          </a:fontRef>
+        </p:style>
+        <p:txBody>
+          <a:bodyPr rtlCol="0" anchor="ctr"/>
+          <a:lstStyle/>
+          <a:p>
+            <a:pPr algn="ctr"/>
+            <a:endParaRPr lang="ko-KR" altLang="en-US"/>
+          </a:p>
+        </p:txBody>
+      </p:sp>
+      <p:pic>
+        <p:nvPicPr>
+          <p:cNvPr id="4" name="그림 3"/>
+          <p:cNvPicPr>
+            <a:picLocks noChangeAspect="1"/>
+          </p:cNvPicPr>
+          <p:nvPr/>
+        </p:nvPicPr>
+        <p:blipFill rotWithShape="1">
+          <a:blip r:embed="rId2">
+            <a:extLst>
+              <a:ext uri="{28A0092B-C50C-407E-A947-70E740481C1C}">
+                <a14:useLocalDpi xmlns:a14="http://schemas.microsoft.com/office/drawing/2010/main" val="0"/>
+              </a:ext>
+            </a:extLst>
+          </a:blip>
+          <a:srcRect l="28979" t="22515" r="38651" b="38994"/>
+          <a:stretch/>
+        </p:blipFill>
+        <p:spPr>
+          <a:xfrm>
+            <a:off x="724618" y="1268083"/>
+            <a:ext cx="3329798" cy="2639683"/>
+          </a:xfrm>
+          <a:prstGeom prst="rect">
+            <a:avLst/>
+          </a:prstGeom>
+        </p:spPr>
+      </p:pic>
+      <p:sp>
+        <p:nvSpPr>
+          <p:cNvPr id="3" name="직사각형 2"/>
+          <p:cNvSpPr/>
+          <p:nvPr/>
+        </p:nvSpPr>
+        <p:spPr>
+          <a:xfrm>
+            <a:off x="4167022" y="4683963"/>
+            <a:ext cx="629264" cy="353961"/>
+          </a:xfrm>
+          <a:prstGeom prst="rect">
+            <a:avLst/>
+          </a:prstGeom>
+        </p:spPr>
+        <p:style>
+          <a:lnRef idx="2">
+            <a:schemeClr val="accent1">
+              <a:shade val="50000"/>
+            </a:schemeClr>
+          </a:lnRef>
+          <a:fillRef idx="1">
+            <a:schemeClr val="accent1"/>
+          </a:fillRef>
+          <a:effectRef idx="0">
+            <a:schemeClr val="accent1"/>
+          </a:effectRef>
+          <a:fontRef idx="minor">
+            <a:schemeClr val="lt1"/>
+          </a:fontRef>
+        </p:style>
+        <p:txBody>
+          <a:bodyPr rtlCol="0" anchor="ctr"/>
+          <a:lstStyle/>
+          <a:p>
+            <a:pPr algn="ctr"/>
+            <a:r>
+              <a:rPr lang="en-US" altLang="ko-KR" dirty="0" smtClean="0"/>
+              <a:t>1</a:t>
+            </a:r>
+            <a:endParaRPr lang="ko-KR" altLang="en-US" dirty="0"/>
+          </a:p>
+        </p:txBody>
+      </p:sp>
+      <p:sp>
+        <p:nvSpPr>
+          <p:cNvPr id="5" name="직사각형 4"/>
+          <p:cNvSpPr/>
+          <p:nvPr/>
+        </p:nvSpPr>
+        <p:spPr>
+          <a:xfrm>
+            <a:off x="4801644" y="4683963"/>
+            <a:ext cx="629264" cy="353961"/>
+          </a:xfrm>
+          <a:prstGeom prst="rect">
+            <a:avLst/>
+          </a:prstGeom>
+        </p:spPr>
+        <p:style>
+          <a:lnRef idx="2">
+            <a:schemeClr val="accent1">
+              <a:shade val="50000"/>
+            </a:schemeClr>
+          </a:lnRef>
+          <a:fillRef idx="1">
+            <a:schemeClr val="accent1"/>
+          </a:fillRef>
+          <a:effectRef idx="0">
+            <a:schemeClr val="accent1"/>
+          </a:effectRef>
+          <a:fontRef idx="minor">
+            <a:schemeClr val="lt1"/>
+          </a:fontRef>
+        </p:style>
+        <p:txBody>
+          <a:bodyPr rtlCol="0" anchor="ctr"/>
+          <a:lstStyle/>
+          <a:p>
+            <a:pPr algn="ctr"/>
+            <a:r>
+              <a:rPr lang="en-US" altLang="ko-KR" dirty="0" smtClean="0"/>
+              <a:t>2</a:t>
+            </a:r>
+            <a:endParaRPr lang="ko-KR" altLang="en-US" dirty="0"/>
+          </a:p>
+        </p:txBody>
+      </p:sp>
+      <p:sp>
+        <p:nvSpPr>
+          <p:cNvPr id="6" name="직사각형 5"/>
+          <p:cNvSpPr/>
+          <p:nvPr/>
+        </p:nvSpPr>
+        <p:spPr>
+          <a:xfrm>
+            <a:off x="5436266" y="4683963"/>
+            <a:ext cx="629264" cy="353961"/>
+          </a:xfrm>
+          <a:prstGeom prst="rect">
+            <a:avLst/>
+          </a:prstGeom>
+        </p:spPr>
+        <p:style>
+          <a:lnRef idx="2">
+            <a:schemeClr val="accent1">
+              <a:shade val="50000"/>
+            </a:schemeClr>
+          </a:lnRef>
+          <a:fillRef idx="1">
+            <a:schemeClr val="accent1"/>
+          </a:fillRef>
+          <a:effectRef idx="0">
+            <a:schemeClr val="accent1"/>
+          </a:effectRef>
+          <a:fontRef idx="minor">
+            <a:schemeClr val="lt1"/>
+          </a:fontRef>
+        </p:style>
+        <p:txBody>
+          <a:bodyPr rtlCol="0" anchor="ctr"/>
+          <a:lstStyle/>
+          <a:p>
+            <a:pPr algn="ctr"/>
+            <a:r>
+              <a:rPr lang="en-US" altLang="ko-KR" dirty="0" smtClean="0"/>
+              <a:t>3</a:t>
+            </a:r>
+            <a:endParaRPr lang="ko-KR" altLang="en-US" dirty="0"/>
+          </a:p>
+        </p:txBody>
+      </p:sp>
+      <p:sp>
+        <p:nvSpPr>
+          <p:cNvPr id="7" name="직사각형 6"/>
+          <p:cNvSpPr/>
+          <p:nvPr/>
+        </p:nvSpPr>
+        <p:spPr>
+          <a:xfrm>
+            <a:off x="6070888" y="4683963"/>
+            <a:ext cx="629264" cy="353961"/>
+          </a:xfrm>
+          <a:prstGeom prst="rect">
+            <a:avLst/>
+          </a:prstGeom>
+        </p:spPr>
+        <p:style>
+          <a:lnRef idx="2">
+            <a:schemeClr val="accent1">
+              <a:shade val="50000"/>
+            </a:schemeClr>
+          </a:lnRef>
+          <a:fillRef idx="1">
+            <a:schemeClr val="accent1"/>
+          </a:fillRef>
+          <a:effectRef idx="0">
+            <a:schemeClr val="accent1"/>
+          </a:effectRef>
+          <a:fontRef idx="minor">
+            <a:schemeClr val="lt1"/>
+          </a:fontRef>
+        </p:style>
+        <p:txBody>
+          <a:bodyPr rtlCol="0" anchor="ctr"/>
+          <a:lstStyle/>
+          <a:p>
+            <a:pPr algn="ctr"/>
+            <a:r>
+              <a:rPr lang="en-US" altLang="ko-KR" dirty="0" smtClean="0"/>
+              <a:t>4</a:t>
+            </a:r>
+            <a:endParaRPr lang="ko-KR" altLang="en-US" dirty="0"/>
+          </a:p>
+        </p:txBody>
+      </p:sp>
+      <p:sp>
+        <p:nvSpPr>
+          <p:cNvPr id="8" name="직사각형 7"/>
+          <p:cNvSpPr/>
+          <p:nvPr/>
+        </p:nvSpPr>
+        <p:spPr>
+          <a:xfrm>
+            <a:off x="6705510" y="4683963"/>
+            <a:ext cx="629264" cy="353961"/>
+          </a:xfrm>
+          <a:prstGeom prst="rect">
+            <a:avLst/>
+          </a:prstGeom>
+        </p:spPr>
+        <p:style>
+          <a:lnRef idx="2">
+            <a:schemeClr val="accent1">
+              <a:shade val="50000"/>
+            </a:schemeClr>
+          </a:lnRef>
+          <a:fillRef idx="1">
+            <a:schemeClr val="accent1"/>
+          </a:fillRef>
+          <a:effectRef idx="0">
+            <a:schemeClr val="accent1"/>
+          </a:effectRef>
+          <a:fontRef idx="minor">
+            <a:schemeClr val="lt1"/>
+          </a:fontRef>
+        </p:style>
+        <p:txBody>
+          <a:bodyPr rtlCol="0" anchor="ctr"/>
+          <a:lstStyle/>
+          <a:p>
+            <a:pPr algn="ctr"/>
+            <a:r>
+              <a:rPr lang="en-US" altLang="ko-KR" dirty="0" smtClean="0"/>
+              <a:t>5</a:t>
+            </a:r>
+            <a:endParaRPr lang="ko-KR" altLang="en-US" dirty="0"/>
+          </a:p>
+        </p:txBody>
+      </p:sp>
+      <p:sp>
+        <p:nvSpPr>
+          <p:cNvPr id="9" name="직사각형 8"/>
+          <p:cNvSpPr/>
+          <p:nvPr/>
+        </p:nvSpPr>
+        <p:spPr>
+          <a:xfrm>
+            <a:off x="7340132" y="4683963"/>
+            <a:ext cx="629264" cy="353961"/>
+          </a:xfrm>
+          <a:prstGeom prst="rect">
+            <a:avLst/>
+          </a:prstGeom>
+        </p:spPr>
+        <p:style>
+          <a:lnRef idx="2">
+            <a:schemeClr val="accent1">
+              <a:shade val="50000"/>
+            </a:schemeClr>
+          </a:lnRef>
+          <a:fillRef idx="1">
+            <a:schemeClr val="accent1"/>
+          </a:fillRef>
+          <a:effectRef idx="0">
+            <a:schemeClr val="accent1"/>
+          </a:effectRef>
+          <a:fontRef idx="minor">
+            <a:schemeClr val="lt1"/>
+          </a:fontRef>
+        </p:style>
+        <p:txBody>
+          <a:bodyPr rtlCol="0" anchor="ctr"/>
+          <a:lstStyle/>
+          <a:p>
+            <a:pPr algn="ctr"/>
+            <a:r>
+              <a:rPr lang="en-US" altLang="ko-KR" dirty="0" smtClean="0"/>
+              <a:t>6</a:t>
+            </a:r>
+            <a:endParaRPr lang="ko-KR" altLang="en-US" dirty="0"/>
+          </a:p>
+        </p:txBody>
+      </p:sp>
+      <p:sp>
+        <p:nvSpPr>
+          <p:cNvPr id="10" name="직사각형 9"/>
+          <p:cNvSpPr/>
+          <p:nvPr/>
+        </p:nvSpPr>
+        <p:spPr>
+          <a:xfrm>
+            <a:off x="7974754" y="4683963"/>
+            <a:ext cx="629264" cy="353961"/>
+          </a:xfrm>
+          <a:prstGeom prst="rect">
+            <a:avLst/>
+          </a:prstGeom>
+        </p:spPr>
+        <p:style>
+          <a:lnRef idx="2">
+            <a:schemeClr val="accent1">
+              <a:shade val="50000"/>
+            </a:schemeClr>
+          </a:lnRef>
+          <a:fillRef idx="1">
+            <a:schemeClr val="accent1"/>
+          </a:fillRef>
+          <a:effectRef idx="0">
+            <a:schemeClr val="accent1"/>
+          </a:effectRef>
+          <a:fontRef idx="minor">
+            <a:schemeClr val="lt1"/>
+          </a:fontRef>
+        </p:style>
+        <p:txBody>
+          <a:bodyPr rtlCol="0" anchor="ctr"/>
+          <a:lstStyle/>
+          <a:p>
+            <a:pPr algn="ctr"/>
+            <a:r>
+              <a:rPr lang="en-US" altLang="ko-KR" dirty="0" smtClean="0"/>
+              <a:t>7</a:t>
+            </a:r>
+            <a:endParaRPr lang="ko-KR" altLang="en-US" dirty="0"/>
+          </a:p>
+        </p:txBody>
+      </p:sp>
+      <p:sp>
+        <p:nvSpPr>
+          <p:cNvPr id="11" name="직사각형 10"/>
+          <p:cNvSpPr/>
+          <p:nvPr/>
+        </p:nvSpPr>
+        <p:spPr>
+          <a:xfrm>
+            <a:off x="8609375" y="4683963"/>
+            <a:ext cx="629264" cy="353961"/>
+          </a:xfrm>
+          <a:prstGeom prst="rect">
+            <a:avLst/>
+          </a:prstGeom>
+        </p:spPr>
+        <p:style>
+          <a:lnRef idx="2">
+            <a:schemeClr val="accent1">
+              <a:shade val="50000"/>
+            </a:schemeClr>
+          </a:lnRef>
+          <a:fillRef idx="1">
+            <a:schemeClr val="accent1"/>
+          </a:fillRef>
+          <a:effectRef idx="0">
+            <a:schemeClr val="accent1"/>
+          </a:effectRef>
+          <a:fontRef idx="minor">
+            <a:schemeClr val="lt1"/>
+          </a:fontRef>
+        </p:style>
+        <p:txBody>
+          <a:bodyPr rtlCol="0" anchor="ctr"/>
+          <a:lstStyle/>
+          <a:p>
+            <a:pPr algn="ctr"/>
+            <a:r>
+              <a:rPr lang="en-US" altLang="ko-KR" dirty="0" smtClean="0"/>
+              <a:t>8</a:t>
+            </a:r>
+            <a:endParaRPr lang="ko-KR" altLang="en-US" dirty="0"/>
+          </a:p>
+        </p:txBody>
+      </p:sp>
+      <p:sp>
+        <p:nvSpPr>
+          <p:cNvPr id="12" name="직사각형 11"/>
+          <p:cNvSpPr/>
+          <p:nvPr/>
+        </p:nvSpPr>
+        <p:spPr>
+          <a:xfrm>
+            <a:off x="4170208" y="5496742"/>
+            <a:ext cx="629264" cy="353961"/>
+          </a:xfrm>
+          <a:prstGeom prst="rect">
+            <a:avLst/>
+          </a:prstGeom>
+        </p:spPr>
+        <p:style>
+          <a:lnRef idx="2">
+            <a:schemeClr val="accent1">
+              <a:shade val="50000"/>
+            </a:schemeClr>
+          </a:lnRef>
+          <a:fillRef idx="1">
+            <a:schemeClr val="accent1"/>
+          </a:fillRef>
+          <a:effectRef idx="0">
+            <a:schemeClr val="accent1"/>
+          </a:effectRef>
+          <a:fontRef idx="minor">
+            <a:schemeClr val="lt1"/>
+          </a:fontRef>
+        </p:style>
+        <p:txBody>
+          <a:bodyPr rtlCol="0" anchor="ctr"/>
+          <a:lstStyle/>
+          <a:p>
+            <a:pPr algn="ctr"/>
+            <a:r>
+              <a:rPr lang="en-US" altLang="ko-KR" dirty="0" smtClean="0"/>
+              <a:t>NA</a:t>
+            </a:r>
+            <a:endParaRPr lang="ko-KR" altLang="en-US" dirty="0"/>
+          </a:p>
+        </p:txBody>
+      </p:sp>
+      <p:sp>
+        <p:nvSpPr>
+          <p:cNvPr id="13" name="직사각형 12"/>
+          <p:cNvSpPr/>
+          <p:nvPr/>
+        </p:nvSpPr>
+        <p:spPr>
+          <a:xfrm>
+            <a:off x="4804375" y="5496742"/>
+            <a:ext cx="629264" cy="353961"/>
+          </a:xfrm>
+          <a:prstGeom prst="rect">
+            <a:avLst/>
+          </a:prstGeom>
+        </p:spPr>
+        <p:style>
+          <a:lnRef idx="2">
+            <a:schemeClr val="accent1">
+              <a:shade val="50000"/>
+            </a:schemeClr>
+          </a:lnRef>
+          <a:fillRef idx="1">
+            <a:schemeClr val="accent1"/>
+          </a:fillRef>
+          <a:effectRef idx="0">
+            <a:schemeClr val="accent1"/>
+          </a:effectRef>
+          <a:fontRef idx="minor">
+            <a:schemeClr val="lt1"/>
+          </a:fontRef>
+        </p:style>
+        <p:txBody>
+          <a:bodyPr rtlCol="0" anchor="ctr"/>
+          <a:lstStyle/>
+          <a:p>
+            <a:pPr algn="ctr"/>
+            <a:r>
+              <a:rPr lang="en-US" altLang="ko-KR" dirty="0" smtClean="0"/>
+              <a:t>1</a:t>
+            </a:r>
+            <a:endParaRPr lang="ko-KR" altLang="en-US" dirty="0"/>
+          </a:p>
+        </p:txBody>
+      </p:sp>
+      <p:sp>
+        <p:nvSpPr>
+          <p:cNvPr id="14" name="직사각형 13"/>
+          <p:cNvSpPr/>
+          <p:nvPr/>
+        </p:nvSpPr>
+        <p:spPr>
+          <a:xfrm>
+            <a:off x="5438542" y="5496742"/>
+            <a:ext cx="629264" cy="353961"/>
+          </a:xfrm>
+          <a:prstGeom prst="rect">
+            <a:avLst/>
+          </a:prstGeom>
+        </p:spPr>
+        <p:style>
+          <a:lnRef idx="2">
+            <a:schemeClr val="accent1">
+              <a:shade val="50000"/>
+            </a:schemeClr>
+          </a:lnRef>
+          <a:fillRef idx="1">
+            <a:schemeClr val="accent1"/>
+          </a:fillRef>
+          <a:effectRef idx="0">
+            <a:schemeClr val="accent1"/>
+          </a:effectRef>
+          <a:fontRef idx="minor">
+            <a:schemeClr val="lt1"/>
+          </a:fontRef>
+        </p:style>
+        <p:txBody>
+          <a:bodyPr rtlCol="0" anchor="ctr"/>
+          <a:lstStyle/>
+          <a:p>
+            <a:pPr algn="ctr"/>
+            <a:r>
+              <a:rPr lang="en-US" altLang="ko-KR" dirty="0" smtClean="0"/>
+              <a:t>2</a:t>
+            </a:r>
+            <a:endParaRPr lang="ko-KR" altLang="en-US" dirty="0"/>
+          </a:p>
+        </p:txBody>
+      </p:sp>
+      <p:sp>
+        <p:nvSpPr>
+          <p:cNvPr id="15" name="직사각형 14"/>
+          <p:cNvSpPr/>
+          <p:nvPr/>
+        </p:nvSpPr>
+        <p:spPr>
+          <a:xfrm>
+            <a:off x="6072709" y="5496742"/>
+            <a:ext cx="629264" cy="353961"/>
+          </a:xfrm>
+          <a:prstGeom prst="rect">
+            <a:avLst/>
+          </a:prstGeom>
+        </p:spPr>
+        <p:style>
+          <a:lnRef idx="2">
+            <a:schemeClr val="accent1">
+              <a:shade val="50000"/>
+            </a:schemeClr>
+          </a:lnRef>
+          <a:fillRef idx="1">
+            <a:schemeClr val="accent1"/>
+          </a:fillRef>
+          <a:effectRef idx="0">
+            <a:schemeClr val="accent1"/>
+          </a:effectRef>
+          <a:fontRef idx="minor">
+            <a:schemeClr val="lt1"/>
+          </a:fontRef>
+        </p:style>
+        <p:txBody>
+          <a:bodyPr rtlCol="0" anchor="ctr"/>
+          <a:lstStyle/>
+          <a:p>
+            <a:pPr algn="ctr"/>
+            <a:r>
+              <a:rPr lang="en-US" altLang="ko-KR" dirty="0" smtClean="0"/>
+              <a:t>3</a:t>
+            </a:r>
+            <a:endParaRPr lang="ko-KR" altLang="en-US" dirty="0"/>
+          </a:p>
+        </p:txBody>
+      </p:sp>
+      <p:sp>
+        <p:nvSpPr>
+          <p:cNvPr id="16" name="직사각형 15"/>
+          <p:cNvSpPr/>
+          <p:nvPr/>
+        </p:nvSpPr>
+        <p:spPr>
+          <a:xfrm>
+            <a:off x="6706876" y="5496742"/>
+            <a:ext cx="629264" cy="353961"/>
+          </a:xfrm>
+          <a:prstGeom prst="rect">
+            <a:avLst/>
+          </a:prstGeom>
+        </p:spPr>
+        <p:style>
+          <a:lnRef idx="2">
+            <a:schemeClr val="accent1">
+              <a:shade val="50000"/>
+            </a:schemeClr>
+          </a:lnRef>
+          <a:fillRef idx="1">
+            <a:schemeClr val="accent1"/>
+          </a:fillRef>
+          <a:effectRef idx="0">
+            <a:schemeClr val="accent1"/>
+          </a:effectRef>
+          <a:fontRef idx="minor">
+            <a:schemeClr val="lt1"/>
+          </a:fontRef>
+        </p:style>
+        <p:txBody>
+          <a:bodyPr rtlCol="0" anchor="ctr"/>
+          <a:lstStyle/>
+          <a:p>
+            <a:pPr algn="ctr"/>
+            <a:r>
+              <a:rPr lang="en-US" altLang="ko-KR" dirty="0" smtClean="0"/>
+              <a:t>4</a:t>
+            </a:r>
+            <a:endParaRPr lang="ko-KR" altLang="en-US" dirty="0"/>
+          </a:p>
+        </p:txBody>
+      </p:sp>
+      <p:sp>
+        <p:nvSpPr>
+          <p:cNvPr id="17" name="직사각형 16"/>
+          <p:cNvSpPr/>
+          <p:nvPr/>
+        </p:nvSpPr>
+        <p:spPr>
+          <a:xfrm>
+            <a:off x="7341043" y="5496742"/>
+            <a:ext cx="629264" cy="353961"/>
+          </a:xfrm>
+          <a:prstGeom prst="rect">
+            <a:avLst/>
+          </a:prstGeom>
+        </p:spPr>
+        <p:style>
+          <a:lnRef idx="2">
+            <a:schemeClr val="accent1">
+              <a:shade val="50000"/>
+            </a:schemeClr>
+          </a:lnRef>
+          <a:fillRef idx="1">
+            <a:schemeClr val="accent1"/>
+          </a:fillRef>
+          <a:effectRef idx="0">
+            <a:schemeClr val="accent1"/>
+          </a:effectRef>
+          <a:fontRef idx="minor">
+            <a:schemeClr val="lt1"/>
+          </a:fontRef>
+        </p:style>
+        <p:txBody>
+          <a:bodyPr rtlCol="0" anchor="ctr"/>
+          <a:lstStyle/>
+          <a:p>
+            <a:pPr algn="ctr"/>
+            <a:r>
+              <a:rPr lang="en-US" altLang="ko-KR" dirty="0" smtClean="0"/>
+              <a:t>5</a:t>
+            </a:r>
+            <a:endParaRPr lang="ko-KR" altLang="en-US" dirty="0"/>
+          </a:p>
+        </p:txBody>
+      </p:sp>
+      <p:sp>
+        <p:nvSpPr>
+          <p:cNvPr id="18" name="직사각형 17"/>
+          <p:cNvSpPr/>
+          <p:nvPr/>
+        </p:nvSpPr>
+        <p:spPr>
+          <a:xfrm>
+            <a:off x="7975210" y="5496742"/>
+            <a:ext cx="629264" cy="353961"/>
+          </a:xfrm>
+          <a:prstGeom prst="rect">
+            <a:avLst/>
+          </a:prstGeom>
+        </p:spPr>
+        <p:style>
+          <a:lnRef idx="2">
+            <a:schemeClr val="accent1">
+              <a:shade val="50000"/>
+            </a:schemeClr>
+          </a:lnRef>
+          <a:fillRef idx="1">
+            <a:schemeClr val="accent1"/>
+          </a:fillRef>
+          <a:effectRef idx="0">
+            <a:schemeClr val="accent1"/>
+          </a:effectRef>
+          <a:fontRef idx="minor">
+            <a:schemeClr val="lt1"/>
+          </a:fontRef>
+        </p:style>
+        <p:txBody>
+          <a:bodyPr rtlCol="0" anchor="ctr"/>
+          <a:lstStyle/>
+          <a:p>
+            <a:pPr algn="ctr"/>
+            <a:r>
+              <a:rPr lang="en-US" altLang="ko-KR" dirty="0" smtClean="0"/>
+              <a:t>6</a:t>
+            </a:r>
+            <a:endParaRPr lang="ko-KR" altLang="en-US" dirty="0"/>
+          </a:p>
+        </p:txBody>
+      </p:sp>
+      <p:sp>
+        <p:nvSpPr>
+          <p:cNvPr id="19" name="직사각형 18"/>
+          <p:cNvSpPr/>
+          <p:nvPr/>
+        </p:nvSpPr>
+        <p:spPr>
+          <a:xfrm>
+            <a:off x="8609375" y="5496742"/>
+            <a:ext cx="629264" cy="353961"/>
+          </a:xfrm>
+          <a:prstGeom prst="rect">
+            <a:avLst/>
+          </a:prstGeom>
+        </p:spPr>
+        <p:style>
+          <a:lnRef idx="2">
+            <a:schemeClr val="accent1">
+              <a:shade val="50000"/>
+            </a:schemeClr>
+          </a:lnRef>
+          <a:fillRef idx="1">
+            <a:schemeClr val="accent1"/>
+          </a:fillRef>
+          <a:effectRef idx="0">
+            <a:schemeClr val="accent1"/>
+          </a:effectRef>
+          <a:fontRef idx="minor">
+            <a:schemeClr val="lt1"/>
+          </a:fontRef>
+        </p:style>
+        <p:txBody>
+          <a:bodyPr rtlCol="0" anchor="ctr"/>
+          <a:lstStyle/>
+          <a:p>
+            <a:pPr algn="ctr"/>
+            <a:r>
+              <a:rPr lang="en-US" altLang="ko-KR" dirty="0" smtClean="0"/>
+              <a:t>7</a:t>
+            </a:r>
+            <a:endParaRPr lang="ko-KR" altLang="en-US" dirty="0"/>
+          </a:p>
+        </p:txBody>
+      </p:sp>
+      <p:sp>
+        <p:nvSpPr>
+          <p:cNvPr id="27" name="TextBox 26"/>
+          <p:cNvSpPr txBox="1"/>
+          <p:nvPr/>
+        </p:nvSpPr>
+        <p:spPr>
+          <a:xfrm>
+            <a:off x="3468248" y="4689209"/>
+            <a:ext cx="646331" cy="369332"/>
+          </a:xfrm>
+          <a:prstGeom prst="rect">
+            <a:avLst/>
+          </a:prstGeom>
+          <a:noFill/>
+        </p:spPr>
+        <p:txBody>
+          <a:bodyPr wrap="none" rtlCol="0">
+            <a:spAutoFit/>
+          </a:bodyPr>
+          <a:lstStyle/>
+          <a:p>
+            <a:r>
+              <a:rPr lang="ko-KR" altLang="en-US" dirty="0" smtClean="0"/>
+              <a:t>원본</a:t>
+            </a:r>
+            <a:endParaRPr lang="ko-KR" altLang="en-US" dirty="0"/>
+          </a:p>
+        </p:txBody>
+      </p:sp>
+      <p:sp>
+        <p:nvSpPr>
+          <p:cNvPr id="28" name="TextBox 27"/>
+          <p:cNvSpPr txBox="1"/>
+          <p:nvPr/>
+        </p:nvSpPr>
+        <p:spPr>
+          <a:xfrm>
+            <a:off x="3380083" y="5489056"/>
+            <a:ext cx="822661" cy="369332"/>
+          </a:xfrm>
+          <a:prstGeom prst="rect">
+            <a:avLst/>
+          </a:prstGeom>
+          <a:noFill/>
+        </p:spPr>
+        <p:txBody>
+          <a:bodyPr wrap="none" rtlCol="0">
+            <a:spAutoFit/>
+          </a:bodyPr>
+          <a:lstStyle/>
+          <a:p>
+            <a:r>
+              <a:rPr lang="en-US" altLang="ko-KR" dirty="0" smtClean="0"/>
+              <a:t>Lag(1)</a:t>
+            </a:r>
+            <a:endParaRPr lang="ko-KR" altLang="en-US" dirty="0"/>
+          </a:p>
+        </p:txBody>
+      </p:sp>
+      <p:cxnSp>
+        <p:nvCxnSpPr>
+          <p:cNvPr id="58" name="직선 화살표 연결선 57"/>
+          <p:cNvCxnSpPr>
+            <a:stCxn id="3" idx="2"/>
+            <a:endCxn id="13" idx="0"/>
+          </p:cNvCxnSpPr>
+          <p:nvPr/>
+        </p:nvCxnSpPr>
+        <p:spPr>
+          <a:xfrm>
+            <a:off x="4481654" y="5037924"/>
+            <a:ext cx="637353" cy="458818"/>
+          </a:xfrm>
+          <a:prstGeom prst="straightConnector1">
+            <a:avLst/>
+          </a:prstGeom>
+          <a:ln>
+            <a:tailEnd type="triangle"/>
+          </a:ln>
+        </p:spPr>
+        <p:style>
+          <a:lnRef idx="1">
+            <a:schemeClr val="accent1"/>
+          </a:lnRef>
+          <a:fillRef idx="0">
+            <a:schemeClr val="accent1"/>
+          </a:fillRef>
+          <a:effectRef idx="0">
+            <a:schemeClr val="accent1"/>
+          </a:effectRef>
+          <a:fontRef idx="minor">
+            <a:schemeClr val="tx1"/>
+          </a:fontRef>
+        </p:style>
+      </p:cxnSp>
+      <p:cxnSp>
+        <p:nvCxnSpPr>
+          <p:cNvPr id="59" name="직선 화살표 연결선 58"/>
+          <p:cNvCxnSpPr/>
+          <p:nvPr/>
+        </p:nvCxnSpPr>
+        <p:spPr>
+          <a:xfrm>
+            <a:off x="5123908" y="5037924"/>
+            <a:ext cx="637353" cy="458818"/>
+          </a:xfrm>
+          <a:prstGeom prst="straightConnector1">
+            <a:avLst/>
+          </a:prstGeom>
+          <a:ln>
+            <a:tailEnd type="triangle"/>
+          </a:ln>
+        </p:spPr>
+        <p:style>
+          <a:lnRef idx="1">
+            <a:schemeClr val="accent1"/>
+          </a:lnRef>
+          <a:fillRef idx="0">
+            <a:schemeClr val="accent1"/>
+          </a:fillRef>
+          <a:effectRef idx="0">
+            <a:schemeClr val="accent1"/>
+          </a:effectRef>
+          <a:fontRef idx="minor">
+            <a:schemeClr val="tx1"/>
+          </a:fontRef>
+        </p:style>
+      </p:cxnSp>
+      <p:cxnSp>
+        <p:nvCxnSpPr>
+          <p:cNvPr id="60" name="직선 화살표 연결선 59"/>
+          <p:cNvCxnSpPr/>
+          <p:nvPr/>
+        </p:nvCxnSpPr>
+        <p:spPr>
+          <a:xfrm>
+            <a:off x="5766162" y="5037924"/>
+            <a:ext cx="637353" cy="458818"/>
+          </a:xfrm>
+          <a:prstGeom prst="straightConnector1">
+            <a:avLst/>
+          </a:prstGeom>
+          <a:ln>
+            <a:tailEnd type="triangle"/>
+          </a:ln>
+        </p:spPr>
+        <p:style>
+          <a:lnRef idx="1">
+            <a:schemeClr val="accent1"/>
+          </a:lnRef>
+          <a:fillRef idx="0">
+            <a:schemeClr val="accent1"/>
+          </a:fillRef>
+          <a:effectRef idx="0">
+            <a:schemeClr val="accent1"/>
+          </a:effectRef>
+          <a:fontRef idx="minor">
+            <a:schemeClr val="tx1"/>
+          </a:fontRef>
+        </p:style>
+      </p:cxnSp>
+      <p:cxnSp>
+        <p:nvCxnSpPr>
+          <p:cNvPr id="61" name="직선 화살표 연결선 60"/>
+          <p:cNvCxnSpPr/>
+          <p:nvPr/>
+        </p:nvCxnSpPr>
+        <p:spPr>
+          <a:xfrm>
+            <a:off x="6408416" y="5037924"/>
+            <a:ext cx="637353" cy="458818"/>
+          </a:xfrm>
+          <a:prstGeom prst="straightConnector1">
+            <a:avLst/>
+          </a:prstGeom>
+          <a:ln>
+            <a:tailEnd type="triangle"/>
+          </a:ln>
+        </p:spPr>
+        <p:style>
+          <a:lnRef idx="1">
+            <a:schemeClr val="accent1"/>
+          </a:lnRef>
+          <a:fillRef idx="0">
+            <a:schemeClr val="accent1"/>
+          </a:fillRef>
+          <a:effectRef idx="0">
+            <a:schemeClr val="accent1"/>
+          </a:effectRef>
+          <a:fontRef idx="minor">
+            <a:schemeClr val="tx1"/>
+          </a:fontRef>
+        </p:style>
+      </p:cxnSp>
+      <p:cxnSp>
+        <p:nvCxnSpPr>
+          <p:cNvPr id="62" name="직선 화살표 연결선 61"/>
+          <p:cNvCxnSpPr/>
+          <p:nvPr/>
+        </p:nvCxnSpPr>
+        <p:spPr>
+          <a:xfrm>
+            <a:off x="7050670" y="5037924"/>
+            <a:ext cx="637353" cy="458818"/>
+          </a:xfrm>
+          <a:prstGeom prst="straightConnector1">
+            <a:avLst/>
+          </a:prstGeom>
+          <a:ln>
+            <a:tailEnd type="triangle"/>
+          </a:ln>
+        </p:spPr>
+        <p:style>
+          <a:lnRef idx="1">
+            <a:schemeClr val="accent1"/>
+          </a:lnRef>
+          <a:fillRef idx="0">
+            <a:schemeClr val="accent1"/>
+          </a:fillRef>
+          <a:effectRef idx="0">
+            <a:schemeClr val="accent1"/>
+          </a:effectRef>
+          <a:fontRef idx="minor">
+            <a:schemeClr val="tx1"/>
+          </a:fontRef>
+        </p:style>
+      </p:cxnSp>
+      <p:cxnSp>
+        <p:nvCxnSpPr>
+          <p:cNvPr id="63" name="직선 화살표 연결선 62"/>
+          <p:cNvCxnSpPr/>
+          <p:nvPr/>
+        </p:nvCxnSpPr>
+        <p:spPr>
+          <a:xfrm>
+            <a:off x="7692924" y="5037924"/>
+            <a:ext cx="637353" cy="458818"/>
+          </a:xfrm>
+          <a:prstGeom prst="straightConnector1">
+            <a:avLst/>
+          </a:prstGeom>
+          <a:ln>
+            <a:tailEnd type="triangle"/>
+          </a:ln>
+        </p:spPr>
+        <p:style>
+          <a:lnRef idx="1">
+            <a:schemeClr val="accent1"/>
+          </a:lnRef>
+          <a:fillRef idx="0">
+            <a:schemeClr val="accent1"/>
+          </a:fillRef>
+          <a:effectRef idx="0">
+            <a:schemeClr val="accent1"/>
+          </a:effectRef>
+          <a:fontRef idx="minor">
+            <a:schemeClr val="tx1"/>
+          </a:fontRef>
+        </p:style>
+      </p:cxnSp>
+      <p:cxnSp>
+        <p:nvCxnSpPr>
+          <p:cNvPr id="64" name="직선 화살표 연결선 63"/>
+          <p:cNvCxnSpPr/>
+          <p:nvPr/>
+        </p:nvCxnSpPr>
+        <p:spPr>
+          <a:xfrm>
+            <a:off x="8335178" y="5037924"/>
+            <a:ext cx="637353" cy="458818"/>
+          </a:xfrm>
+          <a:prstGeom prst="straightConnector1">
+            <a:avLst/>
+          </a:prstGeom>
+          <a:ln>
+            <a:tailEnd type="triangle"/>
+          </a:ln>
+        </p:spPr>
+        <p:style>
+          <a:lnRef idx="1">
+            <a:schemeClr val="accent1"/>
+          </a:lnRef>
+          <a:fillRef idx="0">
+            <a:schemeClr val="accent1"/>
+          </a:fillRef>
+          <a:effectRef idx="0">
+            <a:schemeClr val="accent1"/>
+          </a:effectRef>
+          <a:fontRef idx="minor">
+            <a:schemeClr val="tx1"/>
+          </a:fontRef>
+        </p:style>
+      </p:cxnSp>
+      <p:sp>
+        <p:nvSpPr>
+          <p:cNvPr id="65" name="직사각형 64"/>
+          <p:cNvSpPr/>
+          <p:nvPr/>
+        </p:nvSpPr>
+        <p:spPr>
+          <a:xfrm>
+            <a:off x="4163029" y="6206135"/>
+            <a:ext cx="629264" cy="353961"/>
+          </a:xfrm>
+          <a:prstGeom prst="rect">
+            <a:avLst/>
+          </a:prstGeom>
+        </p:spPr>
+        <p:style>
+          <a:lnRef idx="2">
+            <a:schemeClr val="accent1">
+              <a:shade val="50000"/>
+            </a:schemeClr>
+          </a:lnRef>
+          <a:fillRef idx="1">
+            <a:schemeClr val="accent1"/>
+          </a:fillRef>
+          <a:effectRef idx="0">
+            <a:schemeClr val="accent1"/>
+          </a:effectRef>
+          <a:fontRef idx="minor">
+            <a:schemeClr val="lt1"/>
+          </a:fontRef>
+        </p:style>
+        <p:txBody>
+          <a:bodyPr rtlCol="0" anchor="ctr"/>
+          <a:lstStyle/>
+          <a:p>
+            <a:pPr algn="ctr"/>
+            <a:r>
+              <a:rPr lang="en-US" altLang="ko-KR" dirty="0" smtClean="0"/>
+              <a:t>NA</a:t>
+            </a:r>
+            <a:endParaRPr lang="ko-KR" altLang="en-US" dirty="0"/>
+          </a:p>
+        </p:txBody>
+      </p:sp>
+      <p:sp>
+        <p:nvSpPr>
+          <p:cNvPr id="66" name="직사각형 65"/>
+          <p:cNvSpPr/>
+          <p:nvPr/>
+        </p:nvSpPr>
+        <p:spPr>
+          <a:xfrm>
+            <a:off x="4797196" y="6206135"/>
+            <a:ext cx="629264" cy="353961"/>
+          </a:xfrm>
+          <a:prstGeom prst="rect">
+            <a:avLst/>
+          </a:prstGeom>
+        </p:spPr>
+        <p:style>
+          <a:lnRef idx="2">
+            <a:schemeClr val="accent1">
+              <a:shade val="50000"/>
+            </a:schemeClr>
+          </a:lnRef>
+          <a:fillRef idx="1">
+            <a:schemeClr val="accent1"/>
+          </a:fillRef>
+          <a:effectRef idx="0">
+            <a:schemeClr val="accent1"/>
+          </a:effectRef>
+          <a:fontRef idx="minor">
+            <a:schemeClr val="lt1"/>
+          </a:fontRef>
+        </p:style>
+        <p:txBody>
+          <a:bodyPr rtlCol="0" anchor="ctr"/>
+          <a:lstStyle/>
+          <a:p>
+            <a:pPr algn="ctr"/>
+            <a:r>
+              <a:rPr lang="en-US" altLang="ko-KR" dirty="0" smtClean="0"/>
+              <a:t>NA</a:t>
+            </a:r>
+            <a:endParaRPr lang="ko-KR" altLang="en-US" dirty="0"/>
+          </a:p>
+        </p:txBody>
+      </p:sp>
+      <p:sp>
+        <p:nvSpPr>
+          <p:cNvPr id="67" name="직사각형 66"/>
+          <p:cNvSpPr/>
+          <p:nvPr/>
+        </p:nvSpPr>
+        <p:spPr>
+          <a:xfrm>
+            <a:off x="5431363" y="6206135"/>
+            <a:ext cx="629264" cy="353961"/>
+          </a:xfrm>
+          <a:prstGeom prst="rect">
+            <a:avLst/>
+          </a:prstGeom>
+        </p:spPr>
+        <p:style>
+          <a:lnRef idx="2">
+            <a:schemeClr val="accent1">
+              <a:shade val="50000"/>
+            </a:schemeClr>
+          </a:lnRef>
+          <a:fillRef idx="1">
+            <a:schemeClr val="accent1"/>
+          </a:fillRef>
+          <a:effectRef idx="0">
+            <a:schemeClr val="accent1"/>
+          </a:effectRef>
+          <a:fontRef idx="minor">
+            <a:schemeClr val="lt1"/>
+          </a:fontRef>
+        </p:style>
+        <p:txBody>
+          <a:bodyPr rtlCol="0" anchor="ctr"/>
+          <a:lstStyle/>
+          <a:p>
+            <a:pPr algn="ctr"/>
+            <a:r>
+              <a:rPr lang="en-US" altLang="ko-KR" dirty="0" smtClean="0"/>
+              <a:t>1</a:t>
+            </a:r>
+            <a:endParaRPr lang="ko-KR" altLang="en-US" dirty="0"/>
+          </a:p>
+        </p:txBody>
+      </p:sp>
+      <p:sp>
+        <p:nvSpPr>
+          <p:cNvPr id="68" name="직사각형 67"/>
+          <p:cNvSpPr/>
+          <p:nvPr/>
+        </p:nvSpPr>
+        <p:spPr>
+          <a:xfrm>
+            <a:off x="6065530" y="6206135"/>
+            <a:ext cx="629264" cy="353961"/>
+          </a:xfrm>
+          <a:prstGeom prst="rect">
+            <a:avLst/>
+          </a:prstGeom>
+        </p:spPr>
+        <p:style>
+          <a:lnRef idx="2">
+            <a:schemeClr val="accent1">
+              <a:shade val="50000"/>
+            </a:schemeClr>
+          </a:lnRef>
+          <a:fillRef idx="1">
+            <a:schemeClr val="accent1"/>
+          </a:fillRef>
+          <a:effectRef idx="0">
+            <a:schemeClr val="accent1"/>
+          </a:effectRef>
+          <a:fontRef idx="minor">
+            <a:schemeClr val="lt1"/>
+          </a:fontRef>
+        </p:style>
+        <p:txBody>
+          <a:bodyPr rtlCol="0" anchor="ctr"/>
+          <a:lstStyle/>
+          <a:p>
+            <a:pPr algn="ctr"/>
+            <a:r>
+              <a:rPr lang="en-US" altLang="ko-KR" dirty="0" smtClean="0"/>
+              <a:t>2</a:t>
+            </a:r>
+            <a:endParaRPr lang="ko-KR" altLang="en-US" dirty="0"/>
+          </a:p>
+        </p:txBody>
+      </p:sp>
+      <p:sp>
+        <p:nvSpPr>
+          <p:cNvPr id="69" name="직사각형 68"/>
+          <p:cNvSpPr/>
+          <p:nvPr/>
+        </p:nvSpPr>
+        <p:spPr>
+          <a:xfrm>
+            <a:off x="6699697" y="6206135"/>
+            <a:ext cx="629264" cy="353961"/>
+          </a:xfrm>
+          <a:prstGeom prst="rect">
+            <a:avLst/>
+          </a:prstGeom>
+        </p:spPr>
+        <p:style>
+          <a:lnRef idx="2">
+            <a:schemeClr val="accent1">
+              <a:shade val="50000"/>
+            </a:schemeClr>
+          </a:lnRef>
+          <a:fillRef idx="1">
+            <a:schemeClr val="accent1"/>
+          </a:fillRef>
+          <a:effectRef idx="0">
+            <a:schemeClr val="accent1"/>
+          </a:effectRef>
+          <a:fontRef idx="minor">
+            <a:schemeClr val="lt1"/>
+          </a:fontRef>
+        </p:style>
+        <p:txBody>
+          <a:bodyPr rtlCol="0" anchor="ctr"/>
+          <a:lstStyle/>
+          <a:p>
+            <a:pPr algn="ctr"/>
+            <a:r>
+              <a:rPr lang="en-US" altLang="ko-KR" dirty="0" smtClean="0"/>
+              <a:t>3</a:t>
+            </a:r>
+            <a:endParaRPr lang="ko-KR" altLang="en-US" dirty="0"/>
+          </a:p>
+        </p:txBody>
+      </p:sp>
+      <p:sp>
+        <p:nvSpPr>
+          <p:cNvPr id="70" name="직사각형 69"/>
+          <p:cNvSpPr/>
+          <p:nvPr/>
+        </p:nvSpPr>
+        <p:spPr>
+          <a:xfrm>
+            <a:off x="7333864" y="6206135"/>
+            <a:ext cx="629264" cy="353961"/>
+          </a:xfrm>
+          <a:prstGeom prst="rect">
+            <a:avLst/>
+          </a:prstGeom>
+        </p:spPr>
+        <p:style>
+          <a:lnRef idx="2">
+            <a:schemeClr val="accent1">
+              <a:shade val="50000"/>
+            </a:schemeClr>
+          </a:lnRef>
+          <a:fillRef idx="1">
+            <a:schemeClr val="accent1"/>
+          </a:fillRef>
+          <a:effectRef idx="0">
+            <a:schemeClr val="accent1"/>
+          </a:effectRef>
+          <a:fontRef idx="minor">
+            <a:schemeClr val="lt1"/>
+          </a:fontRef>
+        </p:style>
+        <p:txBody>
+          <a:bodyPr rtlCol="0" anchor="ctr"/>
+          <a:lstStyle/>
+          <a:p>
+            <a:pPr algn="ctr"/>
+            <a:r>
+              <a:rPr lang="en-US" altLang="ko-KR" dirty="0" smtClean="0"/>
+              <a:t>4</a:t>
+            </a:r>
+            <a:endParaRPr lang="ko-KR" altLang="en-US" dirty="0"/>
+          </a:p>
+        </p:txBody>
+      </p:sp>
+      <p:sp>
+        <p:nvSpPr>
+          <p:cNvPr id="71" name="직사각형 70"/>
+          <p:cNvSpPr/>
+          <p:nvPr/>
+        </p:nvSpPr>
+        <p:spPr>
+          <a:xfrm>
+            <a:off x="7968031" y="6206135"/>
+            <a:ext cx="629264" cy="353961"/>
+          </a:xfrm>
+          <a:prstGeom prst="rect">
+            <a:avLst/>
+          </a:prstGeom>
+        </p:spPr>
+        <p:style>
+          <a:lnRef idx="2">
+            <a:schemeClr val="accent1">
+              <a:shade val="50000"/>
+            </a:schemeClr>
+          </a:lnRef>
+          <a:fillRef idx="1">
+            <a:schemeClr val="accent1"/>
+          </a:fillRef>
+          <a:effectRef idx="0">
+            <a:schemeClr val="accent1"/>
+          </a:effectRef>
+          <a:fontRef idx="minor">
+            <a:schemeClr val="lt1"/>
+          </a:fontRef>
+        </p:style>
+        <p:txBody>
+          <a:bodyPr rtlCol="0" anchor="ctr"/>
+          <a:lstStyle/>
+          <a:p>
+            <a:pPr algn="ctr"/>
+            <a:r>
+              <a:rPr lang="en-US" altLang="ko-KR" dirty="0" smtClean="0"/>
+              <a:t>5</a:t>
+            </a:r>
+            <a:endParaRPr lang="ko-KR" altLang="en-US" dirty="0"/>
+          </a:p>
+        </p:txBody>
+      </p:sp>
+      <p:sp>
+        <p:nvSpPr>
+          <p:cNvPr id="72" name="직사각형 71"/>
+          <p:cNvSpPr/>
+          <p:nvPr/>
+        </p:nvSpPr>
+        <p:spPr>
+          <a:xfrm>
+            <a:off x="8602196" y="6206135"/>
+            <a:ext cx="629264" cy="353961"/>
+          </a:xfrm>
+          <a:prstGeom prst="rect">
+            <a:avLst/>
+          </a:prstGeom>
+        </p:spPr>
+        <p:style>
+          <a:lnRef idx="2">
+            <a:schemeClr val="accent1">
+              <a:shade val="50000"/>
+            </a:schemeClr>
+          </a:lnRef>
+          <a:fillRef idx="1">
+            <a:schemeClr val="accent1"/>
+          </a:fillRef>
+          <a:effectRef idx="0">
+            <a:schemeClr val="accent1"/>
+          </a:effectRef>
+          <a:fontRef idx="minor">
+            <a:schemeClr val="lt1"/>
+          </a:fontRef>
+        </p:style>
+        <p:txBody>
+          <a:bodyPr rtlCol="0" anchor="ctr"/>
+          <a:lstStyle/>
+          <a:p>
+            <a:pPr algn="ctr"/>
+            <a:r>
+              <a:rPr lang="en-US" altLang="ko-KR" dirty="0" smtClean="0"/>
+              <a:t>6</a:t>
+            </a:r>
+            <a:endParaRPr lang="ko-KR" altLang="en-US" dirty="0"/>
+          </a:p>
+        </p:txBody>
+      </p:sp>
+      <p:sp>
+        <p:nvSpPr>
+          <p:cNvPr id="73" name="TextBox 72"/>
+          <p:cNvSpPr txBox="1"/>
+          <p:nvPr/>
+        </p:nvSpPr>
+        <p:spPr>
+          <a:xfrm>
+            <a:off x="3372904" y="6198449"/>
+            <a:ext cx="822661" cy="369332"/>
+          </a:xfrm>
+          <a:prstGeom prst="rect">
+            <a:avLst/>
+          </a:prstGeom>
+          <a:noFill/>
+        </p:spPr>
+        <p:txBody>
+          <a:bodyPr wrap="none" rtlCol="0">
+            <a:spAutoFit/>
+          </a:bodyPr>
+          <a:lstStyle/>
+          <a:p>
+            <a:r>
+              <a:rPr lang="en-US" altLang="ko-KR" dirty="0" smtClean="0"/>
+              <a:t>Lag(2)</a:t>
+            </a:r>
+            <a:endParaRPr lang="ko-KR" altLang="en-US" dirty="0"/>
+          </a:p>
+        </p:txBody>
+      </p:sp>
+      <p:cxnSp>
+        <p:nvCxnSpPr>
+          <p:cNvPr id="77" name="직선 화살표 연결선 76"/>
+          <p:cNvCxnSpPr>
+            <a:stCxn id="13" idx="2"/>
+            <a:endCxn id="67" idx="0"/>
+          </p:cNvCxnSpPr>
+          <p:nvPr/>
+        </p:nvCxnSpPr>
+        <p:spPr>
+          <a:xfrm>
+            <a:off x="5119007" y="5850703"/>
+            <a:ext cx="626988" cy="355432"/>
+          </a:xfrm>
+          <a:prstGeom prst="straightConnector1">
+            <a:avLst/>
+          </a:prstGeom>
+          <a:ln>
+            <a:tailEnd type="triangle"/>
+          </a:ln>
+        </p:spPr>
+        <p:style>
+          <a:lnRef idx="1">
+            <a:schemeClr val="accent1"/>
+          </a:lnRef>
+          <a:fillRef idx="0">
+            <a:schemeClr val="accent1"/>
+          </a:fillRef>
+          <a:effectRef idx="0">
+            <a:schemeClr val="accent1"/>
+          </a:effectRef>
+          <a:fontRef idx="minor">
+            <a:schemeClr val="tx1"/>
+          </a:fontRef>
+        </p:style>
+      </p:cxnSp>
+      <p:cxnSp>
+        <p:nvCxnSpPr>
+          <p:cNvPr id="78" name="직선 화살표 연결선 77"/>
+          <p:cNvCxnSpPr/>
+          <p:nvPr/>
+        </p:nvCxnSpPr>
+        <p:spPr>
+          <a:xfrm>
+            <a:off x="5765779" y="5858388"/>
+            <a:ext cx="626988" cy="355432"/>
+          </a:xfrm>
+          <a:prstGeom prst="straightConnector1">
+            <a:avLst/>
+          </a:prstGeom>
+          <a:ln>
+            <a:tailEnd type="triangle"/>
+          </a:ln>
+        </p:spPr>
+        <p:style>
+          <a:lnRef idx="1">
+            <a:schemeClr val="accent1"/>
+          </a:lnRef>
+          <a:fillRef idx="0">
+            <a:schemeClr val="accent1"/>
+          </a:fillRef>
+          <a:effectRef idx="0">
+            <a:schemeClr val="accent1"/>
+          </a:effectRef>
+          <a:fontRef idx="minor">
+            <a:schemeClr val="tx1"/>
+          </a:fontRef>
+        </p:style>
+      </p:cxnSp>
+      <p:cxnSp>
+        <p:nvCxnSpPr>
+          <p:cNvPr id="84" name="직선 화살표 연결선 83"/>
+          <p:cNvCxnSpPr>
+            <a:stCxn id="15" idx="2"/>
+            <a:endCxn id="69" idx="0"/>
+          </p:cNvCxnSpPr>
+          <p:nvPr/>
+        </p:nvCxnSpPr>
+        <p:spPr>
+          <a:xfrm>
+            <a:off x="6387341" y="5850703"/>
+            <a:ext cx="626988" cy="355432"/>
+          </a:xfrm>
+          <a:prstGeom prst="straightConnector1">
+            <a:avLst/>
+          </a:prstGeom>
+          <a:ln>
+            <a:tailEnd type="triangle"/>
+          </a:ln>
+        </p:spPr>
+        <p:style>
+          <a:lnRef idx="1">
+            <a:schemeClr val="accent1"/>
+          </a:lnRef>
+          <a:fillRef idx="0">
+            <a:schemeClr val="accent1"/>
+          </a:fillRef>
+          <a:effectRef idx="0">
+            <a:schemeClr val="accent1"/>
+          </a:effectRef>
+          <a:fontRef idx="minor">
+            <a:schemeClr val="tx1"/>
+          </a:fontRef>
+        </p:style>
+      </p:cxnSp>
+      <p:cxnSp>
+        <p:nvCxnSpPr>
+          <p:cNvPr id="86" name="직선 화살표 연결선 85"/>
+          <p:cNvCxnSpPr>
+            <a:stCxn id="16" idx="2"/>
+            <a:endCxn id="70" idx="0"/>
+          </p:cNvCxnSpPr>
+          <p:nvPr/>
+        </p:nvCxnSpPr>
+        <p:spPr>
+          <a:xfrm>
+            <a:off x="7021508" y="5850703"/>
+            <a:ext cx="626988" cy="355432"/>
+          </a:xfrm>
+          <a:prstGeom prst="straightConnector1">
+            <a:avLst/>
+          </a:prstGeom>
+          <a:ln>
+            <a:tailEnd type="triangle"/>
+          </a:ln>
+        </p:spPr>
+        <p:style>
+          <a:lnRef idx="1">
+            <a:schemeClr val="accent1"/>
+          </a:lnRef>
+          <a:fillRef idx="0">
+            <a:schemeClr val="accent1"/>
+          </a:fillRef>
+          <a:effectRef idx="0">
+            <a:schemeClr val="accent1"/>
+          </a:effectRef>
+          <a:fontRef idx="minor">
+            <a:schemeClr val="tx1"/>
+          </a:fontRef>
+        </p:style>
+      </p:cxnSp>
+      <p:cxnSp>
+        <p:nvCxnSpPr>
+          <p:cNvPr id="88" name="직선 화살표 연결선 87"/>
+          <p:cNvCxnSpPr>
+            <a:stCxn id="17" idx="2"/>
+            <a:endCxn id="71" idx="0"/>
+          </p:cNvCxnSpPr>
+          <p:nvPr/>
+        </p:nvCxnSpPr>
+        <p:spPr>
+          <a:xfrm>
+            <a:off x="7655675" y="5850703"/>
+            <a:ext cx="626988" cy="355432"/>
+          </a:xfrm>
+          <a:prstGeom prst="straightConnector1">
+            <a:avLst/>
+          </a:prstGeom>
+          <a:ln>
+            <a:tailEnd type="triangle"/>
+          </a:ln>
+        </p:spPr>
+        <p:style>
+          <a:lnRef idx="1">
+            <a:schemeClr val="accent1"/>
+          </a:lnRef>
+          <a:fillRef idx="0">
+            <a:schemeClr val="accent1"/>
+          </a:fillRef>
+          <a:effectRef idx="0">
+            <a:schemeClr val="accent1"/>
+          </a:effectRef>
+          <a:fontRef idx="minor">
+            <a:schemeClr val="tx1"/>
+          </a:fontRef>
+        </p:style>
+      </p:cxnSp>
+      <p:cxnSp>
+        <p:nvCxnSpPr>
+          <p:cNvPr id="90" name="직선 화살표 연결선 89"/>
+          <p:cNvCxnSpPr>
+            <a:stCxn id="18" idx="2"/>
+            <a:endCxn id="72" idx="0"/>
+          </p:cNvCxnSpPr>
+          <p:nvPr/>
+        </p:nvCxnSpPr>
+        <p:spPr>
+          <a:xfrm>
+            <a:off x="8289842" y="5850703"/>
+            <a:ext cx="626986" cy="355432"/>
+          </a:xfrm>
+          <a:prstGeom prst="straightConnector1">
+            <a:avLst/>
+          </a:prstGeom>
+          <a:ln>
+            <a:tailEnd type="triangle"/>
+          </a:ln>
+        </p:spPr>
+        <p:style>
+          <a:lnRef idx="1">
+            <a:schemeClr val="accent1"/>
+          </a:lnRef>
+          <a:fillRef idx="0">
+            <a:schemeClr val="accent1"/>
+          </a:fillRef>
+          <a:effectRef idx="0">
+            <a:schemeClr val="accent1"/>
+          </a:effectRef>
+          <a:fontRef idx="minor">
+            <a:schemeClr val="tx1"/>
+          </a:fontRef>
+        </p:style>
+      </p:cxnSp>
+      <p:sp>
+        <p:nvSpPr>
+          <p:cNvPr id="91" name="직사각형 90"/>
+          <p:cNvSpPr/>
+          <p:nvPr/>
+        </p:nvSpPr>
+        <p:spPr>
+          <a:xfrm>
+            <a:off x="6385519" y="1091102"/>
+            <a:ext cx="629264" cy="353961"/>
+          </a:xfrm>
+          <a:prstGeom prst="rect">
+            <a:avLst/>
+          </a:prstGeom>
+        </p:spPr>
+        <p:style>
+          <a:lnRef idx="2">
+            <a:schemeClr val="accent1">
+              <a:shade val="50000"/>
+            </a:schemeClr>
+          </a:lnRef>
+          <a:fillRef idx="1">
+            <a:schemeClr val="accent1"/>
+          </a:fillRef>
+          <a:effectRef idx="0">
+            <a:schemeClr val="accent1"/>
+          </a:effectRef>
+          <a:fontRef idx="minor">
+            <a:schemeClr val="lt1"/>
+          </a:fontRef>
+        </p:style>
+        <p:txBody>
+          <a:bodyPr rtlCol="0" anchor="ctr"/>
+          <a:lstStyle/>
+          <a:p>
+            <a:pPr algn="ctr"/>
+            <a:r>
+              <a:rPr lang="en-US" altLang="ko-KR" dirty="0" smtClean="0"/>
+              <a:t>1</a:t>
+            </a:r>
+            <a:endParaRPr lang="ko-KR" altLang="en-US" dirty="0"/>
+          </a:p>
+        </p:txBody>
+      </p:sp>
+      <p:sp>
+        <p:nvSpPr>
+          <p:cNvPr id="92" name="직사각형 91"/>
+          <p:cNvSpPr/>
+          <p:nvPr/>
+        </p:nvSpPr>
+        <p:spPr>
+          <a:xfrm>
+            <a:off x="7020141" y="1091102"/>
+            <a:ext cx="629264" cy="353961"/>
+          </a:xfrm>
+          <a:prstGeom prst="rect">
+            <a:avLst/>
+          </a:prstGeom>
+        </p:spPr>
+        <p:style>
+          <a:lnRef idx="2">
+            <a:schemeClr val="accent1">
+              <a:shade val="50000"/>
+            </a:schemeClr>
+          </a:lnRef>
+          <a:fillRef idx="1">
+            <a:schemeClr val="accent1"/>
+          </a:fillRef>
+          <a:effectRef idx="0">
+            <a:schemeClr val="accent1"/>
+          </a:effectRef>
+          <a:fontRef idx="minor">
+            <a:schemeClr val="lt1"/>
+          </a:fontRef>
+        </p:style>
+        <p:txBody>
+          <a:bodyPr rtlCol="0" anchor="ctr"/>
+          <a:lstStyle/>
+          <a:p>
+            <a:pPr algn="ctr"/>
+            <a:r>
+              <a:rPr lang="en-US" altLang="ko-KR" dirty="0" smtClean="0"/>
+              <a:t>2</a:t>
+            </a:r>
+            <a:endParaRPr lang="ko-KR" altLang="en-US" dirty="0"/>
+          </a:p>
+        </p:txBody>
+      </p:sp>
+      <p:sp>
+        <p:nvSpPr>
+          <p:cNvPr id="93" name="직사각형 92"/>
+          <p:cNvSpPr/>
+          <p:nvPr/>
+        </p:nvSpPr>
+        <p:spPr>
+          <a:xfrm>
+            <a:off x="7654763" y="1091102"/>
+            <a:ext cx="629264" cy="353961"/>
+          </a:xfrm>
+          <a:prstGeom prst="rect">
+            <a:avLst/>
+          </a:prstGeom>
+        </p:spPr>
+        <p:style>
+          <a:lnRef idx="2">
+            <a:schemeClr val="accent1">
+              <a:shade val="50000"/>
+            </a:schemeClr>
+          </a:lnRef>
+          <a:fillRef idx="1">
+            <a:schemeClr val="accent1"/>
+          </a:fillRef>
+          <a:effectRef idx="0">
+            <a:schemeClr val="accent1"/>
+          </a:effectRef>
+          <a:fontRef idx="minor">
+            <a:schemeClr val="lt1"/>
+          </a:fontRef>
+        </p:style>
+        <p:txBody>
+          <a:bodyPr rtlCol="0" anchor="ctr"/>
+          <a:lstStyle/>
+          <a:p>
+            <a:pPr algn="ctr"/>
+            <a:r>
+              <a:rPr lang="en-US" altLang="ko-KR" dirty="0" smtClean="0"/>
+              <a:t>3</a:t>
+            </a:r>
+            <a:endParaRPr lang="ko-KR" altLang="en-US" dirty="0"/>
+          </a:p>
+        </p:txBody>
+      </p:sp>
+      <p:sp>
+        <p:nvSpPr>
+          <p:cNvPr id="94" name="직사각형 93"/>
+          <p:cNvSpPr/>
+          <p:nvPr/>
+        </p:nvSpPr>
+        <p:spPr>
+          <a:xfrm>
+            <a:off x="8289385" y="1091102"/>
+            <a:ext cx="629264" cy="353961"/>
+          </a:xfrm>
+          <a:prstGeom prst="rect">
+            <a:avLst/>
+          </a:prstGeom>
+        </p:spPr>
+        <p:style>
+          <a:lnRef idx="2">
+            <a:schemeClr val="accent1">
+              <a:shade val="50000"/>
+            </a:schemeClr>
+          </a:lnRef>
+          <a:fillRef idx="1">
+            <a:schemeClr val="accent1"/>
+          </a:fillRef>
+          <a:effectRef idx="0">
+            <a:schemeClr val="accent1"/>
+          </a:effectRef>
+          <a:fontRef idx="minor">
+            <a:schemeClr val="lt1"/>
+          </a:fontRef>
+        </p:style>
+        <p:txBody>
+          <a:bodyPr rtlCol="0" anchor="ctr"/>
+          <a:lstStyle/>
+          <a:p>
+            <a:pPr algn="ctr"/>
+            <a:r>
+              <a:rPr lang="en-US" altLang="ko-KR" dirty="0" smtClean="0"/>
+              <a:t>4</a:t>
+            </a:r>
+            <a:endParaRPr lang="ko-KR" altLang="en-US" dirty="0"/>
+          </a:p>
+        </p:txBody>
+      </p:sp>
+      <p:sp>
+        <p:nvSpPr>
+          <p:cNvPr id="95" name="직사각형 94"/>
+          <p:cNvSpPr/>
+          <p:nvPr/>
+        </p:nvSpPr>
+        <p:spPr>
+          <a:xfrm>
+            <a:off x="8924007" y="1091102"/>
+            <a:ext cx="629264" cy="353961"/>
+          </a:xfrm>
+          <a:prstGeom prst="rect">
+            <a:avLst/>
+          </a:prstGeom>
+        </p:spPr>
+        <p:style>
+          <a:lnRef idx="2">
+            <a:schemeClr val="accent1">
+              <a:shade val="50000"/>
+            </a:schemeClr>
+          </a:lnRef>
+          <a:fillRef idx="1">
+            <a:schemeClr val="accent1"/>
+          </a:fillRef>
+          <a:effectRef idx="0">
+            <a:schemeClr val="accent1"/>
+          </a:effectRef>
+          <a:fontRef idx="minor">
+            <a:schemeClr val="lt1"/>
+          </a:fontRef>
+        </p:style>
+        <p:txBody>
+          <a:bodyPr rtlCol="0" anchor="ctr"/>
+          <a:lstStyle/>
+          <a:p>
+            <a:pPr algn="ctr"/>
+            <a:r>
+              <a:rPr lang="en-US" altLang="ko-KR" dirty="0" smtClean="0"/>
+              <a:t>5</a:t>
+            </a:r>
+            <a:endParaRPr lang="ko-KR" altLang="en-US" dirty="0"/>
+          </a:p>
+        </p:txBody>
+      </p:sp>
+      <p:sp>
+        <p:nvSpPr>
+          <p:cNvPr id="96" name="직사각형 95"/>
+          <p:cNvSpPr/>
+          <p:nvPr/>
+        </p:nvSpPr>
+        <p:spPr>
+          <a:xfrm>
+            <a:off x="9558629" y="1091102"/>
+            <a:ext cx="629264" cy="353961"/>
+          </a:xfrm>
+          <a:prstGeom prst="rect">
+            <a:avLst/>
+          </a:prstGeom>
+        </p:spPr>
+        <p:style>
+          <a:lnRef idx="2">
+            <a:schemeClr val="accent1">
+              <a:shade val="50000"/>
+            </a:schemeClr>
+          </a:lnRef>
+          <a:fillRef idx="1">
+            <a:schemeClr val="accent1"/>
+          </a:fillRef>
+          <a:effectRef idx="0">
+            <a:schemeClr val="accent1"/>
+          </a:effectRef>
+          <a:fontRef idx="minor">
+            <a:schemeClr val="lt1"/>
+          </a:fontRef>
+        </p:style>
+        <p:txBody>
+          <a:bodyPr rtlCol="0" anchor="ctr"/>
+          <a:lstStyle/>
+          <a:p>
+            <a:pPr algn="ctr"/>
+            <a:r>
+              <a:rPr lang="en-US" altLang="ko-KR" dirty="0" smtClean="0"/>
+              <a:t>6</a:t>
+            </a:r>
+            <a:endParaRPr lang="ko-KR" altLang="en-US" dirty="0"/>
+          </a:p>
+        </p:txBody>
+      </p:sp>
+      <p:sp>
+        <p:nvSpPr>
+          <p:cNvPr id="97" name="직사각형 96"/>
+          <p:cNvSpPr/>
+          <p:nvPr/>
+        </p:nvSpPr>
+        <p:spPr>
+          <a:xfrm>
+            <a:off x="10193251" y="1091102"/>
+            <a:ext cx="629264" cy="353961"/>
+          </a:xfrm>
+          <a:prstGeom prst="rect">
+            <a:avLst/>
+          </a:prstGeom>
+        </p:spPr>
+        <p:style>
+          <a:lnRef idx="2">
+            <a:schemeClr val="accent1">
+              <a:shade val="50000"/>
+            </a:schemeClr>
+          </a:lnRef>
+          <a:fillRef idx="1">
+            <a:schemeClr val="accent1"/>
+          </a:fillRef>
+          <a:effectRef idx="0">
+            <a:schemeClr val="accent1"/>
+          </a:effectRef>
+          <a:fontRef idx="minor">
+            <a:schemeClr val="lt1"/>
+          </a:fontRef>
+        </p:style>
+        <p:txBody>
+          <a:bodyPr rtlCol="0" anchor="ctr"/>
+          <a:lstStyle/>
+          <a:p>
+            <a:pPr algn="ctr"/>
+            <a:r>
+              <a:rPr lang="en-US" altLang="ko-KR" dirty="0" smtClean="0"/>
+              <a:t>7</a:t>
+            </a:r>
+            <a:endParaRPr lang="ko-KR" altLang="en-US" dirty="0"/>
+          </a:p>
+        </p:txBody>
+      </p:sp>
+      <p:sp>
+        <p:nvSpPr>
+          <p:cNvPr id="98" name="직사각형 97"/>
+          <p:cNvSpPr/>
+          <p:nvPr/>
+        </p:nvSpPr>
+        <p:spPr>
+          <a:xfrm>
+            <a:off x="10827872" y="1091102"/>
+            <a:ext cx="629264" cy="353961"/>
+          </a:xfrm>
+          <a:prstGeom prst="rect">
+            <a:avLst/>
+          </a:prstGeom>
+        </p:spPr>
+        <p:style>
+          <a:lnRef idx="2">
+            <a:schemeClr val="accent1">
+              <a:shade val="50000"/>
+            </a:schemeClr>
+          </a:lnRef>
+          <a:fillRef idx="1">
+            <a:schemeClr val="accent1"/>
+          </a:fillRef>
+          <a:effectRef idx="0">
+            <a:schemeClr val="accent1"/>
+          </a:effectRef>
+          <a:fontRef idx="minor">
+            <a:schemeClr val="lt1"/>
+          </a:fontRef>
+        </p:style>
+        <p:txBody>
+          <a:bodyPr rtlCol="0" anchor="ctr"/>
+          <a:lstStyle/>
+          <a:p>
+            <a:pPr algn="ctr"/>
+            <a:r>
+              <a:rPr lang="en-US" altLang="ko-KR" dirty="0" smtClean="0"/>
+              <a:t>8</a:t>
+            </a:r>
+            <a:endParaRPr lang="ko-KR" altLang="en-US" dirty="0"/>
+          </a:p>
+        </p:txBody>
+      </p:sp>
+      <p:sp>
+        <p:nvSpPr>
+          <p:cNvPr id="99" name="직사각형 98"/>
+          <p:cNvSpPr/>
+          <p:nvPr/>
+        </p:nvSpPr>
+        <p:spPr>
+          <a:xfrm>
+            <a:off x="6388705" y="1903881"/>
+            <a:ext cx="629264" cy="353961"/>
+          </a:xfrm>
+          <a:prstGeom prst="rect">
+            <a:avLst/>
+          </a:prstGeom>
+        </p:spPr>
+        <p:style>
+          <a:lnRef idx="2">
+            <a:schemeClr val="accent1">
+              <a:shade val="50000"/>
+            </a:schemeClr>
+          </a:lnRef>
+          <a:fillRef idx="1">
+            <a:schemeClr val="accent1"/>
+          </a:fillRef>
+          <a:effectRef idx="0">
+            <a:schemeClr val="accent1"/>
+          </a:effectRef>
+          <a:fontRef idx="minor">
+            <a:schemeClr val="lt1"/>
+          </a:fontRef>
+        </p:style>
+        <p:txBody>
+          <a:bodyPr rtlCol="0" anchor="ctr"/>
+          <a:lstStyle/>
+          <a:p>
+            <a:pPr algn="ctr"/>
+            <a:r>
+              <a:rPr lang="en-US" altLang="ko-KR" dirty="0" smtClean="0"/>
+              <a:t>NA</a:t>
+            </a:r>
+            <a:endParaRPr lang="ko-KR" altLang="en-US" dirty="0"/>
+          </a:p>
+        </p:txBody>
+      </p:sp>
+      <p:sp>
+        <p:nvSpPr>
+          <p:cNvPr id="100" name="직사각형 99"/>
+          <p:cNvSpPr/>
+          <p:nvPr/>
+        </p:nvSpPr>
+        <p:spPr>
+          <a:xfrm>
+            <a:off x="7022872" y="1903881"/>
+            <a:ext cx="629264" cy="353961"/>
+          </a:xfrm>
+          <a:prstGeom prst="rect">
+            <a:avLst/>
+          </a:prstGeom>
+        </p:spPr>
+        <p:style>
+          <a:lnRef idx="2">
+            <a:schemeClr val="accent1">
+              <a:shade val="50000"/>
+            </a:schemeClr>
+          </a:lnRef>
+          <a:fillRef idx="1">
+            <a:schemeClr val="accent1"/>
+          </a:fillRef>
+          <a:effectRef idx="0">
+            <a:schemeClr val="accent1"/>
+          </a:effectRef>
+          <a:fontRef idx="minor">
+            <a:schemeClr val="lt1"/>
+          </a:fontRef>
+        </p:style>
+        <p:txBody>
+          <a:bodyPr rtlCol="0" anchor="ctr"/>
+          <a:lstStyle/>
+          <a:p>
+            <a:pPr algn="ctr"/>
+            <a:r>
+              <a:rPr lang="en-US" altLang="ko-KR" dirty="0" smtClean="0"/>
+              <a:t>1</a:t>
+            </a:r>
+            <a:endParaRPr lang="ko-KR" altLang="en-US" dirty="0"/>
+          </a:p>
+        </p:txBody>
+      </p:sp>
+      <p:sp>
+        <p:nvSpPr>
+          <p:cNvPr id="101" name="직사각형 100"/>
+          <p:cNvSpPr/>
+          <p:nvPr/>
+        </p:nvSpPr>
+        <p:spPr>
+          <a:xfrm>
+            <a:off x="7657039" y="1903881"/>
+            <a:ext cx="629264" cy="353961"/>
+          </a:xfrm>
+          <a:prstGeom prst="rect">
+            <a:avLst/>
+          </a:prstGeom>
+        </p:spPr>
+        <p:style>
+          <a:lnRef idx="2">
+            <a:schemeClr val="accent1">
+              <a:shade val="50000"/>
+            </a:schemeClr>
+          </a:lnRef>
+          <a:fillRef idx="1">
+            <a:schemeClr val="accent1"/>
+          </a:fillRef>
+          <a:effectRef idx="0">
+            <a:schemeClr val="accent1"/>
+          </a:effectRef>
+          <a:fontRef idx="minor">
+            <a:schemeClr val="lt1"/>
+          </a:fontRef>
+        </p:style>
+        <p:txBody>
+          <a:bodyPr rtlCol="0" anchor="ctr"/>
+          <a:lstStyle/>
+          <a:p>
+            <a:pPr algn="ctr"/>
+            <a:r>
+              <a:rPr lang="en-US" altLang="ko-KR" dirty="0" smtClean="0"/>
+              <a:t>1</a:t>
+            </a:r>
+            <a:endParaRPr lang="ko-KR" altLang="en-US" dirty="0"/>
+          </a:p>
+        </p:txBody>
+      </p:sp>
+      <p:sp>
+        <p:nvSpPr>
+          <p:cNvPr id="102" name="직사각형 101"/>
+          <p:cNvSpPr/>
+          <p:nvPr/>
+        </p:nvSpPr>
+        <p:spPr>
+          <a:xfrm>
+            <a:off x="8291206" y="1903881"/>
+            <a:ext cx="629264" cy="353961"/>
+          </a:xfrm>
+          <a:prstGeom prst="rect">
+            <a:avLst/>
+          </a:prstGeom>
+        </p:spPr>
+        <p:style>
+          <a:lnRef idx="2">
+            <a:schemeClr val="accent1">
+              <a:shade val="50000"/>
+            </a:schemeClr>
+          </a:lnRef>
+          <a:fillRef idx="1">
+            <a:schemeClr val="accent1"/>
+          </a:fillRef>
+          <a:effectRef idx="0">
+            <a:schemeClr val="accent1"/>
+          </a:effectRef>
+          <a:fontRef idx="minor">
+            <a:schemeClr val="lt1"/>
+          </a:fontRef>
+        </p:style>
+        <p:txBody>
+          <a:bodyPr rtlCol="0" anchor="ctr"/>
+          <a:lstStyle/>
+          <a:p>
+            <a:pPr algn="ctr"/>
+            <a:r>
+              <a:rPr lang="en-US" altLang="ko-KR" dirty="0" smtClean="0"/>
+              <a:t>1</a:t>
+            </a:r>
+            <a:endParaRPr lang="ko-KR" altLang="en-US" dirty="0"/>
+          </a:p>
+        </p:txBody>
+      </p:sp>
+      <p:sp>
+        <p:nvSpPr>
+          <p:cNvPr id="103" name="직사각형 102"/>
+          <p:cNvSpPr/>
+          <p:nvPr/>
+        </p:nvSpPr>
+        <p:spPr>
+          <a:xfrm>
+            <a:off x="8925373" y="1903881"/>
+            <a:ext cx="629264" cy="353961"/>
+          </a:xfrm>
+          <a:prstGeom prst="rect">
+            <a:avLst/>
+          </a:prstGeom>
+        </p:spPr>
+        <p:style>
+          <a:lnRef idx="2">
+            <a:schemeClr val="accent1">
+              <a:shade val="50000"/>
+            </a:schemeClr>
+          </a:lnRef>
+          <a:fillRef idx="1">
+            <a:schemeClr val="accent1"/>
+          </a:fillRef>
+          <a:effectRef idx="0">
+            <a:schemeClr val="accent1"/>
+          </a:effectRef>
+          <a:fontRef idx="minor">
+            <a:schemeClr val="lt1"/>
+          </a:fontRef>
+        </p:style>
+        <p:txBody>
+          <a:bodyPr rtlCol="0" anchor="ctr"/>
+          <a:lstStyle/>
+          <a:p>
+            <a:pPr algn="ctr"/>
+            <a:r>
+              <a:rPr lang="en-US" altLang="ko-KR" dirty="0" smtClean="0"/>
+              <a:t>1</a:t>
+            </a:r>
+            <a:endParaRPr lang="ko-KR" altLang="en-US" dirty="0"/>
+          </a:p>
+        </p:txBody>
+      </p:sp>
+      <p:sp>
+        <p:nvSpPr>
+          <p:cNvPr id="104" name="직사각형 103"/>
+          <p:cNvSpPr/>
+          <p:nvPr/>
+        </p:nvSpPr>
+        <p:spPr>
+          <a:xfrm>
+            <a:off x="9559540" y="1903881"/>
+            <a:ext cx="629264" cy="353961"/>
+          </a:xfrm>
+          <a:prstGeom prst="rect">
+            <a:avLst/>
+          </a:prstGeom>
+        </p:spPr>
+        <p:style>
+          <a:lnRef idx="2">
+            <a:schemeClr val="accent1">
+              <a:shade val="50000"/>
+            </a:schemeClr>
+          </a:lnRef>
+          <a:fillRef idx="1">
+            <a:schemeClr val="accent1"/>
+          </a:fillRef>
+          <a:effectRef idx="0">
+            <a:schemeClr val="accent1"/>
+          </a:effectRef>
+          <a:fontRef idx="minor">
+            <a:schemeClr val="lt1"/>
+          </a:fontRef>
+        </p:style>
+        <p:txBody>
+          <a:bodyPr rtlCol="0" anchor="ctr"/>
+          <a:lstStyle/>
+          <a:p>
+            <a:pPr algn="ctr"/>
+            <a:r>
+              <a:rPr lang="en-US" altLang="ko-KR" dirty="0" smtClean="0"/>
+              <a:t>1</a:t>
+            </a:r>
+            <a:endParaRPr lang="ko-KR" altLang="en-US" dirty="0"/>
+          </a:p>
+        </p:txBody>
+      </p:sp>
+      <p:sp>
+        <p:nvSpPr>
+          <p:cNvPr id="105" name="직사각형 104"/>
+          <p:cNvSpPr/>
+          <p:nvPr/>
+        </p:nvSpPr>
+        <p:spPr>
+          <a:xfrm>
+            <a:off x="10193707" y="1903881"/>
+            <a:ext cx="629264" cy="353961"/>
+          </a:xfrm>
+          <a:prstGeom prst="rect">
+            <a:avLst/>
+          </a:prstGeom>
+        </p:spPr>
+        <p:style>
+          <a:lnRef idx="2">
+            <a:schemeClr val="accent1">
+              <a:shade val="50000"/>
+            </a:schemeClr>
+          </a:lnRef>
+          <a:fillRef idx="1">
+            <a:schemeClr val="accent1"/>
+          </a:fillRef>
+          <a:effectRef idx="0">
+            <a:schemeClr val="accent1"/>
+          </a:effectRef>
+          <a:fontRef idx="minor">
+            <a:schemeClr val="lt1"/>
+          </a:fontRef>
+        </p:style>
+        <p:txBody>
+          <a:bodyPr rtlCol="0" anchor="ctr"/>
+          <a:lstStyle/>
+          <a:p>
+            <a:pPr algn="ctr"/>
+            <a:r>
+              <a:rPr lang="en-US" altLang="ko-KR" dirty="0" smtClean="0"/>
+              <a:t>1</a:t>
+            </a:r>
+            <a:endParaRPr lang="ko-KR" altLang="en-US" dirty="0"/>
+          </a:p>
+        </p:txBody>
+      </p:sp>
+      <p:sp>
+        <p:nvSpPr>
+          <p:cNvPr id="106" name="직사각형 105"/>
+          <p:cNvSpPr/>
+          <p:nvPr/>
+        </p:nvSpPr>
+        <p:spPr>
+          <a:xfrm>
+            <a:off x="10827872" y="1903881"/>
+            <a:ext cx="629264" cy="353961"/>
+          </a:xfrm>
+          <a:prstGeom prst="rect">
+            <a:avLst/>
+          </a:prstGeom>
+        </p:spPr>
+        <p:style>
+          <a:lnRef idx="2">
+            <a:schemeClr val="accent1">
+              <a:shade val="50000"/>
+            </a:schemeClr>
+          </a:lnRef>
+          <a:fillRef idx="1">
+            <a:schemeClr val="accent1"/>
+          </a:fillRef>
+          <a:effectRef idx="0">
+            <a:schemeClr val="accent1"/>
+          </a:effectRef>
+          <a:fontRef idx="minor">
+            <a:schemeClr val="lt1"/>
+          </a:fontRef>
+        </p:style>
+        <p:txBody>
+          <a:bodyPr rtlCol="0" anchor="ctr"/>
+          <a:lstStyle/>
+          <a:p>
+            <a:pPr algn="ctr"/>
+            <a:r>
+              <a:rPr lang="en-US" altLang="ko-KR" dirty="0" smtClean="0"/>
+              <a:t>1</a:t>
+            </a:r>
+            <a:endParaRPr lang="ko-KR" altLang="en-US" dirty="0"/>
+          </a:p>
+        </p:txBody>
+      </p:sp>
+      <p:sp>
+        <p:nvSpPr>
+          <p:cNvPr id="107" name="TextBox 106"/>
+          <p:cNvSpPr txBox="1"/>
+          <p:nvPr/>
+        </p:nvSpPr>
+        <p:spPr>
+          <a:xfrm>
+            <a:off x="5686745" y="1096348"/>
+            <a:ext cx="646331" cy="369332"/>
+          </a:xfrm>
+          <a:prstGeom prst="rect">
+            <a:avLst/>
+          </a:prstGeom>
+          <a:noFill/>
+        </p:spPr>
+        <p:txBody>
+          <a:bodyPr wrap="none" rtlCol="0">
+            <a:spAutoFit/>
+          </a:bodyPr>
+          <a:lstStyle/>
+          <a:p>
+            <a:r>
+              <a:rPr lang="ko-KR" altLang="en-US" dirty="0" smtClean="0"/>
+              <a:t>원본</a:t>
+            </a:r>
+            <a:endParaRPr lang="ko-KR" altLang="en-US" dirty="0"/>
+          </a:p>
+        </p:txBody>
+      </p:sp>
+      <p:sp>
+        <p:nvSpPr>
+          <p:cNvPr id="108" name="TextBox 107"/>
+          <p:cNvSpPr txBox="1"/>
+          <p:nvPr/>
+        </p:nvSpPr>
+        <p:spPr>
+          <a:xfrm>
+            <a:off x="5598580" y="1896195"/>
+            <a:ext cx="795411" cy="369332"/>
+          </a:xfrm>
+          <a:prstGeom prst="rect">
+            <a:avLst/>
+          </a:prstGeom>
+          <a:noFill/>
+        </p:spPr>
+        <p:txBody>
+          <a:bodyPr wrap="none" rtlCol="0">
+            <a:spAutoFit/>
+          </a:bodyPr>
+          <a:lstStyle/>
+          <a:p>
+            <a:r>
+              <a:rPr lang="en-US" altLang="ko-KR" dirty="0" smtClean="0"/>
+              <a:t>diff</a:t>
+            </a:r>
+            <a:r>
+              <a:rPr lang="en-US" altLang="ko-KR" dirty="0" smtClean="0"/>
+              <a:t>(1)</a:t>
+            </a:r>
+            <a:endParaRPr lang="ko-KR" altLang="en-US" dirty="0"/>
+          </a:p>
+        </p:txBody>
+      </p:sp>
+      <p:sp>
+        <p:nvSpPr>
+          <p:cNvPr id="116" name="직사각형 115"/>
+          <p:cNvSpPr/>
+          <p:nvPr/>
+        </p:nvSpPr>
+        <p:spPr>
+          <a:xfrm>
+            <a:off x="6383348" y="2711536"/>
+            <a:ext cx="629264" cy="353961"/>
+          </a:xfrm>
+          <a:prstGeom prst="rect">
+            <a:avLst/>
+          </a:prstGeom>
+        </p:spPr>
+        <p:style>
+          <a:lnRef idx="2">
+            <a:schemeClr val="accent1">
+              <a:shade val="50000"/>
+            </a:schemeClr>
+          </a:lnRef>
+          <a:fillRef idx="1">
+            <a:schemeClr val="accent1"/>
+          </a:fillRef>
+          <a:effectRef idx="0">
+            <a:schemeClr val="accent1"/>
+          </a:effectRef>
+          <a:fontRef idx="minor">
+            <a:schemeClr val="lt1"/>
+          </a:fontRef>
+        </p:style>
+        <p:txBody>
+          <a:bodyPr rtlCol="0" anchor="ctr"/>
+          <a:lstStyle/>
+          <a:p>
+            <a:pPr algn="ctr"/>
+            <a:r>
+              <a:rPr lang="en-US" altLang="ko-KR" dirty="0" smtClean="0"/>
+              <a:t>NA</a:t>
+            </a:r>
+            <a:endParaRPr lang="ko-KR" altLang="en-US" dirty="0"/>
+          </a:p>
+        </p:txBody>
+      </p:sp>
+      <p:sp>
+        <p:nvSpPr>
+          <p:cNvPr id="117" name="직사각형 116"/>
+          <p:cNvSpPr/>
+          <p:nvPr/>
+        </p:nvSpPr>
+        <p:spPr>
+          <a:xfrm>
+            <a:off x="7017515" y="2711536"/>
+            <a:ext cx="629264" cy="353961"/>
+          </a:xfrm>
+          <a:prstGeom prst="rect">
+            <a:avLst/>
+          </a:prstGeom>
+        </p:spPr>
+        <p:style>
+          <a:lnRef idx="2">
+            <a:schemeClr val="accent1">
+              <a:shade val="50000"/>
+            </a:schemeClr>
+          </a:lnRef>
+          <a:fillRef idx="1">
+            <a:schemeClr val="accent1"/>
+          </a:fillRef>
+          <a:effectRef idx="0">
+            <a:schemeClr val="accent1"/>
+          </a:effectRef>
+          <a:fontRef idx="minor">
+            <a:schemeClr val="lt1"/>
+          </a:fontRef>
+        </p:style>
+        <p:txBody>
+          <a:bodyPr rtlCol="0" anchor="ctr"/>
+          <a:lstStyle/>
+          <a:p>
+            <a:pPr algn="ctr"/>
+            <a:r>
+              <a:rPr lang="en-US" altLang="ko-KR" dirty="0" smtClean="0"/>
+              <a:t>NA</a:t>
+            </a:r>
+            <a:endParaRPr lang="ko-KR" altLang="en-US" dirty="0"/>
+          </a:p>
+        </p:txBody>
+      </p:sp>
+      <p:sp>
+        <p:nvSpPr>
+          <p:cNvPr id="118" name="직사각형 117"/>
+          <p:cNvSpPr/>
+          <p:nvPr/>
+        </p:nvSpPr>
+        <p:spPr>
+          <a:xfrm>
+            <a:off x="7651682" y="2711536"/>
+            <a:ext cx="629264" cy="353961"/>
+          </a:xfrm>
+          <a:prstGeom prst="rect">
+            <a:avLst/>
+          </a:prstGeom>
+        </p:spPr>
+        <p:style>
+          <a:lnRef idx="2">
+            <a:schemeClr val="accent1">
+              <a:shade val="50000"/>
+            </a:schemeClr>
+          </a:lnRef>
+          <a:fillRef idx="1">
+            <a:schemeClr val="accent1"/>
+          </a:fillRef>
+          <a:effectRef idx="0">
+            <a:schemeClr val="accent1"/>
+          </a:effectRef>
+          <a:fontRef idx="minor">
+            <a:schemeClr val="lt1"/>
+          </a:fontRef>
+        </p:style>
+        <p:txBody>
+          <a:bodyPr rtlCol="0" anchor="ctr"/>
+          <a:lstStyle/>
+          <a:p>
+            <a:pPr algn="ctr"/>
+            <a:r>
+              <a:rPr lang="en-US" altLang="ko-KR" dirty="0" smtClean="0"/>
+              <a:t>0</a:t>
+            </a:r>
+            <a:endParaRPr lang="ko-KR" altLang="en-US" dirty="0"/>
+          </a:p>
+        </p:txBody>
+      </p:sp>
+      <p:sp>
+        <p:nvSpPr>
+          <p:cNvPr id="119" name="직사각형 118"/>
+          <p:cNvSpPr/>
+          <p:nvPr/>
+        </p:nvSpPr>
+        <p:spPr>
+          <a:xfrm>
+            <a:off x="8285849" y="2711536"/>
+            <a:ext cx="629264" cy="353961"/>
+          </a:xfrm>
+          <a:prstGeom prst="rect">
+            <a:avLst/>
+          </a:prstGeom>
+        </p:spPr>
+        <p:style>
+          <a:lnRef idx="2">
+            <a:schemeClr val="accent1">
+              <a:shade val="50000"/>
+            </a:schemeClr>
+          </a:lnRef>
+          <a:fillRef idx="1">
+            <a:schemeClr val="accent1"/>
+          </a:fillRef>
+          <a:effectRef idx="0">
+            <a:schemeClr val="accent1"/>
+          </a:effectRef>
+          <a:fontRef idx="minor">
+            <a:schemeClr val="lt1"/>
+          </a:fontRef>
+        </p:style>
+        <p:txBody>
+          <a:bodyPr rtlCol="0" anchor="ctr"/>
+          <a:lstStyle/>
+          <a:p>
+            <a:pPr algn="ctr"/>
+            <a:r>
+              <a:rPr lang="en-US" altLang="ko-KR" dirty="0" smtClean="0"/>
+              <a:t>0</a:t>
+            </a:r>
+            <a:endParaRPr lang="ko-KR" altLang="en-US" dirty="0"/>
+          </a:p>
+        </p:txBody>
+      </p:sp>
+      <p:sp>
+        <p:nvSpPr>
+          <p:cNvPr id="120" name="직사각형 119"/>
+          <p:cNvSpPr/>
+          <p:nvPr/>
+        </p:nvSpPr>
+        <p:spPr>
+          <a:xfrm>
+            <a:off x="8920016" y="2711536"/>
+            <a:ext cx="629264" cy="353961"/>
+          </a:xfrm>
+          <a:prstGeom prst="rect">
+            <a:avLst/>
+          </a:prstGeom>
+        </p:spPr>
+        <p:style>
+          <a:lnRef idx="2">
+            <a:schemeClr val="accent1">
+              <a:shade val="50000"/>
+            </a:schemeClr>
+          </a:lnRef>
+          <a:fillRef idx="1">
+            <a:schemeClr val="accent1"/>
+          </a:fillRef>
+          <a:effectRef idx="0">
+            <a:schemeClr val="accent1"/>
+          </a:effectRef>
+          <a:fontRef idx="minor">
+            <a:schemeClr val="lt1"/>
+          </a:fontRef>
+        </p:style>
+        <p:txBody>
+          <a:bodyPr rtlCol="0" anchor="ctr"/>
+          <a:lstStyle/>
+          <a:p>
+            <a:pPr algn="ctr"/>
+            <a:r>
+              <a:rPr lang="en-US" altLang="ko-KR" dirty="0" smtClean="0"/>
+              <a:t>0</a:t>
+            </a:r>
+            <a:endParaRPr lang="ko-KR" altLang="en-US" dirty="0"/>
+          </a:p>
+        </p:txBody>
+      </p:sp>
+      <p:sp>
+        <p:nvSpPr>
+          <p:cNvPr id="121" name="직사각형 120"/>
+          <p:cNvSpPr/>
+          <p:nvPr/>
+        </p:nvSpPr>
+        <p:spPr>
+          <a:xfrm>
+            <a:off x="9554183" y="2711536"/>
+            <a:ext cx="629264" cy="353961"/>
+          </a:xfrm>
+          <a:prstGeom prst="rect">
+            <a:avLst/>
+          </a:prstGeom>
+        </p:spPr>
+        <p:style>
+          <a:lnRef idx="2">
+            <a:schemeClr val="accent1">
+              <a:shade val="50000"/>
+            </a:schemeClr>
+          </a:lnRef>
+          <a:fillRef idx="1">
+            <a:schemeClr val="accent1"/>
+          </a:fillRef>
+          <a:effectRef idx="0">
+            <a:schemeClr val="accent1"/>
+          </a:effectRef>
+          <a:fontRef idx="minor">
+            <a:schemeClr val="lt1"/>
+          </a:fontRef>
+        </p:style>
+        <p:txBody>
+          <a:bodyPr rtlCol="0" anchor="ctr"/>
+          <a:lstStyle/>
+          <a:p>
+            <a:pPr algn="ctr"/>
+            <a:r>
+              <a:rPr lang="en-US" altLang="ko-KR" dirty="0" smtClean="0"/>
+              <a:t>0</a:t>
+            </a:r>
+            <a:endParaRPr lang="ko-KR" altLang="en-US" dirty="0"/>
+          </a:p>
+        </p:txBody>
+      </p:sp>
+      <p:sp>
+        <p:nvSpPr>
+          <p:cNvPr id="122" name="직사각형 121"/>
+          <p:cNvSpPr/>
+          <p:nvPr/>
+        </p:nvSpPr>
+        <p:spPr>
+          <a:xfrm>
+            <a:off x="10188350" y="2711536"/>
+            <a:ext cx="629264" cy="353961"/>
+          </a:xfrm>
+          <a:prstGeom prst="rect">
+            <a:avLst/>
+          </a:prstGeom>
+        </p:spPr>
+        <p:style>
+          <a:lnRef idx="2">
+            <a:schemeClr val="accent1">
+              <a:shade val="50000"/>
+            </a:schemeClr>
+          </a:lnRef>
+          <a:fillRef idx="1">
+            <a:schemeClr val="accent1"/>
+          </a:fillRef>
+          <a:effectRef idx="0">
+            <a:schemeClr val="accent1"/>
+          </a:effectRef>
+          <a:fontRef idx="minor">
+            <a:schemeClr val="lt1"/>
+          </a:fontRef>
+        </p:style>
+        <p:txBody>
+          <a:bodyPr rtlCol="0" anchor="ctr"/>
+          <a:lstStyle/>
+          <a:p>
+            <a:pPr algn="ctr"/>
+            <a:r>
+              <a:rPr lang="en-US" altLang="ko-KR" dirty="0" smtClean="0"/>
+              <a:t>0</a:t>
+            </a:r>
+            <a:endParaRPr lang="ko-KR" altLang="en-US" dirty="0"/>
+          </a:p>
+        </p:txBody>
+      </p:sp>
+      <p:sp>
+        <p:nvSpPr>
+          <p:cNvPr id="123" name="직사각형 122"/>
+          <p:cNvSpPr/>
+          <p:nvPr/>
+        </p:nvSpPr>
+        <p:spPr>
+          <a:xfrm>
+            <a:off x="10822515" y="2711536"/>
+            <a:ext cx="629264" cy="353961"/>
+          </a:xfrm>
+          <a:prstGeom prst="rect">
+            <a:avLst/>
+          </a:prstGeom>
+        </p:spPr>
+        <p:style>
+          <a:lnRef idx="2">
+            <a:schemeClr val="accent1">
+              <a:shade val="50000"/>
+            </a:schemeClr>
+          </a:lnRef>
+          <a:fillRef idx="1">
+            <a:schemeClr val="accent1"/>
+          </a:fillRef>
+          <a:effectRef idx="0">
+            <a:schemeClr val="accent1"/>
+          </a:effectRef>
+          <a:fontRef idx="minor">
+            <a:schemeClr val="lt1"/>
+          </a:fontRef>
+        </p:style>
+        <p:txBody>
+          <a:bodyPr rtlCol="0" anchor="ctr"/>
+          <a:lstStyle/>
+          <a:p>
+            <a:pPr algn="ctr"/>
+            <a:r>
+              <a:rPr lang="en-US" altLang="ko-KR" dirty="0" smtClean="0"/>
+              <a:t>0</a:t>
+            </a:r>
+            <a:endParaRPr lang="ko-KR" altLang="en-US" dirty="0"/>
+          </a:p>
+        </p:txBody>
+      </p:sp>
+      <p:sp>
+        <p:nvSpPr>
+          <p:cNvPr id="124" name="TextBox 123"/>
+          <p:cNvSpPr txBox="1"/>
+          <p:nvPr/>
+        </p:nvSpPr>
+        <p:spPr>
+          <a:xfrm>
+            <a:off x="4292328" y="2505883"/>
+            <a:ext cx="2154692" cy="646331"/>
+          </a:xfrm>
+          <a:prstGeom prst="rect">
+            <a:avLst/>
+          </a:prstGeom>
+          <a:noFill/>
+        </p:spPr>
+        <p:txBody>
+          <a:bodyPr wrap="none" rtlCol="0">
+            <a:spAutoFit/>
+          </a:bodyPr>
+          <a:lstStyle/>
+          <a:p>
+            <a:pPr algn="ctr"/>
+            <a:r>
+              <a:rPr lang="en-US" altLang="ko-KR" dirty="0" smtClean="0"/>
+              <a:t>diff</a:t>
+            </a:r>
+            <a:r>
+              <a:rPr lang="en-US" altLang="ko-KR" dirty="0" smtClean="0"/>
+              <a:t>(difference = 2)</a:t>
+            </a:r>
+          </a:p>
+          <a:p>
+            <a:pPr algn="ctr"/>
+            <a:r>
+              <a:rPr lang="en-US" altLang="ko-KR" dirty="0" smtClean="0"/>
+              <a:t>diff(diff(1))</a:t>
+            </a:r>
+            <a:endParaRPr lang="ko-KR" altLang="en-US" dirty="0"/>
+          </a:p>
+        </p:txBody>
+      </p:sp>
+      <p:sp>
+        <p:nvSpPr>
+          <p:cNvPr id="135" name="오른쪽 대괄호 134"/>
+          <p:cNvSpPr/>
+          <p:nvPr/>
+        </p:nvSpPr>
+        <p:spPr>
+          <a:xfrm rot="5400000">
+            <a:off x="7545903" y="1311052"/>
+            <a:ext cx="201317" cy="491009"/>
+          </a:xfrm>
+          <a:prstGeom prst="rightBracket">
+            <a:avLst/>
+          </a:prstGeom>
+        </p:spPr>
+        <p:style>
+          <a:lnRef idx="1">
+            <a:schemeClr val="accent1"/>
+          </a:lnRef>
+          <a:fillRef idx="0">
+            <a:schemeClr val="accent1"/>
+          </a:fillRef>
+          <a:effectRef idx="0">
+            <a:schemeClr val="accent1"/>
+          </a:effectRef>
+          <a:fontRef idx="minor">
+            <a:schemeClr val="tx1"/>
+          </a:fontRef>
+        </p:style>
+        <p:txBody>
+          <a:bodyPr rtlCol="0" anchor="ctr"/>
+          <a:lstStyle/>
+          <a:p>
+            <a:pPr algn="ctr"/>
+            <a:endParaRPr lang="ko-KR" altLang="en-US"/>
+          </a:p>
+        </p:txBody>
+      </p:sp>
+      <p:sp>
+        <p:nvSpPr>
+          <p:cNvPr id="136" name="오른쪽 대괄호 135"/>
+          <p:cNvSpPr/>
+          <p:nvPr/>
+        </p:nvSpPr>
+        <p:spPr>
+          <a:xfrm rot="5400000">
+            <a:off x="8181675" y="1311052"/>
+            <a:ext cx="201317" cy="491009"/>
+          </a:xfrm>
+          <a:prstGeom prst="rightBracket">
+            <a:avLst/>
+          </a:prstGeom>
+        </p:spPr>
+        <p:style>
+          <a:lnRef idx="1">
+            <a:schemeClr val="accent1"/>
+          </a:lnRef>
+          <a:fillRef idx="0">
+            <a:schemeClr val="accent1"/>
+          </a:fillRef>
+          <a:effectRef idx="0">
+            <a:schemeClr val="accent1"/>
+          </a:effectRef>
+          <a:fontRef idx="minor">
+            <a:schemeClr val="tx1"/>
+          </a:fontRef>
+        </p:style>
+        <p:txBody>
+          <a:bodyPr rtlCol="0" anchor="ctr"/>
+          <a:lstStyle/>
+          <a:p>
+            <a:pPr algn="ctr"/>
+            <a:endParaRPr lang="ko-KR" altLang="en-US"/>
+          </a:p>
+        </p:txBody>
+      </p:sp>
+      <p:sp>
+        <p:nvSpPr>
+          <p:cNvPr id="137" name="오른쪽 대괄호 136"/>
+          <p:cNvSpPr/>
+          <p:nvPr/>
+        </p:nvSpPr>
+        <p:spPr>
+          <a:xfrm rot="5400000">
+            <a:off x="8817447" y="1311052"/>
+            <a:ext cx="201317" cy="491009"/>
+          </a:xfrm>
+          <a:prstGeom prst="rightBracket">
+            <a:avLst/>
+          </a:prstGeom>
+        </p:spPr>
+        <p:style>
+          <a:lnRef idx="1">
+            <a:schemeClr val="accent1"/>
+          </a:lnRef>
+          <a:fillRef idx="0">
+            <a:schemeClr val="accent1"/>
+          </a:fillRef>
+          <a:effectRef idx="0">
+            <a:schemeClr val="accent1"/>
+          </a:effectRef>
+          <a:fontRef idx="minor">
+            <a:schemeClr val="tx1"/>
+          </a:fontRef>
+        </p:style>
+        <p:txBody>
+          <a:bodyPr rtlCol="0" anchor="ctr"/>
+          <a:lstStyle/>
+          <a:p>
+            <a:pPr algn="ctr"/>
+            <a:endParaRPr lang="ko-KR" altLang="en-US"/>
+          </a:p>
+        </p:txBody>
+      </p:sp>
+      <p:sp>
+        <p:nvSpPr>
+          <p:cNvPr id="138" name="오른쪽 대괄호 137"/>
+          <p:cNvSpPr/>
+          <p:nvPr/>
+        </p:nvSpPr>
+        <p:spPr>
+          <a:xfrm rot="5400000">
+            <a:off x="9453219" y="1311052"/>
+            <a:ext cx="201317" cy="491009"/>
+          </a:xfrm>
+          <a:prstGeom prst="rightBracket">
+            <a:avLst/>
+          </a:prstGeom>
+        </p:spPr>
+        <p:style>
+          <a:lnRef idx="1">
+            <a:schemeClr val="accent1"/>
+          </a:lnRef>
+          <a:fillRef idx="0">
+            <a:schemeClr val="accent1"/>
+          </a:fillRef>
+          <a:effectRef idx="0">
+            <a:schemeClr val="accent1"/>
+          </a:effectRef>
+          <a:fontRef idx="minor">
+            <a:schemeClr val="tx1"/>
+          </a:fontRef>
+        </p:style>
+        <p:txBody>
+          <a:bodyPr rtlCol="0" anchor="ctr"/>
+          <a:lstStyle/>
+          <a:p>
+            <a:pPr algn="ctr"/>
+            <a:endParaRPr lang="ko-KR" altLang="en-US"/>
+          </a:p>
+        </p:txBody>
+      </p:sp>
+      <p:sp>
+        <p:nvSpPr>
+          <p:cNvPr id="139" name="오른쪽 대괄호 138"/>
+          <p:cNvSpPr/>
+          <p:nvPr/>
+        </p:nvSpPr>
+        <p:spPr>
+          <a:xfrm rot="5400000">
+            <a:off x="10088991" y="1311052"/>
+            <a:ext cx="201317" cy="491009"/>
+          </a:xfrm>
+          <a:prstGeom prst="rightBracket">
+            <a:avLst/>
+          </a:prstGeom>
+        </p:spPr>
+        <p:style>
+          <a:lnRef idx="1">
+            <a:schemeClr val="accent1"/>
+          </a:lnRef>
+          <a:fillRef idx="0">
+            <a:schemeClr val="accent1"/>
+          </a:fillRef>
+          <a:effectRef idx="0">
+            <a:schemeClr val="accent1"/>
+          </a:effectRef>
+          <a:fontRef idx="minor">
+            <a:schemeClr val="tx1"/>
+          </a:fontRef>
+        </p:style>
+        <p:txBody>
+          <a:bodyPr rtlCol="0" anchor="ctr"/>
+          <a:lstStyle/>
+          <a:p>
+            <a:pPr algn="ctr"/>
+            <a:endParaRPr lang="ko-KR" altLang="en-US"/>
+          </a:p>
+        </p:txBody>
+      </p:sp>
+      <p:sp>
+        <p:nvSpPr>
+          <p:cNvPr id="140" name="오른쪽 대괄호 139"/>
+          <p:cNvSpPr/>
+          <p:nvPr/>
+        </p:nvSpPr>
+        <p:spPr>
+          <a:xfrm rot="5400000">
+            <a:off x="10724763" y="1311052"/>
+            <a:ext cx="201317" cy="491009"/>
+          </a:xfrm>
+          <a:prstGeom prst="rightBracket">
+            <a:avLst/>
+          </a:prstGeom>
+        </p:spPr>
+        <p:style>
+          <a:lnRef idx="1">
+            <a:schemeClr val="accent1"/>
+          </a:lnRef>
+          <a:fillRef idx="0">
+            <a:schemeClr val="accent1"/>
+          </a:fillRef>
+          <a:effectRef idx="0">
+            <a:schemeClr val="accent1"/>
+          </a:effectRef>
+          <a:fontRef idx="minor">
+            <a:schemeClr val="tx1"/>
+          </a:fontRef>
+        </p:style>
+        <p:txBody>
+          <a:bodyPr rtlCol="0" anchor="ctr"/>
+          <a:lstStyle/>
+          <a:p>
+            <a:pPr algn="ctr"/>
+            <a:endParaRPr lang="ko-KR" altLang="en-US"/>
+          </a:p>
+        </p:txBody>
+      </p:sp>
+      <p:sp>
+        <p:nvSpPr>
+          <p:cNvPr id="141" name="뺄셈 기호 140"/>
+          <p:cNvSpPr/>
+          <p:nvPr/>
+        </p:nvSpPr>
+        <p:spPr>
+          <a:xfrm>
+            <a:off x="6853373" y="1556997"/>
+            <a:ext cx="306553" cy="192470"/>
+          </a:xfrm>
+          <a:prstGeom prst="mathMinus">
+            <a:avLst/>
+          </a:prstGeom>
+          <a:solidFill>
+            <a:schemeClr val="bg1"/>
+          </a:solidFill>
+        </p:spPr>
+        <p:style>
+          <a:lnRef idx="2">
+            <a:schemeClr val="accent1">
+              <a:shade val="50000"/>
+            </a:schemeClr>
+          </a:lnRef>
+          <a:fillRef idx="1">
+            <a:schemeClr val="accent1"/>
+          </a:fillRef>
+          <a:effectRef idx="0">
+            <a:schemeClr val="accent1"/>
+          </a:effectRef>
+          <a:fontRef idx="minor">
+            <a:schemeClr val="lt1"/>
+          </a:fontRef>
+        </p:style>
+        <p:txBody>
+          <a:bodyPr rtlCol="0" anchor="ctr"/>
+          <a:lstStyle/>
+          <a:p>
+            <a:pPr algn="ctr"/>
+            <a:endParaRPr lang="ko-KR" altLang="en-US"/>
+          </a:p>
+        </p:txBody>
+      </p:sp>
+      <p:sp>
+        <p:nvSpPr>
+          <p:cNvPr id="142" name="뺄셈 기호 141"/>
+          <p:cNvSpPr/>
+          <p:nvPr/>
+        </p:nvSpPr>
+        <p:spPr>
+          <a:xfrm>
+            <a:off x="7491680" y="1556997"/>
+            <a:ext cx="306553" cy="192470"/>
+          </a:xfrm>
+          <a:prstGeom prst="mathMinus">
+            <a:avLst/>
+          </a:prstGeom>
+          <a:solidFill>
+            <a:schemeClr val="bg1"/>
+          </a:solidFill>
+        </p:spPr>
+        <p:style>
+          <a:lnRef idx="2">
+            <a:schemeClr val="accent1">
+              <a:shade val="50000"/>
+            </a:schemeClr>
+          </a:lnRef>
+          <a:fillRef idx="1">
+            <a:schemeClr val="accent1"/>
+          </a:fillRef>
+          <a:effectRef idx="0">
+            <a:schemeClr val="accent1"/>
+          </a:effectRef>
+          <a:fontRef idx="minor">
+            <a:schemeClr val="lt1"/>
+          </a:fontRef>
+        </p:style>
+        <p:txBody>
+          <a:bodyPr rtlCol="0" anchor="ctr"/>
+          <a:lstStyle/>
+          <a:p>
+            <a:pPr algn="ctr"/>
+            <a:endParaRPr lang="ko-KR" altLang="en-US"/>
+          </a:p>
+        </p:txBody>
+      </p:sp>
+      <p:sp>
+        <p:nvSpPr>
+          <p:cNvPr id="143" name="뺄셈 기호 142"/>
+          <p:cNvSpPr/>
+          <p:nvPr/>
+        </p:nvSpPr>
+        <p:spPr>
+          <a:xfrm>
+            <a:off x="8129987" y="1556997"/>
+            <a:ext cx="306553" cy="192470"/>
+          </a:xfrm>
+          <a:prstGeom prst="mathMinus">
+            <a:avLst/>
+          </a:prstGeom>
+          <a:solidFill>
+            <a:schemeClr val="bg1"/>
+          </a:solidFill>
+        </p:spPr>
+        <p:style>
+          <a:lnRef idx="2">
+            <a:schemeClr val="accent1">
+              <a:shade val="50000"/>
+            </a:schemeClr>
+          </a:lnRef>
+          <a:fillRef idx="1">
+            <a:schemeClr val="accent1"/>
+          </a:fillRef>
+          <a:effectRef idx="0">
+            <a:schemeClr val="accent1"/>
+          </a:effectRef>
+          <a:fontRef idx="minor">
+            <a:schemeClr val="lt1"/>
+          </a:fontRef>
+        </p:style>
+        <p:txBody>
+          <a:bodyPr rtlCol="0" anchor="ctr"/>
+          <a:lstStyle/>
+          <a:p>
+            <a:pPr algn="ctr"/>
+            <a:endParaRPr lang="ko-KR" altLang="en-US"/>
+          </a:p>
+        </p:txBody>
+      </p:sp>
+      <p:sp>
+        <p:nvSpPr>
+          <p:cNvPr id="144" name="뺄셈 기호 143"/>
+          <p:cNvSpPr/>
+          <p:nvPr/>
+        </p:nvSpPr>
+        <p:spPr>
+          <a:xfrm>
+            <a:off x="8768294" y="1556997"/>
+            <a:ext cx="306553" cy="192470"/>
+          </a:xfrm>
+          <a:prstGeom prst="mathMinus">
+            <a:avLst/>
+          </a:prstGeom>
+          <a:solidFill>
+            <a:schemeClr val="bg1"/>
+          </a:solidFill>
+        </p:spPr>
+        <p:style>
+          <a:lnRef idx="2">
+            <a:schemeClr val="accent1">
+              <a:shade val="50000"/>
+            </a:schemeClr>
+          </a:lnRef>
+          <a:fillRef idx="1">
+            <a:schemeClr val="accent1"/>
+          </a:fillRef>
+          <a:effectRef idx="0">
+            <a:schemeClr val="accent1"/>
+          </a:effectRef>
+          <a:fontRef idx="minor">
+            <a:schemeClr val="lt1"/>
+          </a:fontRef>
+        </p:style>
+        <p:txBody>
+          <a:bodyPr rtlCol="0" anchor="ctr"/>
+          <a:lstStyle/>
+          <a:p>
+            <a:pPr algn="ctr"/>
+            <a:endParaRPr lang="ko-KR" altLang="en-US"/>
+          </a:p>
+        </p:txBody>
+      </p:sp>
+      <p:sp>
+        <p:nvSpPr>
+          <p:cNvPr id="145" name="뺄셈 기호 144"/>
+          <p:cNvSpPr/>
+          <p:nvPr/>
+        </p:nvSpPr>
+        <p:spPr>
+          <a:xfrm>
+            <a:off x="9406601" y="1556997"/>
+            <a:ext cx="306553" cy="192470"/>
+          </a:xfrm>
+          <a:prstGeom prst="mathMinus">
+            <a:avLst/>
+          </a:prstGeom>
+          <a:solidFill>
+            <a:schemeClr val="bg1"/>
+          </a:solidFill>
+        </p:spPr>
+        <p:style>
+          <a:lnRef idx="2">
+            <a:schemeClr val="accent1">
+              <a:shade val="50000"/>
+            </a:schemeClr>
+          </a:lnRef>
+          <a:fillRef idx="1">
+            <a:schemeClr val="accent1"/>
+          </a:fillRef>
+          <a:effectRef idx="0">
+            <a:schemeClr val="accent1"/>
+          </a:effectRef>
+          <a:fontRef idx="minor">
+            <a:schemeClr val="lt1"/>
+          </a:fontRef>
+        </p:style>
+        <p:txBody>
+          <a:bodyPr rtlCol="0" anchor="ctr"/>
+          <a:lstStyle/>
+          <a:p>
+            <a:pPr algn="ctr"/>
+            <a:endParaRPr lang="ko-KR" altLang="en-US"/>
+          </a:p>
+        </p:txBody>
+      </p:sp>
+      <p:sp>
+        <p:nvSpPr>
+          <p:cNvPr id="146" name="뺄셈 기호 145"/>
+          <p:cNvSpPr/>
+          <p:nvPr/>
+        </p:nvSpPr>
+        <p:spPr>
+          <a:xfrm>
+            <a:off x="10044908" y="1556997"/>
+            <a:ext cx="306553" cy="192470"/>
+          </a:xfrm>
+          <a:prstGeom prst="mathMinus">
+            <a:avLst/>
+          </a:prstGeom>
+          <a:solidFill>
+            <a:schemeClr val="bg1"/>
+          </a:solidFill>
+        </p:spPr>
+        <p:style>
+          <a:lnRef idx="2">
+            <a:schemeClr val="accent1">
+              <a:shade val="50000"/>
+            </a:schemeClr>
+          </a:lnRef>
+          <a:fillRef idx="1">
+            <a:schemeClr val="accent1"/>
+          </a:fillRef>
+          <a:effectRef idx="0">
+            <a:schemeClr val="accent1"/>
+          </a:effectRef>
+          <a:fontRef idx="minor">
+            <a:schemeClr val="lt1"/>
+          </a:fontRef>
+        </p:style>
+        <p:txBody>
+          <a:bodyPr rtlCol="0" anchor="ctr"/>
+          <a:lstStyle/>
+          <a:p>
+            <a:pPr algn="ctr"/>
+            <a:endParaRPr lang="ko-KR" altLang="en-US"/>
+          </a:p>
+        </p:txBody>
+      </p:sp>
+      <p:sp>
+        <p:nvSpPr>
+          <p:cNvPr id="147" name="뺄셈 기호 146"/>
+          <p:cNvSpPr/>
+          <p:nvPr/>
+        </p:nvSpPr>
+        <p:spPr>
+          <a:xfrm>
+            <a:off x="10683215" y="1556997"/>
+            <a:ext cx="306553" cy="192470"/>
+          </a:xfrm>
+          <a:prstGeom prst="mathMinus">
+            <a:avLst/>
+          </a:prstGeom>
+          <a:solidFill>
+            <a:schemeClr val="bg1"/>
+          </a:solidFill>
+        </p:spPr>
+        <p:style>
+          <a:lnRef idx="2">
+            <a:schemeClr val="accent1">
+              <a:shade val="50000"/>
+            </a:schemeClr>
+          </a:lnRef>
+          <a:fillRef idx="1">
+            <a:schemeClr val="accent1"/>
+          </a:fillRef>
+          <a:effectRef idx="0">
+            <a:schemeClr val="accent1"/>
+          </a:effectRef>
+          <a:fontRef idx="minor">
+            <a:schemeClr val="lt1"/>
+          </a:fontRef>
+        </p:style>
+        <p:txBody>
+          <a:bodyPr rtlCol="0" anchor="ctr"/>
+          <a:lstStyle/>
+          <a:p>
+            <a:pPr algn="ctr"/>
+            <a:endParaRPr lang="ko-KR" altLang="en-US"/>
+          </a:p>
+        </p:txBody>
+      </p:sp>
+      <p:cxnSp>
+        <p:nvCxnSpPr>
+          <p:cNvPr id="149" name="직선 화살표 연결선 148"/>
+          <p:cNvCxnSpPr>
+            <a:stCxn id="141" idx="1"/>
+          </p:cNvCxnSpPr>
+          <p:nvPr/>
+        </p:nvCxnSpPr>
+        <p:spPr>
+          <a:xfrm>
+            <a:off x="7006650" y="1675866"/>
+            <a:ext cx="330854" cy="228015"/>
+          </a:xfrm>
+          <a:prstGeom prst="straightConnector1">
+            <a:avLst/>
+          </a:prstGeom>
+          <a:ln>
+            <a:tailEnd type="triangle"/>
+          </a:ln>
+        </p:spPr>
+        <p:style>
+          <a:lnRef idx="1">
+            <a:schemeClr val="accent1"/>
+          </a:lnRef>
+          <a:fillRef idx="0">
+            <a:schemeClr val="accent1"/>
+          </a:fillRef>
+          <a:effectRef idx="0">
+            <a:schemeClr val="accent1"/>
+          </a:effectRef>
+          <a:fontRef idx="minor">
+            <a:schemeClr val="tx1"/>
+          </a:fontRef>
+        </p:style>
+      </p:cxnSp>
+      <p:cxnSp>
+        <p:nvCxnSpPr>
+          <p:cNvPr id="151" name="직선 화살표 연결선 150"/>
+          <p:cNvCxnSpPr>
+            <a:stCxn id="142" idx="1"/>
+          </p:cNvCxnSpPr>
+          <p:nvPr/>
+        </p:nvCxnSpPr>
+        <p:spPr>
+          <a:xfrm>
+            <a:off x="7644957" y="1675866"/>
+            <a:ext cx="326714" cy="228015"/>
+          </a:xfrm>
+          <a:prstGeom prst="straightConnector1">
+            <a:avLst/>
+          </a:prstGeom>
+          <a:ln>
+            <a:tailEnd type="triangle"/>
+          </a:ln>
+        </p:spPr>
+        <p:style>
+          <a:lnRef idx="1">
+            <a:schemeClr val="accent1"/>
+          </a:lnRef>
+          <a:fillRef idx="0">
+            <a:schemeClr val="accent1"/>
+          </a:fillRef>
+          <a:effectRef idx="0">
+            <a:schemeClr val="accent1"/>
+          </a:effectRef>
+          <a:fontRef idx="minor">
+            <a:schemeClr val="tx1"/>
+          </a:fontRef>
+        </p:style>
+      </p:cxnSp>
+      <p:cxnSp>
+        <p:nvCxnSpPr>
+          <p:cNvPr id="153" name="직선 화살표 연결선 152"/>
+          <p:cNvCxnSpPr>
+            <a:stCxn id="143" idx="1"/>
+          </p:cNvCxnSpPr>
+          <p:nvPr/>
+        </p:nvCxnSpPr>
+        <p:spPr>
+          <a:xfrm>
+            <a:off x="8283264" y="1675866"/>
+            <a:ext cx="322574" cy="228015"/>
+          </a:xfrm>
+          <a:prstGeom prst="straightConnector1">
+            <a:avLst/>
+          </a:prstGeom>
+          <a:ln>
+            <a:tailEnd type="triangle"/>
+          </a:ln>
+        </p:spPr>
+        <p:style>
+          <a:lnRef idx="1">
+            <a:schemeClr val="accent1"/>
+          </a:lnRef>
+          <a:fillRef idx="0">
+            <a:schemeClr val="accent1"/>
+          </a:fillRef>
+          <a:effectRef idx="0">
+            <a:schemeClr val="accent1"/>
+          </a:effectRef>
+          <a:fontRef idx="minor">
+            <a:schemeClr val="tx1"/>
+          </a:fontRef>
+        </p:style>
+      </p:cxnSp>
+      <p:cxnSp>
+        <p:nvCxnSpPr>
+          <p:cNvPr id="155" name="직선 화살표 연결선 154"/>
+          <p:cNvCxnSpPr>
+            <a:stCxn id="144" idx="1"/>
+          </p:cNvCxnSpPr>
+          <p:nvPr/>
+        </p:nvCxnSpPr>
+        <p:spPr>
+          <a:xfrm>
+            <a:off x="8921571" y="1675866"/>
+            <a:ext cx="318434" cy="228015"/>
+          </a:xfrm>
+          <a:prstGeom prst="straightConnector1">
+            <a:avLst/>
+          </a:prstGeom>
+          <a:ln>
+            <a:tailEnd type="triangle"/>
+          </a:ln>
+        </p:spPr>
+        <p:style>
+          <a:lnRef idx="1">
+            <a:schemeClr val="accent1"/>
+          </a:lnRef>
+          <a:fillRef idx="0">
+            <a:schemeClr val="accent1"/>
+          </a:fillRef>
+          <a:effectRef idx="0">
+            <a:schemeClr val="accent1"/>
+          </a:effectRef>
+          <a:fontRef idx="minor">
+            <a:schemeClr val="tx1"/>
+          </a:fontRef>
+        </p:style>
+      </p:cxnSp>
+      <p:cxnSp>
+        <p:nvCxnSpPr>
+          <p:cNvPr id="157" name="직선 화살표 연결선 156"/>
+          <p:cNvCxnSpPr>
+            <a:stCxn id="145" idx="1"/>
+          </p:cNvCxnSpPr>
+          <p:nvPr/>
+        </p:nvCxnSpPr>
+        <p:spPr>
+          <a:xfrm>
+            <a:off x="9559878" y="1675866"/>
+            <a:ext cx="314294" cy="228015"/>
+          </a:xfrm>
+          <a:prstGeom prst="straightConnector1">
+            <a:avLst/>
+          </a:prstGeom>
+          <a:ln>
+            <a:tailEnd type="triangle"/>
+          </a:ln>
+        </p:spPr>
+        <p:style>
+          <a:lnRef idx="1">
+            <a:schemeClr val="accent1"/>
+          </a:lnRef>
+          <a:fillRef idx="0">
+            <a:schemeClr val="accent1"/>
+          </a:fillRef>
+          <a:effectRef idx="0">
+            <a:schemeClr val="accent1"/>
+          </a:effectRef>
+          <a:fontRef idx="minor">
+            <a:schemeClr val="tx1"/>
+          </a:fontRef>
+        </p:style>
+      </p:cxnSp>
+      <p:cxnSp>
+        <p:nvCxnSpPr>
+          <p:cNvPr id="159" name="직선 화살표 연결선 158"/>
+          <p:cNvCxnSpPr>
+            <a:stCxn id="146" idx="1"/>
+          </p:cNvCxnSpPr>
+          <p:nvPr/>
+        </p:nvCxnSpPr>
+        <p:spPr>
+          <a:xfrm>
+            <a:off x="10198185" y="1675866"/>
+            <a:ext cx="310154" cy="228015"/>
+          </a:xfrm>
+          <a:prstGeom prst="straightConnector1">
+            <a:avLst/>
+          </a:prstGeom>
+          <a:ln>
+            <a:tailEnd type="triangle"/>
+          </a:ln>
+        </p:spPr>
+        <p:style>
+          <a:lnRef idx="1">
+            <a:schemeClr val="accent1"/>
+          </a:lnRef>
+          <a:fillRef idx="0">
+            <a:schemeClr val="accent1"/>
+          </a:fillRef>
+          <a:effectRef idx="0">
+            <a:schemeClr val="accent1"/>
+          </a:effectRef>
+          <a:fontRef idx="minor">
+            <a:schemeClr val="tx1"/>
+          </a:fontRef>
+        </p:style>
+      </p:cxnSp>
+      <p:cxnSp>
+        <p:nvCxnSpPr>
+          <p:cNvPr id="161" name="직선 화살표 연결선 160"/>
+          <p:cNvCxnSpPr>
+            <a:stCxn id="147" idx="1"/>
+          </p:cNvCxnSpPr>
+          <p:nvPr/>
+        </p:nvCxnSpPr>
+        <p:spPr>
+          <a:xfrm>
+            <a:off x="10836492" y="1675866"/>
+            <a:ext cx="306012" cy="228015"/>
+          </a:xfrm>
+          <a:prstGeom prst="straightConnector1">
+            <a:avLst/>
+          </a:prstGeom>
+          <a:ln>
+            <a:tailEnd type="triangle"/>
+          </a:ln>
+        </p:spPr>
+        <p:style>
+          <a:lnRef idx="1">
+            <a:schemeClr val="accent1"/>
+          </a:lnRef>
+          <a:fillRef idx="0">
+            <a:schemeClr val="accent1"/>
+          </a:fillRef>
+          <a:effectRef idx="0">
+            <a:schemeClr val="accent1"/>
+          </a:effectRef>
+          <a:fontRef idx="minor">
+            <a:schemeClr val="tx1"/>
+          </a:fontRef>
+        </p:style>
+      </p:cxnSp>
+      <p:sp>
+        <p:nvSpPr>
+          <p:cNvPr id="162" name="오른쪽 대괄호 161"/>
+          <p:cNvSpPr/>
+          <p:nvPr/>
+        </p:nvSpPr>
+        <p:spPr>
+          <a:xfrm rot="5400000">
+            <a:off x="7515018" y="2123328"/>
+            <a:ext cx="201317" cy="491009"/>
+          </a:xfrm>
+          <a:prstGeom prst="rightBracket">
+            <a:avLst/>
+          </a:prstGeom>
+        </p:spPr>
+        <p:style>
+          <a:lnRef idx="1">
+            <a:schemeClr val="accent1"/>
+          </a:lnRef>
+          <a:fillRef idx="0">
+            <a:schemeClr val="accent1"/>
+          </a:fillRef>
+          <a:effectRef idx="0">
+            <a:schemeClr val="accent1"/>
+          </a:effectRef>
+          <a:fontRef idx="minor">
+            <a:schemeClr val="tx1"/>
+          </a:fontRef>
+        </p:style>
+        <p:txBody>
+          <a:bodyPr rtlCol="0" anchor="ctr"/>
+          <a:lstStyle/>
+          <a:p>
+            <a:pPr algn="ctr"/>
+            <a:endParaRPr lang="ko-KR" altLang="en-US"/>
+          </a:p>
+        </p:txBody>
+      </p:sp>
+      <p:sp>
+        <p:nvSpPr>
+          <p:cNvPr id="163" name="오른쪽 대괄호 162"/>
+          <p:cNvSpPr/>
+          <p:nvPr/>
+        </p:nvSpPr>
+        <p:spPr>
+          <a:xfrm rot="5400000">
+            <a:off x="8150790" y="2123328"/>
+            <a:ext cx="201317" cy="491009"/>
+          </a:xfrm>
+          <a:prstGeom prst="rightBracket">
+            <a:avLst/>
+          </a:prstGeom>
+        </p:spPr>
+        <p:style>
+          <a:lnRef idx="1">
+            <a:schemeClr val="accent1"/>
+          </a:lnRef>
+          <a:fillRef idx="0">
+            <a:schemeClr val="accent1"/>
+          </a:fillRef>
+          <a:effectRef idx="0">
+            <a:schemeClr val="accent1"/>
+          </a:effectRef>
+          <a:fontRef idx="minor">
+            <a:schemeClr val="tx1"/>
+          </a:fontRef>
+        </p:style>
+        <p:txBody>
+          <a:bodyPr rtlCol="0" anchor="ctr"/>
+          <a:lstStyle/>
+          <a:p>
+            <a:pPr algn="ctr"/>
+            <a:endParaRPr lang="ko-KR" altLang="en-US"/>
+          </a:p>
+        </p:txBody>
+      </p:sp>
+      <p:sp>
+        <p:nvSpPr>
+          <p:cNvPr id="164" name="오른쪽 대괄호 163"/>
+          <p:cNvSpPr/>
+          <p:nvPr/>
+        </p:nvSpPr>
+        <p:spPr>
+          <a:xfrm rot="5400000">
+            <a:off x="8786562" y="2123328"/>
+            <a:ext cx="201317" cy="491009"/>
+          </a:xfrm>
+          <a:prstGeom prst="rightBracket">
+            <a:avLst/>
+          </a:prstGeom>
+        </p:spPr>
+        <p:style>
+          <a:lnRef idx="1">
+            <a:schemeClr val="accent1"/>
+          </a:lnRef>
+          <a:fillRef idx="0">
+            <a:schemeClr val="accent1"/>
+          </a:fillRef>
+          <a:effectRef idx="0">
+            <a:schemeClr val="accent1"/>
+          </a:effectRef>
+          <a:fontRef idx="minor">
+            <a:schemeClr val="tx1"/>
+          </a:fontRef>
+        </p:style>
+        <p:txBody>
+          <a:bodyPr rtlCol="0" anchor="ctr"/>
+          <a:lstStyle/>
+          <a:p>
+            <a:pPr algn="ctr"/>
+            <a:endParaRPr lang="ko-KR" altLang="en-US"/>
+          </a:p>
+        </p:txBody>
+      </p:sp>
+      <p:sp>
+        <p:nvSpPr>
+          <p:cNvPr id="165" name="오른쪽 대괄호 164"/>
+          <p:cNvSpPr/>
+          <p:nvPr/>
+        </p:nvSpPr>
+        <p:spPr>
+          <a:xfrm rot="5400000">
+            <a:off x="9422334" y="2123328"/>
+            <a:ext cx="201317" cy="491009"/>
+          </a:xfrm>
+          <a:prstGeom prst="rightBracket">
+            <a:avLst/>
+          </a:prstGeom>
+        </p:spPr>
+        <p:style>
+          <a:lnRef idx="1">
+            <a:schemeClr val="accent1"/>
+          </a:lnRef>
+          <a:fillRef idx="0">
+            <a:schemeClr val="accent1"/>
+          </a:fillRef>
+          <a:effectRef idx="0">
+            <a:schemeClr val="accent1"/>
+          </a:effectRef>
+          <a:fontRef idx="minor">
+            <a:schemeClr val="tx1"/>
+          </a:fontRef>
+        </p:style>
+        <p:txBody>
+          <a:bodyPr rtlCol="0" anchor="ctr"/>
+          <a:lstStyle/>
+          <a:p>
+            <a:pPr algn="ctr"/>
+            <a:endParaRPr lang="ko-KR" altLang="en-US"/>
+          </a:p>
+        </p:txBody>
+      </p:sp>
+      <p:sp>
+        <p:nvSpPr>
+          <p:cNvPr id="166" name="오른쪽 대괄호 165"/>
+          <p:cNvSpPr/>
+          <p:nvPr/>
+        </p:nvSpPr>
+        <p:spPr>
+          <a:xfrm rot="5400000">
+            <a:off x="10058106" y="2123328"/>
+            <a:ext cx="201317" cy="491009"/>
+          </a:xfrm>
+          <a:prstGeom prst="rightBracket">
+            <a:avLst/>
+          </a:prstGeom>
+        </p:spPr>
+        <p:style>
+          <a:lnRef idx="1">
+            <a:schemeClr val="accent1"/>
+          </a:lnRef>
+          <a:fillRef idx="0">
+            <a:schemeClr val="accent1"/>
+          </a:fillRef>
+          <a:effectRef idx="0">
+            <a:schemeClr val="accent1"/>
+          </a:effectRef>
+          <a:fontRef idx="minor">
+            <a:schemeClr val="tx1"/>
+          </a:fontRef>
+        </p:style>
+        <p:txBody>
+          <a:bodyPr rtlCol="0" anchor="ctr"/>
+          <a:lstStyle/>
+          <a:p>
+            <a:pPr algn="ctr"/>
+            <a:endParaRPr lang="ko-KR" altLang="en-US"/>
+          </a:p>
+        </p:txBody>
+      </p:sp>
+      <p:sp>
+        <p:nvSpPr>
+          <p:cNvPr id="167" name="오른쪽 대괄호 166"/>
+          <p:cNvSpPr/>
+          <p:nvPr/>
+        </p:nvSpPr>
+        <p:spPr>
+          <a:xfrm rot="5400000">
+            <a:off x="10693878" y="2123328"/>
+            <a:ext cx="201317" cy="491009"/>
+          </a:xfrm>
+          <a:prstGeom prst="rightBracket">
+            <a:avLst/>
+          </a:prstGeom>
+        </p:spPr>
+        <p:style>
+          <a:lnRef idx="1">
+            <a:schemeClr val="accent1"/>
+          </a:lnRef>
+          <a:fillRef idx="0">
+            <a:schemeClr val="accent1"/>
+          </a:fillRef>
+          <a:effectRef idx="0">
+            <a:schemeClr val="accent1"/>
+          </a:effectRef>
+          <a:fontRef idx="minor">
+            <a:schemeClr val="tx1"/>
+          </a:fontRef>
+        </p:style>
+        <p:txBody>
+          <a:bodyPr rtlCol="0" anchor="ctr"/>
+          <a:lstStyle/>
+          <a:p>
+            <a:pPr algn="ctr"/>
+            <a:endParaRPr lang="ko-KR" altLang="en-US"/>
+          </a:p>
+        </p:txBody>
+      </p:sp>
+      <p:sp>
+        <p:nvSpPr>
+          <p:cNvPr id="169" name="뺄셈 기호 168"/>
+          <p:cNvSpPr/>
+          <p:nvPr/>
+        </p:nvSpPr>
+        <p:spPr>
+          <a:xfrm>
+            <a:off x="7458260" y="2369273"/>
+            <a:ext cx="306553" cy="192470"/>
+          </a:xfrm>
+          <a:prstGeom prst="mathMinus">
+            <a:avLst/>
+          </a:prstGeom>
+          <a:solidFill>
+            <a:schemeClr val="bg1"/>
+          </a:solidFill>
+        </p:spPr>
+        <p:style>
+          <a:lnRef idx="2">
+            <a:schemeClr val="accent1">
+              <a:shade val="50000"/>
+            </a:schemeClr>
+          </a:lnRef>
+          <a:fillRef idx="1">
+            <a:schemeClr val="accent1"/>
+          </a:fillRef>
+          <a:effectRef idx="0">
+            <a:schemeClr val="accent1"/>
+          </a:effectRef>
+          <a:fontRef idx="minor">
+            <a:schemeClr val="lt1"/>
+          </a:fontRef>
+        </p:style>
+        <p:txBody>
+          <a:bodyPr rtlCol="0" anchor="ctr"/>
+          <a:lstStyle/>
+          <a:p>
+            <a:pPr algn="ctr"/>
+            <a:endParaRPr lang="ko-KR" altLang="en-US"/>
+          </a:p>
+        </p:txBody>
+      </p:sp>
+      <p:sp>
+        <p:nvSpPr>
+          <p:cNvPr id="170" name="뺄셈 기호 169"/>
+          <p:cNvSpPr/>
+          <p:nvPr/>
+        </p:nvSpPr>
+        <p:spPr>
+          <a:xfrm>
+            <a:off x="8096567" y="2369273"/>
+            <a:ext cx="306553" cy="192470"/>
+          </a:xfrm>
+          <a:prstGeom prst="mathMinus">
+            <a:avLst/>
+          </a:prstGeom>
+          <a:solidFill>
+            <a:schemeClr val="bg1"/>
+          </a:solidFill>
+        </p:spPr>
+        <p:style>
+          <a:lnRef idx="2">
+            <a:schemeClr val="accent1">
+              <a:shade val="50000"/>
+            </a:schemeClr>
+          </a:lnRef>
+          <a:fillRef idx="1">
+            <a:schemeClr val="accent1"/>
+          </a:fillRef>
+          <a:effectRef idx="0">
+            <a:schemeClr val="accent1"/>
+          </a:effectRef>
+          <a:fontRef idx="minor">
+            <a:schemeClr val="lt1"/>
+          </a:fontRef>
+        </p:style>
+        <p:txBody>
+          <a:bodyPr rtlCol="0" anchor="ctr"/>
+          <a:lstStyle/>
+          <a:p>
+            <a:pPr algn="ctr"/>
+            <a:endParaRPr lang="ko-KR" altLang="en-US"/>
+          </a:p>
+        </p:txBody>
+      </p:sp>
+      <p:sp>
+        <p:nvSpPr>
+          <p:cNvPr id="171" name="뺄셈 기호 170"/>
+          <p:cNvSpPr/>
+          <p:nvPr/>
+        </p:nvSpPr>
+        <p:spPr>
+          <a:xfrm>
+            <a:off x="8734874" y="2369273"/>
+            <a:ext cx="306553" cy="192470"/>
+          </a:xfrm>
+          <a:prstGeom prst="mathMinus">
+            <a:avLst/>
+          </a:prstGeom>
+          <a:solidFill>
+            <a:schemeClr val="bg1"/>
+          </a:solidFill>
+        </p:spPr>
+        <p:style>
+          <a:lnRef idx="2">
+            <a:schemeClr val="accent1">
+              <a:shade val="50000"/>
+            </a:schemeClr>
+          </a:lnRef>
+          <a:fillRef idx="1">
+            <a:schemeClr val="accent1"/>
+          </a:fillRef>
+          <a:effectRef idx="0">
+            <a:schemeClr val="accent1"/>
+          </a:effectRef>
+          <a:fontRef idx="minor">
+            <a:schemeClr val="lt1"/>
+          </a:fontRef>
+        </p:style>
+        <p:txBody>
+          <a:bodyPr rtlCol="0" anchor="ctr"/>
+          <a:lstStyle/>
+          <a:p>
+            <a:pPr algn="ctr"/>
+            <a:endParaRPr lang="ko-KR" altLang="en-US"/>
+          </a:p>
+        </p:txBody>
+      </p:sp>
+      <p:sp>
+        <p:nvSpPr>
+          <p:cNvPr id="172" name="뺄셈 기호 171"/>
+          <p:cNvSpPr/>
+          <p:nvPr/>
+        </p:nvSpPr>
+        <p:spPr>
+          <a:xfrm>
+            <a:off x="9373181" y="2369273"/>
+            <a:ext cx="306553" cy="192470"/>
+          </a:xfrm>
+          <a:prstGeom prst="mathMinus">
+            <a:avLst/>
+          </a:prstGeom>
+          <a:solidFill>
+            <a:schemeClr val="bg1"/>
+          </a:solidFill>
+        </p:spPr>
+        <p:style>
+          <a:lnRef idx="2">
+            <a:schemeClr val="accent1">
+              <a:shade val="50000"/>
+            </a:schemeClr>
+          </a:lnRef>
+          <a:fillRef idx="1">
+            <a:schemeClr val="accent1"/>
+          </a:fillRef>
+          <a:effectRef idx="0">
+            <a:schemeClr val="accent1"/>
+          </a:effectRef>
+          <a:fontRef idx="minor">
+            <a:schemeClr val="lt1"/>
+          </a:fontRef>
+        </p:style>
+        <p:txBody>
+          <a:bodyPr rtlCol="0" anchor="ctr"/>
+          <a:lstStyle/>
+          <a:p>
+            <a:pPr algn="ctr"/>
+            <a:endParaRPr lang="ko-KR" altLang="en-US"/>
+          </a:p>
+        </p:txBody>
+      </p:sp>
+      <p:sp>
+        <p:nvSpPr>
+          <p:cNvPr id="173" name="뺄셈 기호 172"/>
+          <p:cNvSpPr/>
+          <p:nvPr/>
+        </p:nvSpPr>
+        <p:spPr>
+          <a:xfrm>
+            <a:off x="10011488" y="2369273"/>
+            <a:ext cx="306553" cy="192470"/>
+          </a:xfrm>
+          <a:prstGeom prst="mathMinus">
+            <a:avLst/>
+          </a:prstGeom>
+          <a:solidFill>
+            <a:schemeClr val="bg1"/>
+          </a:solidFill>
+        </p:spPr>
+        <p:style>
+          <a:lnRef idx="2">
+            <a:schemeClr val="accent1">
+              <a:shade val="50000"/>
+            </a:schemeClr>
+          </a:lnRef>
+          <a:fillRef idx="1">
+            <a:schemeClr val="accent1"/>
+          </a:fillRef>
+          <a:effectRef idx="0">
+            <a:schemeClr val="accent1"/>
+          </a:effectRef>
+          <a:fontRef idx="minor">
+            <a:schemeClr val="lt1"/>
+          </a:fontRef>
+        </p:style>
+        <p:txBody>
+          <a:bodyPr rtlCol="0" anchor="ctr"/>
+          <a:lstStyle/>
+          <a:p>
+            <a:pPr algn="ctr"/>
+            <a:endParaRPr lang="ko-KR" altLang="en-US"/>
+          </a:p>
+        </p:txBody>
+      </p:sp>
+      <p:sp>
+        <p:nvSpPr>
+          <p:cNvPr id="174" name="뺄셈 기호 173"/>
+          <p:cNvSpPr/>
+          <p:nvPr/>
+        </p:nvSpPr>
+        <p:spPr>
+          <a:xfrm>
+            <a:off x="10649795" y="2369273"/>
+            <a:ext cx="306553" cy="192470"/>
+          </a:xfrm>
+          <a:prstGeom prst="mathMinus">
+            <a:avLst/>
+          </a:prstGeom>
+          <a:solidFill>
+            <a:schemeClr val="bg1"/>
+          </a:solidFill>
+        </p:spPr>
+        <p:style>
+          <a:lnRef idx="2">
+            <a:schemeClr val="accent1">
+              <a:shade val="50000"/>
+            </a:schemeClr>
+          </a:lnRef>
+          <a:fillRef idx="1">
+            <a:schemeClr val="accent1"/>
+          </a:fillRef>
+          <a:effectRef idx="0">
+            <a:schemeClr val="accent1"/>
+          </a:effectRef>
+          <a:fontRef idx="minor">
+            <a:schemeClr val="lt1"/>
+          </a:fontRef>
+        </p:style>
+        <p:txBody>
+          <a:bodyPr rtlCol="0" anchor="ctr"/>
+          <a:lstStyle/>
+          <a:p>
+            <a:pPr algn="ctr"/>
+            <a:endParaRPr lang="ko-KR" altLang="en-US"/>
+          </a:p>
+        </p:txBody>
+      </p:sp>
+      <p:cxnSp>
+        <p:nvCxnSpPr>
+          <p:cNvPr id="176" name="직선 화살표 연결선 175"/>
+          <p:cNvCxnSpPr>
+            <a:stCxn id="169" idx="1"/>
+          </p:cNvCxnSpPr>
+          <p:nvPr/>
+        </p:nvCxnSpPr>
+        <p:spPr>
+          <a:xfrm>
+            <a:off x="7611537" y="2488142"/>
+            <a:ext cx="330854" cy="228015"/>
+          </a:xfrm>
+          <a:prstGeom prst="straightConnector1">
+            <a:avLst/>
+          </a:prstGeom>
+          <a:ln>
+            <a:tailEnd type="triangle"/>
+          </a:ln>
+        </p:spPr>
+        <p:style>
+          <a:lnRef idx="1">
+            <a:schemeClr val="accent1"/>
+          </a:lnRef>
+          <a:fillRef idx="0">
+            <a:schemeClr val="accent1"/>
+          </a:fillRef>
+          <a:effectRef idx="0">
+            <a:schemeClr val="accent1"/>
+          </a:effectRef>
+          <a:fontRef idx="minor">
+            <a:schemeClr val="tx1"/>
+          </a:fontRef>
+        </p:style>
+      </p:cxnSp>
+      <p:cxnSp>
+        <p:nvCxnSpPr>
+          <p:cNvPr id="177" name="직선 화살표 연결선 176"/>
+          <p:cNvCxnSpPr>
+            <a:stCxn id="170" idx="1"/>
+          </p:cNvCxnSpPr>
+          <p:nvPr/>
+        </p:nvCxnSpPr>
+        <p:spPr>
+          <a:xfrm>
+            <a:off x="8249844" y="2488142"/>
+            <a:ext cx="326714" cy="228015"/>
+          </a:xfrm>
+          <a:prstGeom prst="straightConnector1">
+            <a:avLst/>
+          </a:prstGeom>
+          <a:ln>
+            <a:tailEnd type="triangle"/>
+          </a:ln>
+        </p:spPr>
+        <p:style>
+          <a:lnRef idx="1">
+            <a:schemeClr val="accent1"/>
+          </a:lnRef>
+          <a:fillRef idx="0">
+            <a:schemeClr val="accent1"/>
+          </a:fillRef>
+          <a:effectRef idx="0">
+            <a:schemeClr val="accent1"/>
+          </a:effectRef>
+          <a:fontRef idx="minor">
+            <a:schemeClr val="tx1"/>
+          </a:fontRef>
+        </p:style>
+      </p:cxnSp>
+      <p:cxnSp>
+        <p:nvCxnSpPr>
+          <p:cNvPr id="178" name="직선 화살표 연결선 177"/>
+          <p:cNvCxnSpPr>
+            <a:stCxn id="171" idx="1"/>
+          </p:cNvCxnSpPr>
+          <p:nvPr/>
+        </p:nvCxnSpPr>
+        <p:spPr>
+          <a:xfrm>
+            <a:off x="8888151" y="2488142"/>
+            <a:ext cx="322574" cy="228015"/>
+          </a:xfrm>
+          <a:prstGeom prst="straightConnector1">
+            <a:avLst/>
+          </a:prstGeom>
+          <a:ln>
+            <a:tailEnd type="triangle"/>
+          </a:ln>
+        </p:spPr>
+        <p:style>
+          <a:lnRef idx="1">
+            <a:schemeClr val="accent1"/>
+          </a:lnRef>
+          <a:fillRef idx="0">
+            <a:schemeClr val="accent1"/>
+          </a:fillRef>
+          <a:effectRef idx="0">
+            <a:schemeClr val="accent1"/>
+          </a:effectRef>
+          <a:fontRef idx="minor">
+            <a:schemeClr val="tx1"/>
+          </a:fontRef>
+        </p:style>
+      </p:cxnSp>
+      <p:cxnSp>
+        <p:nvCxnSpPr>
+          <p:cNvPr id="179" name="직선 화살표 연결선 178"/>
+          <p:cNvCxnSpPr>
+            <a:stCxn id="172" idx="1"/>
+          </p:cNvCxnSpPr>
+          <p:nvPr/>
+        </p:nvCxnSpPr>
+        <p:spPr>
+          <a:xfrm>
+            <a:off x="9526458" y="2488142"/>
+            <a:ext cx="318434" cy="228015"/>
+          </a:xfrm>
+          <a:prstGeom prst="straightConnector1">
+            <a:avLst/>
+          </a:prstGeom>
+          <a:ln>
+            <a:tailEnd type="triangle"/>
+          </a:ln>
+        </p:spPr>
+        <p:style>
+          <a:lnRef idx="1">
+            <a:schemeClr val="accent1"/>
+          </a:lnRef>
+          <a:fillRef idx="0">
+            <a:schemeClr val="accent1"/>
+          </a:fillRef>
+          <a:effectRef idx="0">
+            <a:schemeClr val="accent1"/>
+          </a:effectRef>
+          <a:fontRef idx="minor">
+            <a:schemeClr val="tx1"/>
+          </a:fontRef>
+        </p:style>
+      </p:cxnSp>
+      <p:cxnSp>
+        <p:nvCxnSpPr>
+          <p:cNvPr id="180" name="직선 화살표 연결선 179"/>
+          <p:cNvCxnSpPr>
+            <a:stCxn id="173" idx="1"/>
+          </p:cNvCxnSpPr>
+          <p:nvPr/>
+        </p:nvCxnSpPr>
+        <p:spPr>
+          <a:xfrm>
+            <a:off x="10164765" y="2488142"/>
+            <a:ext cx="314294" cy="228015"/>
+          </a:xfrm>
+          <a:prstGeom prst="straightConnector1">
+            <a:avLst/>
+          </a:prstGeom>
+          <a:ln>
+            <a:tailEnd type="triangle"/>
+          </a:ln>
+        </p:spPr>
+        <p:style>
+          <a:lnRef idx="1">
+            <a:schemeClr val="accent1"/>
+          </a:lnRef>
+          <a:fillRef idx="0">
+            <a:schemeClr val="accent1"/>
+          </a:fillRef>
+          <a:effectRef idx="0">
+            <a:schemeClr val="accent1"/>
+          </a:effectRef>
+          <a:fontRef idx="minor">
+            <a:schemeClr val="tx1"/>
+          </a:fontRef>
+        </p:style>
+      </p:cxnSp>
+      <p:cxnSp>
+        <p:nvCxnSpPr>
+          <p:cNvPr id="181" name="직선 화살표 연결선 180"/>
+          <p:cNvCxnSpPr>
+            <a:stCxn id="174" idx="1"/>
+          </p:cNvCxnSpPr>
+          <p:nvPr/>
+        </p:nvCxnSpPr>
+        <p:spPr>
+          <a:xfrm>
+            <a:off x="10803072" y="2488142"/>
+            <a:ext cx="310154" cy="228015"/>
+          </a:xfrm>
+          <a:prstGeom prst="straightConnector1">
+            <a:avLst/>
+          </a:prstGeom>
+          <a:ln>
+            <a:tailEnd type="triangle"/>
+          </a:ln>
+        </p:spPr>
+        <p:style>
+          <a:lnRef idx="1">
+            <a:schemeClr val="accent1"/>
+          </a:lnRef>
+          <a:fillRef idx="0">
+            <a:schemeClr val="accent1"/>
+          </a:fillRef>
+          <a:effectRef idx="0">
+            <a:schemeClr val="accent1"/>
+          </a:effectRef>
+          <a:fontRef idx="minor">
+            <a:schemeClr val="tx1"/>
+          </a:fontRef>
+        </p:style>
+      </p:cxnSp>
+    </p:spTree>
+    <p:extLst>
+      <p:ext uri="{BB962C8B-B14F-4D97-AF65-F5344CB8AC3E}">
+        <p14:creationId xmlns:p14="http://schemas.microsoft.com/office/powerpoint/2010/main" val="329102106"/>
+      </p:ext>
+    </p:extLst>
+  </p:cSld>
+  <p:clrMapOvr>
+    <a:masterClrMapping/>
+  </p:clrMapOvr>
+</p:sld>
+</file>
+
+<file path=ppt/slides/slide9.xml><?xml version="1.0" encoding="utf-8"?>
+<p:sld xmlns:a="http://schemas.openxmlformats.org/drawingml/2006/main" xmlns:r="http://schemas.openxmlformats.org/officeDocument/2006/relationships" xmlns:p="http://schemas.openxmlformats.org/presentationml/2006/main">
+  <p:cSld>
+    <p:spTree>
+      <p:nvGrpSpPr>
+        <p:cNvPr id="1" name=""/>
+        <p:cNvGrpSpPr/>
+        <p:nvPr/>
+      </p:nvGrpSpPr>
+      <p:grpSpPr>
+        <a:xfrm>
+          <a:off x="0" y="0"/>
+          <a:ext cx="0" cy="0"/>
+          <a:chOff x="0" y="0"/>
+          <a:chExt cx="0" cy="0"/>
+        </a:xfrm>
+      </p:grpSpPr>
+      <p:graphicFrame>
+        <p:nvGraphicFramePr>
+          <p:cNvPr id="37" name="표 36"/>
+          <p:cNvGraphicFramePr>
+            <a:graphicFrameLocks noGrp="1"/>
+          </p:cNvGraphicFramePr>
+          <p:nvPr>
+            <p:extLst>
+              <p:ext uri="{D42A27DB-BD31-4B8C-83A1-F6EECF244321}">
+                <p14:modId xmlns:p14="http://schemas.microsoft.com/office/powerpoint/2010/main" val="2595741137"/>
+              </p:ext>
+            </p:extLst>
+          </p:nvPr>
+        </p:nvGraphicFramePr>
+        <p:xfrm>
+          <a:off x="-71042" y="1203452"/>
+          <a:ext cx="3095815" cy="4351347"/>
+        </p:xfrm>
+        <a:graphic>
+          <a:graphicData uri="http://schemas.openxmlformats.org/drawingml/2006/table">
+            <a:tbl>
+              <a:tblPr>
+                <a:tableStyleId>{BDBED569-4797-4DF1-A0F4-6AAB3CD982D8}</a:tableStyleId>
+              </a:tblPr>
+              <a:tblGrid>
+                <a:gridCol w="619163">
+                  <a:extLst>
+                    <a:ext uri="{9D8B030D-6E8A-4147-A177-3AD203B41FA5}">
+                      <a16:colId xmlns:a16="http://schemas.microsoft.com/office/drawing/2014/main" val="3257766126"/>
+                    </a:ext>
+                  </a:extLst>
+                </a:gridCol>
+                <a:gridCol w="619163">
+                  <a:extLst>
+                    <a:ext uri="{9D8B030D-6E8A-4147-A177-3AD203B41FA5}">
+                      <a16:colId xmlns:a16="http://schemas.microsoft.com/office/drawing/2014/main" val="1959557260"/>
+                    </a:ext>
+                  </a:extLst>
+                </a:gridCol>
+                <a:gridCol w="619163">
+                  <a:extLst>
+                    <a:ext uri="{9D8B030D-6E8A-4147-A177-3AD203B41FA5}">
+                      <a16:colId xmlns:a16="http://schemas.microsoft.com/office/drawing/2014/main" val="3492830002"/>
+                    </a:ext>
+                  </a:extLst>
+                </a:gridCol>
+                <a:gridCol w="619163">
+                  <a:extLst>
+                    <a:ext uri="{9D8B030D-6E8A-4147-A177-3AD203B41FA5}">
+                      <a16:colId xmlns:a16="http://schemas.microsoft.com/office/drawing/2014/main" val="4193504295"/>
+                    </a:ext>
+                  </a:extLst>
+                </a:gridCol>
+                <a:gridCol w="619163">
+                  <a:extLst>
+                    <a:ext uri="{9D8B030D-6E8A-4147-A177-3AD203B41FA5}">
+                      <a16:colId xmlns:a16="http://schemas.microsoft.com/office/drawing/2014/main" val="2181892340"/>
+                    </a:ext>
+                  </a:extLst>
+                </a:gridCol>
+              </a:tblGrid>
+              <a:tr h="189189">
+                <a:tc>
+                  <a:txBody>
+                    <a:bodyPr/>
+                    <a:lstStyle/>
+                    <a:p>
+                      <a:pPr algn="ctr" fontAlgn="ctr"/>
+                      <a:r>
+                        <a:rPr lang="ko-KR" altLang="en-US" sz="1000" u="none" strike="noStrike">
+                          <a:effectLst/>
+                        </a:rPr>
+                        <a:t>연도</a:t>
+                      </a:r>
+                      <a:endParaRPr lang="ko-KR" altLang="en-US" sz="1000" b="0" i="0" u="none" strike="noStrike">
+                        <a:solidFill>
+                          <a:srgbClr val="000000"/>
+                        </a:solidFill>
+                        <a:effectLst/>
+                        <a:latin typeface="맑은 고딕" panose="020B0503020000020004" pitchFamily="50" charset="-127"/>
+                        <a:ea typeface="맑은 고딕" panose="020B0503020000020004" pitchFamily="50" charset="-127"/>
+                      </a:endParaRPr>
+                    </a:p>
+                  </a:txBody>
+                  <a:tcPr marL="8599" marR="8599" marT="8599" marB="0" anchor="ctr"/>
+                </a:tc>
+                <a:tc>
+                  <a:txBody>
+                    <a:bodyPr/>
+                    <a:lstStyle/>
+                    <a:p>
+                      <a:pPr algn="ctr" fontAlgn="ctr"/>
+                      <a:r>
+                        <a:rPr lang="ko-KR" altLang="en-US" sz="1000" u="none" strike="noStrike">
+                          <a:effectLst/>
+                        </a:rPr>
+                        <a:t>학생수계</a:t>
+                      </a:r>
+                      <a:endParaRPr lang="ko-KR" altLang="en-US" sz="1000" b="0" i="0" u="none" strike="noStrike">
+                        <a:solidFill>
+                          <a:srgbClr val="000000"/>
+                        </a:solidFill>
+                        <a:effectLst/>
+                        <a:latin typeface="맑은 고딕" panose="020B0503020000020004" pitchFamily="50" charset="-127"/>
+                        <a:ea typeface="맑은 고딕" panose="020B0503020000020004" pitchFamily="50" charset="-127"/>
+                      </a:endParaRPr>
+                    </a:p>
+                  </a:txBody>
+                  <a:tcPr marL="8599" marR="8599" marT="8599" marB="0" anchor="ctr"/>
+                </a:tc>
+                <a:tc>
+                  <a:txBody>
+                    <a:bodyPr/>
+                    <a:lstStyle/>
+                    <a:p>
+                      <a:pPr algn="ctr" fontAlgn="ctr"/>
+                      <a:r>
+                        <a:rPr lang="en-US" sz="1000" u="none" strike="noStrike">
+                          <a:effectLst/>
+                        </a:rPr>
+                        <a:t>lag(1)</a:t>
+                      </a:r>
+                      <a:endParaRPr lang="en-US" sz="1000" b="0" i="0" u="none" strike="noStrike">
+                        <a:solidFill>
+                          <a:srgbClr val="000000"/>
+                        </a:solidFill>
+                        <a:effectLst/>
+                        <a:latin typeface="맑은 고딕" panose="020B0503020000020004" pitchFamily="50" charset="-127"/>
+                        <a:ea typeface="맑은 고딕" panose="020B0503020000020004" pitchFamily="50" charset="-127"/>
+                      </a:endParaRPr>
+                    </a:p>
+                  </a:txBody>
+                  <a:tcPr marL="8599" marR="8599" marT="8599" marB="0" anchor="ctr"/>
+                </a:tc>
+                <a:tc>
+                  <a:txBody>
+                    <a:bodyPr/>
+                    <a:lstStyle/>
+                    <a:p>
+                      <a:pPr algn="ctr" fontAlgn="ctr"/>
+                      <a:r>
+                        <a:rPr lang="en-US" sz="1000" u="none" strike="noStrike">
+                          <a:effectLst/>
+                        </a:rPr>
+                        <a:t>lag(2)</a:t>
+                      </a:r>
+                      <a:endParaRPr lang="en-US" sz="1000" b="0" i="0" u="none" strike="noStrike">
+                        <a:solidFill>
+                          <a:srgbClr val="000000"/>
+                        </a:solidFill>
+                        <a:effectLst/>
+                        <a:latin typeface="맑은 고딕" panose="020B0503020000020004" pitchFamily="50" charset="-127"/>
+                        <a:ea typeface="맑은 고딕" panose="020B0503020000020004" pitchFamily="50" charset="-127"/>
+                      </a:endParaRPr>
+                    </a:p>
+                  </a:txBody>
+                  <a:tcPr marL="8599" marR="8599" marT="8599" marB="0" anchor="ctr"/>
+                </a:tc>
+                <a:tc>
+                  <a:txBody>
+                    <a:bodyPr/>
+                    <a:lstStyle/>
+                    <a:p>
+                      <a:pPr algn="ctr" fontAlgn="ctr"/>
+                      <a:r>
+                        <a:rPr lang="en-US" sz="1000" u="none" strike="noStrike">
+                          <a:effectLst/>
+                        </a:rPr>
+                        <a:t>lag(3)</a:t>
+                      </a:r>
+                      <a:endParaRPr lang="en-US" sz="1000" b="0" i="0" u="none" strike="noStrike">
+                        <a:solidFill>
+                          <a:srgbClr val="000000"/>
+                        </a:solidFill>
+                        <a:effectLst/>
+                        <a:latin typeface="맑은 고딕" panose="020B0503020000020004" pitchFamily="50" charset="-127"/>
+                        <a:ea typeface="맑은 고딕" panose="020B0503020000020004" pitchFamily="50" charset="-127"/>
+                      </a:endParaRPr>
+                    </a:p>
+                  </a:txBody>
+                  <a:tcPr marL="8599" marR="8599" marT="8599" marB="0" anchor="ctr"/>
+                </a:tc>
+                <a:extLst>
+                  <a:ext uri="{0D108BD9-81ED-4DB2-BD59-A6C34878D82A}">
+                    <a16:rowId xmlns:a16="http://schemas.microsoft.com/office/drawing/2014/main" val="2100503417"/>
+                  </a:ext>
+                </a:extLst>
+              </a:tr>
+              <a:tr h="189189">
+                <a:tc>
+                  <a:txBody>
+                    <a:bodyPr/>
+                    <a:lstStyle/>
+                    <a:p>
+                      <a:pPr algn="ctr" fontAlgn="ctr"/>
+                      <a:r>
+                        <a:rPr lang="en-US" altLang="ko-KR" sz="1000" u="none" strike="noStrike">
+                          <a:effectLst/>
+                        </a:rPr>
+                        <a:t>1999</a:t>
+                      </a:r>
+                      <a:endParaRPr lang="en-US" altLang="ko-KR" sz="1000" b="0" i="0" u="none" strike="noStrike">
+                        <a:solidFill>
+                          <a:srgbClr val="000000"/>
+                        </a:solidFill>
+                        <a:effectLst/>
+                        <a:latin typeface="맑은 고딕" panose="020B0503020000020004" pitchFamily="50" charset="-127"/>
+                        <a:ea typeface="맑은 고딕" panose="020B0503020000020004" pitchFamily="50" charset="-127"/>
+                      </a:endParaRPr>
+                    </a:p>
+                  </a:txBody>
+                  <a:tcPr marL="8599" marR="8599" marT="8599" marB="0" anchor="ctr"/>
+                </a:tc>
+                <a:tc>
+                  <a:txBody>
+                    <a:bodyPr/>
+                    <a:lstStyle/>
+                    <a:p>
+                      <a:pPr algn="r" fontAlgn="ctr"/>
+                      <a:r>
+                        <a:rPr lang="en-US" altLang="ko-KR" sz="1000" u="none" strike="noStrike">
+                          <a:effectLst/>
+                        </a:rPr>
+                        <a:t>8,658,358</a:t>
+                      </a:r>
+                      <a:endParaRPr lang="en-US" altLang="ko-KR" sz="1000" b="0" i="0" u="none" strike="noStrike">
+                        <a:solidFill>
+                          <a:srgbClr val="000000"/>
+                        </a:solidFill>
+                        <a:effectLst/>
+                        <a:latin typeface="맑은 고딕" panose="020B0503020000020004" pitchFamily="50" charset="-127"/>
+                        <a:ea typeface="맑은 고딕" panose="020B0503020000020004" pitchFamily="50" charset="-127"/>
+                      </a:endParaRPr>
+                    </a:p>
+                  </a:txBody>
+                  <a:tcPr marL="8599" marR="8599" marT="8599" marB="0" anchor="ctr"/>
+                </a:tc>
+                <a:tc>
+                  <a:txBody>
+                    <a:bodyPr/>
+                    <a:lstStyle/>
+                    <a:p>
+                      <a:pPr algn="ctr" fontAlgn="ctr"/>
+                      <a:r>
+                        <a:rPr lang="en-US" sz="1000" u="none" strike="noStrike">
+                          <a:effectLst/>
+                        </a:rPr>
+                        <a:t>NA</a:t>
+                      </a:r>
+                      <a:endParaRPr lang="en-US" sz="1000" b="0" i="0" u="none" strike="noStrike">
+                        <a:solidFill>
+                          <a:srgbClr val="000000"/>
+                        </a:solidFill>
+                        <a:effectLst/>
+                        <a:latin typeface="맑은 고딕" panose="020B0503020000020004" pitchFamily="50" charset="-127"/>
+                        <a:ea typeface="맑은 고딕" panose="020B0503020000020004" pitchFamily="50" charset="-127"/>
+                      </a:endParaRPr>
+                    </a:p>
+                  </a:txBody>
+                  <a:tcPr marL="8599" marR="8599" marT="8599" marB="0" anchor="ctr"/>
+                </a:tc>
+                <a:tc>
+                  <a:txBody>
+                    <a:bodyPr/>
+                    <a:lstStyle/>
+                    <a:p>
+                      <a:pPr algn="ctr" fontAlgn="ctr"/>
+                      <a:r>
+                        <a:rPr lang="en-US" sz="1000" u="none" strike="noStrike">
+                          <a:effectLst/>
+                        </a:rPr>
+                        <a:t>NA</a:t>
+                      </a:r>
+                      <a:endParaRPr lang="en-US" sz="1000" b="0" i="0" u="none" strike="noStrike">
+                        <a:solidFill>
+                          <a:srgbClr val="000000"/>
+                        </a:solidFill>
+                        <a:effectLst/>
+                        <a:latin typeface="맑은 고딕" panose="020B0503020000020004" pitchFamily="50" charset="-127"/>
+                        <a:ea typeface="맑은 고딕" panose="020B0503020000020004" pitchFamily="50" charset="-127"/>
+                      </a:endParaRPr>
+                    </a:p>
+                  </a:txBody>
+                  <a:tcPr marL="8599" marR="8599" marT="8599" marB="0" anchor="ctr"/>
+                </a:tc>
+                <a:tc>
+                  <a:txBody>
+                    <a:bodyPr/>
+                    <a:lstStyle/>
+                    <a:p>
+                      <a:pPr algn="ctr" fontAlgn="ctr"/>
+                      <a:r>
+                        <a:rPr lang="en-US" sz="1000" u="none" strike="noStrike">
+                          <a:effectLst/>
+                        </a:rPr>
+                        <a:t>NA</a:t>
+                      </a:r>
+                      <a:endParaRPr lang="en-US" sz="1000" b="0" i="0" u="none" strike="noStrike">
+                        <a:solidFill>
+                          <a:srgbClr val="000000"/>
+                        </a:solidFill>
+                        <a:effectLst/>
+                        <a:latin typeface="맑은 고딕" panose="020B0503020000020004" pitchFamily="50" charset="-127"/>
+                        <a:ea typeface="맑은 고딕" panose="020B0503020000020004" pitchFamily="50" charset="-127"/>
+                      </a:endParaRPr>
+                    </a:p>
+                  </a:txBody>
+                  <a:tcPr marL="8599" marR="8599" marT="8599" marB="0" anchor="ctr"/>
+                </a:tc>
+                <a:extLst>
+                  <a:ext uri="{0D108BD9-81ED-4DB2-BD59-A6C34878D82A}">
+                    <a16:rowId xmlns:a16="http://schemas.microsoft.com/office/drawing/2014/main" val="3311207719"/>
+                  </a:ext>
+                </a:extLst>
+              </a:tr>
+              <a:tr h="189189">
+                <a:tc>
+                  <a:txBody>
+                    <a:bodyPr/>
+                    <a:lstStyle/>
+                    <a:p>
+                      <a:pPr algn="ctr" fontAlgn="ctr"/>
+                      <a:r>
+                        <a:rPr lang="en-US" altLang="ko-KR" sz="1000" u="none" strike="noStrike">
+                          <a:effectLst/>
+                        </a:rPr>
+                        <a:t>2000</a:t>
+                      </a:r>
+                      <a:endParaRPr lang="en-US" altLang="ko-KR" sz="1000" b="0" i="0" u="none" strike="noStrike">
+                        <a:solidFill>
+                          <a:srgbClr val="000000"/>
+                        </a:solidFill>
+                        <a:effectLst/>
+                        <a:latin typeface="맑은 고딕" panose="020B0503020000020004" pitchFamily="50" charset="-127"/>
+                        <a:ea typeface="맑은 고딕" panose="020B0503020000020004" pitchFamily="50" charset="-127"/>
+                      </a:endParaRPr>
+                    </a:p>
+                  </a:txBody>
+                  <a:tcPr marL="8599" marR="8599" marT="8599" marB="0" anchor="ctr"/>
+                </a:tc>
+                <a:tc>
+                  <a:txBody>
+                    <a:bodyPr/>
+                    <a:lstStyle/>
+                    <a:p>
+                      <a:pPr algn="r" fontAlgn="ctr"/>
+                      <a:r>
+                        <a:rPr lang="en-US" altLang="ko-KR" sz="1000" u="none" strike="noStrike">
+                          <a:effectLst/>
+                        </a:rPr>
+                        <a:t>8,535,867</a:t>
+                      </a:r>
+                      <a:endParaRPr lang="en-US" altLang="ko-KR" sz="1000" b="0" i="0" u="none" strike="noStrike">
+                        <a:solidFill>
+                          <a:srgbClr val="000000"/>
+                        </a:solidFill>
+                        <a:effectLst/>
+                        <a:latin typeface="맑은 고딕" panose="020B0503020000020004" pitchFamily="50" charset="-127"/>
+                        <a:ea typeface="맑은 고딕" panose="020B0503020000020004" pitchFamily="50" charset="-127"/>
+                      </a:endParaRPr>
+                    </a:p>
+                  </a:txBody>
+                  <a:tcPr marL="8599" marR="8599" marT="8599" marB="0" anchor="ctr"/>
+                </a:tc>
+                <a:tc>
+                  <a:txBody>
+                    <a:bodyPr/>
+                    <a:lstStyle/>
+                    <a:p>
+                      <a:pPr algn="r" fontAlgn="ctr"/>
+                      <a:r>
+                        <a:rPr lang="en-US" altLang="ko-KR" sz="1000" u="none" strike="noStrike">
+                          <a:effectLst/>
+                        </a:rPr>
+                        <a:t>8,658,358</a:t>
+                      </a:r>
+                      <a:endParaRPr lang="en-US" altLang="ko-KR" sz="1000" b="0" i="0" u="none" strike="noStrike">
+                        <a:solidFill>
+                          <a:srgbClr val="000000"/>
+                        </a:solidFill>
+                        <a:effectLst/>
+                        <a:latin typeface="맑은 고딕" panose="020B0503020000020004" pitchFamily="50" charset="-127"/>
+                        <a:ea typeface="맑은 고딕" panose="020B0503020000020004" pitchFamily="50" charset="-127"/>
+                      </a:endParaRPr>
+                    </a:p>
+                  </a:txBody>
+                  <a:tcPr marL="8599" marR="8599" marT="8599" marB="0" anchor="ctr"/>
+                </a:tc>
+                <a:tc>
+                  <a:txBody>
+                    <a:bodyPr/>
+                    <a:lstStyle/>
+                    <a:p>
+                      <a:pPr algn="ctr" fontAlgn="ctr"/>
+                      <a:r>
+                        <a:rPr lang="en-US" sz="1000" u="none" strike="noStrike">
+                          <a:effectLst/>
+                        </a:rPr>
+                        <a:t>NA</a:t>
+                      </a:r>
+                      <a:endParaRPr lang="en-US" sz="1000" b="0" i="0" u="none" strike="noStrike">
+                        <a:solidFill>
+                          <a:srgbClr val="000000"/>
+                        </a:solidFill>
+                        <a:effectLst/>
+                        <a:latin typeface="맑은 고딕" panose="020B0503020000020004" pitchFamily="50" charset="-127"/>
+                        <a:ea typeface="맑은 고딕" panose="020B0503020000020004" pitchFamily="50" charset="-127"/>
+                      </a:endParaRPr>
+                    </a:p>
+                  </a:txBody>
+                  <a:tcPr marL="8599" marR="8599" marT="8599" marB="0" anchor="ctr"/>
+                </a:tc>
+                <a:tc>
+                  <a:txBody>
+                    <a:bodyPr/>
+                    <a:lstStyle/>
+                    <a:p>
+                      <a:pPr algn="ctr" fontAlgn="ctr"/>
+                      <a:r>
+                        <a:rPr lang="en-US" sz="1000" u="none" strike="noStrike">
+                          <a:effectLst/>
+                        </a:rPr>
+                        <a:t>NA</a:t>
+                      </a:r>
+                      <a:endParaRPr lang="en-US" sz="1000" b="0" i="0" u="none" strike="noStrike">
+                        <a:solidFill>
+                          <a:srgbClr val="000000"/>
+                        </a:solidFill>
+                        <a:effectLst/>
+                        <a:latin typeface="맑은 고딕" panose="020B0503020000020004" pitchFamily="50" charset="-127"/>
+                        <a:ea typeface="맑은 고딕" panose="020B0503020000020004" pitchFamily="50" charset="-127"/>
+                      </a:endParaRPr>
+                    </a:p>
+                  </a:txBody>
+                  <a:tcPr marL="8599" marR="8599" marT="8599" marB="0" anchor="ctr"/>
+                </a:tc>
+                <a:extLst>
+                  <a:ext uri="{0D108BD9-81ED-4DB2-BD59-A6C34878D82A}">
+                    <a16:rowId xmlns:a16="http://schemas.microsoft.com/office/drawing/2014/main" val="1591879381"/>
+                  </a:ext>
+                </a:extLst>
+              </a:tr>
+              <a:tr h="189189">
+                <a:tc>
+                  <a:txBody>
+                    <a:bodyPr/>
+                    <a:lstStyle/>
+                    <a:p>
+                      <a:pPr algn="ctr" fontAlgn="ctr"/>
+                      <a:r>
+                        <a:rPr lang="en-US" altLang="ko-KR" sz="1000" u="none" strike="noStrike">
+                          <a:effectLst/>
+                        </a:rPr>
+                        <a:t>2001</a:t>
+                      </a:r>
+                      <a:endParaRPr lang="en-US" altLang="ko-KR" sz="1000" b="0" i="0" u="none" strike="noStrike">
+                        <a:solidFill>
+                          <a:srgbClr val="000000"/>
+                        </a:solidFill>
+                        <a:effectLst/>
+                        <a:latin typeface="맑은 고딕" panose="020B0503020000020004" pitchFamily="50" charset="-127"/>
+                        <a:ea typeface="맑은 고딕" panose="020B0503020000020004" pitchFamily="50" charset="-127"/>
+                      </a:endParaRPr>
+                    </a:p>
+                  </a:txBody>
+                  <a:tcPr marL="8599" marR="8599" marT="8599" marB="0" anchor="ctr"/>
+                </a:tc>
+                <a:tc>
+                  <a:txBody>
+                    <a:bodyPr/>
+                    <a:lstStyle/>
+                    <a:p>
+                      <a:pPr algn="r" fontAlgn="ctr"/>
+                      <a:r>
+                        <a:rPr lang="en-US" altLang="ko-KR" sz="1000" u="none" strike="noStrike">
+                          <a:effectLst/>
+                        </a:rPr>
+                        <a:t>8,414,423</a:t>
+                      </a:r>
+                      <a:endParaRPr lang="en-US" altLang="ko-KR" sz="1000" b="0" i="0" u="none" strike="noStrike">
+                        <a:solidFill>
+                          <a:srgbClr val="000000"/>
+                        </a:solidFill>
+                        <a:effectLst/>
+                        <a:latin typeface="맑은 고딕" panose="020B0503020000020004" pitchFamily="50" charset="-127"/>
+                        <a:ea typeface="맑은 고딕" panose="020B0503020000020004" pitchFamily="50" charset="-127"/>
+                      </a:endParaRPr>
+                    </a:p>
+                  </a:txBody>
+                  <a:tcPr marL="8599" marR="8599" marT="8599" marB="0" anchor="ctr"/>
+                </a:tc>
+                <a:tc>
+                  <a:txBody>
+                    <a:bodyPr/>
+                    <a:lstStyle/>
+                    <a:p>
+                      <a:pPr algn="r" fontAlgn="ctr"/>
+                      <a:r>
+                        <a:rPr lang="en-US" altLang="ko-KR" sz="1000" u="none" strike="noStrike">
+                          <a:effectLst/>
+                        </a:rPr>
+                        <a:t>8,535,867</a:t>
+                      </a:r>
+                      <a:endParaRPr lang="en-US" altLang="ko-KR" sz="1000" b="0" i="0" u="none" strike="noStrike">
+                        <a:solidFill>
+                          <a:srgbClr val="000000"/>
+                        </a:solidFill>
+                        <a:effectLst/>
+                        <a:latin typeface="맑은 고딕" panose="020B0503020000020004" pitchFamily="50" charset="-127"/>
+                        <a:ea typeface="맑은 고딕" panose="020B0503020000020004" pitchFamily="50" charset="-127"/>
+                      </a:endParaRPr>
+                    </a:p>
+                  </a:txBody>
+                  <a:tcPr marL="8599" marR="8599" marT="8599" marB="0" anchor="ctr"/>
+                </a:tc>
+                <a:tc>
+                  <a:txBody>
+                    <a:bodyPr/>
+                    <a:lstStyle/>
+                    <a:p>
+                      <a:pPr algn="r" fontAlgn="ctr"/>
+                      <a:r>
+                        <a:rPr lang="en-US" altLang="ko-KR" sz="1000" u="none" strike="noStrike">
+                          <a:effectLst/>
+                        </a:rPr>
+                        <a:t>8,658,358</a:t>
+                      </a:r>
+                      <a:endParaRPr lang="en-US" altLang="ko-KR" sz="1000" b="0" i="0" u="none" strike="noStrike">
+                        <a:solidFill>
+                          <a:srgbClr val="000000"/>
+                        </a:solidFill>
+                        <a:effectLst/>
+                        <a:latin typeface="맑은 고딕" panose="020B0503020000020004" pitchFamily="50" charset="-127"/>
+                        <a:ea typeface="맑은 고딕" panose="020B0503020000020004" pitchFamily="50" charset="-127"/>
+                      </a:endParaRPr>
+                    </a:p>
+                  </a:txBody>
+                  <a:tcPr marL="8599" marR="8599" marT="8599" marB="0" anchor="ctr"/>
+                </a:tc>
+                <a:tc>
+                  <a:txBody>
+                    <a:bodyPr/>
+                    <a:lstStyle/>
+                    <a:p>
+                      <a:pPr algn="ctr" fontAlgn="ctr"/>
+                      <a:r>
+                        <a:rPr lang="en-US" sz="1000" u="none" strike="noStrike">
+                          <a:effectLst/>
+                        </a:rPr>
+                        <a:t>NA</a:t>
+                      </a:r>
+                      <a:endParaRPr lang="en-US" sz="1000" b="0" i="0" u="none" strike="noStrike">
+                        <a:solidFill>
+                          <a:srgbClr val="000000"/>
+                        </a:solidFill>
+                        <a:effectLst/>
+                        <a:latin typeface="맑은 고딕" panose="020B0503020000020004" pitchFamily="50" charset="-127"/>
+                        <a:ea typeface="맑은 고딕" panose="020B0503020000020004" pitchFamily="50" charset="-127"/>
+                      </a:endParaRPr>
+                    </a:p>
+                  </a:txBody>
+                  <a:tcPr marL="8599" marR="8599" marT="8599" marB="0" anchor="ctr"/>
+                </a:tc>
+                <a:extLst>
+                  <a:ext uri="{0D108BD9-81ED-4DB2-BD59-A6C34878D82A}">
+                    <a16:rowId xmlns:a16="http://schemas.microsoft.com/office/drawing/2014/main" val="596160662"/>
+                  </a:ext>
+                </a:extLst>
+              </a:tr>
+              <a:tr h="189189">
+                <a:tc>
+                  <a:txBody>
+                    <a:bodyPr/>
+                    <a:lstStyle/>
+                    <a:p>
+                      <a:pPr algn="ctr" fontAlgn="ctr"/>
+                      <a:r>
+                        <a:rPr lang="en-US" altLang="ko-KR" sz="1000" u="none" strike="noStrike">
+                          <a:effectLst/>
+                        </a:rPr>
+                        <a:t>2002</a:t>
+                      </a:r>
+                      <a:endParaRPr lang="en-US" altLang="ko-KR" sz="1000" b="0" i="0" u="none" strike="noStrike">
+                        <a:solidFill>
+                          <a:srgbClr val="000000"/>
+                        </a:solidFill>
+                        <a:effectLst/>
+                        <a:latin typeface="맑은 고딕" panose="020B0503020000020004" pitchFamily="50" charset="-127"/>
+                        <a:ea typeface="맑은 고딕" panose="020B0503020000020004" pitchFamily="50" charset="-127"/>
+                      </a:endParaRPr>
+                    </a:p>
+                  </a:txBody>
+                  <a:tcPr marL="8599" marR="8599" marT="8599" marB="0" anchor="ctr"/>
+                </a:tc>
+                <a:tc>
+                  <a:txBody>
+                    <a:bodyPr/>
+                    <a:lstStyle/>
+                    <a:p>
+                      <a:pPr algn="r" fontAlgn="ctr"/>
+                      <a:r>
+                        <a:rPr lang="en-US" altLang="ko-KR" sz="1000" u="none" strike="noStrike">
+                          <a:effectLst/>
+                        </a:rPr>
+                        <a:t>8,361,933</a:t>
+                      </a:r>
+                      <a:endParaRPr lang="en-US" altLang="ko-KR" sz="1000" b="0" i="0" u="none" strike="noStrike">
+                        <a:solidFill>
+                          <a:srgbClr val="000000"/>
+                        </a:solidFill>
+                        <a:effectLst/>
+                        <a:latin typeface="맑은 고딕" panose="020B0503020000020004" pitchFamily="50" charset="-127"/>
+                        <a:ea typeface="맑은 고딕" panose="020B0503020000020004" pitchFamily="50" charset="-127"/>
+                      </a:endParaRPr>
+                    </a:p>
+                  </a:txBody>
+                  <a:tcPr marL="8599" marR="8599" marT="8599" marB="0" anchor="ctr"/>
+                </a:tc>
+                <a:tc>
+                  <a:txBody>
+                    <a:bodyPr/>
+                    <a:lstStyle/>
+                    <a:p>
+                      <a:pPr algn="r" fontAlgn="ctr"/>
+                      <a:r>
+                        <a:rPr lang="en-US" altLang="ko-KR" sz="1000" u="none" strike="noStrike">
+                          <a:effectLst/>
+                        </a:rPr>
+                        <a:t>8,414,423</a:t>
+                      </a:r>
+                      <a:endParaRPr lang="en-US" altLang="ko-KR" sz="1000" b="0" i="0" u="none" strike="noStrike">
+                        <a:solidFill>
+                          <a:srgbClr val="000000"/>
+                        </a:solidFill>
+                        <a:effectLst/>
+                        <a:latin typeface="맑은 고딕" panose="020B0503020000020004" pitchFamily="50" charset="-127"/>
+                        <a:ea typeface="맑은 고딕" panose="020B0503020000020004" pitchFamily="50" charset="-127"/>
+                      </a:endParaRPr>
+                    </a:p>
+                  </a:txBody>
+                  <a:tcPr marL="8599" marR="8599" marT="8599" marB="0" anchor="ctr"/>
+                </a:tc>
+                <a:tc>
+                  <a:txBody>
+                    <a:bodyPr/>
+                    <a:lstStyle/>
+                    <a:p>
+                      <a:pPr algn="r" fontAlgn="ctr"/>
+                      <a:r>
+                        <a:rPr lang="en-US" altLang="ko-KR" sz="1000" u="none" strike="noStrike">
+                          <a:effectLst/>
+                        </a:rPr>
+                        <a:t>8,535,867</a:t>
+                      </a:r>
+                      <a:endParaRPr lang="en-US" altLang="ko-KR" sz="1000" b="0" i="0" u="none" strike="noStrike">
+                        <a:solidFill>
+                          <a:srgbClr val="000000"/>
+                        </a:solidFill>
+                        <a:effectLst/>
+                        <a:latin typeface="맑은 고딕" panose="020B0503020000020004" pitchFamily="50" charset="-127"/>
+                        <a:ea typeface="맑은 고딕" panose="020B0503020000020004" pitchFamily="50" charset="-127"/>
+                      </a:endParaRPr>
+                    </a:p>
+                  </a:txBody>
+                  <a:tcPr marL="8599" marR="8599" marT="8599" marB="0" anchor="ctr"/>
+                </a:tc>
+                <a:tc>
+                  <a:txBody>
+                    <a:bodyPr/>
+                    <a:lstStyle/>
+                    <a:p>
+                      <a:pPr algn="r" fontAlgn="ctr"/>
+                      <a:r>
+                        <a:rPr lang="en-US" altLang="ko-KR" sz="1000" u="none" strike="noStrike">
+                          <a:effectLst/>
+                        </a:rPr>
+                        <a:t>8,658,358</a:t>
+                      </a:r>
+                      <a:endParaRPr lang="en-US" altLang="ko-KR" sz="1000" b="0" i="0" u="none" strike="noStrike">
+                        <a:solidFill>
+                          <a:srgbClr val="000000"/>
+                        </a:solidFill>
+                        <a:effectLst/>
+                        <a:latin typeface="맑은 고딕" panose="020B0503020000020004" pitchFamily="50" charset="-127"/>
+                        <a:ea typeface="맑은 고딕" panose="020B0503020000020004" pitchFamily="50" charset="-127"/>
+                      </a:endParaRPr>
+                    </a:p>
+                  </a:txBody>
+                  <a:tcPr marL="8599" marR="8599" marT="8599" marB="0" anchor="ctr"/>
+                </a:tc>
+                <a:extLst>
+                  <a:ext uri="{0D108BD9-81ED-4DB2-BD59-A6C34878D82A}">
+                    <a16:rowId xmlns:a16="http://schemas.microsoft.com/office/drawing/2014/main" val="1841454403"/>
+                  </a:ext>
+                </a:extLst>
+              </a:tr>
+              <a:tr h="189189">
+                <a:tc>
+                  <a:txBody>
+                    <a:bodyPr/>
+                    <a:lstStyle/>
+                    <a:p>
+                      <a:pPr algn="ctr" fontAlgn="ctr"/>
+                      <a:r>
+                        <a:rPr lang="en-US" altLang="ko-KR" sz="1000" u="none" strike="noStrike">
+                          <a:effectLst/>
+                        </a:rPr>
+                        <a:t>2003</a:t>
+                      </a:r>
+                      <a:endParaRPr lang="en-US" altLang="ko-KR" sz="1000" b="0" i="0" u="none" strike="noStrike">
+                        <a:solidFill>
+                          <a:srgbClr val="000000"/>
+                        </a:solidFill>
+                        <a:effectLst/>
+                        <a:latin typeface="맑은 고딕" panose="020B0503020000020004" pitchFamily="50" charset="-127"/>
+                        <a:ea typeface="맑은 고딕" panose="020B0503020000020004" pitchFamily="50" charset="-127"/>
+                      </a:endParaRPr>
+                    </a:p>
+                  </a:txBody>
+                  <a:tcPr marL="8599" marR="8599" marT="8599" marB="0" anchor="ctr"/>
+                </a:tc>
+                <a:tc>
+                  <a:txBody>
+                    <a:bodyPr/>
+                    <a:lstStyle/>
+                    <a:p>
+                      <a:pPr algn="r" fontAlgn="ctr"/>
+                      <a:r>
+                        <a:rPr lang="en-US" altLang="ko-KR" sz="1000" u="none" strike="noStrike">
+                          <a:effectLst/>
+                        </a:rPr>
+                        <a:t>8,379,775</a:t>
+                      </a:r>
+                      <a:endParaRPr lang="en-US" altLang="ko-KR" sz="1000" b="0" i="0" u="none" strike="noStrike">
+                        <a:solidFill>
+                          <a:srgbClr val="000000"/>
+                        </a:solidFill>
+                        <a:effectLst/>
+                        <a:latin typeface="맑은 고딕" panose="020B0503020000020004" pitchFamily="50" charset="-127"/>
+                        <a:ea typeface="맑은 고딕" panose="020B0503020000020004" pitchFamily="50" charset="-127"/>
+                      </a:endParaRPr>
+                    </a:p>
+                  </a:txBody>
+                  <a:tcPr marL="8599" marR="8599" marT="8599" marB="0" anchor="ctr"/>
+                </a:tc>
+                <a:tc>
+                  <a:txBody>
+                    <a:bodyPr/>
+                    <a:lstStyle/>
+                    <a:p>
+                      <a:pPr algn="r" fontAlgn="ctr"/>
+                      <a:r>
+                        <a:rPr lang="en-US" altLang="ko-KR" sz="1000" u="none" strike="noStrike">
+                          <a:effectLst/>
+                        </a:rPr>
+                        <a:t>8,361,933</a:t>
+                      </a:r>
+                      <a:endParaRPr lang="en-US" altLang="ko-KR" sz="1000" b="0" i="0" u="none" strike="noStrike">
+                        <a:solidFill>
+                          <a:srgbClr val="000000"/>
+                        </a:solidFill>
+                        <a:effectLst/>
+                        <a:latin typeface="맑은 고딕" panose="020B0503020000020004" pitchFamily="50" charset="-127"/>
+                        <a:ea typeface="맑은 고딕" panose="020B0503020000020004" pitchFamily="50" charset="-127"/>
+                      </a:endParaRPr>
+                    </a:p>
+                  </a:txBody>
+                  <a:tcPr marL="8599" marR="8599" marT="8599" marB="0" anchor="ctr"/>
+                </a:tc>
+                <a:tc>
+                  <a:txBody>
+                    <a:bodyPr/>
+                    <a:lstStyle/>
+                    <a:p>
+                      <a:pPr algn="r" fontAlgn="ctr"/>
+                      <a:r>
+                        <a:rPr lang="en-US" altLang="ko-KR" sz="1000" u="none" strike="noStrike">
+                          <a:effectLst/>
+                        </a:rPr>
+                        <a:t>8,414,423</a:t>
+                      </a:r>
+                      <a:endParaRPr lang="en-US" altLang="ko-KR" sz="1000" b="0" i="0" u="none" strike="noStrike">
+                        <a:solidFill>
+                          <a:srgbClr val="000000"/>
+                        </a:solidFill>
+                        <a:effectLst/>
+                        <a:latin typeface="맑은 고딕" panose="020B0503020000020004" pitchFamily="50" charset="-127"/>
+                        <a:ea typeface="맑은 고딕" panose="020B0503020000020004" pitchFamily="50" charset="-127"/>
+                      </a:endParaRPr>
+                    </a:p>
+                  </a:txBody>
+                  <a:tcPr marL="8599" marR="8599" marT="8599" marB="0" anchor="ctr"/>
+                </a:tc>
+                <a:tc>
+                  <a:txBody>
+                    <a:bodyPr/>
+                    <a:lstStyle/>
+                    <a:p>
+                      <a:pPr algn="r" fontAlgn="ctr"/>
+                      <a:r>
+                        <a:rPr lang="en-US" altLang="ko-KR" sz="1000" u="none" strike="noStrike">
+                          <a:effectLst/>
+                        </a:rPr>
+                        <a:t>8,535,867</a:t>
+                      </a:r>
+                      <a:endParaRPr lang="en-US" altLang="ko-KR" sz="1000" b="0" i="0" u="none" strike="noStrike">
+                        <a:solidFill>
+                          <a:srgbClr val="000000"/>
+                        </a:solidFill>
+                        <a:effectLst/>
+                        <a:latin typeface="맑은 고딕" panose="020B0503020000020004" pitchFamily="50" charset="-127"/>
+                        <a:ea typeface="맑은 고딕" panose="020B0503020000020004" pitchFamily="50" charset="-127"/>
+                      </a:endParaRPr>
+                    </a:p>
+                  </a:txBody>
+                  <a:tcPr marL="8599" marR="8599" marT="8599" marB="0" anchor="ctr"/>
+                </a:tc>
+                <a:extLst>
+                  <a:ext uri="{0D108BD9-81ED-4DB2-BD59-A6C34878D82A}">
+                    <a16:rowId xmlns:a16="http://schemas.microsoft.com/office/drawing/2014/main" val="1119136564"/>
+                  </a:ext>
+                </a:extLst>
+              </a:tr>
+              <a:tr h="189189">
+                <a:tc>
+                  <a:txBody>
+                    <a:bodyPr/>
+                    <a:lstStyle/>
+                    <a:p>
+                      <a:pPr algn="ctr" fontAlgn="ctr"/>
+                      <a:r>
+                        <a:rPr lang="en-US" altLang="ko-KR" sz="1000" u="none" strike="noStrike">
+                          <a:effectLst/>
+                        </a:rPr>
+                        <a:t>2004</a:t>
+                      </a:r>
+                      <a:endParaRPr lang="en-US" altLang="ko-KR" sz="1000" b="0" i="0" u="none" strike="noStrike">
+                        <a:solidFill>
+                          <a:srgbClr val="000000"/>
+                        </a:solidFill>
+                        <a:effectLst/>
+                        <a:latin typeface="맑은 고딕" panose="020B0503020000020004" pitchFamily="50" charset="-127"/>
+                        <a:ea typeface="맑은 고딕" panose="020B0503020000020004" pitchFamily="50" charset="-127"/>
+                      </a:endParaRPr>
+                    </a:p>
+                  </a:txBody>
+                  <a:tcPr marL="8599" marR="8599" marT="8599" marB="0" anchor="ctr"/>
+                </a:tc>
+                <a:tc>
+                  <a:txBody>
+                    <a:bodyPr/>
+                    <a:lstStyle/>
+                    <a:p>
+                      <a:pPr algn="r" fontAlgn="ctr"/>
+                      <a:r>
+                        <a:rPr lang="en-US" altLang="ko-KR" sz="1000" u="none" strike="noStrike">
+                          <a:effectLst/>
+                        </a:rPr>
+                        <a:t>8,371,630</a:t>
+                      </a:r>
+                      <a:endParaRPr lang="en-US" altLang="ko-KR" sz="1000" b="0" i="0" u="none" strike="noStrike">
+                        <a:solidFill>
+                          <a:srgbClr val="000000"/>
+                        </a:solidFill>
+                        <a:effectLst/>
+                        <a:latin typeface="맑은 고딕" panose="020B0503020000020004" pitchFamily="50" charset="-127"/>
+                        <a:ea typeface="맑은 고딕" panose="020B0503020000020004" pitchFamily="50" charset="-127"/>
+                      </a:endParaRPr>
+                    </a:p>
+                  </a:txBody>
+                  <a:tcPr marL="8599" marR="8599" marT="8599" marB="0" anchor="ctr"/>
+                </a:tc>
+                <a:tc>
+                  <a:txBody>
+                    <a:bodyPr/>
+                    <a:lstStyle/>
+                    <a:p>
+                      <a:pPr algn="r" fontAlgn="ctr"/>
+                      <a:r>
+                        <a:rPr lang="en-US" altLang="ko-KR" sz="1000" u="none" strike="noStrike">
+                          <a:effectLst/>
+                        </a:rPr>
+                        <a:t>8,379,775</a:t>
+                      </a:r>
+                      <a:endParaRPr lang="en-US" altLang="ko-KR" sz="1000" b="0" i="0" u="none" strike="noStrike">
+                        <a:solidFill>
+                          <a:srgbClr val="000000"/>
+                        </a:solidFill>
+                        <a:effectLst/>
+                        <a:latin typeface="맑은 고딕" panose="020B0503020000020004" pitchFamily="50" charset="-127"/>
+                        <a:ea typeface="맑은 고딕" panose="020B0503020000020004" pitchFamily="50" charset="-127"/>
+                      </a:endParaRPr>
+                    </a:p>
+                  </a:txBody>
+                  <a:tcPr marL="8599" marR="8599" marT="8599" marB="0" anchor="ctr"/>
+                </a:tc>
+                <a:tc>
+                  <a:txBody>
+                    <a:bodyPr/>
+                    <a:lstStyle/>
+                    <a:p>
+                      <a:pPr algn="r" fontAlgn="ctr"/>
+                      <a:r>
+                        <a:rPr lang="en-US" altLang="ko-KR" sz="1000" u="none" strike="noStrike">
+                          <a:effectLst/>
+                        </a:rPr>
+                        <a:t>8,361,933</a:t>
+                      </a:r>
+                      <a:endParaRPr lang="en-US" altLang="ko-KR" sz="1000" b="0" i="0" u="none" strike="noStrike">
+                        <a:solidFill>
+                          <a:srgbClr val="000000"/>
+                        </a:solidFill>
+                        <a:effectLst/>
+                        <a:latin typeface="맑은 고딕" panose="020B0503020000020004" pitchFamily="50" charset="-127"/>
+                        <a:ea typeface="맑은 고딕" panose="020B0503020000020004" pitchFamily="50" charset="-127"/>
+                      </a:endParaRPr>
+                    </a:p>
+                  </a:txBody>
+                  <a:tcPr marL="8599" marR="8599" marT="8599" marB="0" anchor="ctr"/>
+                </a:tc>
+                <a:tc>
+                  <a:txBody>
+                    <a:bodyPr/>
+                    <a:lstStyle/>
+                    <a:p>
+                      <a:pPr algn="r" fontAlgn="ctr"/>
+                      <a:r>
+                        <a:rPr lang="en-US" altLang="ko-KR" sz="1000" u="none" strike="noStrike">
+                          <a:effectLst/>
+                        </a:rPr>
+                        <a:t>8,414,423</a:t>
+                      </a:r>
+                      <a:endParaRPr lang="en-US" altLang="ko-KR" sz="1000" b="0" i="0" u="none" strike="noStrike">
+                        <a:solidFill>
+                          <a:srgbClr val="000000"/>
+                        </a:solidFill>
+                        <a:effectLst/>
+                        <a:latin typeface="맑은 고딕" panose="020B0503020000020004" pitchFamily="50" charset="-127"/>
+                        <a:ea typeface="맑은 고딕" panose="020B0503020000020004" pitchFamily="50" charset="-127"/>
+                      </a:endParaRPr>
+                    </a:p>
+                  </a:txBody>
+                  <a:tcPr marL="8599" marR="8599" marT="8599" marB="0" anchor="ctr"/>
+                </a:tc>
+                <a:extLst>
+                  <a:ext uri="{0D108BD9-81ED-4DB2-BD59-A6C34878D82A}">
+                    <a16:rowId xmlns:a16="http://schemas.microsoft.com/office/drawing/2014/main" val="2522679031"/>
+                  </a:ext>
+                </a:extLst>
+              </a:tr>
+              <a:tr h="189189">
+                <a:tc>
+                  <a:txBody>
+                    <a:bodyPr/>
+                    <a:lstStyle/>
+                    <a:p>
+                      <a:pPr algn="ctr" fontAlgn="ctr"/>
+                      <a:r>
+                        <a:rPr lang="en-US" altLang="ko-KR" sz="1000" u="none" strike="noStrike">
+                          <a:effectLst/>
+                        </a:rPr>
+                        <a:t>2005</a:t>
+                      </a:r>
+                      <a:endParaRPr lang="en-US" altLang="ko-KR" sz="1000" b="0" i="0" u="none" strike="noStrike">
+                        <a:solidFill>
+                          <a:srgbClr val="000000"/>
+                        </a:solidFill>
+                        <a:effectLst/>
+                        <a:latin typeface="맑은 고딕" panose="020B0503020000020004" pitchFamily="50" charset="-127"/>
+                        <a:ea typeface="맑은 고딕" panose="020B0503020000020004" pitchFamily="50" charset="-127"/>
+                      </a:endParaRPr>
+                    </a:p>
+                  </a:txBody>
+                  <a:tcPr marL="8599" marR="8599" marT="8599" marB="0" anchor="ctr"/>
+                </a:tc>
+                <a:tc>
+                  <a:txBody>
+                    <a:bodyPr/>
+                    <a:lstStyle/>
+                    <a:p>
+                      <a:pPr algn="r" fontAlgn="ctr"/>
+                      <a:r>
+                        <a:rPr lang="en-US" altLang="ko-KR" sz="1000" u="none" strike="noStrike">
+                          <a:effectLst/>
+                        </a:rPr>
+                        <a:t>8,371,421</a:t>
+                      </a:r>
+                      <a:endParaRPr lang="en-US" altLang="ko-KR" sz="1000" b="0" i="0" u="none" strike="noStrike">
+                        <a:solidFill>
+                          <a:srgbClr val="000000"/>
+                        </a:solidFill>
+                        <a:effectLst/>
+                        <a:latin typeface="맑은 고딕" panose="020B0503020000020004" pitchFamily="50" charset="-127"/>
+                        <a:ea typeface="맑은 고딕" panose="020B0503020000020004" pitchFamily="50" charset="-127"/>
+                      </a:endParaRPr>
+                    </a:p>
+                  </a:txBody>
+                  <a:tcPr marL="8599" marR="8599" marT="8599" marB="0" anchor="ctr"/>
+                </a:tc>
+                <a:tc>
+                  <a:txBody>
+                    <a:bodyPr/>
+                    <a:lstStyle/>
+                    <a:p>
+                      <a:pPr algn="r" fontAlgn="ctr"/>
+                      <a:r>
+                        <a:rPr lang="en-US" altLang="ko-KR" sz="1000" u="none" strike="noStrike">
+                          <a:effectLst/>
+                        </a:rPr>
+                        <a:t>8,371,630</a:t>
+                      </a:r>
+                      <a:endParaRPr lang="en-US" altLang="ko-KR" sz="1000" b="0" i="0" u="none" strike="noStrike">
+                        <a:solidFill>
+                          <a:srgbClr val="000000"/>
+                        </a:solidFill>
+                        <a:effectLst/>
+                        <a:latin typeface="맑은 고딕" panose="020B0503020000020004" pitchFamily="50" charset="-127"/>
+                        <a:ea typeface="맑은 고딕" panose="020B0503020000020004" pitchFamily="50" charset="-127"/>
+                      </a:endParaRPr>
+                    </a:p>
+                  </a:txBody>
+                  <a:tcPr marL="8599" marR="8599" marT="8599" marB="0" anchor="ctr"/>
+                </a:tc>
+                <a:tc>
+                  <a:txBody>
+                    <a:bodyPr/>
+                    <a:lstStyle/>
+                    <a:p>
+                      <a:pPr algn="r" fontAlgn="ctr"/>
+                      <a:r>
+                        <a:rPr lang="en-US" altLang="ko-KR" sz="1000" u="none" strike="noStrike">
+                          <a:effectLst/>
+                        </a:rPr>
+                        <a:t>8,379,775</a:t>
+                      </a:r>
+                      <a:endParaRPr lang="en-US" altLang="ko-KR" sz="1000" b="0" i="0" u="none" strike="noStrike">
+                        <a:solidFill>
+                          <a:srgbClr val="000000"/>
+                        </a:solidFill>
+                        <a:effectLst/>
+                        <a:latin typeface="맑은 고딕" panose="020B0503020000020004" pitchFamily="50" charset="-127"/>
+                        <a:ea typeface="맑은 고딕" panose="020B0503020000020004" pitchFamily="50" charset="-127"/>
+                      </a:endParaRPr>
+                    </a:p>
+                  </a:txBody>
+                  <a:tcPr marL="8599" marR="8599" marT="8599" marB="0" anchor="ctr"/>
+                </a:tc>
+                <a:tc>
+                  <a:txBody>
+                    <a:bodyPr/>
+                    <a:lstStyle/>
+                    <a:p>
+                      <a:pPr algn="r" fontAlgn="ctr"/>
+                      <a:r>
+                        <a:rPr lang="en-US" altLang="ko-KR" sz="1000" u="none" strike="noStrike">
+                          <a:effectLst/>
+                        </a:rPr>
+                        <a:t>8,361,933</a:t>
+                      </a:r>
+                      <a:endParaRPr lang="en-US" altLang="ko-KR" sz="1000" b="0" i="0" u="none" strike="noStrike">
+                        <a:solidFill>
+                          <a:srgbClr val="000000"/>
+                        </a:solidFill>
+                        <a:effectLst/>
+                        <a:latin typeface="맑은 고딕" panose="020B0503020000020004" pitchFamily="50" charset="-127"/>
+                        <a:ea typeface="맑은 고딕" panose="020B0503020000020004" pitchFamily="50" charset="-127"/>
+                      </a:endParaRPr>
+                    </a:p>
+                  </a:txBody>
+                  <a:tcPr marL="8599" marR="8599" marT="8599" marB="0" anchor="ctr"/>
+                </a:tc>
+                <a:extLst>
+                  <a:ext uri="{0D108BD9-81ED-4DB2-BD59-A6C34878D82A}">
+                    <a16:rowId xmlns:a16="http://schemas.microsoft.com/office/drawing/2014/main" val="2345719552"/>
+                  </a:ext>
+                </a:extLst>
+              </a:tr>
+              <a:tr h="189189">
+                <a:tc>
+                  <a:txBody>
+                    <a:bodyPr/>
+                    <a:lstStyle/>
+                    <a:p>
+                      <a:pPr algn="ctr" fontAlgn="ctr"/>
+                      <a:r>
+                        <a:rPr lang="en-US" altLang="ko-KR" sz="1000" u="none" strike="noStrike">
+                          <a:effectLst/>
+                        </a:rPr>
+                        <a:t>2006</a:t>
+                      </a:r>
+                      <a:endParaRPr lang="en-US" altLang="ko-KR" sz="1000" b="0" i="0" u="none" strike="noStrike">
+                        <a:solidFill>
+                          <a:srgbClr val="000000"/>
+                        </a:solidFill>
+                        <a:effectLst/>
+                        <a:latin typeface="맑은 고딕" panose="020B0503020000020004" pitchFamily="50" charset="-127"/>
+                        <a:ea typeface="맑은 고딕" panose="020B0503020000020004" pitchFamily="50" charset="-127"/>
+                      </a:endParaRPr>
+                    </a:p>
+                  </a:txBody>
+                  <a:tcPr marL="8599" marR="8599" marT="8599" marB="0" anchor="ctr"/>
+                </a:tc>
+                <a:tc>
+                  <a:txBody>
+                    <a:bodyPr/>
+                    <a:lstStyle/>
+                    <a:p>
+                      <a:pPr algn="r" fontAlgn="ctr"/>
+                      <a:r>
+                        <a:rPr lang="en-US" altLang="ko-KR" sz="1000" u="none" strike="noStrike">
+                          <a:effectLst/>
+                        </a:rPr>
+                        <a:t>8,354,891</a:t>
+                      </a:r>
+                      <a:endParaRPr lang="en-US" altLang="ko-KR" sz="1000" b="0" i="0" u="none" strike="noStrike">
+                        <a:solidFill>
+                          <a:srgbClr val="000000"/>
+                        </a:solidFill>
+                        <a:effectLst/>
+                        <a:latin typeface="맑은 고딕" panose="020B0503020000020004" pitchFamily="50" charset="-127"/>
+                        <a:ea typeface="맑은 고딕" panose="020B0503020000020004" pitchFamily="50" charset="-127"/>
+                      </a:endParaRPr>
+                    </a:p>
+                  </a:txBody>
+                  <a:tcPr marL="8599" marR="8599" marT="8599" marB="0" anchor="ctr"/>
+                </a:tc>
+                <a:tc>
+                  <a:txBody>
+                    <a:bodyPr/>
+                    <a:lstStyle/>
+                    <a:p>
+                      <a:pPr algn="r" fontAlgn="ctr"/>
+                      <a:r>
+                        <a:rPr lang="en-US" altLang="ko-KR" sz="1000" u="none" strike="noStrike">
+                          <a:effectLst/>
+                        </a:rPr>
+                        <a:t>8,371,421</a:t>
+                      </a:r>
+                      <a:endParaRPr lang="en-US" altLang="ko-KR" sz="1000" b="0" i="0" u="none" strike="noStrike">
+                        <a:solidFill>
+                          <a:srgbClr val="000000"/>
+                        </a:solidFill>
+                        <a:effectLst/>
+                        <a:latin typeface="맑은 고딕" panose="020B0503020000020004" pitchFamily="50" charset="-127"/>
+                        <a:ea typeface="맑은 고딕" panose="020B0503020000020004" pitchFamily="50" charset="-127"/>
+                      </a:endParaRPr>
+                    </a:p>
+                  </a:txBody>
+                  <a:tcPr marL="8599" marR="8599" marT="8599" marB="0" anchor="ctr"/>
+                </a:tc>
+                <a:tc>
+                  <a:txBody>
+                    <a:bodyPr/>
+                    <a:lstStyle/>
+                    <a:p>
+                      <a:pPr algn="r" fontAlgn="ctr"/>
+                      <a:r>
+                        <a:rPr lang="en-US" altLang="ko-KR" sz="1000" u="none" strike="noStrike">
+                          <a:effectLst/>
+                        </a:rPr>
+                        <a:t>8,371,630</a:t>
+                      </a:r>
+                      <a:endParaRPr lang="en-US" altLang="ko-KR" sz="1000" b="0" i="0" u="none" strike="noStrike">
+                        <a:solidFill>
+                          <a:srgbClr val="000000"/>
+                        </a:solidFill>
+                        <a:effectLst/>
+                        <a:latin typeface="맑은 고딕" panose="020B0503020000020004" pitchFamily="50" charset="-127"/>
+                        <a:ea typeface="맑은 고딕" panose="020B0503020000020004" pitchFamily="50" charset="-127"/>
+                      </a:endParaRPr>
+                    </a:p>
+                  </a:txBody>
+                  <a:tcPr marL="8599" marR="8599" marT="8599" marB="0" anchor="ctr"/>
+                </a:tc>
+                <a:tc>
+                  <a:txBody>
+                    <a:bodyPr/>
+                    <a:lstStyle/>
+                    <a:p>
+                      <a:pPr algn="r" fontAlgn="ctr"/>
+                      <a:r>
+                        <a:rPr lang="en-US" altLang="ko-KR" sz="1000" u="none" strike="noStrike">
+                          <a:effectLst/>
+                        </a:rPr>
+                        <a:t>8,379,775</a:t>
+                      </a:r>
+                      <a:endParaRPr lang="en-US" altLang="ko-KR" sz="1000" b="0" i="0" u="none" strike="noStrike">
+                        <a:solidFill>
+                          <a:srgbClr val="000000"/>
+                        </a:solidFill>
+                        <a:effectLst/>
+                        <a:latin typeface="맑은 고딕" panose="020B0503020000020004" pitchFamily="50" charset="-127"/>
+                        <a:ea typeface="맑은 고딕" panose="020B0503020000020004" pitchFamily="50" charset="-127"/>
+                      </a:endParaRPr>
+                    </a:p>
+                  </a:txBody>
+                  <a:tcPr marL="8599" marR="8599" marT="8599" marB="0" anchor="ctr"/>
+                </a:tc>
+                <a:extLst>
+                  <a:ext uri="{0D108BD9-81ED-4DB2-BD59-A6C34878D82A}">
+                    <a16:rowId xmlns:a16="http://schemas.microsoft.com/office/drawing/2014/main" val="449041372"/>
+                  </a:ext>
+                </a:extLst>
+              </a:tr>
+              <a:tr h="189189">
+                <a:tc>
+                  <a:txBody>
+                    <a:bodyPr/>
+                    <a:lstStyle/>
+                    <a:p>
+                      <a:pPr algn="ctr" fontAlgn="ctr"/>
+                      <a:r>
+                        <a:rPr lang="en-US" altLang="ko-KR" sz="1000" u="none" strike="noStrike">
+                          <a:effectLst/>
+                        </a:rPr>
+                        <a:t>2007</a:t>
+                      </a:r>
+                      <a:endParaRPr lang="en-US" altLang="ko-KR" sz="1000" b="0" i="0" u="none" strike="noStrike">
+                        <a:solidFill>
+                          <a:srgbClr val="000000"/>
+                        </a:solidFill>
+                        <a:effectLst/>
+                        <a:latin typeface="맑은 고딕" panose="020B0503020000020004" pitchFamily="50" charset="-127"/>
+                        <a:ea typeface="맑은 고딕" panose="020B0503020000020004" pitchFamily="50" charset="-127"/>
+                      </a:endParaRPr>
+                    </a:p>
+                  </a:txBody>
+                  <a:tcPr marL="8599" marR="8599" marT="8599" marB="0" anchor="ctr"/>
+                </a:tc>
+                <a:tc>
+                  <a:txBody>
+                    <a:bodyPr/>
+                    <a:lstStyle/>
+                    <a:p>
+                      <a:pPr algn="r" fontAlgn="ctr"/>
+                      <a:r>
+                        <a:rPr lang="en-US" altLang="ko-KR" sz="1000" u="none" strike="noStrike">
+                          <a:effectLst/>
+                        </a:rPr>
+                        <a:t>8,309,932</a:t>
+                      </a:r>
+                      <a:endParaRPr lang="en-US" altLang="ko-KR" sz="1000" b="0" i="0" u="none" strike="noStrike">
+                        <a:solidFill>
+                          <a:srgbClr val="000000"/>
+                        </a:solidFill>
+                        <a:effectLst/>
+                        <a:latin typeface="맑은 고딕" panose="020B0503020000020004" pitchFamily="50" charset="-127"/>
+                        <a:ea typeface="맑은 고딕" panose="020B0503020000020004" pitchFamily="50" charset="-127"/>
+                      </a:endParaRPr>
+                    </a:p>
+                  </a:txBody>
+                  <a:tcPr marL="8599" marR="8599" marT="8599" marB="0" anchor="ctr"/>
+                </a:tc>
+                <a:tc>
+                  <a:txBody>
+                    <a:bodyPr/>
+                    <a:lstStyle/>
+                    <a:p>
+                      <a:pPr algn="r" fontAlgn="ctr"/>
+                      <a:r>
+                        <a:rPr lang="en-US" altLang="ko-KR" sz="1000" u="none" strike="noStrike">
+                          <a:effectLst/>
+                        </a:rPr>
+                        <a:t>8,354,891</a:t>
+                      </a:r>
+                      <a:endParaRPr lang="en-US" altLang="ko-KR" sz="1000" b="0" i="0" u="none" strike="noStrike">
+                        <a:solidFill>
+                          <a:srgbClr val="000000"/>
+                        </a:solidFill>
+                        <a:effectLst/>
+                        <a:latin typeface="맑은 고딕" panose="020B0503020000020004" pitchFamily="50" charset="-127"/>
+                        <a:ea typeface="맑은 고딕" panose="020B0503020000020004" pitchFamily="50" charset="-127"/>
+                      </a:endParaRPr>
+                    </a:p>
+                  </a:txBody>
+                  <a:tcPr marL="8599" marR="8599" marT="8599" marB="0" anchor="ctr"/>
+                </a:tc>
+                <a:tc>
+                  <a:txBody>
+                    <a:bodyPr/>
+                    <a:lstStyle/>
+                    <a:p>
+                      <a:pPr algn="r" fontAlgn="ctr"/>
+                      <a:r>
+                        <a:rPr lang="en-US" altLang="ko-KR" sz="1000" u="none" strike="noStrike">
+                          <a:effectLst/>
+                        </a:rPr>
+                        <a:t>8,371,421</a:t>
+                      </a:r>
+                      <a:endParaRPr lang="en-US" altLang="ko-KR" sz="1000" b="0" i="0" u="none" strike="noStrike">
+                        <a:solidFill>
+                          <a:srgbClr val="000000"/>
+                        </a:solidFill>
+                        <a:effectLst/>
+                        <a:latin typeface="맑은 고딕" panose="020B0503020000020004" pitchFamily="50" charset="-127"/>
+                        <a:ea typeface="맑은 고딕" panose="020B0503020000020004" pitchFamily="50" charset="-127"/>
+                      </a:endParaRPr>
+                    </a:p>
+                  </a:txBody>
+                  <a:tcPr marL="8599" marR="8599" marT="8599" marB="0" anchor="ctr"/>
+                </a:tc>
+                <a:tc>
+                  <a:txBody>
+                    <a:bodyPr/>
+                    <a:lstStyle/>
+                    <a:p>
+                      <a:pPr algn="r" fontAlgn="ctr"/>
+                      <a:r>
+                        <a:rPr lang="en-US" altLang="ko-KR" sz="1000" u="none" strike="noStrike">
+                          <a:effectLst/>
+                        </a:rPr>
+                        <a:t>8,371,630</a:t>
+                      </a:r>
+                      <a:endParaRPr lang="en-US" altLang="ko-KR" sz="1000" b="0" i="0" u="none" strike="noStrike">
+                        <a:solidFill>
+                          <a:srgbClr val="000000"/>
+                        </a:solidFill>
+                        <a:effectLst/>
+                        <a:latin typeface="맑은 고딕" panose="020B0503020000020004" pitchFamily="50" charset="-127"/>
+                        <a:ea typeface="맑은 고딕" panose="020B0503020000020004" pitchFamily="50" charset="-127"/>
+                      </a:endParaRPr>
+                    </a:p>
+                  </a:txBody>
+                  <a:tcPr marL="8599" marR="8599" marT="8599" marB="0" anchor="ctr"/>
+                </a:tc>
+                <a:extLst>
+                  <a:ext uri="{0D108BD9-81ED-4DB2-BD59-A6C34878D82A}">
+                    <a16:rowId xmlns:a16="http://schemas.microsoft.com/office/drawing/2014/main" val="441802574"/>
+                  </a:ext>
+                </a:extLst>
+              </a:tr>
+              <a:tr h="189189">
+                <a:tc>
+                  <a:txBody>
+                    <a:bodyPr/>
+                    <a:lstStyle/>
+                    <a:p>
+                      <a:pPr algn="ctr" fontAlgn="ctr"/>
+                      <a:r>
+                        <a:rPr lang="en-US" altLang="ko-KR" sz="1000" u="none" strike="noStrike">
+                          <a:effectLst/>
+                        </a:rPr>
+                        <a:t>2008</a:t>
+                      </a:r>
+                      <a:endParaRPr lang="en-US" altLang="ko-KR" sz="1000" b="0" i="0" u="none" strike="noStrike">
+                        <a:solidFill>
+                          <a:srgbClr val="000000"/>
+                        </a:solidFill>
+                        <a:effectLst/>
+                        <a:latin typeface="맑은 고딕" panose="020B0503020000020004" pitchFamily="50" charset="-127"/>
+                        <a:ea typeface="맑은 고딕" panose="020B0503020000020004" pitchFamily="50" charset="-127"/>
+                      </a:endParaRPr>
+                    </a:p>
+                  </a:txBody>
+                  <a:tcPr marL="8599" marR="8599" marT="8599" marB="0" anchor="ctr"/>
+                </a:tc>
+                <a:tc>
+                  <a:txBody>
+                    <a:bodyPr/>
+                    <a:lstStyle/>
+                    <a:p>
+                      <a:pPr algn="r" fontAlgn="ctr"/>
+                      <a:r>
+                        <a:rPr lang="en-US" altLang="ko-KR" sz="1000" u="none" strike="noStrike">
+                          <a:effectLst/>
+                        </a:rPr>
+                        <a:t>8,187,782</a:t>
+                      </a:r>
+                      <a:endParaRPr lang="en-US" altLang="ko-KR" sz="1000" b="0" i="0" u="none" strike="noStrike">
+                        <a:solidFill>
+                          <a:srgbClr val="000000"/>
+                        </a:solidFill>
+                        <a:effectLst/>
+                        <a:latin typeface="맑은 고딕" panose="020B0503020000020004" pitchFamily="50" charset="-127"/>
+                        <a:ea typeface="맑은 고딕" panose="020B0503020000020004" pitchFamily="50" charset="-127"/>
+                      </a:endParaRPr>
+                    </a:p>
+                  </a:txBody>
+                  <a:tcPr marL="8599" marR="8599" marT="8599" marB="0" anchor="ctr"/>
+                </a:tc>
+                <a:tc>
+                  <a:txBody>
+                    <a:bodyPr/>
+                    <a:lstStyle/>
+                    <a:p>
+                      <a:pPr algn="r" fontAlgn="ctr"/>
+                      <a:r>
+                        <a:rPr lang="en-US" altLang="ko-KR" sz="1000" u="none" strike="noStrike">
+                          <a:effectLst/>
+                        </a:rPr>
+                        <a:t>8,309,932</a:t>
+                      </a:r>
+                      <a:endParaRPr lang="en-US" altLang="ko-KR" sz="1000" b="0" i="0" u="none" strike="noStrike">
+                        <a:solidFill>
+                          <a:srgbClr val="000000"/>
+                        </a:solidFill>
+                        <a:effectLst/>
+                        <a:latin typeface="맑은 고딕" panose="020B0503020000020004" pitchFamily="50" charset="-127"/>
+                        <a:ea typeface="맑은 고딕" panose="020B0503020000020004" pitchFamily="50" charset="-127"/>
+                      </a:endParaRPr>
+                    </a:p>
+                  </a:txBody>
+                  <a:tcPr marL="8599" marR="8599" marT="8599" marB="0" anchor="ctr"/>
+                </a:tc>
+                <a:tc>
+                  <a:txBody>
+                    <a:bodyPr/>
+                    <a:lstStyle/>
+                    <a:p>
+                      <a:pPr algn="r" fontAlgn="ctr"/>
+                      <a:r>
+                        <a:rPr lang="en-US" altLang="ko-KR" sz="1000" u="none" strike="noStrike">
+                          <a:effectLst/>
+                        </a:rPr>
+                        <a:t>8,354,891</a:t>
+                      </a:r>
+                      <a:endParaRPr lang="en-US" altLang="ko-KR" sz="1000" b="0" i="0" u="none" strike="noStrike">
+                        <a:solidFill>
+                          <a:srgbClr val="000000"/>
+                        </a:solidFill>
+                        <a:effectLst/>
+                        <a:latin typeface="맑은 고딕" panose="020B0503020000020004" pitchFamily="50" charset="-127"/>
+                        <a:ea typeface="맑은 고딕" panose="020B0503020000020004" pitchFamily="50" charset="-127"/>
+                      </a:endParaRPr>
+                    </a:p>
+                  </a:txBody>
+                  <a:tcPr marL="8599" marR="8599" marT="8599" marB="0" anchor="ctr"/>
+                </a:tc>
+                <a:tc>
+                  <a:txBody>
+                    <a:bodyPr/>
+                    <a:lstStyle/>
+                    <a:p>
+                      <a:pPr algn="r" fontAlgn="ctr"/>
+                      <a:r>
+                        <a:rPr lang="en-US" altLang="ko-KR" sz="1000" u="none" strike="noStrike">
+                          <a:effectLst/>
+                        </a:rPr>
+                        <a:t>8,371,421</a:t>
+                      </a:r>
+                      <a:endParaRPr lang="en-US" altLang="ko-KR" sz="1000" b="0" i="0" u="none" strike="noStrike">
+                        <a:solidFill>
+                          <a:srgbClr val="000000"/>
+                        </a:solidFill>
+                        <a:effectLst/>
+                        <a:latin typeface="맑은 고딕" panose="020B0503020000020004" pitchFamily="50" charset="-127"/>
+                        <a:ea typeface="맑은 고딕" panose="020B0503020000020004" pitchFamily="50" charset="-127"/>
+                      </a:endParaRPr>
+                    </a:p>
+                  </a:txBody>
+                  <a:tcPr marL="8599" marR="8599" marT="8599" marB="0" anchor="ctr"/>
+                </a:tc>
+                <a:extLst>
+                  <a:ext uri="{0D108BD9-81ED-4DB2-BD59-A6C34878D82A}">
+                    <a16:rowId xmlns:a16="http://schemas.microsoft.com/office/drawing/2014/main" val="2079444490"/>
+                  </a:ext>
+                </a:extLst>
+              </a:tr>
+              <a:tr h="189189">
+                <a:tc>
+                  <a:txBody>
+                    <a:bodyPr/>
+                    <a:lstStyle/>
+                    <a:p>
+                      <a:pPr algn="ctr" fontAlgn="ctr"/>
+                      <a:r>
+                        <a:rPr lang="en-US" altLang="ko-KR" sz="1000" u="none" strike="noStrike">
+                          <a:effectLst/>
+                        </a:rPr>
+                        <a:t>2009</a:t>
+                      </a:r>
+                      <a:endParaRPr lang="en-US" altLang="ko-KR" sz="1000" b="0" i="0" u="none" strike="noStrike">
+                        <a:solidFill>
+                          <a:srgbClr val="000000"/>
+                        </a:solidFill>
+                        <a:effectLst/>
+                        <a:latin typeface="맑은 고딕" panose="020B0503020000020004" pitchFamily="50" charset="-127"/>
+                        <a:ea typeface="맑은 고딕" panose="020B0503020000020004" pitchFamily="50" charset="-127"/>
+                      </a:endParaRPr>
+                    </a:p>
+                  </a:txBody>
+                  <a:tcPr marL="8599" marR="8599" marT="8599" marB="0" anchor="ctr"/>
+                </a:tc>
+                <a:tc>
+                  <a:txBody>
+                    <a:bodyPr/>
+                    <a:lstStyle/>
+                    <a:p>
+                      <a:pPr algn="r" fontAlgn="ctr"/>
+                      <a:r>
+                        <a:rPr lang="en-US" altLang="ko-KR" sz="1000" u="none" strike="noStrike">
+                          <a:effectLst/>
+                        </a:rPr>
+                        <a:t>8,016,924</a:t>
+                      </a:r>
+                      <a:endParaRPr lang="en-US" altLang="ko-KR" sz="1000" b="0" i="0" u="none" strike="noStrike">
+                        <a:solidFill>
+                          <a:srgbClr val="000000"/>
+                        </a:solidFill>
+                        <a:effectLst/>
+                        <a:latin typeface="맑은 고딕" panose="020B0503020000020004" pitchFamily="50" charset="-127"/>
+                        <a:ea typeface="맑은 고딕" panose="020B0503020000020004" pitchFamily="50" charset="-127"/>
+                      </a:endParaRPr>
+                    </a:p>
+                  </a:txBody>
+                  <a:tcPr marL="8599" marR="8599" marT="8599" marB="0" anchor="ctr"/>
+                </a:tc>
+                <a:tc>
+                  <a:txBody>
+                    <a:bodyPr/>
+                    <a:lstStyle/>
+                    <a:p>
+                      <a:pPr algn="r" fontAlgn="ctr"/>
+                      <a:r>
+                        <a:rPr lang="en-US" altLang="ko-KR" sz="1000" u="none" strike="noStrike">
+                          <a:effectLst/>
+                        </a:rPr>
+                        <a:t>8,187,782</a:t>
+                      </a:r>
+                      <a:endParaRPr lang="en-US" altLang="ko-KR" sz="1000" b="0" i="0" u="none" strike="noStrike">
+                        <a:solidFill>
+                          <a:srgbClr val="000000"/>
+                        </a:solidFill>
+                        <a:effectLst/>
+                        <a:latin typeface="맑은 고딕" panose="020B0503020000020004" pitchFamily="50" charset="-127"/>
+                        <a:ea typeface="맑은 고딕" panose="020B0503020000020004" pitchFamily="50" charset="-127"/>
+                      </a:endParaRPr>
+                    </a:p>
+                  </a:txBody>
+                  <a:tcPr marL="8599" marR="8599" marT="8599" marB="0" anchor="ctr"/>
+                </a:tc>
+                <a:tc>
+                  <a:txBody>
+                    <a:bodyPr/>
+                    <a:lstStyle/>
+                    <a:p>
+                      <a:pPr algn="r" fontAlgn="ctr"/>
+                      <a:r>
+                        <a:rPr lang="en-US" altLang="ko-KR" sz="1000" u="none" strike="noStrike">
+                          <a:effectLst/>
+                        </a:rPr>
+                        <a:t>8,309,932</a:t>
+                      </a:r>
+                      <a:endParaRPr lang="en-US" altLang="ko-KR" sz="1000" b="0" i="0" u="none" strike="noStrike">
+                        <a:solidFill>
+                          <a:srgbClr val="000000"/>
+                        </a:solidFill>
+                        <a:effectLst/>
+                        <a:latin typeface="맑은 고딕" panose="020B0503020000020004" pitchFamily="50" charset="-127"/>
+                        <a:ea typeface="맑은 고딕" panose="020B0503020000020004" pitchFamily="50" charset="-127"/>
+                      </a:endParaRPr>
+                    </a:p>
+                  </a:txBody>
+                  <a:tcPr marL="8599" marR="8599" marT="8599" marB="0" anchor="ctr"/>
+                </a:tc>
+                <a:tc>
+                  <a:txBody>
+                    <a:bodyPr/>
+                    <a:lstStyle/>
+                    <a:p>
+                      <a:pPr algn="r" fontAlgn="ctr"/>
+                      <a:r>
+                        <a:rPr lang="en-US" altLang="ko-KR" sz="1000" u="none" strike="noStrike">
+                          <a:effectLst/>
+                        </a:rPr>
+                        <a:t>8,354,891</a:t>
+                      </a:r>
+                      <a:endParaRPr lang="en-US" altLang="ko-KR" sz="1000" b="0" i="0" u="none" strike="noStrike">
+                        <a:solidFill>
+                          <a:srgbClr val="000000"/>
+                        </a:solidFill>
+                        <a:effectLst/>
+                        <a:latin typeface="맑은 고딕" panose="020B0503020000020004" pitchFamily="50" charset="-127"/>
+                        <a:ea typeface="맑은 고딕" panose="020B0503020000020004" pitchFamily="50" charset="-127"/>
+                      </a:endParaRPr>
+                    </a:p>
+                  </a:txBody>
+                  <a:tcPr marL="8599" marR="8599" marT="8599" marB="0" anchor="ctr"/>
+                </a:tc>
+                <a:extLst>
+                  <a:ext uri="{0D108BD9-81ED-4DB2-BD59-A6C34878D82A}">
+                    <a16:rowId xmlns:a16="http://schemas.microsoft.com/office/drawing/2014/main" val="1526933441"/>
+                  </a:ext>
+                </a:extLst>
+              </a:tr>
+              <a:tr h="189189">
+                <a:tc>
+                  <a:txBody>
+                    <a:bodyPr/>
+                    <a:lstStyle/>
+                    <a:p>
+                      <a:pPr algn="ctr" fontAlgn="ctr"/>
+                      <a:r>
+                        <a:rPr lang="en-US" altLang="ko-KR" sz="1000" u="none" strike="noStrike">
+                          <a:effectLst/>
+                        </a:rPr>
+                        <a:t>2010</a:t>
+                      </a:r>
+                      <a:endParaRPr lang="en-US" altLang="ko-KR" sz="1000" b="0" i="0" u="none" strike="noStrike">
+                        <a:solidFill>
+                          <a:srgbClr val="000000"/>
+                        </a:solidFill>
+                        <a:effectLst/>
+                        <a:latin typeface="맑은 고딕" panose="020B0503020000020004" pitchFamily="50" charset="-127"/>
+                        <a:ea typeface="맑은 고딕" panose="020B0503020000020004" pitchFamily="50" charset="-127"/>
+                      </a:endParaRPr>
+                    </a:p>
+                  </a:txBody>
+                  <a:tcPr marL="8599" marR="8599" marT="8599" marB="0" anchor="ctr"/>
+                </a:tc>
+                <a:tc>
+                  <a:txBody>
+                    <a:bodyPr/>
+                    <a:lstStyle/>
+                    <a:p>
+                      <a:pPr algn="r" fontAlgn="ctr"/>
+                      <a:r>
+                        <a:rPr lang="en-US" altLang="ko-KR" sz="1000" u="none" strike="noStrike">
+                          <a:effectLst/>
+                        </a:rPr>
+                        <a:t>7,807,663</a:t>
+                      </a:r>
+                      <a:endParaRPr lang="en-US" altLang="ko-KR" sz="1000" b="0" i="0" u="none" strike="noStrike">
+                        <a:solidFill>
+                          <a:srgbClr val="000000"/>
+                        </a:solidFill>
+                        <a:effectLst/>
+                        <a:latin typeface="맑은 고딕" panose="020B0503020000020004" pitchFamily="50" charset="-127"/>
+                        <a:ea typeface="맑은 고딕" panose="020B0503020000020004" pitchFamily="50" charset="-127"/>
+                      </a:endParaRPr>
+                    </a:p>
+                  </a:txBody>
+                  <a:tcPr marL="8599" marR="8599" marT="8599" marB="0" anchor="ctr"/>
+                </a:tc>
+                <a:tc>
+                  <a:txBody>
+                    <a:bodyPr/>
+                    <a:lstStyle/>
+                    <a:p>
+                      <a:pPr algn="r" fontAlgn="ctr"/>
+                      <a:r>
+                        <a:rPr lang="en-US" altLang="ko-KR" sz="1000" u="none" strike="noStrike">
+                          <a:effectLst/>
+                        </a:rPr>
+                        <a:t>8,016,924</a:t>
+                      </a:r>
+                      <a:endParaRPr lang="en-US" altLang="ko-KR" sz="1000" b="0" i="0" u="none" strike="noStrike">
+                        <a:solidFill>
+                          <a:srgbClr val="000000"/>
+                        </a:solidFill>
+                        <a:effectLst/>
+                        <a:latin typeface="맑은 고딕" panose="020B0503020000020004" pitchFamily="50" charset="-127"/>
+                        <a:ea typeface="맑은 고딕" panose="020B0503020000020004" pitchFamily="50" charset="-127"/>
+                      </a:endParaRPr>
+                    </a:p>
+                  </a:txBody>
+                  <a:tcPr marL="8599" marR="8599" marT="8599" marB="0" anchor="ctr"/>
+                </a:tc>
+                <a:tc>
+                  <a:txBody>
+                    <a:bodyPr/>
+                    <a:lstStyle/>
+                    <a:p>
+                      <a:pPr algn="r" fontAlgn="ctr"/>
+                      <a:r>
+                        <a:rPr lang="en-US" altLang="ko-KR" sz="1000" u="none" strike="noStrike">
+                          <a:effectLst/>
+                        </a:rPr>
+                        <a:t>8,187,782</a:t>
+                      </a:r>
+                      <a:endParaRPr lang="en-US" altLang="ko-KR" sz="1000" b="0" i="0" u="none" strike="noStrike">
+                        <a:solidFill>
+                          <a:srgbClr val="000000"/>
+                        </a:solidFill>
+                        <a:effectLst/>
+                        <a:latin typeface="맑은 고딕" panose="020B0503020000020004" pitchFamily="50" charset="-127"/>
+                        <a:ea typeface="맑은 고딕" panose="020B0503020000020004" pitchFamily="50" charset="-127"/>
+                      </a:endParaRPr>
+                    </a:p>
+                  </a:txBody>
+                  <a:tcPr marL="8599" marR="8599" marT="8599" marB="0" anchor="ctr"/>
+                </a:tc>
+                <a:tc>
+                  <a:txBody>
+                    <a:bodyPr/>
+                    <a:lstStyle/>
+                    <a:p>
+                      <a:pPr algn="r" fontAlgn="ctr"/>
+                      <a:r>
+                        <a:rPr lang="en-US" altLang="ko-KR" sz="1000" u="none" strike="noStrike">
+                          <a:effectLst/>
+                        </a:rPr>
+                        <a:t>8,309,932</a:t>
+                      </a:r>
+                      <a:endParaRPr lang="en-US" altLang="ko-KR" sz="1000" b="0" i="0" u="none" strike="noStrike">
+                        <a:solidFill>
+                          <a:srgbClr val="000000"/>
+                        </a:solidFill>
+                        <a:effectLst/>
+                        <a:latin typeface="맑은 고딕" panose="020B0503020000020004" pitchFamily="50" charset="-127"/>
+                        <a:ea typeface="맑은 고딕" panose="020B0503020000020004" pitchFamily="50" charset="-127"/>
+                      </a:endParaRPr>
+                    </a:p>
+                  </a:txBody>
+                  <a:tcPr marL="8599" marR="8599" marT="8599" marB="0" anchor="ctr"/>
+                </a:tc>
+                <a:extLst>
+                  <a:ext uri="{0D108BD9-81ED-4DB2-BD59-A6C34878D82A}">
+                    <a16:rowId xmlns:a16="http://schemas.microsoft.com/office/drawing/2014/main" val="1322552661"/>
+                  </a:ext>
+                </a:extLst>
+              </a:tr>
+              <a:tr h="189189">
+                <a:tc>
+                  <a:txBody>
+                    <a:bodyPr/>
+                    <a:lstStyle/>
+                    <a:p>
+                      <a:pPr algn="ctr" fontAlgn="ctr"/>
+                      <a:r>
+                        <a:rPr lang="en-US" altLang="ko-KR" sz="1000" u="none" strike="noStrike">
+                          <a:effectLst/>
+                        </a:rPr>
+                        <a:t>2011</a:t>
+                      </a:r>
+                      <a:endParaRPr lang="en-US" altLang="ko-KR" sz="1000" b="0" i="0" u="none" strike="noStrike">
+                        <a:solidFill>
+                          <a:srgbClr val="000000"/>
+                        </a:solidFill>
+                        <a:effectLst/>
+                        <a:latin typeface="맑은 고딕" panose="020B0503020000020004" pitchFamily="50" charset="-127"/>
+                        <a:ea typeface="맑은 고딕" panose="020B0503020000020004" pitchFamily="50" charset="-127"/>
+                      </a:endParaRPr>
+                    </a:p>
+                  </a:txBody>
+                  <a:tcPr marL="8599" marR="8599" marT="8599" marB="0" anchor="ctr"/>
+                </a:tc>
+                <a:tc>
+                  <a:txBody>
+                    <a:bodyPr/>
+                    <a:lstStyle/>
+                    <a:p>
+                      <a:pPr algn="r" fontAlgn="ctr"/>
+                      <a:r>
+                        <a:rPr lang="en-US" altLang="ko-KR" sz="1000" u="none" strike="noStrike">
+                          <a:effectLst/>
+                        </a:rPr>
+                        <a:t>7,586,266</a:t>
+                      </a:r>
+                      <a:endParaRPr lang="en-US" altLang="ko-KR" sz="1000" b="0" i="0" u="none" strike="noStrike">
+                        <a:solidFill>
+                          <a:srgbClr val="000000"/>
+                        </a:solidFill>
+                        <a:effectLst/>
+                        <a:latin typeface="맑은 고딕" panose="020B0503020000020004" pitchFamily="50" charset="-127"/>
+                        <a:ea typeface="맑은 고딕" panose="020B0503020000020004" pitchFamily="50" charset="-127"/>
+                      </a:endParaRPr>
+                    </a:p>
+                  </a:txBody>
+                  <a:tcPr marL="8599" marR="8599" marT="8599" marB="0" anchor="ctr"/>
+                </a:tc>
+                <a:tc>
+                  <a:txBody>
+                    <a:bodyPr/>
+                    <a:lstStyle/>
+                    <a:p>
+                      <a:pPr algn="r" fontAlgn="ctr"/>
+                      <a:r>
+                        <a:rPr lang="en-US" altLang="ko-KR" sz="1000" u="none" strike="noStrike">
+                          <a:effectLst/>
+                        </a:rPr>
+                        <a:t>7,807,663</a:t>
+                      </a:r>
+                      <a:endParaRPr lang="en-US" altLang="ko-KR" sz="1000" b="0" i="0" u="none" strike="noStrike">
+                        <a:solidFill>
+                          <a:srgbClr val="000000"/>
+                        </a:solidFill>
+                        <a:effectLst/>
+                        <a:latin typeface="맑은 고딕" panose="020B0503020000020004" pitchFamily="50" charset="-127"/>
+                        <a:ea typeface="맑은 고딕" panose="020B0503020000020004" pitchFamily="50" charset="-127"/>
+                      </a:endParaRPr>
+                    </a:p>
+                  </a:txBody>
+                  <a:tcPr marL="8599" marR="8599" marT="8599" marB="0" anchor="ctr"/>
+                </a:tc>
+                <a:tc>
+                  <a:txBody>
+                    <a:bodyPr/>
+                    <a:lstStyle/>
+                    <a:p>
+                      <a:pPr algn="r" fontAlgn="ctr"/>
+                      <a:r>
+                        <a:rPr lang="en-US" altLang="ko-KR" sz="1000" u="none" strike="noStrike">
+                          <a:effectLst/>
+                        </a:rPr>
+                        <a:t>8,016,924</a:t>
+                      </a:r>
+                      <a:endParaRPr lang="en-US" altLang="ko-KR" sz="1000" b="0" i="0" u="none" strike="noStrike">
+                        <a:solidFill>
+                          <a:srgbClr val="000000"/>
+                        </a:solidFill>
+                        <a:effectLst/>
+                        <a:latin typeface="맑은 고딕" panose="020B0503020000020004" pitchFamily="50" charset="-127"/>
+                        <a:ea typeface="맑은 고딕" panose="020B0503020000020004" pitchFamily="50" charset="-127"/>
+                      </a:endParaRPr>
+                    </a:p>
+                  </a:txBody>
+                  <a:tcPr marL="8599" marR="8599" marT="8599" marB="0" anchor="ctr"/>
+                </a:tc>
+                <a:tc>
+                  <a:txBody>
+                    <a:bodyPr/>
+                    <a:lstStyle/>
+                    <a:p>
+                      <a:pPr algn="r" fontAlgn="ctr"/>
+                      <a:r>
+                        <a:rPr lang="en-US" altLang="ko-KR" sz="1000" u="none" strike="noStrike">
+                          <a:effectLst/>
+                        </a:rPr>
+                        <a:t>8,187,782</a:t>
+                      </a:r>
+                      <a:endParaRPr lang="en-US" altLang="ko-KR" sz="1000" b="0" i="0" u="none" strike="noStrike">
+                        <a:solidFill>
+                          <a:srgbClr val="000000"/>
+                        </a:solidFill>
+                        <a:effectLst/>
+                        <a:latin typeface="맑은 고딕" panose="020B0503020000020004" pitchFamily="50" charset="-127"/>
+                        <a:ea typeface="맑은 고딕" panose="020B0503020000020004" pitchFamily="50" charset="-127"/>
+                      </a:endParaRPr>
+                    </a:p>
+                  </a:txBody>
+                  <a:tcPr marL="8599" marR="8599" marT="8599" marB="0" anchor="ctr"/>
+                </a:tc>
+                <a:extLst>
+                  <a:ext uri="{0D108BD9-81ED-4DB2-BD59-A6C34878D82A}">
+                    <a16:rowId xmlns:a16="http://schemas.microsoft.com/office/drawing/2014/main" val="1419107053"/>
+                  </a:ext>
+                </a:extLst>
+              </a:tr>
+              <a:tr h="189189">
+                <a:tc>
+                  <a:txBody>
+                    <a:bodyPr/>
+                    <a:lstStyle/>
+                    <a:p>
+                      <a:pPr algn="ctr" fontAlgn="ctr"/>
+                      <a:r>
+                        <a:rPr lang="en-US" altLang="ko-KR" sz="1000" u="none" strike="noStrike">
+                          <a:effectLst/>
+                        </a:rPr>
+                        <a:t>2012</a:t>
+                      </a:r>
+                      <a:endParaRPr lang="en-US" altLang="ko-KR" sz="1000" b="0" i="0" u="none" strike="noStrike">
+                        <a:solidFill>
+                          <a:srgbClr val="000000"/>
+                        </a:solidFill>
+                        <a:effectLst/>
+                        <a:latin typeface="맑은 고딕" panose="020B0503020000020004" pitchFamily="50" charset="-127"/>
+                        <a:ea typeface="맑은 고딕" panose="020B0503020000020004" pitchFamily="50" charset="-127"/>
+                      </a:endParaRPr>
+                    </a:p>
+                  </a:txBody>
+                  <a:tcPr marL="8599" marR="8599" marT="8599" marB="0" anchor="ctr"/>
+                </a:tc>
+                <a:tc>
+                  <a:txBody>
+                    <a:bodyPr/>
+                    <a:lstStyle/>
+                    <a:p>
+                      <a:pPr algn="r" fontAlgn="ctr"/>
+                      <a:r>
+                        <a:rPr lang="en-US" altLang="ko-KR" sz="1000" u="none" strike="noStrike">
+                          <a:effectLst/>
+                        </a:rPr>
+                        <a:t>7,370,308</a:t>
+                      </a:r>
+                      <a:endParaRPr lang="en-US" altLang="ko-KR" sz="1000" b="0" i="0" u="none" strike="noStrike">
+                        <a:solidFill>
+                          <a:srgbClr val="000000"/>
+                        </a:solidFill>
+                        <a:effectLst/>
+                        <a:latin typeface="맑은 고딕" panose="020B0503020000020004" pitchFamily="50" charset="-127"/>
+                        <a:ea typeface="맑은 고딕" panose="020B0503020000020004" pitchFamily="50" charset="-127"/>
+                      </a:endParaRPr>
+                    </a:p>
+                  </a:txBody>
+                  <a:tcPr marL="8599" marR="8599" marT="8599" marB="0" anchor="ctr"/>
+                </a:tc>
+                <a:tc>
+                  <a:txBody>
+                    <a:bodyPr/>
+                    <a:lstStyle/>
+                    <a:p>
+                      <a:pPr algn="r" fontAlgn="ctr"/>
+                      <a:r>
+                        <a:rPr lang="en-US" altLang="ko-KR" sz="1000" u="none" strike="noStrike">
+                          <a:effectLst/>
+                        </a:rPr>
+                        <a:t>7,586,266</a:t>
+                      </a:r>
+                      <a:endParaRPr lang="en-US" altLang="ko-KR" sz="1000" b="0" i="0" u="none" strike="noStrike">
+                        <a:solidFill>
+                          <a:srgbClr val="000000"/>
+                        </a:solidFill>
+                        <a:effectLst/>
+                        <a:latin typeface="맑은 고딕" panose="020B0503020000020004" pitchFamily="50" charset="-127"/>
+                        <a:ea typeface="맑은 고딕" panose="020B0503020000020004" pitchFamily="50" charset="-127"/>
+                      </a:endParaRPr>
+                    </a:p>
+                  </a:txBody>
+                  <a:tcPr marL="8599" marR="8599" marT="8599" marB="0" anchor="ctr"/>
+                </a:tc>
+                <a:tc>
+                  <a:txBody>
+                    <a:bodyPr/>
+                    <a:lstStyle/>
+                    <a:p>
+                      <a:pPr algn="r" fontAlgn="ctr"/>
+                      <a:r>
+                        <a:rPr lang="en-US" altLang="ko-KR" sz="1000" u="none" strike="noStrike">
+                          <a:effectLst/>
+                        </a:rPr>
+                        <a:t>7,807,663</a:t>
+                      </a:r>
+                      <a:endParaRPr lang="en-US" altLang="ko-KR" sz="1000" b="0" i="0" u="none" strike="noStrike">
+                        <a:solidFill>
+                          <a:srgbClr val="000000"/>
+                        </a:solidFill>
+                        <a:effectLst/>
+                        <a:latin typeface="맑은 고딕" panose="020B0503020000020004" pitchFamily="50" charset="-127"/>
+                        <a:ea typeface="맑은 고딕" panose="020B0503020000020004" pitchFamily="50" charset="-127"/>
+                      </a:endParaRPr>
+                    </a:p>
+                  </a:txBody>
+                  <a:tcPr marL="8599" marR="8599" marT="8599" marB="0" anchor="ctr"/>
+                </a:tc>
+                <a:tc>
+                  <a:txBody>
+                    <a:bodyPr/>
+                    <a:lstStyle/>
+                    <a:p>
+                      <a:pPr algn="r" fontAlgn="ctr"/>
+                      <a:r>
+                        <a:rPr lang="en-US" altLang="ko-KR" sz="1000" u="none" strike="noStrike">
+                          <a:effectLst/>
+                        </a:rPr>
+                        <a:t>8,016,924</a:t>
+                      </a:r>
+                      <a:endParaRPr lang="en-US" altLang="ko-KR" sz="1000" b="0" i="0" u="none" strike="noStrike">
+                        <a:solidFill>
+                          <a:srgbClr val="000000"/>
+                        </a:solidFill>
+                        <a:effectLst/>
+                        <a:latin typeface="맑은 고딕" panose="020B0503020000020004" pitchFamily="50" charset="-127"/>
+                        <a:ea typeface="맑은 고딕" panose="020B0503020000020004" pitchFamily="50" charset="-127"/>
+                      </a:endParaRPr>
+                    </a:p>
+                  </a:txBody>
+                  <a:tcPr marL="8599" marR="8599" marT="8599" marB="0" anchor="ctr"/>
+                </a:tc>
+                <a:extLst>
+                  <a:ext uri="{0D108BD9-81ED-4DB2-BD59-A6C34878D82A}">
+                    <a16:rowId xmlns:a16="http://schemas.microsoft.com/office/drawing/2014/main" val="933188569"/>
+                  </a:ext>
+                </a:extLst>
+              </a:tr>
+              <a:tr h="189189">
+                <a:tc>
+                  <a:txBody>
+                    <a:bodyPr/>
+                    <a:lstStyle/>
+                    <a:p>
+                      <a:pPr algn="ctr" fontAlgn="ctr"/>
+                      <a:r>
+                        <a:rPr lang="en-US" altLang="ko-KR" sz="1000" u="none" strike="noStrike">
+                          <a:effectLst/>
+                        </a:rPr>
+                        <a:t>2013</a:t>
+                      </a:r>
+                      <a:endParaRPr lang="en-US" altLang="ko-KR" sz="1000" b="0" i="0" u="none" strike="noStrike">
+                        <a:solidFill>
+                          <a:srgbClr val="000000"/>
+                        </a:solidFill>
+                        <a:effectLst/>
+                        <a:latin typeface="맑은 고딕" panose="020B0503020000020004" pitchFamily="50" charset="-127"/>
+                        <a:ea typeface="맑은 고딕" panose="020B0503020000020004" pitchFamily="50" charset="-127"/>
+                      </a:endParaRPr>
+                    </a:p>
+                  </a:txBody>
+                  <a:tcPr marL="8599" marR="8599" marT="8599" marB="0" anchor="ctr"/>
+                </a:tc>
+                <a:tc>
+                  <a:txBody>
+                    <a:bodyPr/>
+                    <a:lstStyle/>
+                    <a:p>
+                      <a:pPr algn="r" fontAlgn="ctr"/>
+                      <a:r>
+                        <a:rPr lang="en-US" altLang="ko-KR" sz="1000" u="none" strike="noStrike">
+                          <a:effectLst/>
+                        </a:rPr>
+                        <a:t>7,173,904</a:t>
+                      </a:r>
+                      <a:endParaRPr lang="en-US" altLang="ko-KR" sz="1000" b="0" i="0" u="none" strike="noStrike">
+                        <a:solidFill>
+                          <a:srgbClr val="000000"/>
+                        </a:solidFill>
+                        <a:effectLst/>
+                        <a:latin typeface="맑은 고딕" panose="020B0503020000020004" pitchFamily="50" charset="-127"/>
+                        <a:ea typeface="맑은 고딕" panose="020B0503020000020004" pitchFamily="50" charset="-127"/>
+                      </a:endParaRPr>
+                    </a:p>
+                  </a:txBody>
+                  <a:tcPr marL="8599" marR="8599" marT="8599" marB="0" anchor="ctr"/>
+                </a:tc>
+                <a:tc>
+                  <a:txBody>
+                    <a:bodyPr/>
+                    <a:lstStyle/>
+                    <a:p>
+                      <a:pPr algn="r" fontAlgn="ctr"/>
+                      <a:r>
+                        <a:rPr lang="en-US" altLang="ko-KR" sz="1000" u="none" strike="noStrike">
+                          <a:effectLst/>
+                        </a:rPr>
+                        <a:t>7,370,308</a:t>
+                      </a:r>
+                      <a:endParaRPr lang="en-US" altLang="ko-KR" sz="1000" b="0" i="0" u="none" strike="noStrike">
+                        <a:solidFill>
+                          <a:srgbClr val="000000"/>
+                        </a:solidFill>
+                        <a:effectLst/>
+                        <a:latin typeface="맑은 고딕" panose="020B0503020000020004" pitchFamily="50" charset="-127"/>
+                        <a:ea typeface="맑은 고딕" panose="020B0503020000020004" pitchFamily="50" charset="-127"/>
+                      </a:endParaRPr>
+                    </a:p>
+                  </a:txBody>
+                  <a:tcPr marL="8599" marR="8599" marT="8599" marB="0" anchor="ctr"/>
+                </a:tc>
+                <a:tc>
+                  <a:txBody>
+                    <a:bodyPr/>
+                    <a:lstStyle/>
+                    <a:p>
+                      <a:pPr algn="r" fontAlgn="ctr"/>
+                      <a:r>
+                        <a:rPr lang="en-US" altLang="ko-KR" sz="1000" u="none" strike="noStrike">
+                          <a:effectLst/>
+                        </a:rPr>
+                        <a:t>7,586,266</a:t>
+                      </a:r>
+                      <a:endParaRPr lang="en-US" altLang="ko-KR" sz="1000" b="0" i="0" u="none" strike="noStrike">
+                        <a:solidFill>
+                          <a:srgbClr val="000000"/>
+                        </a:solidFill>
+                        <a:effectLst/>
+                        <a:latin typeface="맑은 고딕" panose="020B0503020000020004" pitchFamily="50" charset="-127"/>
+                        <a:ea typeface="맑은 고딕" panose="020B0503020000020004" pitchFamily="50" charset="-127"/>
+                      </a:endParaRPr>
+                    </a:p>
+                  </a:txBody>
+                  <a:tcPr marL="8599" marR="8599" marT="8599" marB="0" anchor="ctr"/>
+                </a:tc>
+                <a:tc>
+                  <a:txBody>
+                    <a:bodyPr/>
+                    <a:lstStyle/>
+                    <a:p>
+                      <a:pPr algn="r" fontAlgn="ctr"/>
+                      <a:r>
+                        <a:rPr lang="en-US" altLang="ko-KR" sz="1000" u="none" strike="noStrike">
+                          <a:effectLst/>
+                        </a:rPr>
+                        <a:t>7,807,663</a:t>
+                      </a:r>
+                      <a:endParaRPr lang="en-US" altLang="ko-KR" sz="1000" b="0" i="0" u="none" strike="noStrike">
+                        <a:solidFill>
+                          <a:srgbClr val="000000"/>
+                        </a:solidFill>
+                        <a:effectLst/>
+                        <a:latin typeface="맑은 고딕" panose="020B0503020000020004" pitchFamily="50" charset="-127"/>
+                        <a:ea typeface="맑은 고딕" panose="020B0503020000020004" pitchFamily="50" charset="-127"/>
+                      </a:endParaRPr>
+                    </a:p>
+                  </a:txBody>
+                  <a:tcPr marL="8599" marR="8599" marT="8599" marB="0" anchor="ctr"/>
+                </a:tc>
+                <a:extLst>
+                  <a:ext uri="{0D108BD9-81ED-4DB2-BD59-A6C34878D82A}">
+                    <a16:rowId xmlns:a16="http://schemas.microsoft.com/office/drawing/2014/main" val="1134573712"/>
+                  </a:ext>
+                </a:extLst>
+              </a:tr>
+              <a:tr h="189189">
+                <a:tc>
+                  <a:txBody>
+                    <a:bodyPr/>
+                    <a:lstStyle/>
+                    <a:p>
+                      <a:pPr algn="ctr" fontAlgn="ctr"/>
+                      <a:r>
+                        <a:rPr lang="en-US" altLang="ko-KR" sz="1000" u="none" strike="noStrike">
+                          <a:effectLst/>
+                        </a:rPr>
+                        <a:t>2014</a:t>
+                      </a:r>
+                      <a:endParaRPr lang="en-US" altLang="ko-KR" sz="1000" b="0" i="0" u="none" strike="noStrike">
+                        <a:solidFill>
+                          <a:srgbClr val="000000"/>
+                        </a:solidFill>
+                        <a:effectLst/>
+                        <a:latin typeface="맑은 고딕" panose="020B0503020000020004" pitchFamily="50" charset="-127"/>
+                        <a:ea typeface="맑은 고딕" panose="020B0503020000020004" pitchFamily="50" charset="-127"/>
+                      </a:endParaRPr>
+                    </a:p>
+                  </a:txBody>
+                  <a:tcPr marL="8599" marR="8599" marT="8599" marB="0" anchor="ctr"/>
+                </a:tc>
+                <a:tc>
+                  <a:txBody>
+                    <a:bodyPr/>
+                    <a:lstStyle/>
+                    <a:p>
+                      <a:pPr algn="r" fontAlgn="ctr"/>
+                      <a:r>
+                        <a:rPr lang="en-US" altLang="ko-KR" sz="1000" u="none" strike="noStrike">
+                          <a:effectLst/>
+                        </a:rPr>
+                        <a:t>6,973,154</a:t>
+                      </a:r>
+                      <a:endParaRPr lang="en-US" altLang="ko-KR" sz="1000" b="0" i="0" u="none" strike="noStrike">
+                        <a:solidFill>
+                          <a:srgbClr val="000000"/>
+                        </a:solidFill>
+                        <a:effectLst/>
+                        <a:latin typeface="맑은 고딕" panose="020B0503020000020004" pitchFamily="50" charset="-127"/>
+                        <a:ea typeface="맑은 고딕" panose="020B0503020000020004" pitchFamily="50" charset="-127"/>
+                      </a:endParaRPr>
+                    </a:p>
+                  </a:txBody>
+                  <a:tcPr marL="8599" marR="8599" marT="8599" marB="0" anchor="ctr"/>
+                </a:tc>
+                <a:tc>
+                  <a:txBody>
+                    <a:bodyPr/>
+                    <a:lstStyle/>
+                    <a:p>
+                      <a:pPr algn="r" fontAlgn="ctr"/>
+                      <a:r>
+                        <a:rPr lang="en-US" altLang="ko-KR" sz="1000" u="none" strike="noStrike">
+                          <a:effectLst/>
+                        </a:rPr>
+                        <a:t>7,173,904</a:t>
+                      </a:r>
+                      <a:endParaRPr lang="en-US" altLang="ko-KR" sz="1000" b="0" i="0" u="none" strike="noStrike">
+                        <a:solidFill>
+                          <a:srgbClr val="000000"/>
+                        </a:solidFill>
+                        <a:effectLst/>
+                        <a:latin typeface="맑은 고딕" panose="020B0503020000020004" pitchFamily="50" charset="-127"/>
+                        <a:ea typeface="맑은 고딕" panose="020B0503020000020004" pitchFamily="50" charset="-127"/>
+                      </a:endParaRPr>
+                    </a:p>
+                  </a:txBody>
+                  <a:tcPr marL="8599" marR="8599" marT="8599" marB="0" anchor="ctr"/>
+                </a:tc>
+                <a:tc>
+                  <a:txBody>
+                    <a:bodyPr/>
+                    <a:lstStyle/>
+                    <a:p>
+                      <a:pPr algn="r" fontAlgn="ctr"/>
+                      <a:r>
+                        <a:rPr lang="en-US" altLang="ko-KR" sz="1000" u="none" strike="noStrike">
+                          <a:effectLst/>
+                        </a:rPr>
+                        <a:t>7,370,308</a:t>
+                      </a:r>
+                      <a:endParaRPr lang="en-US" altLang="ko-KR" sz="1000" b="0" i="0" u="none" strike="noStrike">
+                        <a:solidFill>
+                          <a:srgbClr val="000000"/>
+                        </a:solidFill>
+                        <a:effectLst/>
+                        <a:latin typeface="맑은 고딕" panose="020B0503020000020004" pitchFamily="50" charset="-127"/>
+                        <a:ea typeface="맑은 고딕" panose="020B0503020000020004" pitchFamily="50" charset="-127"/>
+                      </a:endParaRPr>
+                    </a:p>
+                  </a:txBody>
+                  <a:tcPr marL="8599" marR="8599" marT="8599" marB="0" anchor="ctr"/>
+                </a:tc>
+                <a:tc>
+                  <a:txBody>
+                    <a:bodyPr/>
+                    <a:lstStyle/>
+                    <a:p>
+                      <a:pPr algn="r" fontAlgn="ctr"/>
+                      <a:r>
+                        <a:rPr lang="en-US" altLang="ko-KR" sz="1000" u="none" strike="noStrike">
+                          <a:effectLst/>
+                        </a:rPr>
+                        <a:t>7,586,266</a:t>
+                      </a:r>
+                      <a:endParaRPr lang="en-US" altLang="ko-KR" sz="1000" b="0" i="0" u="none" strike="noStrike">
+                        <a:solidFill>
+                          <a:srgbClr val="000000"/>
+                        </a:solidFill>
+                        <a:effectLst/>
+                        <a:latin typeface="맑은 고딕" panose="020B0503020000020004" pitchFamily="50" charset="-127"/>
+                        <a:ea typeface="맑은 고딕" panose="020B0503020000020004" pitchFamily="50" charset="-127"/>
+                      </a:endParaRPr>
+                    </a:p>
+                  </a:txBody>
+                  <a:tcPr marL="8599" marR="8599" marT="8599" marB="0" anchor="ctr"/>
+                </a:tc>
+                <a:extLst>
+                  <a:ext uri="{0D108BD9-81ED-4DB2-BD59-A6C34878D82A}">
+                    <a16:rowId xmlns:a16="http://schemas.microsoft.com/office/drawing/2014/main" val="1703532669"/>
+                  </a:ext>
+                </a:extLst>
+              </a:tr>
+              <a:tr h="189189">
+                <a:tc>
+                  <a:txBody>
+                    <a:bodyPr/>
+                    <a:lstStyle/>
+                    <a:p>
+                      <a:pPr algn="ctr" fontAlgn="ctr"/>
+                      <a:r>
+                        <a:rPr lang="en-US" altLang="ko-KR" sz="1000" u="none" strike="noStrike">
+                          <a:effectLst/>
+                        </a:rPr>
+                        <a:t>2015</a:t>
+                      </a:r>
+                      <a:endParaRPr lang="en-US" altLang="ko-KR" sz="1000" b="0" i="0" u="none" strike="noStrike">
+                        <a:solidFill>
+                          <a:srgbClr val="000000"/>
+                        </a:solidFill>
+                        <a:effectLst/>
+                        <a:latin typeface="맑은 고딕" panose="020B0503020000020004" pitchFamily="50" charset="-127"/>
+                        <a:ea typeface="맑은 고딕" panose="020B0503020000020004" pitchFamily="50" charset="-127"/>
+                      </a:endParaRPr>
+                    </a:p>
+                  </a:txBody>
+                  <a:tcPr marL="8599" marR="8599" marT="8599" marB="0" anchor="ctr"/>
+                </a:tc>
+                <a:tc>
+                  <a:txBody>
+                    <a:bodyPr/>
+                    <a:lstStyle/>
+                    <a:p>
+                      <a:pPr algn="r" fontAlgn="ctr"/>
+                      <a:r>
+                        <a:rPr lang="en-US" altLang="ko-KR" sz="1000" u="none" strike="noStrike">
+                          <a:effectLst/>
+                        </a:rPr>
+                        <a:t>6,806,411</a:t>
+                      </a:r>
+                      <a:endParaRPr lang="en-US" altLang="ko-KR" sz="1000" b="0" i="0" u="none" strike="noStrike">
+                        <a:solidFill>
+                          <a:srgbClr val="000000"/>
+                        </a:solidFill>
+                        <a:effectLst/>
+                        <a:latin typeface="맑은 고딕" panose="020B0503020000020004" pitchFamily="50" charset="-127"/>
+                        <a:ea typeface="맑은 고딕" panose="020B0503020000020004" pitchFamily="50" charset="-127"/>
+                      </a:endParaRPr>
+                    </a:p>
+                  </a:txBody>
+                  <a:tcPr marL="8599" marR="8599" marT="8599" marB="0" anchor="ctr"/>
+                </a:tc>
+                <a:tc>
+                  <a:txBody>
+                    <a:bodyPr/>
+                    <a:lstStyle/>
+                    <a:p>
+                      <a:pPr algn="r" fontAlgn="ctr"/>
+                      <a:r>
+                        <a:rPr lang="en-US" altLang="ko-KR" sz="1000" u="none" strike="noStrike">
+                          <a:effectLst/>
+                        </a:rPr>
+                        <a:t>6,973,154</a:t>
+                      </a:r>
+                      <a:endParaRPr lang="en-US" altLang="ko-KR" sz="1000" b="0" i="0" u="none" strike="noStrike">
+                        <a:solidFill>
+                          <a:srgbClr val="000000"/>
+                        </a:solidFill>
+                        <a:effectLst/>
+                        <a:latin typeface="맑은 고딕" panose="020B0503020000020004" pitchFamily="50" charset="-127"/>
+                        <a:ea typeface="맑은 고딕" panose="020B0503020000020004" pitchFamily="50" charset="-127"/>
+                      </a:endParaRPr>
+                    </a:p>
+                  </a:txBody>
+                  <a:tcPr marL="8599" marR="8599" marT="8599" marB="0" anchor="ctr"/>
+                </a:tc>
+                <a:tc>
+                  <a:txBody>
+                    <a:bodyPr/>
+                    <a:lstStyle/>
+                    <a:p>
+                      <a:pPr algn="r" fontAlgn="ctr"/>
+                      <a:r>
+                        <a:rPr lang="en-US" altLang="ko-KR" sz="1000" u="none" strike="noStrike">
+                          <a:effectLst/>
+                        </a:rPr>
+                        <a:t>7,173,904</a:t>
+                      </a:r>
+                      <a:endParaRPr lang="en-US" altLang="ko-KR" sz="1000" b="0" i="0" u="none" strike="noStrike">
+                        <a:solidFill>
+                          <a:srgbClr val="000000"/>
+                        </a:solidFill>
+                        <a:effectLst/>
+                        <a:latin typeface="맑은 고딕" panose="020B0503020000020004" pitchFamily="50" charset="-127"/>
+                        <a:ea typeface="맑은 고딕" panose="020B0503020000020004" pitchFamily="50" charset="-127"/>
+                      </a:endParaRPr>
+                    </a:p>
+                  </a:txBody>
+                  <a:tcPr marL="8599" marR="8599" marT="8599" marB="0" anchor="ctr"/>
+                </a:tc>
+                <a:tc>
+                  <a:txBody>
+                    <a:bodyPr/>
+                    <a:lstStyle/>
+                    <a:p>
+                      <a:pPr algn="r" fontAlgn="ctr"/>
+                      <a:r>
+                        <a:rPr lang="en-US" altLang="ko-KR" sz="1000" u="none" strike="noStrike">
+                          <a:effectLst/>
+                        </a:rPr>
+                        <a:t>7,370,308</a:t>
+                      </a:r>
+                      <a:endParaRPr lang="en-US" altLang="ko-KR" sz="1000" b="0" i="0" u="none" strike="noStrike">
+                        <a:solidFill>
+                          <a:srgbClr val="000000"/>
+                        </a:solidFill>
+                        <a:effectLst/>
+                        <a:latin typeface="맑은 고딕" panose="020B0503020000020004" pitchFamily="50" charset="-127"/>
+                        <a:ea typeface="맑은 고딕" panose="020B0503020000020004" pitchFamily="50" charset="-127"/>
+                      </a:endParaRPr>
+                    </a:p>
+                  </a:txBody>
+                  <a:tcPr marL="8599" marR="8599" marT="8599" marB="0" anchor="ctr"/>
+                </a:tc>
+                <a:extLst>
+                  <a:ext uri="{0D108BD9-81ED-4DB2-BD59-A6C34878D82A}">
+                    <a16:rowId xmlns:a16="http://schemas.microsoft.com/office/drawing/2014/main" val="4199233851"/>
+                  </a:ext>
+                </a:extLst>
+              </a:tr>
+              <a:tr h="189189">
+                <a:tc>
+                  <a:txBody>
+                    <a:bodyPr/>
+                    <a:lstStyle/>
+                    <a:p>
+                      <a:pPr algn="ctr" fontAlgn="ctr"/>
+                      <a:r>
+                        <a:rPr lang="en-US" altLang="ko-KR" sz="1000" u="none" strike="noStrike">
+                          <a:effectLst/>
+                        </a:rPr>
+                        <a:t>2016</a:t>
+                      </a:r>
+                      <a:endParaRPr lang="en-US" altLang="ko-KR" sz="1000" b="0" i="0" u="none" strike="noStrike">
+                        <a:solidFill>
+                          <a:srgbClr val="000000"/>
+                        </a:solidFill>
+                        <a:effectLst/>
+                        <a:latin typeface="맑은 고딕" panose="020B0503020000020004" pitchFamily="50" charset="-127"/>
+                        <a:ea typeface="맑은 고딕" panose="020B0503020000020004" pitchFamily="50" charset="-127"/>
+                      </a:endParaRPr>
+                    </a:p>
+                  </a:txBody>
+                  <a:tcPr marL="8599" marR="8599" marT="8599" marB="0" anchor="ctr"/>
+                </a:tc>
+                <a:tc>
+                  <a:txBody>
+                    <a:bodyPr/>
+                    <a:lstStyle/>
+                    <a:p>
+                      <a:pPr algn="r" fontAlgn="ctr"/>
+                      <a:r>
+                        <a:rPr lang="en-US" altLang="ko-KR" sz="1000" u="none" strike="noStrike">
+                          <a:effectLst/>
+                        </a:rPr>
+                        <a:t>6,621,547</a:t>
+                      </a:r>
+                      <a:endParaRPr lang="en-US" altLang="ko-KR" sz="1000" b="0" i="0" u="none" strike="noStrike">
+                        <a:solidFill>
+                          <a:srgbClr val="000000"/>
+                        </a:solidFill>
+                        <a:effectLst/>
+                        <a:latin typeface="맑은 고딕" panose="020B0503020000020004" pitchFamily="50" charset="-127"/>
+                        <a:ea typeface="맑은 고딕" panose="020B0503020000020004" pitchFamily="50" charset="-127"/>
+                      </a:endParaRPr>
+                    </a:p>
+                  </a:txBody>
+                  <a:tcPr marL="8599" marR="8599" marT="8599" marB="0" anchor="ctr"/>
+                </a:tc>
+                <a:tc>
+                  <a:txBody>
+                    <a:bodyPr/>
+                    <a:lstStyle/>
+                    <a:p>
+                      <a:pPr algn="r" fontAlgn="ctr"/>
+                      <a:r>
+                        <a:rPr lang="en-US" altLang="ko-KR" sz="1000" u="none" strike="noStrike">
+                          <a:effectLst/>
+                        </a:rPr>
+                        <a:t>6,806,411</a:t>
+                      </a:r>
+                      <a:endParaRPr lang="en-US" altLang="ko-KR" sz="1000" b="0" i="0" u="none" strike="noStrike">
+                        <a:solidFill>
+                          <a:srgbClr val="000000"/>
+                        </a:solidFill>
+                        <a:effectLst/>
+                        <a:latin typeface="맑은 고딕" panose="020B0503020000020004" pitchFamily="50" charset="-127"/>
+                        <a:ea typeface="맑은 고딕" panose="020B0503020000020004" pitchFamily="50" charset="-127"/>
+                      </a:endParaRPr>
+                    </a:p>
+                  </a:txBody>
+                  <a:tcPr marL="8599" marR="8599" marT="8599" marB="0" anchor="ctr"/>
+                </a:tc>
+                <a:tc>
+                  <a:txBody>
+                    <a:bodyPr/>
+                    <a:lstStyle/>
+                    <a:p>
+                      <a:pPr algn="r" fontAlgn="ctr"/>
+                      <a:r>
+                        <a:rPr lang="en-US" altLang="ko-KR" sz="1000" u="none" strike="noStrike">
+                          <a:effectLst/>
+                        </a:rPr>
+                        <a:t>6,973,154</a:t>
+                      </a:r>
+                      <a:endParaRPr lang="en-US" altLang="ko-KR" sz="1000" b="0" i="0" u="none" strike="noStrike">
+                        <a:solidFill>
+                          <a:srgbClr val="000000"/>
+                        </a:solidFill>
+                        <a:effectLst/>
+                        <a:latin typeface="맑은 고딕" panose="020B0503020000020004" pitchFamily="50" charset="-127"/>
+                        <a:ea typeface="맑은 고딕" panose="020B0503020000020004" pitchFamily="50" charset="-127"/>
+                      </a:endParaRPr>
+                    </a:p>
+                  </a:txBody>
+                  <a:tcPr marL="8599" marR="8599" marT="8599" marB="0" anchor="ctr"/>
+                </a:tc>
+                <a:tc>
+                  <a:txBody>
+                    <a:bodyPr/>
+                    <a:lstStyle/>
+                    <a:p>
+                      <a:pPr algn="r" fontAlgn="ctr"/>
+                      <a:r>
+                        <a:rPr lang="en-US" altLang="ko-KR" sz="1000" u="none" strike="noStrike">
+                          <a:effectLst/>
+                        </a:rPr>
+                        <a:t>7,173,904</a:t>
+                      </a:r>
+                      <a:endParaRPr lang="en-US" altLang="ko-KR" sz="1000" b="0" i="0" u="none" strike="noStrike">
+                        <a:solidFill>
+                          <a:srgbClr val="000000"/>
+                        </a:solidFill>
+                        <a:effectLst/>
+                        <a:latin typeface="맑은 고딕" panose="020B0503020000020004" pitchFamily="50" charset="-127"/>
+                        <a:ea typeface="맑은 고딕" panose="020B0503020000020004" pitchFamily="50" charset="-127"/>
+                      </a:endParaRPr>
+                    </a:p>
+                  </a:txBody>
+                  <a:tcPr marL="8599" marR="8599" marT="8599" marB="0" anchor="ctr"/>
+                </a:tc>
+                <a:extLst>
+                  <a:ext uri="{0D108BD9-81ED-4DB2-BD59-A6C34878D82A}">
+                    <a16:rowId xmlns:a16="http://schemas.microsoft.com/office/drawing/2014/main" val="1213245743"/>
+                  </a:ext>
+                </a:extLst>
+              </a:tr>
+              <a:tr h="189189">
+                <a:tc>
+                  <a:txBody>
+                    <a:bodyPr/>
+                    <a:lstStyle/>
+                    <a:p>
+                      <a:pPr algn="ctr" fontAlgn="ctr"/>
+                      <a:r>
+                        <a:rPr lang="en-US" altLang="ko-KR" sz="1000" u="none" strike="noStrike">
+                          <a:effectLst/>
+                        </a:rPr>
+                        <a:t>2017</a:t>
+                      </a:r>
+                      <a:endParaRPr lang="en-US" altLang="ko-KR" sz="1000" b="0" i="0" u="none" strike="noStrike">
+                        <a:solidFill>
+                          <a:srgbClr val="000000"/>
+                        </a:solidFill>
+                        <a:effectLst/>
+                        <a:latin typeface="맑은 고딕" panose="020B0503020000020004" pitchFamily="50" charset="-127"/>
+                        <a:ea typeface="맑은 고딕" panose="020B0503020000020004" pitchFamily="50" charset="-127"/>
+                      </a:endParaRPr>
+                    </a:p>
+                  </a:txBody>
+                  <a:tcPr marL="8599" marR="8599" marT="8599" marB="0" anchor="ctr"/>
+                </a:tc>
+                <a:tc>
+                  <a:txBody>
+                    <a:bodyPr/>
+                    <a:lstStyle/>
+                    <a:p>
+                      <a:pPr algn="r" fontAlgn="ctr"/>
+                      <a:r>
+                        <a:rPr lang="en-US" altLang="ko-KR" sz="1000" u="none" strike="noStrike">
+                          <a:effectLst/>
+                        </a:rPr>
+                        <a:t>6,454,281</a:t>
+                      </a:r>
+                      <a:endParaRPr lang="en-US" altLang="ko-KR" sz="1000" b="0" i="0" u="none" strike="noStrike">
+                        <a:solidFill>
+                          <a:srgbClr val="000000"/>
+                        </a:solidFill>
+                        <a:effectLst/>
+                        <a:latin typeface="맑은 고딕" panose="020B0503020000020004" pitchFamily="50" charset="-127"/>
+                        <a:ea typeface="맑은 고딕" panose="020B0503020000020004" pitchFamily="50" charset="-127"/>
+                      </a:endParaRPr>
+                    </a:p>
+                  </a:txBody>
+                  <a:tcPr marL="8599" marR="8599" marT="8599" marB="0" anchor="ctr"/>
+                </a:tc>
+                <a:tc>
+                  <a:txBody>
+                    <a:bodyPr/>
+                    <a:lstStyle/>
+                    <a:p>
+                      <a:pPr algn="r" fontAlgn="ctr"/>
+                      <a:r>
+                        <a:rPr lang="en-US" altLang="ko-KR" sz="1000" u="none" strike="noStrike">
+                          <a:effectLst/>
+                        </a:rPr>
+                        <a:t>6,621,547</a:t>
+                      </a:r>
+                      <a:endParaRPr lang="en-US" altLang="ko-KR" sz="1000" b="0" i="0" u="none" strike="noStrike">
+                        <a:solidFill>
+                          <a:srgbClr val="000000"/>
+                        </a:solidFill>
+                        <a:effectLst/>
+                        <a:latin typeface="맑은 고딕" panose="020B0503020000020004" pitchFamily="50" charset="-127"/>
+                        <a:ea typeface="맑은 고딕" panose="020B0503020000020004" pitchFamily="50" charset="-127"/>
+                      </a:endParaRPr>
+                    </a:p>
+                  </a:txBody>
+                  <a:tcPr marL="8599" marR="8599" marT="8599" marB="0" anchor="ctr"/>
+                </a:tc>
+                <a:tc>
+                  <a:txBody>
+                    <a:bodyPr/>
+                    <a:lstStyle/>
+                    <a:p>
+                      <a:pPr algn="r" fontAlgn="ctr"/>
+                      <a:r>
+                        <a:rPr lang="en-US" altLang="ko-KR" sz="1000" u="none" strike="noStrike">
+                          <a:effectLst/>
+                        </a:rPr>
+                        <a:t>6,806,411</a:t>
+                      </a:r>
+                      <a:endParaRPr lang="en-US" altLang="ko-KR" sz="1000" b="0" i="0" u="none" strike="noStrike">
+                        <a:solidFill>
+                          <a:srgbClr val="000000"/>
+                        </a:solidFill>
+                        <a:effectLst/>
+                        <a:latin typeface="맑은 고딕" panose="020B0503020000020004" pitchFamily="50" charset="-127"/>
+                        <a:ea typeface="맑은 고딕" panose="020B0503020000020004" pitchFamily="50" charset="-127"/>
+                      </a:endParaRPr>
+                    </a:p>
+                  </a:txBody>
+                  <a:tcPr marL="8599" marR="8599" marT="8599" marB="0" anchor="ctr"/>
+                </a:tc>
+                <a:tc>
+                  <a:txBody>
+                    <a:bodyPr/>
+                    <a:lstStyle/>
+                    <a:p>
+                      <a:pPr algn="r" fontAlgn="ctr"/>
+                      <a:r>
+                        <a:rPr lang="en-US" altLang="ko-KR" sz="1000" u="none" strike="noStrike">
+                          <a:effectLst/>
+                        </a:rPr>
+                        <a:t>6,973,154</a:t>
+                      </a:r>
+                      <a:endParaRPr lang="en-US" altLang="ko-KR" sz="1000" b="0" i="0" u="none" strike="noStrike">
+                        <a:solidFill>
+                          <a:srgbClr val="000000"/>
+                        </a:solidFill>
+                        <a:effectLst/>
+                        <a:latin typeface="맑은 고딕" panose="020B0503020000020004" pitchFamily="50" charset="-127"/>
+                        <a:ea typeface="맑은 고딕" panose="020B0503020000020004" pitchFamily="50" charset="-127"/>
+                      </a:endParaRPr>
+                    </a:p>
+                  </a:txBody>
+                  <a:tcPr marL="8599" marR="8599" marT="8599" marB="0" anchor="ctr"/>
+                </a:tc>
+                <a:extLst>
+                  <a:ext uri="{0D108BD9-81ED-4DB2-BD59-A6C34878D82A}">
+                    <a16:rowId xmlns:a16="http://schemas.microsoft.com/office/drawing/2014/main" val="3859615017"/>
+                  </a:ext>
+                </a:extLst>
+              </a:tr>
+              <a:tr h="189189">
+                <a:tc>
+                  <a:txBody>
+                    <a:bodyPr/>
+                    <a:lstStyle/>
+                    <a:p>
+                      <a:pPr algn="ctr" fontAlgn="ctr"/>
+                      <a:r>
+                        <a:rPr lang="en-US" altLang="ko-KR" sz="1000" u="none" strike="noStrike">
+                          <a:effectLst/>
+                        </a:rPr>
+                        <a:t>2018</a:t>
+                      </a:r>
+                      <a:endParaRPr lang="en-US" altLang="ko-KR" sz="1000" b="0" i="0" u="none" strike="noStrike">
+                        <a:solidFill>
+                          <a:srgbClr val="000000"/>
+                        </a:solidFill>
+                        <a:effectLst/>
+                        <a:latin typeface="맑은 고딕" panose="020B0503020000020004" pitchFamily="50" charset="-127"/>
+                        <a:ea typeface="맑은 고딕" panose="020B0503020000020004" pitchFamily="50" charset="-127"/>
+                      </a:endParaRPr>
+                    </a:p>
+                  </a:txBody>
+                  <a:tcPr marL="8599" marR="8599" marT="8599" marB="0" anchor="ctr"/>
+                </a:tc>
+                <a:tc>
+                  <a:txBody>
+                    <a:bodyPr/>
+                    <a:lstStyle/>
+                    <a:p>
+                      <a:pPr algn="r" fontAlgn="ctr"/>
+                      <a:r>
+                        <a:rPr lang="en-US" altLang="ko-KR" sz="1000" u="none" strike="noStrike">
+                          <a:effectLst/>
+                        </a:rPr>
+                        <a:t>6,295,366</a:t>
+                      </a:r>
+                      <a:endParaRPr lang="en-US" altLang="ko-KR" sz="1000" b="0" i="0" u="none" strike="noStrike">
+                        <a:solidFill>
+                          <a:srgbClr val="000000"/>
+                        </a:solidFill>
+                        <a:effectLst/>
+                        <a:latin typeface="맑은 고딕" panose="020B0503020000020004" pitchFamily="50" charset="-127"/>
+                        <a:ea typeface="맑은 고딕" panose="020B0503020000020004" pitchFamily="50" charset="-127"/>
+                      </a:endParaRPr>
+                    </a:p>
+                  </a:txBody>
+                  <a:tcPr marL="8599" marR="8599" marT="8599" marB="0" anchor="ctr"/>
+                </a:tc>
+                <a:tc>
+                  <a:txBody>
+                    <a:bodyPr/>
+                    <a:lstStyle/>
+                    <a:p>
+                      <a:pPr algn="r" fontAlgn="ctr"/>
+                      <a:r>
+                        <a:rPr lang="en-US" altLang="ko-KR" sz="1000" u="none" strike="noStrike">
+                          <a:effectLst/>
+                        </a:rPr>
+                        <a:t>6,454,281</a:t>
+                      </a:r>
+                      <a:endParaRPr lang="en-US" altLang="ko-KR" sz="1000" b="0" i="0" u="none" strike="noStrike">
+                        <a:solidFill>
+                          <a:srgbClr val="000000"/>
+                        </a:solidFill>
+                        <a:effectLst/>
+                        <a:latin typeface="맑은 고딕" panose="020B0503020000020004" pitchFamily="50" charset="-127"/>
+                        <a:ea typeface="맑은 고딕" panose="020B0503020000020004" pitchFamily="50" charset="-127"/>
+                      </a:endParaRPr>
+                    </a:p>
+                  </a:txBody>
+                  <a:tcPr marL="8599" marR="8599" marT="8599" marB="0" anchor="ctr"/>
+                </a:tc>
+                <a:tc>
+                  <a:txBody>
+                    <a:bodyPr/>
+                    <a:lstStyle/>
+                    <a:p>
+                      <a:pPr algn="r" fontAlgn="ctr"/>
+                      <a:r>
+                        <a:rPr lang="en-US" altLang="ko-KR" sz="1000" u="none" strike="noStrike">
+                          <a:effectLst/>
+                        </a:rPr>
+                        <a:t>6,621,547</a:t>
+                      </a:r>
+                      <a:endParaRPr lang="en-US" altLang="ko-KR" sz="1000" b="0" i="0" u="none" strike="noStrike">
+                        <a:solidFill>
+                          <a:srgbClr val="000000"/>
+                        </a:solidFill>
+                        <a:effectLst/>
+                        <a:latin typeface="맑은 고딕" panose="020B0503020000020004" pitchFamily="50" charset="-127"/>
+                        <a:ea typeface="맑은 고딕" panose="020B0503020000020004" pitchFamily="50" charset="-127"/>
+                      </a:endParaRPr>
+                    </a:p>
+                  </a:txBody>
+                  <a:tcPr marL="8599" marR="8599" marT="8599" marB="0" anchor="ctr"/>
+                </a:tc>
+                <a:tc>
+                  <a:txBody>
+                    <a:bodyPr/>
+                    <a:lstStyle/>
+                    <a:p>
+                      <a:pPr algn="r" fontAlgn="ctr"/>
+                      <a:r>
+                        <a:rPr lang="en-US" altLang="ko-KR" sz="1000" u="none" strike="noStrike">
+                          <a:effectLst/>
+                        </a:rPr>
+                        <a:t>6,806,411</a:t>
+                      </a:r>
+                      <a:endParaRPr lang="en-US" altLang="ko-KR" sz="1000" b="0" i="0" u="none" strike="noStrike">
+                        <a:solidFill>
+                          <a:srgbClr val="000000"/>
+                        </a:solidFill>
+                        <a:effectLst/>
+                        <a:latin typeface="맑은 고딕" panose="020B0503020000020004" pitchFamily="50" charset="-127"/>
+                        <a:ea typeface="맑은 고딕" panose="020B0503020000020004" pitchFamily="50" charset="-127"/>
+                      </a:endParaRPr>
+                    </a:p>
+                  </a:txBody>
+                  <a:tcPr marL="8599" marR="8599" marT="8599" marB="0" anchor="ctr"/>
+                </a:tc>
+                <a:extLst>
+                  <a:ext uri="{0D108BD9-81ED-4DB2-BD59-A6C34878D82A}">
+                    <a16:rowId xmlns:a16="http://schemas.microsoft.com/office/drawing/2014/main" val="1169276211"/>
+                  </a:ext>
+                </a:extLst>
+              </a:tr>
+              <a:tr h="189189">
+                <a:tc>
+                  <a:txBody>
+                    <a:bodyPr/>
+                    <a:lstStyle/>
+                    <a:p>
+                      <a:pPr algn="ctr" fontAlgn="ctr"/>
+                      <a:r>
+                        <a:rPr lang="en-US" altLang="ko-KR" sz="1000" u="none" strike="noStrike">
+                          <a:effectLst/>
+                        </a:rPr>
+                        <a:t>2019</a:t>
+                      </a:r>
+                      <a:endParaRPr lang="en-US" altLang="ko-KR" sz="1000" b="0" i="0" u="none" strike="noStrike">
+                        <a:solidFill>
+                          <a:srgbClr val="000000"/>
+                        </a:solidFill>
+                        <a:effectLst/>
+                        <a:latin typeface="맑은 고딕" panose="020B0503020000020004" pitchFamily="50" charset="-127"/>
+                        <a:ea typeface="맑은 고딕" panose="020B0503020000020004" pitchFamily="50" charset="-127"/>
+                      </a:endParaRPr>
+                    </a:p>
+                  </a:txBody>
+                  <a:tcPr marL="8599" marR="8599" marT="8599" marB="0" anchor="ctr"/>
+                </a:tc>
+                <a:tc>
+                  <a:txBody>
+                    <a:bodyPr/>
+                    <a:lstStyle/>
+                    <a:p>
+                      <a:pPr algn="r" fontAlgn="ctr"/>
+                      <a:r>
+                        <a:rPr lang="en-US" altLang="ko-KR" sz="1000" u="none" strike="noStrike">
+                          <a:effectLst/>
+                        </a:rPr>
+                        <a:t>6,122,198</a:t>
+                      </a:r>
+                      <a:endParaRPr lang="en-US" altLang="ko-KR" sz="1000" b="0" i="0" u="none" strike="noStrike">
+                        <a:solidFill>
+                          <a:srgbClr val="000000"/>
+                        </a:solidFill>
+                        <a:effectLst/>
+                        <a:latin typeface="맑은 고딕" panose="020B0503020000020004" pitchFamily="50" charset="-127"/>
+                        <a:ea typeface="맑은 고딕" panose="020B0503020000020004" pitchFamily="50" charset="-127"/>
+                      </a:endParaRPr>
+                    </a:p>
+                  </a:txBody>
+                  <a:tcPr marL="8599" marR="8599" marT="8599" marB="0" anchor="ctr"/>
+                </a:tc>
+                <a:tc>
+                  <a:txBody>
+                    <a:bodyPr/>
+                    <a:lstStyle/>
+                    <a:p>
+                      <a:pPr algn="r" fontAlgn="ctr"/>
+                      <a:r>
+                        <a:rPr lang="en-US" altLang="ko-KR" sz="1000" u="none" strike="noStrike">
+                          <a:effectLst/>
+                        </a:rPr>
+                        <a:t>6,295,366</a:t>
+                      </a:r>
+                      <a:endParaRPr lang="en-US" altLang="ko-KR" sz="1000" b="0" i="0" u="none" strike="noStrike">
+                        <a:solidFill>
+                          <a:srgbClr val="000000"/>
+                        </a:solidFill>
+                        <a:effectLst/>
+                        <a:latin typeface="맑은 고딕" panose="020B0503020000020004" pitchFamily="50" charset="-127"/>
+                        <a:ea typeface="맑은 고딕" panose="020B0503020000020004" pitchFamily="50" charset="-127"/>
+                      </a:endParaRPr>
+                    </a:p>
+                  </a:txBody>
+                  <a:tcPr marL="8599" marR="8599" marT="8599" marB="0" anchor="ctr"/>
+                </a:tc>
+                <a:tc>
+                  <a:txBody>
+                    <a:bodyPr/>
+                    <a:lstStyle/>
+                    <a:p>
+                      <a:pPr algn="r" fontAlgn="ctr"/>
+                      <a:r>
+                        <a:rPr lang="en-US" altLang="ko-KR" sz="1000" u="none" strike="noStrike">
+                          <a:effectLst/>
+                        </a:rPr>
+                        <a:t>6,454,281</a:t>
+                      </a:r>
+                      <a:endParaRPr lang="en-US" altLang="ko-KR" sz="1000" b="0" i="0" u="none" strike="noStrike">
+                        <a:solidFill>
+                          <a:srgbClr val="000000"/>
+                        </a:solidFill>
+                        <a:effectLst/>
+                        <a:latin typeface="맑은 고딕" panose="020B0503020000020004" pitchFamily="50" charset="-127"/>
+                        <a:ea typeface="맑은 고딕" panose="020B0503020000020004" pitchFamily="50" charset="-127"/>
+                      </a:endParaRPr>
+                    </a:p>
+                  </a:txBody>
+                  <a:tcPr marL="8599" marR="8599" marT="8599" marB="0" anchor="ctr"/>
+                </a:tc>
+                <a:tc>
+                  <a:txBody>
+                    <a:bodyPr/>
+                    <a:lstStyle/>
+                    <a:p>
+                      <a:pPr algn="r" fontAlgn="ctr"/>
+                      <a:r>
+                        <a:rPr lang="en-US" altLang="ko-KR" sz="1000" u="none" strike="noStrike">
+                          <a:effectLst/>
+                        </a:rPr>
+                        <a:t>6,621,547</a:t>
+                      </a:r>
+                      <a:endParaRPr lang="en-US" altLang="ko-KR" sz="1000" b="0" i="0" u="none" strike="noStrike">
+                        <a:solidFill>
+                          <a:srgbClr val="000000"/>
+                        </a:solidFill>
+                        <a:effectLst/>
+                        <a:latin typeface="맑은 고딕" panose="020B0503020000020004" pitchFamily="50" charset="-127"/>
+                        <a:ea typeface="맑은 고딕" panose="020B0503020000020004" pitchFamily="50" charset="-127"/>
+                      </a:endParaRPr>
+                    </a:p>
+                  </a:txBody>
+                  <a:tcPr marL="8599" marR="8599" marT="8599" marB="0" anchor="ctr"/>
+                </a:tc>
+                <a:extLst>
+                  <a:ext uri="{0D108BD9-81ED-4DB2-BD59-A6C34878D82A}">
+                    <a16:rowId xmlns:a16="http://schemas.microsoft.com/office/drawing/2014/main" val="3739157284"/>
+                  </a:ext>
+                </a:extLst>
+              </a:tr>
+              <a:tr h="189189">
+                <a:tc>
+                  <a:txBody>
+                    <a:bodyPr/>
+                    <a:lstStyle/>
+                    <a:p>
+                      <a:pPr algn="ctr" fontAlgn="ctr"/>
+                      <a:r>
+                        <a:rPr lang="en-US" altLang="ko-KR" sz="1000" u="none" strike="noStrike">
+                          <a:effectLst/>
+                        </a:rPr>
+                        <a:t>2020</a:t>
+                      </a:r>
+                      <a:endParaRPr lang="en-US" altLang="ko-KR" sz="1000" b="0" i="0" u="none" strike="noStrike">
+                        <a:solidFill>
+                          <a:srgbClr val="000000"/>
+                        </a:solidFill>
+                        <a:effectLst/>
+                        <a:latin typeface="맑은 고딕" panose="020B0503020000020004" pitchFamily="50" charset="-127"/>
+                        <a:ea typeface="맑은 고딕" panose="020B0503020000020004" pitchFamily="50" charset="-127"/>
+                      </a:endParaRPr>
+                    </a:p>
+                  </a:txBody>
+                  <a:tcPr marL="8599" marR="8599" marT="8599" marB="0" anchor="ctr"/>
+                </a:tc>
+                <a:tc>
+                  <a:txBody>
+                    <a:bodyPr/>
+                    <a:lstStyle/>
+                    <a:p>
+                      <a:pPr algn="r" fontAlgn="ctr"/>
+                      <a:r>
+                        <a:rPr lang="en-US" altLang="ko-KR" sz="1000" u="none" strike="noStrike">
+                          <a:effectLst/>
+                        </a:rPr>
+                        <a:t>5,995,239</a:t>
+                      </a:r>
+                      <a:endParaRPr lang="en-US" altLang="ko-KR" sz="1000" b="0" i="0" u="none" strike="noStrike">
+                        <a:solidFill>
+                          <a:srgbClr val="000000"/>
+                        </a:solidFill>
+                        <a:effectLst/>
+                        <a:latin typeface="맑은 고딕" panose="020B0503020000020004" pitchFamily="50" charset="-127"/>
+                        <a:ea typeface="맑은 고딕" panose="020B0503020000020004" pitchFamily="50" charset="-127"/>
+                      </a:endParaRPr>
+                    </a:p>
+                  </a:txBody>
+                  <a:tcPr marL="8599" marR="8599" marT="8599" marB="0" anchor="ctr"/>
+                </a:tc>
+                <a:tc>
+                  <a:txBody>
+                    <a:bodyPr/>
+                    <a:lstStyle/>
+                    <a:p>
+                      <a:pPr algn="r" fontAlgn="ctr"/>
+                      <a:r>
+                        <a:rPr lang="en-US" altLang="ko-KR" sz="1000" u="none" strike="noStrike">
+                          <a:effectLst/>
+                        </a:rPr>
+                        <a:t>6,122,198</a:t>
+                      </a:r>
+                      <a:endParaRPr lang="en-US" altLang="ko-KR" sz="1000" b="0" i="0" u="none" strike="noStrike">
+                        <a:solidFill>
+                          <a:srgbClr val="000000"/>
+                        </a:solidFill>
+                        <a:effectLst/>
+                        <a:latin typeface="맑은 고딕" panose="020B0503020000020004" pitchFamily="50" charset="-127"/>
+                        <a:ea typeface="맑은 고딕" panose="020B0503020000020004" pitchFamily="50" charset="-127"/>
+                      </a:endParaRPr>
+                    </a:p>
+                  </a:txBody>
+                  <a:tcPr marL="8599" marR="8599" marT="8599" marB="0" anchor="ctr"/>
+                </a:tc>
+                <a:tc>
+                  <a:txBody>
+                    <a:bodyPr/>
+                    <a:lstStyle/>
+                    <a:p>
+                      <a:pPr algn="r" fontAlgn="ctr"/>
+                      <a:r>
+                        <a:rPr lang="en-US" altLang="ko-KR" sz="1000" u="none" strike="noStrike">
+                          <a:effectLst/>
+                        </a:rPr>
+                        <a:t>6,295,366</a:t>
+                      </a:r>
+                      <a:endParaRPr lang="en-US" altLang="ko-KR" sz="1000" b="0" i="0" u="none" strike="noStrike">
+                        <a:solidFill>
+                          <a:srgbClr val="000000"/>
+                        </a:solidFill>
+                        <a:effectLst/>
+                        <a:latin typeface="맑은 고딕" panose="020B0503020000020004" pitchFamily="50" charset="-127"/>
+                        <a:ea typeface="맑은 고딕" panose="020B0503020000020004" pitchFamily="50" charset="-127"/>
+                      </a:endParaRPr>
+                    </a:p>
+                  </a:txBody>
+                  <a:tcPr marL="8599" marR="8599" marT="8599" marB="0" anchor="ctr"/>
+                </a:tc>
+                <a:tc>
+                  <a:txBody>
+                    <a:bodyPr/>
+                    <a:lstStyle/>
+                    <a:p>
+                      <a:pPr algn="r" fontAlgn="ctr"/>
+                      <a:r>
+                        <a:rPr lang="en-US" altLang="ko-KR" sz="1000" u="none" strike="noStrike" dirty="0">
+                          <a:effectLst/>
+                        </a:rPr>
+                        <a:t>6,454,281</a:t>
+                      </a:r>
+                      <a:endParaRPr lang="en-US" altLang="ko-KR" sz="1000" b="0" i="0" u="none" strike="noStrike" dirty="0">
+                        <a:solidFill>
+                          <a:srgbClr val="000000"/>
+                        </a:solidFill>
+                        <a:effectLst/>
+                        <a:latin typeface="맑은 고딕" panose="020B0503020000020004" pitchFamily="50" charset="-127"/>
+                        <a:ea typeface="맑은 고딕" panose="020B0503020000020004" pitchFamily="50" charset="-127"/>
+                      </a:endParaRPr>
+                    </a:p>
+                  </a:txBody>
+                  <a:tcPr marL="8599" marR="8599" marT="8599" marB="0" anchor="ctr"/>
+                </a:tc>
+                <a:extLst>
+                  <a:ext uri="{0D108BD9-81ED-4DB2-BD59-A6C34878D82A}">
+                    <a16:rowId xmlns:a16="http://schemas.microsoft.com/office/drawing/2014/main" val="2194859265"/>
+                  </a:ext>
+                </a:extLst>
+              </a:tr>
+            </a:tbl>
+          </a:graphicData>
+        </a:graphic>
+      </p:graphicFrame>
+      <p:sp>
+        <p:nvSpPr>
+          <p:cNvPr id="41" name="모서리가 둥근 직사각형 40"/>
+          <p:cNvSpPr/>
+          <p:nvPr/>
+        </p:nvSpPr>
+        <p:spPr>
+          <a:xfrm>
+            <a:off x="593889" y="1046374"/>
+            <a:ext cx="509048" cy="4609707"/>
+          </a:xfrm>
+          <a:prstGeom prst="roundRect">
+            <a:avLst/>
+          </a:prstGeom>
+          <a:noFill/>
+          <a:ln w="19050"/>
+        </p:spPr>
+        <p:style>
+          <a:lnRef idx="2">
+            <a:schemeClr val="accent1">
+              <a:shade val="50000"/>
+            </a:schemeClr>
+          </a:lnRef>
+          <a:fillRef idx="1">
+            <a:schemeClr val="accent1"/>
+          </a:fillRef>
+          <a:effectRef idx="0">
+            <a:schemeClr val="accent1"/>
+          </a:effectRef>
+          <a:fontRef idx="minor">
+            <a:schemeClr val="lt1"/>
+          </a:fontRef>
+        </p:style>
+        <p:txBody>
+          <a:bodyPr rtlCol="0" anchor="ctr"/>
+          <a:lstStyle/>
+          <a:p>
+            <a:pPr algn="ctr"/>
+            <a:endParaRPr lang="ko-KR" altLang="en-US"/>
+          </a:p>
+        </p:txBody>
+      </p:sp>
+      <p:cxnSp>
+        <p:nvCxnSpPr>
+          <p:cNvPr id="45" name="꺾인 연결선 44"/>
+          <p:cNvCxnSpPr>
+            <a:stCxn id="40" idx="2"/>
+            <a:endCxn id="41" idx="2"/>
+          </p:cNvCxnSpPr>
+          <p:nvPr/>
+        </p:nvCxnSpPr>
+        <p:spPr>
+          <a:xfrm rot="5400000" flipH="1">
+            <a:off x="3340676" y="3163819"/>
+            <a:ext cx="729370" cy="5713895"/>
+          </a:xfrm>
+          <a:prstGeom prst="bentConnector3">
+            <a:avLst>
+              <a:gd name="adj1" fmla="val -31342"/>
+            </a:avLst>
+          </a:prstGeom>
+          <a:ln w="15875">
+            <a:headEnd type="triangle"/>
+            <a:tailEnd type="none"/>
+          </a:ln>
+        </p:spPr>
+        <p:style>
+          <a:lnRef idx="1">
+            <a:schemeClr val="accent1"/>
+          </a:lnRef>
+          <a:fillRef idx="0">
+            <a:schemeClr val="accent1"/>
+          </a:fillRef>
+          <a:effectRef idx="0">
+            <a:schemeClr val="accent1"/>
+          </a:effectRef>
+          <a:fontRef idx="minor">
+            <a:schemeClr val="tx1"/>
+          </a:fontRef>
+        </p:style>
+      </p:cxnSp>
+      <p:sp>
+        <p:nvSpPr>
+          <p:cNvPr id="47" name="모서리가 둥근 직사각형 46"/>
+          <p:cNvSpPr/>
+          <p:nvPr/>
+        </p:nvSpPr>
+        <p:spPr>
+          <a:xfrm>
+            <a:off x="1222341" y="1046373"/>
+            <a:ext cx="509048" cy="4609707"/>
+          </a:xfrm>
+          <a:prstGeom prst="roundRect">
+            <a:avLst/>
+          </a:prstGeom>
+          <a:noFill/>
+          <a:ln w="19050">
+            <a:solidFill>
+              <a:schemeClr val="accent2"/>
+            </a:solidFill>
+          </a:ln>
+        </p:spPr>
+        <p:style>
+          <a:lnRef idx="2">
+            <a:schemeClr val="accent1">
+              <a:shade val="50000"/>
+            </a:schemeClr>
+          </a:lnRef>
+          <a:fillRef idx="1">
+            <a:schemeClr val="accent1"/>
+          </a:fillRef>
+          <a:effectRef idx="0">
+            <a:schemeClr val="accent1"/>
+          </a:effectRef>
+          <a:fontRef idx="minor">
+            <a:schemeClr val="lt1"/>
+          </a:fontRef>
+        </p:style>
+        <p:txBody>
+          <a:bodyPr rtlCol="0" anchor="ctr"/>
+          <a:lstStyle/>
+          <a:p>
+            <a:pPr algn="ctr"/>
+            <a:endParaRPr lang="ko-KR" altLang="en-US"/>
+          </a:p>
+        </p:txBody>
+      </p:sp>
+      <p:sp>
+        <p:nvSpPr>
+          <p:cNvPr id="48" name="모서리가 둥근 직사각형 47"/>
+          <p:cNvSpPr/>
+          <p:nvPr/>
+        </p:nvSpPr>
+        <p:spPr>
+          <a:xfrm>
+            <a:off x="1850793" y="1046373"/>
+            <a:ext cx="509048" cy="4609707"/>
+          </a:xfrm>
+          <a:prstGeom prst="roundRect">
+            <a:avLst/>
+          </a:prstGeom>
+          <a:noFill/>
+          <a:ln w="19050">
+            <a:solidFill>
+              <a:schemeClr val="accent6"/>
+            </a:solidFill>
+          </a:ln>
+        </p:spPr>
+        <p:style>
+          <a:lnRef idx="2">
+            <a:schemeClr val="accent1">
+              <a:shade val="50000"/>
+            </a:schemeClr>
+          </a:lnRef>
+          <a:fillRef idx="1">
+            <a:schemeClr val="accent1"/>
+          </a:fillRef>
+          <a:effectRef idx="0">
+            <a:schemeClr val="accent1"/>
+          </a:effectRef>
+          <a:fontRef idx="minor">
+            <a:schemeClr val="lt1"/>
+          </a:fontRef>
+        </p:style>
+        <p:txBody>
+          <a:bodyPr rtlCol="0" anchor="ctr"/>
+          <a:lstStyle/>
+          <a:p>
+            <a:pPr algn="ctr"/>
+            <a:endParaRPr lang="ko-KR" altLang="en-US"/>
+          </a:p>
+        </p:txBody>
+      </p:sp>
+      <p:sp>
+        <p:nvSpPr>
+          <p:cNvPr id="49" name="모서리가 둥근 직사각형 48"/>
+          <p:cNvSpPr/>
+          <p:nvPr/>
+        </p:nvSpPr>
+        <p:spPr>
+          <a:xfrm>
+            <a:off x="2460387" y="1046373"/>
+            <a:ext cx="509048" cy="4609707"/>
+          </a:xfrm>
+          <a:prstGeom prst="roundRect">
+            <a:avLst/>
+          </a:prstGeom>
+          <a:noFill/>
+          <a:ln w="19050">
+            <a:solidFill>
+              <a:schemeClr val="accent3"/>
+            </a:solidFill>
+          </a:ln>
+        </p:spPr>
+        <p:style>
+          <a:lnRef idx="2">
+            <a:schemeClr val="accent1">
+              <a:shade val="50000"/>
+            </a:schemeClr>
+          </a:lnRef>
+          <a:fillRef idx="1">
+            <a:schemeClr val="accent1"/>
+          </a:fillRef>
+          <a:effectRef idx="0">
+            <a:schemeClr val="accent1"/>
+          </a:effectRef>
+          <a:fontRef idx="minor">
+            <a:schemeClr val="lt1"/>
+          </a:fontRef>
+        </p:style>
+        <p:txBody>
+          <a:bodyPr rtlCol="0" anchor="ctr"/>
+          <a:lstStyle/>
+          <a:p>
+            <a:pPr algn="ctr"/>
+            <a:endParaRPr lang="ko-KR" altLang="en-US"/>
+          </a:p>
+        </p:txBody>
+      </p:sp>
+      <p:cxnSp>
+        <p:nvCxnSpPr>
+          <p:cNvPr id="53" name="꺾인 연결선 52"/>
+          <p:cNvCxnSpPr>
+            <a:stCxn id="47" idx="0"/>
+            <a:endCxn id="38" idx="1"/>
+          </p:cNvCxnSpPr>
+          <p:nvPr/>
+        </p:nvCxnSpPr>
+        <p:spPr>
+          <a:xfrm rot="16200000" flipH="1">
+            <a:off x="2988211" y="-464973"/>
+            <a:ext cx="225260" cy="3247952"/>
+          </a:xfrm>
+          <a:prstGeom prst="bentConnector4">
+            <a:avLst>
+              <a:gd name="adj1" fmla="val -101483"/>
+              <a:gd name="adj2" fmla="val 53918"/>
+            </a:avLst>
+          </a:prstGeom>
+          <a:ln w="15875">
+            <a:solidFill>
+              <a:schemeClr val="accent2"/>
+            </a:solidFill>
+            <a:tailEnd type="triangle"/>
+          </a:ln>
+        </p:spPr>
+        <p:style>
+          <a:lnRef idx="1">
+            <a:schemeClr val="accent1"/>
+          </a:lnRef>
+          <a:fillRef idx="0">
+            <a:schemeClr val="accent1"/>
+          </a:fillRef>
+          <a:effectRef idx="0">
+            <a:schemeClr val="accent1"/>
+          </a:effectRef>
+          <a:fontRef idx="minor">
+            <a:schemeClr val="tx1"/>
+          </a:fontRef>
+        </p:style>
+      </p:cxnSp>
+      <p:cxnSp>
+        <p:nvCxnSpPr>
+          <p:cNvPr id="56" name="꺾인 연결선 55"/>
+          <p:cNvCxnSpPr>
+            <a:stCxn id="48" idx="2"/>
+            <a:endCxn id="39" idx="1"/>
+          </p:cNvCxnSpPr>
+          <p:nvPr/>
+        </p:nvCxnSpPr>
+        <p:spPr>
+          <a:xfrm rot="5400000" flipH="1" flipV="1">
+            <a:off x="2248190" y="3226073"/>
+            <a:ext cx="2287133" cy="2572881"/>
+          </a:xfrm>
+          <a:prstGeom prst="bentConnector4">
+            <a:avLst>
+              <a:gd name="adj1" fmla="val -9995"/>
+              <a:gd name="adj2" fmla="val 54946"/>
+            </a:avLst>
+          </a:prstGeom>
+          <a:ln w="15875">
+            <a:solidFill>
+              <a:schemeClr val="accent6"/>
+            </a:solidFill>
+            <a:tailEnd type="triangle"/>
+          </a:ln>
+        </p:spPr>
+        <p:style>
+          <a:lnRef idx="1">
+            <a:schemeClr val="accent1"/>
+          </a:lnRef>
+          <a:fillRef idx="0">
+            <a:schemeClr val="accent1"/>
+          </a:fillRef>
+          <a:effectRef idx="0">
+            <a:schemeClr val="accent1"/>
+          </a:effectRef>
+          <a:fontRef idx="minor">
+            <a:schemeClr val="tx1"/>
+          </a:fontRef>
+        </p:style>
+      </p:cxnSp>
+      <p:cxnSp>
+        <p:nvCxnSpPr>
+          <p:cNvPr id="58" name="꺾인 연결선 57"/>
+          <p:cNvCxnSpPr>
+            <a:stCxn id="49" idx="2"/>
+            <a:endCxn id="40" idx="1"/>
+          </p:cNvCxnSpPr>
+          <p:nvPr/>
+        </p:nvCxnSpPr>
+        <p:spPr>
+          <a:xfrm rot="5400000" flipH="1" flipV="1">
+            <a:off x="3623055" y="4554319"/>
+            <a:ext cx="193617" cy="2009906"/>
+          </a:xfrm>
+          <a:prstGeom prst="bentConnector4">
+            <a:avLst>
+              <a:gd name="adj1" fmla="val -278739"/>
+              <a:gd name="adj2" fmla="val 56332"/>
+            </a:avLst>
+          </a:prstGeom>
+          <a:ln w="15875">
+            <a:solidFill>
+              <a:schemeClr val="tx2"/>
+            </a:solidFill>
+            <a:tailEnd type="triangle"/>
+          </a:ln>
+        </p:spPr>
+        <p:style>
+          <a:lnRef idx="1">
+            <a:schemeClr val="accent1"/>
+          </a:lnRef>
+          <a:fillRef idx="0">
+            <a:schemeClr val="accent1"/>
+          </a:fillRef>
+          <a:effectRef idx="0">
+            <a:schemeClr val="accent1"/>
+          </a:effectRef>
+          <a:fontRef idx="minor">
+            <a:schemeClr val="tx1"/>
+          </a:fontRef>
+        </p:style>
+      </p:cxnSp>
+      <p:cxnSp>
+        <p:nvCxnSpPr>
+          <p:cNvPr id="60" name="꺾인 연결선 59"/>
+          <p:cNvCxnSpPr>
+            <a:stCxn id="41" idx="2"/>
+            <a:endCxn id="39" idx="2"/>
+          </p:cNvCxnSpPr>
+          <p:nvPr/>
+        </p:nvCxnSpPr>
+        <p:spPr>
+          <a:xfrm rot="5400000" flipH="1" flipV="1">
+            <a:off x="3034996" y="2128770"/>
+            <a:ext cx="1340728" cy="5713894"/>
+          </a:xfrm>
+          <a:prstGeom prst="bentConnector3">
+            <a:avLst>
+              <a:gd name="adj1" fmla="val -70486"/>
+            </a:avLst>
+          </a:prstGeom>
+          <a:ln w="15875">
+            <a:tailEnd type="triangle"/>
+          </a:ln>
+        </p:spPr>
+        <p:style>
+          <a:lnRef idx="1">
+            <a:schemeClr val="accent1"/>
+          </a:lnRef>
+          <a:fillRef idx="0">
+            <a:schemeClr val="accent1"/>
+          </a:fillRef>
+          <a:effectRef idx="0">
+            <a:schemeClr val="accent1"/>
+          </a:effectRef>
+          <a:fontRef idx="minor">
+            <a:schemeClr val="tx1"/>
+          </a:fontRef>
+        </p:style>
+      </p:cxnSp>
+      <p:cxnSp>
+        <p:nvCxnSpPr>
+          <p:cNvPr id="64" name="꺾인 연결선 63"/>
+          <p:cNvCxnSpPr>
+            <a:endCxn id="38" idx="2"/>
+          </p:cNvCxnSpPr>
+          <p:nvPr/>
+        </p:nvCxnSpPr>
+        <p:spPr>
+          <a:xfrm flipV="1">
+            <a:off x="824928" y="2194622"/>
+            <a:ext cx="5737380" cy="4410875"/>
+          </a:xfrm>
+          <a:prstGeom prst="bentConnector2">
+            <a:avLst/>
+          </a:prstGeom>
+          <a:ln w="15875">
+            <a:tailEnd type="triangle"/>
+          </a:ln>
+        </p:spPr>
+        <p:style>
+          <a:lnRef idx="1">
+            <a:schemeClr val="accent1"/>
+          </a:lnRef>
+          <a:fillRef idx="0">
+            <a:schemeClr val="accent1"/>
+          </a:fillRef>
+          <a:effectRef idx="0">
+            <a:schemeClr val="accent1"/>
+          </a:effectRef>
+          <a:fontRef idx="minor">
+            <a:schemeClr val="tx1"/>
+          </a:fontRef>
+        </p:style>
+      </p:cxnSp>
+      <p:pic>
+        <p:nvPicPr>
+          <p:cNvPr id="38" name="그림 37"/>
+          <p:cNvPicPr>
+            <a:picLocks noChangeAspect="1"/>
+          </p:cNvPicPr>
+          <p:nvPr/>
+        </p:nvPicPr>
+        <p:blipFill>
+          <a:blip r:embed="rId2">
+            <a:extLst>
+              <a:ext uri="{28A0092B-C50C-407E-A947-70E740481C1C}">
+                <a14:useLocalDpi xmlns:a14="http://schemas.microsoft.com/office/drawing/2010/main" val="0"/>
+              </a:ext>
+            </a:extLst>
+          </a:blip>
+          <a:stretch>
+            <a:fillRect/>
+          </a:stretch>
+        </p:blipFill>
+        <p:spPr>
+          <a:xfrm>
+            <a:off x="4724817" y="348644"/>
+            <a:ext cx="3674981" cy="1845978"/>
+          </a:xfrm>
+          <a:prstGeom prst="rect">
+            <a:avLst/>
+          </a:prstGeom>
+        </p:spPr>
+      </p:pic>
+      <p:pic>
+        <p:nvPicPr>
+          <p:cNvPr id="39" name="그림 38"/>
+          <p:cNvPicPr>
+            <a:picLocks noChangeAspect="1"/>
+          </p:cNvPicPr>
+          <p:nvPr/>
+        </p:nvPicPr>
+        <p:blipFill>
+          <a:blip r:embed="rId3">
+            <a:extLst>
+              <a:ext uri="{28A0092B-C50C-407E-A947-70E740481C1C}">
+                <a14:useLocalDpi xmlns:a14="http://schemas.microsoft.com/office/drawing/2010/main" val="0"/>
+              </a:ext>
+            </a:extLst>
+          </a:blip>
+          <a:stretch>
+            <a:fillRect/>
+          </a:stretch>
+        </p:blipFill>
+        <p:spPr>
+          <a:xfrm>
+            <a:off x="4678198" y="2422541"/>
+            <a:ext cx="3768218" cy="1892812"/>
+          </a:xfrm>
+          <a:prstGeom prst="rect">
+            <a:avLst/>
+          </a:prstGeom>
+        </p:spPr>
+      </p:pic>
+      <p:pic>
+        <p:nvPicPr>
+          <p:cNvPr id="40" name="그림 39"/>
+          <p:cNvPicPr>
+            <a:picLocks noChangeAspect="1"/>
+          </p:cNvPicPr>
+          <p:nvPr/>
+        </p:nvPicPr>
+        <p:blipFill>
+          <a:blip r:embed="rId4">
+            <a:extLst>
+              <a:ext uri="{28A0092B-C50C-407E-A947-70E740481C1C}">
+                <a14:useLocalDpi xmlns:a14="http://schemas.microsoft.com/office/drawing/2010/main" val="0"/>
+              </a:ext>
+            </a:extLst>
+          </a:blip>
+          <a:stretch>
+            <a:fillRect/>
+          </a:stretch>
+        </p:blipFill>
+        <p:spPr>
+          <a:xfrm>
+            <a:off x="4724817" y="4539474"/>
+            <a:ext cx="3674981" cy="1845977"/>
+          </a:xfrm>
+          <a:prstGeom prst="rect">
+            <a:avLst/>
+          </a:prstGeom>
+        </p:spPr>
+      </p:pic>
+      <p:pic>
+        <p:nvPicPr>
+          <p:cNvPr id="70" name="그림 69"/>
+          <p:cNvPicPr>
+            <a:picLocks noChangeAspect="1"/>
+          </p:cNvPicPr>
+          <p:nvPr/>
+        </p:nvPicPr>
+        <p:blipFill>
+          <a:blip r:embed="rId5">
+            <a:extLst>
+              <a:ext uri="{28A0092B-C50C-407E-A947-70E740481C1C}">
+                <a14:useLocalDpi xmlns:a14="http://schemas.microsoft.com/office/drawing/2010/main" val="0"/>
+              </a:ext>
+            </a:extLst>
+          </a:blip>
+          <a:stretch>
+            <a:fillRect/>
+          </a:stretch>
+        </p:blipFill>
+        <p:spPr>
+          <a:xfrm>
+            <a:off x="8806108" y="2171389"/>
+            <a:ext cx="4436846" cy="2228670"/>
+          </a:xfrm>
+          <a:prstGeom prst="rect">
+            <a:avLst/>
+          </a:prstGeom>
+        </p:spPr>
+      </p:pic>
+      <p:sp>
+        <p:nvSpPr>
+          <p:cNvPr id="71" name="모서리가 둥근 직사각형 70"/>
+          <p:cNvSpPr/>
+          <p:nvPr/>
+        </p:nvSpPr>
+        <p:spPr>
+          <a:xfrm>
+            <a:off x="9492792" y="2516809"/>
+            <a:ext cx="235670" cy="1112511"/>
+          </a:xfrm>
+          <a:prstGeom prst="roundRect">
+            <a:avLst/>
+          </a:prstGeom>
+          <a:noFill/>
+          <a:ln w="15875">
+            <a:solidFill>
+              <a:schemeClr val="accent2"/>
+            </a:solidFill>
+          </a:ln>
+        </p:spPr>
+        <p:style>
+          <a:lnRef idx="2">
+            <a:schemeClr val="accent1">
+              <a:shade val="50000"/>
+            </a:schemeClr>
+          </a:lnRef>
+          <a:fillRef idx="1">
+            <a:schemeClr val="accent1"/>
+          </a:fillRef>
+          <a:effectRef idx="0">
+            <a:schemeClr val="accent1"/>
+          </a:effectRef>
+          <a:fontRef idx="minor">
+            <a:schemeClr val="lt1"/>
+          </a:fontRef>
+        </p:style>
+        <p:txBody>
+          <a:bodyPr rtlCol="0" anchor="ctr"/>
+          <a:lstStyle/>
+          <a:p>
+            <a:pPr algn="ctr"/>
+            <a:endParaRPr lang="ko-KR" altLang="en-US"/>
+          </a:p>
+        </p:txBody>
+      </p:sp>
+      <p:cxnSp>
+        <p:nvCxnSpPr>
+          <p:cNvPr id="73" name="꺾인 연결선 72"/>
+          <p:cNvCxnSpPr>
+            <a:stCxn id="38" idx="3"/>
+            <a:endCxn id="71" idx="0"/>
+          </p:cNvCxnSpPr>
+          <p:nvPr/>
+        </p:nvCxnSpPr>
+        <p:spPr>
+          <a:xfrm>
+            <a:off x="8399798" y="1271633"/>
+            <a:ext cx="1210829" cy="1245176"/>
+          </a:xfrm>
+          <a:prstGeom prst="bentConnector2">
+            <a:avLst/>
+          </a:prstGeom>
+          <a:ln w="15875">
+            <a:solidFill>
+              <a:schemeClr val="accent2"/>
+            </a:solidFill>
+            <a:tailEnd type="triangle"/>
+          </a:ln>
+        </p:spPr>
+        <p:style>
+          <a:lnRef idx="1">
+            <a:schemeClr val="accent1"/>
+          </a:lnRef>
+          <a:fillRef idx="0">
+            <a:schemeClr val="accent1"/>
+          </a:fillRef>
+          <a:effectRef idx="0">
+            <a:schemeClr val="accent1"/>
+          </a:effectRef>
+          <a:fontRef idx="minor">
+            <a:schemeClr val="tx1"/>
+          </a:fontRef>
+        </p:style>
+      </p:cxnSp>
+      <p:sp>
+        <p:nvSpPr>
+          <p:cNvPr id="74" name="모서리가 둥근 직사각형 73"/>
+          <p:cNvSpPr/>
+          <p:nvPr/>
+        </p:nvSpPr>
+        <p:spPr>
+          <a:xfrm>
+            <a:off x="9771840" y="2516809"/>
+            <a:ext cx="235670" cy="1112511"/>
+          </a:xfrm>
+          <a:prstGeom prst="roundRect">
+            <a:avLst/>
+          </a:prstGeom>
+          <a:noFill/>
+          <a:ln w="15875">
+            <a:solidFill>
+              <a:schemeClr val="accent6"/>
+            </a:solidFill>
+          </a:ln>
+        </p:spPr>
+        <p:style>
+          <a:lnRef idx="2">
+            <a:schemeClr val="accent1">
+              <a:shade val="50000"/>
+            </a:schemeClr>
+          </a:lnRef>
+          <a:fillRef idx="1">
+            <a:schemeClr val="accent1"/>
+          </a:fillRef>
+          <a:effectRef idx="0">
+            <a:schemeClr val="accent1"/>
+          </a:effectRef>
+          <a:fontRef idx="minor">
+            <a:schemeClr val="lt1"/>
+          </a:fontRef>
+        </p:style>
+        <p:txBody>
+          <a:bodyPr rtlCol="0" anchor="ctr"/>
+          <a:lstStyle/>
+          <a:p>
+            <a:pPr algn="ctr"/>
+            <a:endParaRPr lang="ko-KR" altLang="en-US"/>
+          </a:p>
+        </p:txBody>
+      </p:sp>
+      <p:sp>
+        <p:nvSpPr>
+          <p:cNvPr id="75" name="모서리가 둥근 직사각형 74"/>
+          <p:cNvSpPr/>
+          <p:nvPr/>
+        </p:nvSpPr>
+        <p:spPr>
+          <a:xfrm>
+            <a:off x="10061641" y="2516809"/>
+            <a:ext cx="235670" cy="1112511"/>
+          </a:xfrm>
+          <a:prstGeom prst="roundRect">
+            <a:avLst/>
+          </a:prstGeom>
+          <a:noFill/>
+          <a:ln w="15875">
+            <a:solidFill>
+              <a:schemeClr val="tx2"/>
+            </a:solidFill>
+          </a:ln>
+        </p:spPr>
+        <p:style>
+          <a:lnRef idx="2">
+            <a:schemeClr val="accent1">
+              <a:shade val="50000"/>
+            </a:schemeClr>
+          </a:lnRef>
+          <a:fillRef idx="1">
+            <a:schemeClr val="accent1"/>
+          </a:fillRef>
+          <a:effectRef idx="0">
+            <a:schemeClr val="accent1"/>
+          </a:effectRef>
+          <a:fontRef idx="minor">
+            <a:schemeClr val="lt1"/>
+          </a:fontRef>
+        </p:style>
+        <p:txBody>
+          <a:bodyPr rtlCol="0" anchor="ctr"/>
+          <a:lstStyle/>
+          <a:p>
+            <a:pPr algn="ctr"/>
+            <a:endParaRPr lang="ko-KR" altLang="en-US"/>
+          </a:p>
+        </p:txBody>
+      </p:sp>
+      <p:cxnSp>
+        <p:nvCxnSpPr>
+          <p:cNvPr id="77" name="꺾인 연결선 76"/>
+          <p:cNvCxnSpPr>
+            <a:stCxn id="39" idx="3"/>
+            <a:endCxn id="74" idx="0"/>
+          </p:cNvCxnSpPr>
+          <p:nvPr/>
+        </p:nvCxnSpPr>
+        <p:spPr>
+          <a:xfrm flipV="1">
+            <a:off x="8446416" y="2516809"/>
+            <a:ext cx="1443259" cy="852138"/>
+          </a:xfrm>
+          <a:prstGeom prst="bentConnector4">
+            <a:avLst>
+              <a:gd name="adj1" fmla="val 23057"/>
+              <a:gd name="adj2" fmla="val 137889"/>
+            </a:avLst>
+          </a:prstGeom>
+          <a:ln w="15875">
+            <a:solidFill>
+              <a:schemeClr val="accent6"/>
+            </a:solidFill>
+            <a:tailEnd type="triangle"/>
+          </a:ln>
+        </p:spPr>
+        <p:style>
+          <a:lnRef idx="1">
+            <a:schemeClr val="accent1"/>
+          </a:lnRef>
+          <a:fillRef idx="0">
+            <a:schemeClr val="accent1"/>
+          </a:fillRef>
+          <a:effectRef idx="0">
+            <a:schemeClr val="accent1"/>
+          </a:effectRef>
+          <a:fontRef idx="minor">
+            <a:schemeClr val="tx1"/>
+          </a:fontRef>
+        </p:style>
+      </p:cxnSp>
+      <p:cxnSp>
+        <p:nvCxnSpPr>
+          <p:cNvPr id="80" name="꺾인 연결선 79"/>
+          <p:cNvCxnSpPr>
+            <a:stCxn id="40" idx="3"/>
+          </p:cNvCxnSpPr>
+          <p:nvPr/>
+        </p:nvCxnSpPr>
+        <p:spPr>
+          <a:xfrm flipV="1">
+            <a:off x="8399798" y="3629320"/>
+            <a:ext cx="1779678" cy="1833143"/>
+          </a:xfrm>
+          <a:prstGeom prst="bentConnector2">
+            <a:avLst/>
+          </a:prstGeom>
+          <a:ln w="15875">
+            <a:solidFill>
+              <a:schemeClr val="tx2"/>
+            </a:solidFill>
+            <a:tailEnd type="triangle"/>
+          </a:ln>
+        </p:spPr>
+        <p:style>
+          <a:lnRef idx="1">
+            <a:schemeClr val="accent1"/>
+          </a:lnRef>
+          <a:fillRef idx="0">
+            <a:schemeClr val="accent1"/>
+          </a:fillRef>
+          <a:effectRef idx="0">
+            <a:schemeClr val="accent1"/>
+          </a:effectRef>
+          <a:fontRef idx="minor">
+            <a:schemeClr val="tx1"/>
+          </a:fontRef>
+        </p:style>
+      </p:cxnSp>
+      <p:sp>
+        <p:nvSpPr>
+          <p:cNvPr id="81" name="TextBox 80"/>
+          <p:cNvSpPr txBox="1"/>
+          <p:nvPr/>
+        </p:nvSpPr>
+        <p:spPr>
+          <a:xfrm>
+            <a:off x="8692984" y="989317"/>
+            <a:ext cx="2012089" cy="261610"/>
+          </a:xfrm>
+          <a:prstGeom prst="rect">
+            <a:avLst/>
+          </a:prstGeom>
+          <a:noFill/>
+        </p:spPr>
+        <p:txBody>
+          <a:bodyPr wrap="none" rtlCol="0">
+            <a:spAutoFit/>
+          </a:bodyPr>
+          <a:lstStyle/>
+          <a:p>
+            <a:r>
+              <a:rPr lang="en-US" altLang="ko-KR" sz="1100" dirty="0" err="1" smtClean="0">
+                <a:solidFill>
+                  <a:schemeClr val="accent2"/>
+                </a:solidFill>
+              </a:rPr>
+              <a:t>cor</a:t>
+            </a:r>
+            <a:r>
+              <a:rPr lang="en-US" altLang="ko-KR" sz="1100" dirty="0" smtClean="0">
+                <a:solidFill>
+                  <a:schemeClr val="accent2"/>
+                </a:solidFill>
+              </a:rPr>
+              <a:t>(</a:t>
+            </a:r>
+            <a:r>
+              <a:rPr lang="ko-KR" altLang="en-US" sz="1100" dirty="0" err="1" smtClean="0">
+                <a:solidFill>
+                  <a:schemeClr val="accent2"/>
+                </a:solidFill>
+              </a:rPr>
+              <a:t>학생수계</a:t>
+            </a:r>
+            <a:r>
+              <a:rPr lang="en-US" altLang="ko-KR" sz="1100" dirty="0" smtClean="0">
+                <a:solidFill>
+                  <a:schemeClr val="accent2"/>
+                </a:solidFill>
+              </a:rPr>
+              <a:t>, lag(1)) = 0.875</a:t>
+            </a:r>
+            <a:endParaRPr lang="ko-KR" altLang="en-US" sz="1100" dirty="0">
+              <a:solidFill>
+                <a:schemeClr val="accent2"/>
+              </a:solidFill>
+            </a:endParaRPr>
+          </a:p>
+        </p:txBody>
+      </p:sp>
+      <p:sp>
+        <p:nvSpPr>
+          <p:cNvPr id="82" name="TextBox 81"/>
+          <p:cNvSpPr txBox="1"/>
+          <p:nvPr/>
+        </p:nvSpPr>
+        <p:spPr>
+          <a:xfrm>
+            <a:off x="8399798" y="1894221"/>
+            <a:ext cx="2012089" cy="261610"/>
+          </a:xfrm>
+          <a:prstGeom prst="rect">
+            <a:avLst/>
+          </a:prstGeom>
+          <a:noFill/>
+        </p:spPr>
+        <p:txBody>
+          <a:bodyPr wrap="none" rtlCol="0">
+            <a:spAutoFit/>
+          </a:bodyPr>
+          <a:lstStyle/>
+          <a:p>
+            <a:r>
+              <a:rPr lang="en-US" altLang="ko-KR" sz="1100" dirty="0" err="1" smtClean="0">
+                <a:solidFill>
+                  <a:schemeClr val="accent6"/>
+                </a:solidFill>
+              </a:rPr>
+              <a:t>cor</a:t>
+            </a:r>
+            <a:r>
+              <a:rPr lang="en-US" altLang="ko-KR" sz="1100" dirty="0" smtClean="0">
+                <a:solidFill>
+                  <a:schemeClr val="accent6"/>
+                </a:solidFill>
+              </a:rPr>
+              <a:t>(</a:t>
+            </a:r>
+            <a:r>
+              <a:rPr lang="ko-KR" altLang="en-US" sz="1100" dirty="0" err="1" smtClean="0">
+                <a:solidFill>
+                  <a:schemeClr val="accent6"/>
+                </a:solidFill>
+              </a:rPr>
+              <a:t>학생수계</a:t>
+            </a:r>
+            <a:r>
+              <a:rPr lang="en-US" altLang="ko-KR" sz="1100" dirty="0" smtClean="0">
+                <a:solidFill>
+                  <a:schemeClr val="accent6"/>
+                </a:solidFill>
+              </a:rPr>
+              <a:t>, lag(2)) = 0.745</a:t>
+            </a:r>
+            <a:endParaRPr lang="ko-KR" altLang="en-US" sz="1100" dirty="0">
+              <a:solidFill>
+                <a:schemeClr val="accent6"/>
+              </a:solidFill>
+            </a:endParaRPr>
+          </a:p>
+        </p:txBody>
+      </p:sp>
+      <p:sp>
+        <p:nvSpPr>
+          <p:cNvPr id="83" name="TextBox 82"/>
+          <p:cNvSpPr txBox="1"/>
+          <p:nvPr/>
+        </p:nvSpPr>
+        <p:spPr>
+          <a:xfrm>
+            <a:off x="8806108" y="5525275"/>
+            <a:ext cx="2012089" cy="261610"/>
+          </a:xfrm>
+          <a:prstGeom prst="rect">
+            <a:avLst/>
+          </a:prstGeom>
+          <a:noFill/>
+        </p:spPr>
+        <p:txBody>
+          <a:bodyPr wrap="none" rtlCol="0">
+            <a:spAutoFit/>
+          </a:bodyPr>
+          <a:lstStyle/>
+          <a:p>
+            <a:r>
+              <a:rPr lang="en-US" altLang="ko-KR" sz="1100" dirty="0" err="1" smtClean="0">
+                <a:solidFill>
+                  <a:schemeClr val="tx2"/>
+                </a:solidFill>
+              </a:rPr>
+              <a:t>cor</a:t>
+            </a:r>
+            <a:r>
+              <a:rPr lang="en-US" altLang="ko-KR" sz="1100" dirty="0" smtClean="0">
+                <a:solidFill>
+                  <a:schemeClr val="tx2"/>
+                </a:solidFill>
+              </a:rPr>
+              <a:t>(</a:t>
+            </a:r>
+            <a:r>
+              <a:rPr lang="ko-KR" altLang="en-US" sz="1100" dirty="0" err="1" smtClean="0">
+                <a:solidFill>
+                  <a:schemeClr val="tx2"/>
+                </a:solidFill>
+              </a:rPr>
+              <a:t>학생수계</a:t>
+            </a:r>
+            <a:r>
+              <a:rPr lang="en-US" altLang="ko-KR" sz="1100" dirty="0" smtClean="0">
+                <a:solidFill>
+                  <a:schemeClr val="tx2"/>
+                </a:solidFill>
+              </a:rPr>
+              <a:t>, lag(3)) = 0.616</a:t>
+            </a:r>
+            <a:endParaRPr lang="ko-KR" altLang="en-US" sz="1100" dirty="0">
+              <a:solidFill>
+                <a:schemeClr val="tx2"/>
+              </a:solidFill>
+            </a:endParaRPr>
+          </a:p>
+        </p:txBody>
+      </p:sp>
+    </p:spTree>
+    <p:extLst>
+      <p:ext uri="{BB962C8B-B14F-4D97-AF65-F5344CB8AC3E}">
+        <p14:creationId xmlns:p14="http://schemas.microsoft.com/office/powerpoint/2010/main" val="601758729"/>
       </p:ext>
     </p:extLst>
   </p:cSld>

--- a/프레젠테이션1.pptx
+++ b/프레젠테이션1.pptx
@@ -14,6 +14,7 @@
     <p:sldId id="262" r:id="rId8"/>
     <p:sldId id="263" r:id="rId9"/>
     <p:sldId id="264" r:id="rId10"/>
+    <p:sldId id="265" r:id="rId11"/>
   </p:sldIdLst>
   <p:sldSz cx="12192000" cy="6858000"/>
   <p:notesSz cx="6858000" cy="9144000"/>
@@ -3254,6 +3255,159 @@
     <p:extLst>
       <p:ext uri="{BB962C8B-B14F-4D97-AF65-F5344CB8AC3E}">
         <p14:creationId xmlns:p14="http://schemas.microsoft.com/office/powerpoint/2010/main" val="4172203683"/>
+      </p:ext>
+    </p:extLst>
+  </p:cSld>
+  <p:clrMapOvr>
+    <a:masterClrMapping/>
+  </p:clrMapOvr>
+</p:sld>
+</file>
+
+<file path=ppt/slides/slide10.xml><?xml version="1.0" encoding="utf-8"?>
+<p:sld xmlns:a="http://schemas.openxmlformats.org/drawingml/2006/main" xmlns:r="http://schemas.openxmlformats.org/officeDocument/2006/relationships" xmlns:p="http://schemas.openxmlformats.org/presentationml/2006/main">
+  <p:cSld>
+    <p:spTree>
+      <p:nvGrpSpPr>
+        <p:cNvPr id="1" name=""/>
+        <p:cNvGrpSpPr/>
+        <p:nvPr/>
+      </p:nvGrpSpPr>
+      <p:grpSpPr>
+        <a:xfrm>
+          <a:off x="0" y="0"/>
+          <a:ext cx="0" cy="0"/>
+          <a:chOff x="0" y="0"/>
+          <a:chExt cx="0" cy="0"/>
+        </a:xfrm>
+      </p:grpSpPr>
+      <p:pic>
+        <p:nvPicPr>
+          <p:cNvPr id="4" name="그림 3"/>
+          <p:cNvPicPr>
+            <a:picLocks noChangeAspect="1"/>
+          </p:cNvPicPr>
+          <p:nvPr/>
+        </p:nvPicPr>
+        <p:blipFill>
+          <a:blip r:embed="rId2"/>
+          <a:stretch>
+            <a:fillRect/>
+          </a:stretch>
+        </p:blipFill>
+        <p:spPr>
+          <a:xfrm>
+            <a:off x="1347501" y="1170432"/>
+            <a:ext cx="10016068" cy="4764024"/>
+          </a:xfrm>
+          <a:prstGeom prst="rect">
+            <a:avLst/>
+          </a:prstGeom>
+        </p:spPr>
+      </p:pic>
+      <p:cxnSp>
+        <p:nvCxnSpPr>
+          <p:cNvPr id="6" name="직선 화살표 연결선 5"/>
+          <p:cNvCxnSpPr/>
+          <p:nvPr/>
+        </p:nvCxnSpPr>
+        <p:spPr>
+          <a:xfrm flipV="1">
+            <a:off x="2770632" y="1463040"/>
+            <a:ext cx="0" cy="402336"/>
+          </a:xfrm>
+          <a:prstGeom prst="straightConnector1">
+            <a:avLst/>
+          </a:prstGeom>
+          <a:ln>
+            <a:tailEnd type="triangle"/>
+          </a:ln>
+        </p:spPr>
+        <p:style>
+          <a:lnRef idx="1">
+            <a:schemeClr val="accent1"/>
+          </a:lnRef>
+          <a:fillRef idx="0">
+            <a:schemeClr val="accent1"/>
+          </a:fillRef>
+          <a:effectRef idx="0">
+            <a:schemeClr val="accent1"/>
+          </a:effectRef>
+          <a:fontRef idx="minor">
+            <a:schemeClr val="tx1"/>
+          </a:fontRef>
+        </p:style>
+      </p:cxnSp>
+      <p:cxnSp>
+        <p:nvCxnSpPr>
+          <p:cNvPr id="7" name="직선 화살표 연결선 6"/>
+          <p:cNvCxnSpPr/>
+          <p:nvPr/>
+        </p:nvCxnSpPr>
+        <p:spPr>
+          <a:xfrm flipV="1">
+            <a:off x="3142488" y="1624584"/>
+            <a:ext cx="0" cy="402336"/>
+          </a:xfrm>
+          <a:prstGeom prst="straightConnector1">
+            <a:avLst/>
+          </a:prstGeom>
+          <a:ln>
+            <a:tailEnd type="triangle"/>
+          </a:ln>
+        </p:spPr>
+        <p:style>
+          <a:lnRef idx="1">
+            <a:schemeClr val="accent1"/>
+          </a:lnRef>
+          <a:fillRef idx="0">
+            <a:schemeClr val="accent1"/>
+          </a:fillRef>
+          <a:effectRef idx="0">
+            <a:schemeClr val="accent1"/>
+          </a:effectRef>
+          <a:fontRef idx="minor">
+            <a:schemeClr val="tx1"/>
+          </a:fontRef>
+        </p:style>
+      </p:cxnSp>
+      <p:cxnSp>
+        <p:nvCxnSpPr>
+          <p:cNvPr id="8" name="직선 화살표 연결선 7"/>
+          <p:cNvCxnSpPr/>
+          <p:nvPr/>
+        </p:nvCxnSpPr>
+        <p:spPr>
+          <a:xfrm flipH="1" flipV="1">
+            <a:off x="3529584" y="1773936"/>
+            <a:ext cx="3048" cy="368808"/>
+          </a:xfrm>
+          <a:prstGeom prst="straightConnector1">
+            <a:avLst/>
+          </a:prstGeom>
+          <a:ln>
+            <a:tailEnd type="triangle"/>
+          </a:ln>
+        </p:spPr>
+        <p:style>
+          <a:lnRef idx="1">
+            <a:schemeClr val="accent1"/>
+          </a:lnRef>
+          <a:fillRef idx="0">
+            <a:schemeClr val="accent1"/>
+          </a:fillRef>
+          <a:effectRef idx="0">
+            <a:schemeClr val="accent1"/>
+          </a:effectRef>
+          <a:fontRef idx="minor">
+            <a:schemeClr val="tx1"/>
+          </a:fontRef>
+        </p:style>
+      </p:cxnSp>
+    </p:spTree>
+    <p:extLst>
+      <p:ext uri="{BB962C8B-B14F-4D97-AF65-F5344CB8AC3E}">
+        <p14:creationId xmlns:p14="http://schemas.microsoft.com/office/powerpoint/2010/main" val="831309152"/>
       </p:ext>
     </p:extLst>
   </p:cSld>
@@ -23001,11 +23155,7 @@
           <a:p>
             <a:r>
               <a:rPr lang="en-US" altLang="ko-KR" dirty="0" smtClean="0"/>
-              <a:t>diff</a:t>
-            </a:r>
-            <a:r>
-              <a:rPr lang="en-US" altLang="ko-KR" dirty="0" smtClean="0"/>
-              <a:t>(1)</a:t>
+              <a:t>diff(1)</a:t>
             </a:r>
             <a:endParaRPr lang="ko-KR" altLang="en-US" dirty="0"/>
           </a:p>
@@ -23388,11 +23538,7 @@
             <a:pPr algn="ctr"/>
             <a:r>
               <a:rPr lang="en-US" altLang="ko-KR" dirty="0" smtClean="0"/>
-              <a:t>diff</a:t>
-            </a:r>
-            <a:r>
-              <a:rPr lang="en-US" altLang="ko-KR" dirty="0" smtClean="0"/>
-              <a:t>(difference = 2)</a:t>
+              <a:t>diff(difference = 2)</a:t>
             </a:r>
           </a:p>
           <a:p>
@@ -24914,13 +25060,13 @@
           <p:nvPr>
             <p:extLst>
               <p:ext uri="{D42A27DB-BD31-4B8C-83A1-F6EECF244321}">
-                <p14:modId xmlns:p14="http://schemas.microsoft.com/office/powerpoint/2010/main" val="2595741137"/>
+                <p14:modId xmlns:p14="http://schemas.microsoft.com/office/powerpoint/2010/main" val="1195059694"/>
               </p:ext>
             </p:extLst>
           </p:nvPr>
         </p:nvGraphicFramePr>
         <p:xfrm>
-          <a:off x="-71042" y="1203452"/>
+          <a:off x="0" y="-68181"/>
           <a:ext cx="3095815" cy="4351347"/>
         </p:xfrm>
         <a:graphic>
@@ -27899,7 +28045,7 @@
         </p:nvSpPr>
         <p:spPr>
           <a:xfrm>
-            <a:off x="593889" y="1046374"/>
+            <a:off x="664931" y="-225259"/>
             <a:ext cx="509048" cy="4609707"/>
           </a:xfrm>
           <a:prstGeom prst="roundRect">
@@ -27944,7 +28090,7 @@
         </p:nvCxnSpPr>
         <p:spPr>
           <a:xfrm rot="5400000" flipH="1">
-            <a:off x="3340676" y="3163819"/>
+            <a:off x="3411718" y="1892186"/>
             <a:ext cx="729370" cy="5713895"/>
           </a:xfrm>
           <a:prstGeom prst="bentConnector3">
@@ -27980,7 +28126,7 @@
         </p:nvSpPr>
         <p:spPr>
           <a:xfrm>
-            <a:off x="1222341" y="1046373"/>
+            <a:off x="1293383" y="-225260"/>
             <a:ext cx="509048" cy="4609707"/>
           </a:xfrm>
           <a:prstGeom prst="roundRect">
@@ -28026,7 +28172,7 @@
         </p:nvSpPr>
         <p:spPr>
           <a:xfrm>
-            <a:off x="1850793" y="1046373"/>
+            <a:off x="1921835" y="-225260"/>
             <a:ext cx="509048" cy="4609707"/>
           </a:xfrm>
           <a:prstGeom prst="roundRect">
@@ -28072,7 +28218,7 @@
         </p:nvSpPr>
         <p:spPr>
           <a:xfrm>
-            <a:off x="2460387" y="1046373"/>
+            <a:off x="2531429" y="-225260"/>
             <a:ext cx="509048" cy="4609707"/>
           </a:xfrm>
           <a:prstGeom prst="roundRect">
@@ -28121,7 +28267,7 @@
         </p:nvCxnSpPr>
         <p:spPr>
           <a:xfrm rot="16200000" flipH="1">
-            <a:off x="2988211" y="-464973"/>
+            <a:off x="3059253" y="-1736606"/>
             <a:ext cx="225260" cy="3247952"/>
           </a:xfrm>
           <a:prstGeom prst="bentConnector4">
@@ -28163,7 +28309,7 @@
         </p:nvCxnSpPr>
         <p:spPr>
           <a:xfrm rot="5400000" flipH="1" flipV="1">
-            <a:off x="2248190" y="3226073"/>
+            <a:off x="2319232" y="1954440"/>
             <a:ext cx="2287133" cy="2572881"/>
           </a:xfrm>
           <a:prstGeom prst="bentConnector4">
@@ -28205,7 +28351,7 @@
         </p:nvCxnSpPr>
         <p:spPr>
           <a:xfrm rot="5400000" flipH="1" flipV="1">
-            <a:off x="3623055" y="4554319"/>
+            <a:off x="3694097" y="3282686"/>
             <a:ext cx="193617" cy="2009906"/>
           </a:xfrm>
           <a:prstGeom prst="bentConnector4">
@@ -28247,7 +28393,7 @@
         </p:nvCxnSpPr>
         <p:spPr>
           <a:xfrm rot="5400000" flipH="1" flipV="1">
-            <a:off x="3034996" y="2128770"/>
+            <a:off x="3106038" y="857137"/>
             <a:ext cx="1340728" cy="5713894"/>
           </a:xfrm>
           <a:prstGeom prst="bentConnector3">
@@ -28284,7 +28430,7 @@
         </p:nvCxnSpPr>
         <p:spPr>
           <a:xfrm flipV="1">
-            <a:off x="824928" y="2194622"/>
+            <a:off x="895970" y="922989"/>
             <a:ext cx="5737380" cy="4410875"/>
           </a:xfrm>
           <a:prstGeom prst="bentConnector2">
@@ -28331,7 +28477,7 @@
         </p:blipFill>
         <p:spPr>
           <a:xfrm>
-            <a:off x="4724817" y="348644"/>
+            <a:off x="4795859" y="-922989"/>
             <a:ext cx="3674981" cy="1845978"/>
           </a:xfrm>
           <a:prstGeom prst="rect">
@@ -28361,7 +28507,7 @@
         </p:blipFill>
         <p:spPr>
           <a:xfrm>
-            <a:off x="4678198" y="2422541"/>
+            <a:off x="4749240" y="1150908"/>
             <a:ext cx="3768218" cy="1892812"/>
           </a:xfrm>
           <a:prstGeom prst="rect">
@@ -28391,7 +28537,7 @@
         </p:blipFill>
         <p:spPr>
           <a:xfrm>
-            <a:off x="4724817" y="4539474"/>
+            <a:off x="4795859" y="3267841"/>
             <a:ext cx="3674981" cy="1845977"/>
           </a:xfrm>
           <a:prstGeom prst="rect">
@@ -28421,8 +28567,8 @@
         </p:blipFill>
         <p:spPr>
           <a:xfrm>
-            <a:off x="8806108" y="2171389"/>
-            <a:ext cx="4436846" cy="2228670"/>
+            <a:off x="320589" y="6403897"/>
+            <a:ext cx="9818834" cy="4932092"/>
           </a:xfrm>
           <a:prstGeom prst="rect">
             <a:avLst/>
@@ -28437,8 +28583,8 @@
         </p:nvSpPr>
         <p:spPr>
           <a:xfrm>
-            <a:off x="9492792" y="2516809"/>
-            <a:ext cx="235670" cy="1112511"/>
+            <a:off x="1400537" y="7350022"/>
+            <a:ext cx="265204" cy="2088101"/>
           </a:xfrm>
           <a:prstGeom prst="roundRect">
             <a:avLst/>
@@ -28485,12 +28631,15 @@
           <p:nvPr/>
         </p:nvCxnSpPr>
         <p:spPr>
-          <a:xfrm>
-            <a:off x="8399798" y="1271633"/>
-            <a:ext cx="1210829" cy="1245176"/>
-          </a:xfrm>
-          <a:prstGeom prst="bentConnector2">
-            <a:avLst/>
+          <a:xfrm flipH="1">
+            <a:off x="1533139" y="0"/>
+            <a:ext cx="6937701" cy="7350022"/>
+          </a:xfrm>
+          <a:prstGeom prst="bentConnector4">
+            <a:avLst>
+              <a:gd name="adj1" fmla="val -3295"/>
+              <a:gd name="adj2" fmla="val 83365"/>
+            </a:avLst>
           </a:prstGeom>
           <a:ln w="15875">
             <a:solidFill>
@@ -28522,8 +28671,8 @@
         </p:nvSpPr>
         <p:spPr>
           <a:xfrm>
-            <a:off x="9771840" y="2516809"/>
-            <a:ext cx="235670" cy="1112511"/>
+            <a:off x="1969589" y="7360441"/>
+            <a:ext cx="310624" cy="2077682"/>
           </a:xfrm>
           <a:prstGeom prst="roundRect">
             <a:avLst/>
@@ -28568,8 +28717,8 @@
         </p:nvSpPr>
         <p:spPr>
           <a:xfrm>
-            <a:off x="10061641" y="2516809"/>
-            <a:ext cx="235670" cy="1112511"/>
+            <a:off x="2618941" y="7360441"/>
+            <a:ext cx="235670" cy="2077682"/>
           </a:xfrm>
           <a:prstGeom prst="roundRect">
             <a:avLst/>
@@ -28616,14 +28765,14 @@
           <p:nvPr/>
         </p:nvCxnSpPr>
         <p:spPr>
-          <a:xfrm flipV="1">
-            <a:off x="8446416" y="2516809"/>
-            <a:ext cx="1443259" cy="852138"/>
+          <a:xfrm flipH="1">
+            <a:off x="2124901" y="2097314"/>
+            <a:ext cx="6392557" cy="5263127"/>
           </a:xfrm>
           <a:prstGeom prst="bentConnector4">
             <a:avLst>
-              <a:gd name="adj1" fmla="val 23057"/>
-              <a:gd name="adj2" fmla="val 137889"/>
+              <a:gd name="adj1" fmla="val -7922"/>
+              <a:gd name="adj2" fmla="val 69987"/>
             </a:avLst>
           </a:prstGeom>
           <a:ln w="15875">
@@ -28653,16 +28802,20 @@
           <p:cNvPr id="80" name="꺾인 연결선 79"/>
           <p:cNvCxnSpPr>
             <a:stCxn id="40" idx="3"/>
+            <a:endCxn id="75" idx="0"/>
           </p:cNvCxnSpPr>
           <p:nvPr/>
         </p:nvCxnSpPr>
         <p:spPr>
-          <a:xfrm flipV="1">
-            <a:off x="8399798" y="3629320"/>
-            <a:ext cx="1779678" cy="1833143"/>
-          </a:xfrm>
-          <a:prstGeom prst="bentConnector2">
-            <a:avLst/>
+          <a:xfrm flipH="1">
+            <a:off x="2736776" y="4190830"/>
+            <a:ext cx="5734064" cy="3169611"/>
+          </a:xfrm>
+          <a:prstGeom prst="bentConnector4">
+            <a:avLst>
+              <a:gd name="adj1" fmla="val -23971"/>
+              <a:gd name="adj2" fmla="val 72229"/>
+            </a:avLst>
           </a:prstGeom>
           <a:ln w="15875">
             <a:solidFill>
@@ -28694,7 +28847,7 @@
         </p:nvSpPr>
         <p:spPr>
           <a:xfrm>
-            <a:off x="8692984" y="989317"/>
+            <a:off x="8691432" y="251084"/>
             <a:ext cx="2012089" cy="261610"/>
           </a:xfrm>
           <a:prstGeom prst="rect">
@@ -28756,7 +28909,7 @@
         </p:nvSpPr>
         <p:spPr>
           <a:xfrm>
-            <a:off x="8399798" y="1894221"/>
+            <a:off x="8813357" y="1817983"/>
             <a:ext cx="2012089" cy="261610"/>
           </a:xfrm>
           <a:prstGeom prst="rect">
@@ -28818,7 +28971,7 @@
         </p:nvSpPr>
         <p:spPr>
           <a:xfrm>
-            <a:off x="8806108" y="5525275"/>
+            <a:off x="9043373" y="3929219"/>
             <a:ext cx="2012089" cy="261610"/>
           </a:xfrm>
           <a:prstGeom prst="rect">

--- a/프레젠테이션1.pptx
+++ b/프레젠테이션1.pptx
@@ -116,7 +116,7 @@
   <p:extLst>
     <p:ext uri="{EFAFB233-063F-42B5-8137-9DF3F51BA10A}">
       <p15:sldGuideLst xmlns:p15="http://schemas.microsoft.com/office/powerpoint/2012/main">
-        <p15:guide id="1" orient="horz" pos="2999" userDrawn="1">
+        <p15:guide id="1" orient="horz" pos="3566" userDrawn="1">
           <p15:clr>
             <a:srgbClr val="A4A3A4"/>
           </p15:clr>
@@ -263,7 +263,7 @@
           <a:p>
             <a:fld id="{0F277587-4E01-4B1D-81CB-961BCCFD9D6E}" type="datetimeFigureOut">
               <a:rPr lang="ko-KR" altLang="en-US" smtClean="0"/>
-              <a:t>2021-02-24</a:t>
+              <a:t>2021-02-25</a:t>
             </a:fld>
             <a:endParaRPr lang="ko-KR" altLang="en-US"/>
           </a:p>
@@ -433,7 +433,7 @@
           <a:p>
             <a:fld id="{0F277587-4E01-4B1D-81CB-961BCCFD9D6E}" type="datetimeFigureOut">
               <a:rPr lang="ko-KR" altLang="en-US" smtClean="0"/>
-              <a:t>2021-02-24</a:t>
+              <a:t>2021-02-25</a:t>
             </a:fld>
             <a:endParaRPr lang="ko-KR" altLang="en-US"/>
           </a:p>
@@ -613,7 +613,7 @@
           <a:p>
             <a:fld id="{0F277587-4E01-4B1D-81CB-961BCCFD9D6E}" type="datetimeFigureOut">
               <a:rPr lang="ko-KR" altLang="en-US" smtClean="0"/>
-              <a:t>2021-02-24</a:t>
+              <a:t>2021-02-25</a:t>
             </a:fld>
             <a:endParaRPr lang="ko-KR" altLang="en-US"/>
           </a:p>
@@ -783,7 +783,7 @@
           <a:p>
             <a:fld id="{0F277587-4E01-4B1D-81CB-961BCCFD9D6E}" type="datetimeFigureOut">
               <a:rPr lang="ko-KR" altLang="en-US" smtClean="0"/>
-              <a:t>2021-02-24</a:t>
+              <a:t>2021-02-25</a:t>
             </a:fld>
             <a:endParaRPr lang="ko-KR" altLang="en-US"/>
           </a:p>
@@ -1029,7 +1029,7 @@
           <a:p>
             <a:fld id="{0F277587-4E01-4B1D-81CB-961BCCFD9D6E}" type="datetimeFigureOut">
               <a:rPr lang="ko-KR" altLang="en-US" smtClean="0"/>
-              <a:t>2021-02-24</a:t>
+              <a:t>2021-02-25</a:t>
             </a:fld>
             <a:endParaRPr lang="ko-KR" altLang="en-US"/>
           </a:p>
@@ -1261,7 +1261,7 @@
           <a:p>
             <a:fld id="{0F277587-4E01-4B1D-81CB-961BCCFD9D6E}" type="datetimeFigureOut">
               <a:rPr lang="ko-KR" altLang="en-US" smtClean="0"/>
-              <a:t>2021-02-24</a:t>
+              <a:t>2021-02-25</a:t>
             </a:fld>
             <a:endParaRPr lang="ko-KR" altLang="en-US"/>
           </a:p>
@@ -1628,7 +1628,7 @@
           <a:p>
             <a:fld id="{0F277587-4E01-4B1D-81CB-961BCCFD9D6E}" type="datetimeFigureOut">
               <a:rPr lang="ko-KR" altLang="en-US" smtClean="0"/>
-              <a:t>2021-02-24</a:t>
+              <a:t>2021-02-25</a:t>
             </a:fld>
             <a:endParaRPr lang="ko-KR" altLang="en-US"/>
           </a:p>
@@ -1746,7 +1746,7 @@
           <a:p>
             <a:fld id="{0F277587-4E01-4B1D-81CB-961BCCFD9D6E}" type="datetimeFigureOut">
               <a:rPr lang="ko-KR" altLang="en-US" smtClean="0"/>
-              <a:t>2021-02-24</a:t>
+              <a:t>2021-02-25</a:t>
             </a:fld>
             <a:endParaRPr lang="ko-KR" altLang="en-US"/>
           </a:p>
@@ -1841,7 +1841,7 @@
           <a:p>
             <a:fld id="{0F277587-4E01-4B1D-81CB-961BCCFD9D6E}" type="datetimeFigureOut">
               <a:rPr lang="ko-KR" altLang="en-US" smtClean="0"/>
-              <a:t>2021-02-24</a:t>
+              <a:t>2021-02-25</a:t>
             </a:fld>
             <a:endParaRPr lang="ko-KR" altLang="en-US"/>
           </a:p>
@@ -2118,7 +2118,7 @@
           <a:p>
             <a:fld id="{0F277587-4E01-4B1D-81CB-961BCCFD9D6E}" type="datetimeFigureOut">
               <a:rPr lang="ko-KR" altLang="en-US" smtClean="0"/>
-              <a:t>2021-02-24</a:t>
+              <a:t>2021-02-25</a:t>
             </a:fld>
             <a:endParaRPr lang="ko-KR" altLang="en-US"/>
           </a:p>
@@ -2371,7 +2371,7 @@
           <a:p>
             <a:fld id="{0F277587-4E01-4B1D-81CB-961BCCFD9D6E}" type="datetimeFigureOut">
               <a:rPr lang="ko-KR" altLang="en-US" smtClean="0"/>
-              <a:t>2021-02-24</a:t>
+              <a:t>2021-02-25</a:t>
             </a:fld>
             <a:endParaRPr lang="ko-KR" altLang="en-US"/>
           </a:p>
@@ -2584,7 +2584,7 @@
           <a:p>
             <a:fld id="{0F277587-4E01-4B1D-81CB-961BCCFD9D6E}" type="datetimeFigureOut">
               <a:rPr lang="ko-KR" altLang="en-US" smtClean="0"/>
-              <a:t>2021-02-24</a:t>
+              <a:t>2021-02-25</a:t>
             </a:fld>
             <a:endParaRPr lang="ko-KR" altLang="en-US"/>
           </a:p>
@@ -25051,6 +25051,54 @@
           <a:chExt cx="0" cy="0"/>
         </a:xfrm>
       </p:grpSpPr>
+      <p:sp>
+        <p:nvSpPr>
+          <p:cNvPr id="66" name="직사각형 65"/>
+          <p:cNvSpPr/>
+          <p:nvPr/>
+        </p:nvSpPr>
+        <p:spPr>
+          <a:xfrm>
+            <a:off x="812800" y="-2916442"/>
+            <a:ext cx="11234057" cy="11450842"/>
+          </a:xfrm>
+          <a:prstGeom prst="rect">
+            <a:avLst/>
+          </a:prstGeom>
+          <a:solidFill>
+            <a:schemeClr val="bg1"/>
+          </a:solidFill>
+          <a:ln>
+            <a:solidFill>
+              <a:schemeClr val="bg1"/>
+            </a:solidFill>
+          </a:ln>
+        </p:spPr>
+        <p:style>
+          <a:lnRef idx="2">
+            <a:schemeClr val="accent1">
+              <a:shade val="50000"/>
+            </a:schemeClr>
+          </a:lnRef>
+          <a:fillRef idx="1">
+            <a:schemeClr val="accent1"/>
+          </a:fillRef>
+          <a:effectRef idx="0">
+            <a:schemeClr val="accent1"/>
+          </a:effectRef>
+          <a:fontRef idx="minor">
+            <a:schemeClr val="lt1"/>
+          </a:fontRef>
+        </p:style>
+        <p:txBody>
+          <a:bodyPr rtlCol="0" anchor="ctr"/>
+          <a:lstStyle/>
+          <a:p>
+            <a:pPr algn="ctr"/>
+            <a:endParaRPr lang="ko-KR" altLang="en-US"/>
+          </a:p>
+        </p:txBody>
+      </p:sp>
       <p:graphicFrame>
         <p:nvGraphicFramePr>
           <p:cNvPr id="37" name="표 36"/>
@@ -25060,14 +25108,14 @@
           <p:nvPr>
             <p:extLst>
               <p:ext uri="{D42A27DB-BD31-4B8C-83A1-F6EECF244321}">
-                <p14:modId xmlns:p14="http://schemas.microsoft.com/office/powerpoint/2010/main" val="1195059694"/>
+                <p14:modId xmlns:p14="http://schemas.microsoft.com/office/powerpoint/2010/main" val="264324374"/>
               </p:ext>
             </p:extLst>
           </p:nvPr>
         </p:nvGraphicFramePr>
         <p:xfrm>
-          <a:off x="0" y="-68181"/>
-          <a:ext cx="3095815" cy="4351347"/>
+          <a:off x="1473200" y="2476511"/>
+          <a:ext cx="3568700" cy="4854656"/>
         </p:xfrm>
         <a:graphic>
           <a:graphicData uri="http://schemas.openxmlformats.org/drawingml/2006/table">
@@ -25076,35 +25124,35 @@
                 <a:tableStyleId>{BDBED569-4797-4DF1-A0F4-6AAB3CD982D8}</a:tableStyleId>
               </a:tblPr>
               <a:tblGrid>
-                <a:gridCol w="619163">
+                <a:gridCol w="713740">
                   <a:extLst>
                     <a:ext uri="{9D8B030D-6E8A-4147-A177-3AD203B41FA5}">
                       <a16:colId xmlns:a16="http://schemas.microsoft.com/office/drawing/2014/main" val="3257766126"/>
                     </a:ext>
                   </a:extLst>
                 </a:gridCol>
-                <a:gridCol w="619163">
+                <a:gridCol w="713740">
                   <a:extLst>
                     <a:ext uri="{9D8B030D-6E8A-4147-A177-3AD203B41FA5}">
                       <a16:colId xmlns:a16="http://schemas.microsoft.com/office/drawing/2014/main" val="1959557260"/>
                     </a:ext>
                   </a:extLst>
                 </a:gridCol>
-                <a:gridCol w="619163">
+                <a:gridCol w="713740">
                   <a:extLst>
                     <a:ext uri="{9D8B030D-6E8A-4147-A177-3AD203B41FA5}">
                       <a16:colId xmlns:a16="http://schemas.microsoft.com/office/drawing/2014/main" val="3492830002"/>
                     </a:ext>
                   </a:extLst>
                 </a:gridCol>
-                <a:gridCol w="619163">
+                <a:gridCol w="713740">
                   <a:extLst>
                     <a:ext uri="{9D8B030D-6E8A-4147-A177-3AD203B41FA5}">
                       <a16:colId xmlns:a16="http://schemas.microsoft.com/office/drawing/2014/main" val="4193504295"/>
                     </a:ext>
                   </a:extLst>
                 </a:gridCol>
-                <a:gridCol w="619163">
+                <a:gridCol w="713740">
                   <a:extLst>
                     <a:ext uri="{9D8B030D-6E8A-4147-A177-3AD203B41FA5}">
                       <a16:colId xmlns:a16="http://schemas.microsoft.com/office/drawing/2014/main" val="2181892340"/>
@@ -25112,7 +25160,7 @@
                   </a:extLst>
                 </a:gridCol>
               </a:tblGrid>
-              <a:tr h="189189">
+              <a:tr h="211072">
                 <a:tc>
                   <a:txBody>
                     <a:bodyPr/>
@@ -25144,12 +25192,12 @@
                     <a:p>
                       <a:pPr algn="ctr" fontAlgn="ctr"/>
                       <a:r>
-                        <a:rPr lang="ko-KR" altLang="en-US" sz="1000" u="none" strike="noStrike">
+                        <a:rPr lang="ko-KR" altLang="en-US" sz="1000" u="none" strike="noStrike" dirty="0">
                           <a:effectLst/>
                         </a:rPr>
                         <a:t>학생수계</a:t>
                       </a:r>
-                      <a:endParaRPr lang="ko-KR" altLang="en-US" sz="1000" b="0" i="0" u="none" strike="noStrike">
+                      <a:endParaRPr lang="ko-KR" altLang="en-US" sz="1000" b="0" i="0" u="none" strike="noStrike" dirty="0">
                         <a:solidFill>
                           <a:srgbClr val="000000"/>
                         </a:solidFill>
@@ -25239,7 +25287,7 @@
                   </a:ext>
                 </a:extLst>
               </a:tr>
-              <a:tr h="189189">
+              <a:tr h="211072">
                 <a:tc>
                   <a:txBody>
                     <a:bodyPr/>
@@ -25366,7 +25414,7 @@
                   </a:ext>
                 </a:extLst>
               </a:tr>
-              <a:tr h="189189">
+              <a:tr h="211072">
                 <a:tc>
                   <a:txBody>
                     <a:bodyPr/>
@@ -25493,7 +25541,7 @@
                   </a:ext>
                 </a:extLst>
               </a:tr>
-              <a:tr h="189189">
+              <a:tr h="211072">
                 <a:tc>
                   <a:txBody>
                     <a:bodyPr/>
@@ -25620,7 +25668,7 @@
                   </a:ext>
                 </a:extLst>
               </a:tr>
-              <a:tr h="189189">
+              <a:tr h="211072">
                 <a:tc>
                   <a:txBody>
                     <a:bodyPr/>
@@ -25747,7 +25795,7 @@
                   </a:ext>
                 </a:extLst>
               </a:tr>
-              <a:tr h="189189">
+              <a:tr h="211072">
                 <a:tc>
                   <a:txBody>
                     <a:bodyPr/>
@@ -25874,7 +25922,7 @@
                   </a:ext>
                 </a:extLst>
               </a:tr>
-              <a:tr h="189189">
+              <a:tr h="211072">
                 <a:tc>
                   <a:txBody>
                     <a:bodyPr/>
@@ -26001,7 +26049,7 @@
                   </a:ext>
                 </a:extLst>
               </a:tr>
-              <a:tr h="189189">
+              <a:tr h="211072">
                 <a:tc>
                   <a:txBody>
                     <a:bodyPr/>
@@ -26128,7 +26176,7 @@
                   </a:ext>
                 </a:extLst>
               </a:tr>
-              <a:tr h="189189">
+              <a:tr h="211072">
                 <a:tc>
                   <a:txBody>
                     <a:bodyPr/>
@@ -26255,7 +26303,7 @@
                   </a:ext>
                 </a:extLst>
               </a:tr>
-              <a:tr h="189189">
+              <a:tr h="211072">
                 <a:tc>
                   <a:txBody>
                     <a:bodyPr/>
@@ -26382,7 +26430,7 @@
                   </a:ext>
                 </a:extLst>
               </a:tr>
-              <a:tr h="189189">
+              <a:tr h="211072">
                 <a:tc>
                   <a:txBody>
                     <a:bodyPr/>
@@ -26509,7 +26557,7 @@
                   </a:ext>
                 </a:extLst>
               </a:tr>
-              <a:tr h="189189">
+              <a:tr h="211072">
                 <a:tc>
                   <a:txBody>
                     <a:bodyPr/>
@@ -26636,7 +26684,7 @@
                   </a:ext>
                 </a:extLst>
               </a:tr>
-              <a:tr h="189189">
+              <a:tr h="211072">
                 <a:tc>
                   <a:txBody>
                     <a:bodyPr/>
@@ -26763,7 +26811,7 @@
                   </a:ext>
                 </a:extLst>
               </a:tr>
-              <a:tr h="189189">
+              <a:tr h="211072">
                 <a:tc>
                   <a:txBody>
                     <a:bodyPr/>
@@ -26890,7 +26938,7 @@
                   </a:ext>
                 </a:extLst>
               </a:tr>
-              <a:tr h="189189">
+              <a:tr h="211072">
                 <a:tc>
                   <a:txBody>
                     <a:bodyPr/>
@@ -27017,7 +27065,7 @@
                   </a:ext>
                 </a:extLst>
               </a:tr>
-              <a:tr h="189189">
+              <a:tr h="211072">
                 <a:tc>
                   <a:txBody>
                     <a:bodyPr/>
@@ -27144,7 +27192,7 @@
                   </a:ext>
                 </a:extLst>
               </a:tr>
-              <a:tr h="189189">
+              <a:tr h="211072">
                 <a:tc>
                   <a:txBody>
                     <a:bodyPr/>
@@ -27271,7 +27319,7 @@
                   </a:ext>
                 </a:extLst>
               </a:tr>
-              <a:tr h="189189">
+              <a:tr h="211072">
                 <a:tc>
                   <a:txBody>
                     <a:bodyPr/>
@@ -27398,7 +27446,7 @@
                   </a:ext>
                 </a:extLst>
               </a:tr>
-              <a:tr h="189189">
+              <a:tr h="211072">
                 <a:tc>
                   <a:txBody>
                     <a:bodyPr/>
@@ -27525,7 +27573,7 @@
                   </a:ext>
                 </a:extLst>
               </a:tr>
-              <a:tr h="189189">
+              <a:tr h="211072">
                 <a:tc>
                   <a:txBody>
                     <a:bodyPr/>
@@ -27652,7 +27700,7 @@
                   </a:ext>
                 </a:extLst>
               </a:tr>
-              <a:tr h="189189">
+              <a:tr h="211072">
                 <a:tc>
                   <a:txBody>
                     <a:bodyPr/>
@@ -27779,7 +27827,7 @@
                   </a:ext>
                 </a:extLst>
               </a:tr>
-              <a:tr h="189189">
+              <a:tr h="211072">
                 <a:tc>
                   <a:txBody>
                     <a:bodyPr/>
@@ -27906,7 +27954,7 @@
                   </a:ext>
                 </a:extLst>
               </a:tr>
-              <a:tr h="189189">
+              <a:tr h="211072">
                 <a:tc>
                   <a:txBody>
                     <a:bodyPr/>
@@ -28045,8 +28093,8 @@
         </p:nvSpPr>
         <p:spPr>
           <a:xfrm>
-            <a:off x="664931" y="-225259"/>
-            <a:ext cx="509048" cy="4609707"/>
+            <a:off x="2290530" y="2289539"/>
+            <a:ext cx="586805" cy="5142910"/>
           </a:xfrm>
           <a:prstGeom prst="roundRect">
             <a:avLst/>
@@ -28079,45 +28127,6 @@
           </a:p>
         </p:txBody>
       </p:sp>
-      <p:cxnSp>
-        <p:nvCxnSpPr>
-          <p:cNvPr id="45" name="꺾인 연결선 44"/>
-          <p:cNvCxnSpPr>
-            <a:stCxn id="40" idx="2"/>
-            <a:endCxn id="41" idx="2"/>
-          </p:cNvCxnSpPr>
-          <p:nvPr/>
-        </p:nvCxnSpPr>
-        <p:spPr>
-          <a:xfrm rot="5400000" flipH="1">
-            <a:off x="3411718" y="1892186"/>
-            <a:ext cx="729370" cy="5713895"/>
-          </a:xfrm>
-          <a:prstGeom prst="bentConnector3">
-            <a:avLst>
-              <a:gd name="adj1" fmla="val -31342"/>
-            </a:avLst>
-          </a:prstGeom>
-          <a:ln w="15875">
-            <a:headEnd type="triangle"/>
-            <a:tailEnd type="none"/>
-          </a:ln>
-        </p:spPr>
-        <p:style>
-          <a:lnRef idx="1">
-            <a:schemeClr val="accent1"/>
-          </a:lnRef>
-          <a:fillRef idx="0">
-            <a:schemeClr val="accent1"/>
-          </a:fillRef>
-          <a:effectRef idx="0">
-            <a:schemeClr val="accent1"/>
-          </a:effectRef>
-          <a:fontRef idx="minor">
-            <a:schemeClr val="tx1"/>
-          </a:fontRef>
-        </p:style>
-      </p:cxnSp>
       <p:sp>
         <p:nvSpPr>
           <p:cNvPr id="47" name="모서리가 둥근 직사각형 46"/>
@@ -28126,8 +28135,8 @@
         </p:nvSpPr>
         <p:spPr>
           <a:xfrm>
-            <a:off x="1293383" y="-225260"/>
-            <a:ext cx="509048" cy="4609707"/>
+            <a:off x="3007882" y="2289538"/>
+            <a:ext cx="586805" cy="5142910"/>
           </a:xfrm>
           <a:prstGeom prst="roundRect">
             <a:avLst/>
@@ -28172,8 +28181,8 @@
         </p:nvSpPr>
         <p:spPr>
           <a:xfrm>
-            <a:off x="1921835" y="-225260"/>
-            <a:ext cx="509048" cy="4609707"/>
+            <a:off x="3687134" y="2289538"/>
+            <a:ext cx="586805" cy="5142910"/>
           </a:xfrm>
           <a:prstGeom prst="roundRect">
             <a:avLst/>
@@ -28218,8 +28227,8 @@
         </p:nvSpPr>
         <p:spPr>
           <a:xfrm>
-            <a:off x="2531429" y="-225260"/>
-            <a:ext cx="509048" cy="4609707"/>
+            <a:off x="4423728" y="2289538"/>
+            <a:ext cx="586805" cy="5142910"/>
           </a:xfrm>
           <a:prstGeom prst="roundRect">
             <a:avLst/>
@@ -28267,13 +28276,13 @@
         </p:nvCxnSpPr>
         <p:spPr>
           <a:xfrm rot="16200000" flipH="1">
-            <a:off x="3059253" y="-1736606"/>
-            <a:ext cx="225260" cy="3247952"/>
+            <a:off x="4126541" y="1464282"/>
+            <a:ext cx="758462" cy="2408974"/>
           </a:xfrm>
           <a:prstGeom prst="bentConnector4">
             <a:avLst>
-              <a:gd name="adj1" fmla="val -101483"/>
-              <a:gd name="adj2" fmla="val 53918"/>
+              <a:gd name="adj1" fmla="val -30140"/>
+              <a:gd name="adj2" fmla="val 81395"/>
             </a:avLst>
           </a:prstGeom>
           <a:ln w="15875">
@@ -28309,13 +28318,13 @@
         </p:nvCxnSpPr>
         <p:spPr>
           <a:xfrm rot="5400000" flipH="1" flipV="1">
-            <a:off x="2319232" y="1954440"/>
-            <a:ext cx="2287133" cy="2572881"/>
+            <a:off x="3678521" y="5447329"/>
+            <a:ext cx="2287134" cy="1683103"/>
           </a:xfrm>
           <a:prstGeom prst="bentConnector4">
             <a:avLst>
-              <a:gd name="adj1" fmla="val -9995"/>
-              <a:gd name="adj2" fmla="val 54946"/>
+              <a:gd name="adj1" fmla="val -9440"/>
+              <a:gd name="adj2" fmla="val 71544"/>
             </a:avLst>
           </a:prstGeom>
           <a:ln w="15875">
@@ -28351,92 +28360,19 @@
         </p:nvCxnSpPr>
         <p:spPr>
           <a:xfrm rot="5400000" flipH="1" flipV="1">
-            <a:off x="3694097" y="3282686"/>
-            <a:ext cx="193617" cy="2009906"/>
+            <a:off x="5116886" y="6839075"/>
+            <a:ext cx="193618" cy="993128"/>
           </a:xfrm>
           <a:prstGeom prst="bentConnector4">
             <a:avLst>
-              <a:gd name="adj1" fmla="val -278739"/>
-              <a:gd name="adj2" fmla="val 56332"/>
+              <a:gd name="adj1" fmla="val -216458"/>
+              <a:gd name="adj2" fmla="val 64772"/>
             </a:avLst>
           </a:prstGeom>
           <a:ln w="15875">
             <a:solidFill>
               <a:schemeClr val="tx2"/>
             </a:solidFill>
-            <a:tailEnd type="triangle"/>
-          </a:ln>
-        </p:spPr>
-        <p:style>
-          <a:lnRef idx="1">
-            <a:schemeClr val="accent1"/>
-          </a:lnRef>
-          <a:fillRef idx="0">
-            <a:schemeClr val="accent1"/>
-          </a:fillRef>
-          <a:effectRef idx="0">
-            <a:schemeClr val="accent1"/>
-          </a:effectRef>
-          <a:fontRef idx="minor">
-            <a:schemeClr val="tx1"/>
-          </a:fontRef>
-        </p:style>
-      </p:cxnSp>
-      <p:cxnSp>
-        <p:nvCxnSpPr>
-          <p:cNvPr id="60" name="꺾인 연결선 59"/>
-          <p:cNvCxnSpPr>
-            <a:stCxn id="41" idx="2"/>
-            <a:endCxn id="39" idx="2"/>
-          </p:cNvCxnSpPr>
-          <p:nvPr/>
-        </p:nvCxnSpPr>
-        <p:spPr>
-          <a:xfrm rot="5400000" flipH="1" flipV="1">
-            <a:off x="3106038" y="857137"/>
-            <a:ext cx="1340728" cy="5713894"/>
-          </a:xfrm>
-          <a:prstGeom prst="bentConnector3">
-            <a:avLst>
-              <a:gd name="adj1" fmla="val -70486"/>
-            </a:avLst>
-          </a:prstGeom>
-          <a:ln w="15875">
-            <a:tailEnd type="triangle"/>
-          </a:ln>
-        </p:spPr>
-        <p:style>
-          <a:lnRef idx="1">
-            <a:schemeClr val="accent1"/>
-          </a:lnRef>
-          <a:fillRef idx="0">
-            <a:schemeClr val="accent1"/>
-          </a:fillRef>
-          <a:effectRef idx="0">
-            <a:schemeClr val="accent1"/>
-          </a:effectRef>
-          <a:fontRef idx="minor">
-            <a:schemeClr val="tx1"/>
-          </a:fontRef>
-        </p:style>
-      </p:cxnSp>
-      <p:cxnSp>
-        <p:nvCxnSpPr>
-          <p:cNvPr id="64" name="꺾인 연결선 63"/>
-          <p:cNvCxnSpPr>
-            <a:endCxn id="38" idx="2"/>
-          </p:cNvCxnSpPr>
-          <p:nvPr/>
-        </p:nvCxnSpPr>
-        <p:spPr>
-          <a:xfrm flipV="1">
-            <a:off x="895970" y="922989"/>
-            <a:ext cx="5737380" cy="4410875"/>
-          </a:xfrm>
-          <a:prstGeom prst="bentConnector2">
-            <a:avLst/>
-          </a:prstGeom>
-          <a:ln w="15875">
             <a:tailEnd type="triangle"/>
           </a:ln>
         </p:spPr>
@@ -28477,7 +28413,7 @@
         </p:blipFill>
         <p:spPr>
           <a:xfrm>
-            <a:off x="4795859" y="-922989"/>
+            <a:off x="5710259" y="2125011"/>
             <a:ext cx="3674981" cy="1845978"/>
           </a:xfrm>
           <a:prstGeom prst="rect">
@@ -28507,7 +28443,7 @@
         </p:blipFill>
         <p:spPr>
           <a:xfrm>
-            <a:off x="4749240" y="1150908"/>
+            <a:off x="5663640" y="4198908"/>
             <a:ext cx="3768218" cy="1892812"/>
           </a:xfrm>
           <a:prstGeom prst="rect">
@@ -28537,7 +28473,7 @@
         </p:blipFill>
         <p:spPr>
           <a:xfrm>
-            <a:off x="4795859" y="3267841"/>
+            <a:off x="5710259" y="6315841"/>
             <a:ext cx="3674981" cy="1845977"/>
           </a:xfrm>
           <a:prstGeom prst="rect">
@@ -28567,7 +28503,7 @@
         </p:blipFill>
         <p:spPr>
           <a:xfrm>
-            <a:off x="320589" y="6403897"/>
+            <a:off x="1897879" y="-2916442"/>
             <a:ext cx="9818834" cy="4932092"/>
           </a:xfrm>
           <a:prstGeom prst="rect">
@@ -28583,7 +28519,7 @@
         </p:nvSpPr>
         <p:spPr>
           <a:xfrm>
-            <a:off x="1400537" y="7350022"/>
+            <a:off x="2981110" y="-1965428"/>
             <a:ext cx="265204" cy="2088101"/>
           </a:xfrm>
           <a:prstGeom prst="roundRect">
@@ -28631,14 +28567,14 @@
           <p:nvPr/>
         </p:nvCxnSpPr>
         <p:spPr>
-          <a:xfrm flipH="1">
-            <a:off x="1533139" y="0"/>
-            <a:ext cx="6937701" cy="7350022"/>
+          <a:xfrm flipH="1" flipV="1">
+            <a:off x="3113712" y="-1965428"/>
+            <a:ext cx="6271528" cy="5013428"/>
           </a:xfrm>
           <a:prstGeom prst="bentConnector4">
             <a:avLst>
-              <a:gd name="adj1" fmla="val -3295"/>
-              <a:gd name="adj2" fmla="val 83365"/>
+              <a:gd name="adj1" fmla="val -10125"/>
+              <a:gd name="adj2" fmla="val 104560"/>
             </a:avLst>
           </a:prstGeom>
           <a:ln w="15875">
@@ -28671,7 +28607,7 @@
         </p:nvSpPr>
         <p:spPr>
           <a:xfrm>
-            <a:off x="1969589" y="7360441"/>
+            <a:off x="3550162" y="-1955009"/>
             <a:ext cx="310624" cy="2077682"/>
           </a:xfrm>
           <a:prstGeom prst="roundRect">
@@ -28717,7 +28653,7 @@
         </p:nvSpPr>
         <p:spPr>
           <a:xfrm>
-            <a:off x="2618941" y="7360441"/>
+            <a:off x="4199514" y="-1955009"/>
             <a:ext cx="235670" cy="2077682"/>
           </a:xfrm>
           <a:prstGeom prst="roundRect">
@@ -28765,14 +28701,14 @@
           <p:nvPr/>
         </p:nvCxnSpPr>
         <p:spPr>
-          <a:xfrm flipH="1">
-            <a:off x="2124901" y="2097314"/>
-            <a:ext cx="6392557" cy="5263127"/>
+          <a:xfrm flipH="1" flipV="1">
+            <a:off x="3705474" y="-1955009"/>
+            <a:ext cx="5726384" cy="7100323"/>
           </a:xfrm>
           <a:prstGeom prst="bentConnector4">
             <a:avLst>
-              <a:gd name="adj1" fmla="val -7922"/>
-              <a:gd name="adj2" fmla="val 69987"/>
+              <a:gd name="adj1" fmla="val -20626"/>
+              <a:gd name="adj2" fmla="val 105724"/>
             </a:avLst>
           </a:prstGeom>
           <a:ln w="15875">
@@ -28807,14 +28743,14 @@
           <p:nvPr/>
         </p:nvCxnSpPr>
         <p:spPr>
-          <a:xfrm flipH="1">
-            <a:off x="2736776" y="4190830"/>
-            <a:ext cx="5734064" cy="3169611"/>
+          <a:xfrm flipH="1" flipV="1">
+            <a:off x="4317349" y="-1955009"/>
+            <a:ext cx="5067891" cy="9193839"/>
           </a:xfrm>
           <a:prstGeom prst="bentConnector4">
             <a:avLst>
-              <a:gd name="adj1" fmla="val -23971"/>
-              <a:gd name="adj2" fmla="val 72229"/>
+              <a:gd name="adj1" fmla="val -34833"/>
+              <a:gd name="adj2" fmla="val 106492"/>
             </a:avLst>
           </a:prstGeom>
           <a:ln w="15875">
@@ -28847,7 +28783,7 @@
         </p:nvSpPr>
         <p:spPr>
           <a:xfrm>
-            <a:off x="8691432" y="251084"/>
+            <a:off x="9385239" y="3135268"/>
             <a:ext cx="2012089" cy="261610"/>
           </a:xfrm>
           <a:prstGeom prst="rect">
@@ -28861,24 +28797,16 @@
           </a:bodyPr>
           <a:lstStyle/>
           <a:p>
-            <a:r>
-              <a:rPr lang="en-US" altLang="ko-KR" sz="1100" dirty="0" err="1" smtClean="0">
-                <a:solidFill>
-                  <a:schemeClr val="accent2"/>
-                </a:solidFill>
-              </a:rPr>
-              <a:t>cor</a:t>
-            </a:r>
             <a:r>
               <a:rPr lang="en-US" altLang="ko-KR" sz="1100" dirty="0" smtClean="0">
                 <a:solidFill>
                   <a:schemeClr val="accent2"/>
                 </a:solidFill>
               </a:rPr>
-              <a:t>(</a:t>
+              <a:t>cor(</a:t>
             </a:r>
             <a:r>
-              <a:rPr lang="ko-KR" altLang="en-US" sz="1100" dirty="0" err="1" smtClean="0">
+              <a:rPr lang="ko-KR" altLang="en-US" sz="1100" dirty="0" smtClean="0">
                 <a:solidFill>
                   <a:schemeClr val="accent2"/>
                 </a:solidFill>
@@ -28909,7 +28837,7 @@
         </p:nvSpPr>
         <p:spPr>
           <a:xfrm>
-            <a:off x="8813357" y="1817983"/>
+            <a:off x="9385240" y="5184320"/>
             <a:ext cx="2012089" cy="261610"/>
           </a:xfrm>
           <a:prstGeom prst="rect">
@@ -28923,24 +28851,16 @@
           </a:bodyPr>
           <a:lstStyle/>
           <a:p>
-            <a:r>
-              <a:rPr lang="en-US" altLang="ko-KR" sz="1100" dirty="0" err="1" smtClean="0">
-                <a:solidFill>
-                  <a:schemeClr val="accent6"/>
-                </a:solidFill>
-              </a:rPr>
-              <a:t>cor</a:t>
-            </a:r>
             <a:r>
               <a:rPr lang="en-US" altLang="ko-KR" sz="1100" dirty="0" smtClean="0">
                 <a:solidFill>
                   <a:schemeClr val="accent6"/>
                 </a:solidFill>
               </a:rPr>
-              <a:t>(</a:t>
+              <a:t>cor(</a:t>
             </a:r>
             <a:r>
-              <a:rPr lang="ko-KR" altLang="en-US" sz="1100" dirty="0" err="1" smtClean="0">
+              <a:rPr lang="ko-KR" altLang="en-US" sz="1100" dirty="0" smtClean="0">
                 <a:solidFill>
                   <a:schemeClr val="accent6"/>
                 </a:solidFill>
@@ -28971,7 +28891,7 @@
         </p:nvSpPr>
         <p:spPr>
           <a:xfrm>
-            <a:off x="9043373" y="3929219"/>
+            <a:off x="9385239" y="7331167"/>
             <a:ext cx="2012089" cy="261610"/>
           </a:xfrm>
           <a:prstGeom prst="rect">
@@ -28985,24 +28905,16 @@
           </a:bodyPr>
           <a:lstStyle/>
           <a:p>
-            <a:r>
-              <a:rPr lang="en-US" altLang="ko-KR" sz="1100" dirty="0" err="1" smtClean="0">
-                <a:solidFill>
-                  <a:schemeClr val="tx2"/>
-                </a:solidFill>
-              </a:rPr>
-              <a:t>cor</a:t>
-            </a:r>
             <a:r>
               <a:rPr lang="en-US" altLang="ko-KR" sz="1100" dirty="0" smtClean="0">
                 <a:solidFill>
                   <a:schemeClr val="tx2"/>
                 </a:solidFill>
               </a:rPr>
-              <a:t>(</a:t>
+              <a:t>cor(</a:t>
             </a:r>
             <a:r>
-              <a:rPr lang="ko-KR" altLang="en-US" sz="1100" dirty="0" err="1" smtClean="0">
+              <a:rPr lang="ko-KR" altLang="en-US" sz="1100" dirty="0" smtClean="0">
                 <a:solidFill>
                   <a:schemeClr val="tx2"/>
                 </a:solidFill>
@@ -29025,6 +28937,117 @@
           </a:p>
         </p:txBody>
       </p:sp>
+      <p:cxnSp>
+        <p:nvCxnSpPr>
+          <p:cNvPr id="43" name="꺾인 연결선 42"/>
+          <p:cNvCxnSpPr>
+            <a:stCxn id="41" idx="0"/>
+          </p:cNvCxnSpPr>
+          <p:nvPr/>
+        </p:nvCxnSpPr>
+        <p:spPr>
+          <a:xfrm rot="5400000" flipH="1" flipV="1">
+            <a:off x="2829714" y="1817970"/>
+            <a:ext cx="225789" cy="717351"/>
+          </a:xfrm>
+          <a:prstGeom prst="bentConnector2">
+            <a:avLst/>
+          </a:prstGeom>
+          <a:ln w="15875">
+            <a:solidFill>
+              <a:schemeClr val="accent2"/>
+            </a:solidFill>
+          </a:ln>
+        </p:spPr>
+        <p:style>
+          <a:lnRef idx="1">
+            <a:schemeClr val="accent1"/>
+          </a:lnRef>
+          <a:fillRef idx="0">
+            <a:schemeClr val="accent1"/>
+          </a:fillRef>
+          <a:effectRef idx="0">
+            <a:schemeClr val="accent1"/>
+          </a:effectRef>
+          <a:fontRef idx="minor">
+            <a:schemeClr val="tx1"/>
+          </a:fontRef>
+        </p:style>
+      </p:cxnSp>
+      <p:cxnSp>
+        <p:nvCxnSpPr>
+          <p:cNvPr id="46" name="꺾인 연결선 45"/>
+          <p:cNvCxnSpPr/>
+          <p:nvPr/>
+        </p:nvCxnSpPr>
+        <p:spPr>
+          <a:xfrm>
+            <a:off x="2705045" y="7426538"/>
+            <a:ext cx="1276405" cy="217275"/>
+          </a:xfrm>
+          <a:prstGeom prst="bentConnector3">
+            <a:avLst>
+              <a:gd name="adj1" fmla="val 1868"/>
+            </a:avLst>
+          </a:prstGeom>
+          <a:ln w="15875">
+            <a:solidFill>
+              <a:schemeClr val="accent6"/>
+            </a:solidFill>
+          </a:ln>
+        </p:spPr>
+        <p:style>
+          <a:lnRef idx="1">
+            <a:schemeClr val="accent1"/>
+          </a:lnRef>
+          <a:fillRef idx="0">
+            <a:schemeClr val="accent1"/>
+          </a:fillRef>
+          <a:effectRef idx="0">
+            <a:schemeClr val="accent1"/>
+          </a:effectRef>
+          <a:fontRef idx="minor">
+            <a:schemeClr val="tx1"/>
+          </a:fontRef>
+        </p:style>
+      </p:cxnSp>
+      <p:cxnSp>
+        <p:nvCxnSpPr>
+          <p:cNvPr id="62" name="꺾인 연결선 61"/>
+          <p:cNvCxnSpPr/>
+          <p:nvPr/>
+        </p:nvCxnSpPr>
+        <p:spPr>
+          <a:xfrm>
+            <a:off x="2434143" y="7427551"/>
+            <a:ext cx="2533145" cy="425812"/>
+          </a:xfrm>
+          <a:prstGeom prst="bentConnector3">
+            <a:avLst>
+              <a:gd name="adj1" fmla="val 1870"/>
+            </a:avLst>
+          </a:prstGeom>
+          <a:ln w="15875">
+            <a:solidFill>
+              <a:schemeClr val="tx2"/>
+            </a:solidFill>
+          </a:ln>
+        </p:spPr>
+        <p:style>
+          <a:lnRef idx="1">
+            <a:schemeClr val="accent1"/>
+          </a:lnRef>
+          <a:fillRef idx="0">
+            <a:schemeClr val="accent1"/>
+          </a:fillRef>
+          <a:effectRef idx="0">
+            <a:schemeClr val="accent1"/>
+          </a:effectRef>
+          <a:fontRef idx="minor">
+            <a:schemeClr val="tx1"/>
+          </a:fontRef>
+        </p:style>
+      </p:cxnSp>
     </p:spTree>
     <p:extLst>
       <p:ext uri="{BB962C8B-B14F-4D97-AF65-F5344CB8AC3E}">

--- a/프레젠테이션1.pptx
+++ b/프레젠테이션1.pptx
@@ -15,6 +15,8 @@
     <p:sldId id="263" r:id="rId9"/>
     <p:sldId id="264" r:id="rId10"/>
     <p:sldId id="265" r:id="rId11"/>
+    <p:sldId id="266" r:id="rId12"/>
+    <p:sldId id="267" r:id="rId13"/>
   </p:sldIdLst>
   <p:sldSz cx="12192000" cy="6858000"/>
   <p:notesSz cx="6858000" cy="9144000"/>
@@ -3408,6 +3410,1026 @@
     <p:extLst>
       <p:ext uri="{BB962C8B-B14F-4D97-AF65-F5344CB8AC3E}">
         <p14:creationId xmlns:p14="http://schemas.microsoft.com/office/powerpoint/2010/main" val="831309152"/>
+      </p:ext>
+    </p:extLst>
+  </p:cSld>
+  <p:clrMapOvr>
+    <a:masterClrMapping/>
+  </p:clrMapOvr>
+</p:sld>
+</file>
+
+<file path=ppt/slides/slide11.xml><?xml version="1.0" encoding="utf-8"?>
+<p:sld xmlns:a="http://schemas.openxmlformats.org/drawingml/2006/main" xmlns:r="http://schemas.openxmlformats.org/officeDocument/2006/relationships" xmlns:p="http://schemas.openxmlformats.org/presentationml/2006/main">
+  <p:cSld>
+    <p:spTree>
+      <p:nvGrpSpPr>
+        <p:cNvPr id="1" name=""/>
+        <p:cNvGrpSpPr/>
+        <p:nvPr/>
+      </p:nvGrpSpPr>
+      <p:grpSpPr>
+        <a:xfrm>
+          <a:off x="0" y="0"/>
+          <a:ext cx="0" cy="0"/>
+          <a:chOff x="0" y="0"/>
+          <a:chExt cx="0" cy="0"/>
+        </a:xfrm>
+      </p:grpSpPr>
+      <p:pic>
+        <p:nvPicPr>
+          <p:cNvPr id="5" name="그림 4"/>
+          <p:cNvPicPr>
+            <a:picLocks noChangeAspect="1"/>
+          </p:cNvPicPr>
+          <p:nvPr/>
+        </p:nvPicPr>
+        <p:blipFill>
+          <a:blip r:embed="rId2"/>
+          <a:stretch>
+            <a:fillRect/>
+          </a:stretch>
+        </p:blipFill>
+        <p:spPr>
+          <a:xfrm>
+            <a:off x="685801" y="-2"/>
+            <a:ext cx="9706312" cy="5991187"/>
+          </a:xfrm>
+          <a:prstGeom prst="rect">
+            <a:avLst/>
+          </a:prstGeom>
+        </p:spPr>
+      </p:pic>
+      <p:cxnSp>
+        <p:nvCxnSpPr>
+          <p:cNvPr id="7" name="직선 연결선 6"/>
+          <p:cNvCxnSpPr/>
+          <p:nvPr/>
+        </p:nvCxnSpPr>
+        <p:spPr>
+          <a:xfrm>
+            <a:off x="4320785" y="497415"/>
+            <a:ext cx="0" cy="4855464"/>
+          </a:xfrm>
+          <a:prstGeom prst="line">
+            <a:avLst/>
+          </a:prstGeom>
+          <a:ln w="15875"/>
+        </p:spPr>
+        <p:style>
+          <a:lnRef idx="1">
+            <a:schemeClr val="accent1"/>
+          </a:lnRef>
+          <a:fillRef idx="0">
+            <a:schemeClr val="accent1"/>
+          </a:fillRef>
+          <a:effectRef idx="0">
+            <a:schemeClr val="accent1"/>
+          </a:effectRef>
+          <a:fontRef idx="minor">
+            <a:schemeClr val="tx1"/>
+          </a:fontRef>
+        </p:style>
+      </p:cxnSp>
+      <p:sp>
+        <p:nvSpPr>
+          <p:cNvPr id="8" name="타원 7"/>
+          <p:cNvSpPr/>
+          <p:nvPr/>
+        </p:nvSpPr>
+        <p:spPr>
+          <a:xfrm>
+            <a:off x="4202798" y="4763237"/>
+            <a:ext cx="235974" cy="231550"/>
+          </a:xfrm>
+          <a:prstGeom prst="ellipse">
+            <a:avLst/>
+          </a:prstGeom>
+          <a:noFill/>
+          <a:ln>
+            <a:solidFill>
+              <a:srgbClr val="FF0000"/>
+            </a:solidFill>
+          </a:ln>
+        </p:spPr>
+        <p:style>
+          <a:lnRef idx="2">
+            <a:schemeClr val="accent1">
+              <a:shade val="50000"/>
+            </a:schemeClr>
+          </a:lnRef>
+          <a:fillRef idx="1">
+            <a:schemeClr val="accent1"/>
+          </a:fillRef>
+          <a:effectRef idx="0">
+            <a:schemeClr val="accent1"/>
+          </a:effectRef>
+          <a:fontRef idx="minor">
+            <a:schemeClr val="lt1"/>
+          </a:fontRef>
+        </p:style>
+        <p:txBody>
+          <a:bodyPr rtlCol="0" anchor="ctr"/>
+          <a:lstStyle/>
+          <a:p>
+            <a:pPr algn="ctr"/>
+            <a:endParaRPr lang="ko-KR" altLang="en-US"/>
+          </a:p>
+        </p:txBody>
+      </p:sp>
+      <p:sp>
+        <p:nvSpPr>
+          <p:cNvPr id="9" name="타원 8"/>
+          <p:cNvSpPr/>
+          <p:nvPr/>
+        </p:nvSpPr>
+        <p:spPr>
+          <a:xfrm>
+            <a:off x="4202798" y="3942243"/>
+            <a:ext cx="235974" cy="231550"/>
+          </a:xfrm>
+          <a:prstGeom prst="ellipse">
+            <a:avLst/>
+          </a:prstGeom>
+          <a:noFill/>
+          <a:ln>
+            <a:solidFill>
+              <a:srgbClr val="FF0000"/>
+            </a:solidFill>
+          </a:ln>
+        </p:spPr>
+        <p:style>
+          <a:lnRef idx="2">
+            <a:schemeClr val="accent1">
+              <a:shade val="50000"/>
+            </a:schemeClr>
+          </a:lnRef>
+          <a:fillRef idx="1">
+            <a:schemeClr val="accent1"/>
+          </a:fillRef>
+          <a:effectRef idx="0">
+            <a:schemeClr val="accent1"/>
+          </a:effectRef>
+          <a:fontRef idx="minor">
+            <a:schemeClr val="lt1"/>
+          </a:fontRef>
+        </p:style>
+        <p:txBody>
+          <a:bodyPr rtlCol="0" anchor="ctr"/>
+          <a:lstStyle/>
+          <a:p>
+            <a:pPr algn="ctr"/>
+            <a:endParaRPr lang="ko-KR" altLang="en-US"/>
+          </a:p>
+        </p:txBody>
+      </p:sp>
+      <p:sp>
+        <p:nvSpPr>
+          <p:cNvPr id="10" name="타원 9"/>
+          <p:cNvSpPr/>
+          <p:nvPr/>
+        </p:nvSpPr>
+        <p:spPr>
+          <a:xfrm>
+            <a:off x="4202798" y="2236347"/>
+            <a:ext cx="235974" cy="231550"/>
+          </a:xfrm>
+          <a:prstGeom prst="ellipse">
+            <a:avLst/>
+          </a:prstGeom>
+          <a:noFill/>
+          <a:ln>
+            <a:solidFill>
+              <a:srgbClr val="FF0000"/>
+            </a:solidFill>
+          </a:ln>
+        </p:spPr>
+        <p:style>
+          <a:lnRef idx="2">
+            <a:schemeClr val="accent1">
+              <a:shade val="50000"/>
+            </a:schemeClr>
+          </a:lnRef>
+          <a:fillRef idx="1">
+            <a:schemeClr val="accent1"/>
+          </a:fillRef>
+          <a:effectRef idx="0">
+            <a:schemeClr val="accent1"/>
+          </a:effectRef>
+          <a:fontRef idx="minor">
+            <a:schemeClr val="lt1"/>
+          </a:fontRef>
+        </p:style>
+        <p:txBody>
+          <a:bodyPr rtlCol="0" anchor="ctr"/>
+          <a:lstStyle/>
+          <a:p>
+            <a:pPr algn="ctr"/>
+            <a:endParaRPr lang="ko-KR" altLang="en-US"/>
+          </a:p>
+        </p:txBody>
+      </p:sp>
+      <p:sp>
+        <p:nvSpPr>
+          <p:cNvPr id="11" name="타원 10"/>
+          <p:cNvSpPr/>
+          <p:nvPr/>
+        </p:nvSpPr>
+        <p:spPr>
+          <a:xfrm>
+            <a:off x="4197389" y="1058885"/>
+            <a:ext cx="235974" cy="231550"/>
+          </a:xfrm>
+          <a:prstGeom prst="ellipse">
+            <a:avLst/>
+          </a:prstGeom>
+          <a:noFill/>
+          <a:ln>
+            <a:solidFill>
+              <a:srgbClr val="FF0000"/>
+            </a:solidFill>
+          </a:ln>
+        </p:spPr>
+        <p:style>
+          <a:lnRef idx="2">
+            <a:schemeClr val="accent1">
+              <a:shade val="50000"/>
+            </a:schemeClr>
+          </a:lnRef>
+          <a:fillRef idx="1">
+            <a:schemeClr val="accent1"/>
+          </a:fillRef>
+          <a:effectRef idx="0">
+            <a:schemeClr val="accent1"/>
+          </a:effectRef>
+          <a:fontRef idx="minor">
+            <a:schemeClr val="lt1"/>
+          </a:fontRef>
+        </p:style>
+        <p:txBody>
+          <a:bodyPr rtlCol="0" anchor="ctr"/>
+          <a:lstStyle/>
+          <a:p>
+            <a:pPr algn="ctr"/>
+            <a:endParaRPr lang="ko-KR" altLang="en-US"/>
+          </a:p>
+        </p:txBody>
+      </p:sp>
+      <p:sp>
+        <p:nvSpPr>
+          <p:cNvPr id="12" name="곱셈 기호 11"/>
+          <p:cNvSpPr/>
+          <p:nvPr/>
+        </p:nvSpPr>
+        <p:spPr>
+          <a:xfrm>
+            <a:off x="4675237" y="4283795"/>
+            <a:ext cx="304800" cy="397714"/>
+          </a:xfrm>
+          <a:prstGeom prst="mathMultiply">
+            <a:avLst/>
+          </a:prstGeom>
+        </p:spPr>
+        <p:style>
+          <a:lnRef idx="2">
+            <a:schemeClr val="accent1">
+              <a:shade val="50000"/>
+            </a:schemeClr>
+          </a:lnRef>
+          <a:fillRef idx="1">
+            <a:schemeClr val="accent1"/>
+          </a:fillRef>
+          <a:effectRef idx="0">
+            <a:schemeClr val="accent1"/>
+          </a:effectRef>
+          <a:fontRef idx="minor">
+            <a:schemeClr val="lt1"/>
+          </a:fontRef>
+        </p:style>
+        <p:txBody>
+          <a:bodyPr rtlCol="0" anchor="ctr"/>
+          <a:lstStyle/>
+          <a:p>
+            <a:pPr algn="ctr"/>
+            <a:endParaRPr lang="ko-KR" altLang="en-US"/>
+          </a:p>
+        </p:txBody>
+      </p:sp>
+      <p:sp>
+        <p:nvSpPr>
+          <p:cNvPr id="13" name="곱셈 기호 12"/>
+          <p:cNvSpPr/>
+          <p:nvPr/>
+        </p:nvSpPr>
+        <p:spPr>
+          <a:xfrm>
+            <a:off x="4675237" y="3194360"/>
+            <a:ext cx="304800" cy="397714"/>
+          </a:xfrm>
+          <a:prstGeom prst="mathMultiply">
+            <a:avLst/>
+          </a:prstGeom>
+        </p:spPr>
+        <p:style>
+          <a:lnRef idx="2">
+            <a:schemeClr val="accent1">
+              <a:shade val="50000"/>
+            </a:schemeClr>
+          </a:lnRef>
+          <a:fillRef idx="1">
+            <a:schemeClr val="accent1"/>
+          </a:fillRef>
+          <a:effectRef idx="0">
+            <a:schemeClr val="accent1"/>
+          </a:effectRef>
+          <a:fontRef idx="minor">
+            <a:schemeClr val="lt1"/>
+          </a:fontRef>
+        </p:style>
+        <p:txBody>
+          <a:bodyPr rtlCol="0" anchor="ctr"/>
+          <a:lstStyle/>
+          <a:p>
+            <a:pPr algn="ctr"/>
+            <a:endParaRPr lang="ko-KR" altLang="en-US"/>
+          </a:p>
+        </p:txBody>
+      </p:sp>
+      <p:sp>
+        <p:nvSpPr>
+          <p:cNvPr id="15" name="오른쪽 대괄호 14"/>
+          <p:cNvSpPr/>
+          <p:nvPr/>
+        </p:nvSpPr>
+        <p:spPr>
+          <a:xfrm>
+            <a:off x="4444182" y="4058018"/>
+            <a:ext cx="383456" cy="833041"/>
+          </a:xfrm>
+          <a:prstGeom prst="rightBracket">
+            <a:avLst/>
+          </a:prstGeom>
+          <a:ln w="15875"/>
+        </p:spPr>
+        <p:style>
+          <a:lnRef idx="1">
+            <a:schemeClr val="accent1"/>
+          </a:lnRef>
+          <a:fillRef idx="0">
+            <a:schemeClr val="accent1"/>
+          </a:fillRef>
+          <a:effectRef idx="0">
+            <a:schemeClr val="accent1"/>
+          </a:effectRef>
+          <a:fontRef idx="minor">
+            <a:schemeClr val="tx1"/>
+          </a:fontRef>
+        </p:style>
+        <p:txBody>
+          <a:bodyPr rtlCol="0" anchor="ctr"/>
+          <a:lstStyle/>
+          <a:p>
+            <a:pPr algn="ctr"/>
+            <a:endParaRPr lang="ko-KR" altLang="en-US"/>
+          </a:p>
+        </p:txBody>
+      </p:sp>
+      <p:sp>
+        <p:nvSpPr>
+          <p:cNvPr id="16" name="오른쪽 대괄호 15"/>
+          <p:cNvSpPr/>
+          <p:nvPr/>
+        </p:nvSpPr>
+        <p:spPr>
+          <a:xfrm>
+            <a:off x="4433363" y="2340077"/>
+            <a:ext cx="394275" cy="1717941"/>
+          </a:xfrm>
+          <a:prstGeom prst="rightBracket">
+            <a:avLst/>
+          </a:prstGeom>
+          <a:ln w="15875"/>
+        </p:spPr>
+        <p:style>
+          <a:lnRef idx="1">
+            <a:schemeClr val="accent1"/>
+          </a:lnRef>
+          <a:fillRef idx="0">
+            <a:schemeClr val="accent1"/>
+          </a:fillRef>
+          <a:effectRef idx="0">
+            <a:schemeClr val="accent1"/>
+          </a:effectRef>
+          <a:fontRef idx="minor">
+            <a:schemeClr val="tx1"/>
+          </a:fontRef>
+        </p:style>
+        <p:txBody>
+          <a:bodyPr rtlCol="0" anchor="ctr"/>
+          <a:lstStyle/>
+          <a:p>
+            <a:pPr algn="ctr"/>
+            <a:endParaRPr lang="ko-KR" altLang="en-US"/>
+          </a:p>
+        </p:txBody>
+      </p:sp>
+      <p:sp>
+        <p:nvSpPr>
+          <p:cNvPr id="17" name="오른쪽 대괄호 16"/>
+          <p:cNvSpPr/>
+          <p:nvPr/>
+        </p:nvSpPr>
+        <p:spPr>
+          <a:xfrm>
+            <a:off x="4433363" y="1179871"/>
+            <a:ext cx="394275" cy="1160206"/>
+          </a:xfrm>
+          <a:prstGeom prst="rightBracket">
+            <a:avLst/>
+          </a:prstGeom>
+          <a:ln w="15875"/>
+        </p:spPr>
+        <p:style>
+          <a:lnRef idx="1">
+            <a:schemeClr val="accent1"/>
+          </a:lnRef>
+          <a:fillRef idx="0">
+            <a:schemeClr val="accent1"/>
+          </a:fillRef>
+          <a:effectRef idx="0">
+            <a:schemeClr val="accent1"/>
+          </a:effectRef>
+          <a:fontRef idx="minor">
+            <a:schemeClr val="tx1"/>
+          </a:fontRef>
+        </p:style>
+        <p:txBody>
+          <a:bodyPr rtlCol="0" anchor="ctr"/>
+          <a:lstStyle/>
+          <a:p>
+            <a:pPr algn="ctr"/>
+            <a:endParaRPr lang="ko-KR" altLang="en-US"/>
+          </a:p>
+        </p:txBody>
+      </p:sp>
+      <p:sp>
+        <p:nvSpPr>
+          <p:cNvPr id="18" name="등호 17"/>
+          <p:cNvSpPr/>
+          <p:nvPr/>
+        </p:nvSpPr>
+        <p:spPr>
+          <a:xfrm>
+            <a:off x="4616244" y="1520288"/>
+            <a:ext cx="422787" cy="294968"/>
+          </a:xfrm>
+          <a:prstGeom prst="mathEqual">
+            <a:avLst/>
+          </a:prstGeom>
+        </p:spPr>
+        <p:style>
+          <a:lnRef idx="2">
+            <a:schemeClr val="accent1">
+              <a:shade val="50000"/>
+            </a:schemeClr>
+          </a:lnRef>
+          <a:fillRef idx="1">
+            <a:schemeClr val="accent1"/>
+          </a:fillRef>
+          <a:effectRef idx="0">
+            <a:schemeClr val="accent1"/>
+          </a:effectRef>
+          <a:fontRef idx="minor">
+            <a:schemeClr val="lt1"/>
+          </a:fontRef>
+        </p:style>
+        <p:txBody>
+          <a:bodyPr rtlCol="0" anchor="ctr"/>
+          <a:lstStyle/>
+          <a:p>
+            <a:pPr algn="ctr"/>
+            <a:endParaRPr lang="ko-KR" altLang="en-US">
+              <a:solidFill>
+                <a:schemeClr val="tx1"/>
+              </a:solidFill>
+            </a:endParaRPr>
+          </a:p>
+        </p:txBody>
+      </p:sp>
+    </p:spTree>
+    <p:extLst>
+      <p:ext uri="{BB962C8B-B14F-4D97-AF65-F5344CB8AC3E}">
+        <p14:creationId xmlns:p14="http://schemas.microsoft.com/office/powerpoint/2010/main" val="3057245877"/>
+      </p:ext>
+    </p:extLst>
+  </p:cSld>
+  <p:clrMapOvr>
+    <a:masterClrMapping/>
+  </p:clrMapOvr>
+</p:sld>
+</file>
+
+<file path=ppt/slides/slide12.xml><?xml version="1.0" encoding="utf-8"?>
+<p:sld xmlns:a="http://schemas.openxmlformats.org/drawingml/2006/main" xmlns:r="http://schemas.openxmlformats.org/officeDocument/2006/relationships" xmlns:p="http://schemas.openxmlformats.org/presentationml/2006/main">
+  <p:cSld>
+    <p:spTree>
+      <p:nvGrpSpPr>
+        <p:cNvPr id="1" name=""/>
+        <p:cNvGrpSpPr/>
+        <p:nvPr/>
+      </p:nvGrpSpPr>
+      <p:grpSpPr>
+        <a:xfrm>
+          <a:off x="0" y="0"/>
+          <a:ext cx="0" cy="0"/>
+          <a:chOff x="0" y="0"/>
+          <a:chExt cx="0" cy="0"/>
+        </a:xfrm>
+      </p:grpSpPr>
+      <p:pic>
+        <p:nvPicPr>
+          <p:cNvPr id="5" name="그림 4"/>
+          <p:cNvPicPr>
+            <a:picLocks noChangeAspect="1"/>
+          </p:cNvPicPr>
+          <p:nvPr/>
+        </p:nvPicPr>
+        <p:blipFill>
+          <a:blip r:embed="rId2"/>
+          <a:stretch>
+            <a:fillRect/>
+          </a:stretch>
+        </p:blipFill>
+        <p:spPr>
+          <a:xfrm>
+            <a:off x="1235681" y="38099"/>
+            <a:ext cx="9737238" cy="6010275"/>
+          </a:xfrm>
+          <a:prstGeom prst="rect">
+            <a:avLst/>
+          </a:prstGeom>
+        </p:spPr>
+      </p:pic>
+      <p:cxnSp>
+        <p:nvCxnSpPr>
+          <p:cNvPr id="6" name="직선 연결선 5"/>
+          <p:cNvCxnSpPr/>
+          <p:nvPr/>
+        </p:nvCxnSpPr>
+        <p:spPr>
+          <a:xfrm>
+            <a:off x="6663935" y="497415"/>
+            <a:ext cx="0" cy="4855464"/>
+          </a:xfrm>
+          <a:prstGeom prst="line">
+            <a:avLst/>
+          </a:prstGeom>
+          <a:ln w="15875"/>
+        </p:spPr>
+        <p:style>
+          <a:lnRef idx="1">
+            <a:schemeClr val="accent1"/>
+          </a:lnRef>
+          <a:fillRef idx="0">
+            <a:schemeClr val="accent1"/>
+          </a:fillRef>
+          <a:effectRef idx="0">
+            <a:schemeClr val="accent1"/>
+          </a:effectRef>
+          <a:fontRef idx="minor">
+            <a:schemeClr val="tx1"/>
+          </a:fontRef>
+        </p:style>
+      </p:cxnSp>
+      <p:sp>
+        <p:nvSpPr>
+          <p:cNvPr id="7" name="타원 6"/>
+          <p:cNvSpPr/>
+          <p:nvPr/>
+        </p:nvSpPr>
+        <p:spPr>
+          <a:xfrm>
+            <a:off x="6545948" y="4515587"/>
+            <a:ext cx="235974" cy="231550"/>
+          </a:xfrm>
+          <a:prstGeom prst="ellipse">
+            <a:avLst/>
+          </a:prstGeom>
+          <a:noFill/>
+          <a:ln>
+            <a:solidFill>
+              <a:srgbClr val="FF0000"/>
+            </a:solidFill>
+          </a:ln>
+        </p:spPr>
+        <p:style>
+          <a:lnRef idx="2">
+            <a:schemeClr val="accent1">
+              <a:shade val="50000"/>
+            </a:schemeClr>
+          </a:lnRef>
+          <a:fillRef idx="1">
+            <a:schemeClr val="accent1"/>
+          </a:fillRef>
+          <a:effectRef idx="0">
+            <a:schemeClr val="accent1"/>
+          </a:effectRef>
+          <a:fontRef idx="minor">
+            <a:schemeClr val="lt1"/>
+          </a:fontRef>
+        </p:style>
+        <p:txBody>
+          <a:bodyPr rtlCol="0" anchor="ctr"/>
+          <a:lstStyle/>
+          <a:p>
+            <a:pPr algn="ctr"/>
+            <a:endParaRPr lang="ko-KR" altLang="en-US"/>
+          </a:p>
+        </p:txBody>
+      </p:sp>
+      <p:sp>
+        <p:nvSpPr>
+          <p:cNvPr id="8" name="타원 7"/>
+          <p:cNvSpPr/>
+          <p:nvPr/>
+        </p:nvSpPr>
+        <p:spPr>
+          <a:xfrm>
+            <a:off x="6545948" y="3942243"/>
+            <a:ext cx="235974" cy="231550"/>
+          </a:xfrm>
+          <a:prstGeom prst="ellipse">
+            <a:avLst/>
+          </a:prstGeom>
+          <a:noFill/>
+          <a:ln>
+            <a:solidFill>
+              <a:srgbClr val="FF0000"/>
+            </a:solidFill>
+          </a:ln>
+        </p:spPr>
+        <p:style>
+          <a:lnRef idx="2">
+            <a:schemeClr val="accent1">
+              <a:shade val="50000"/>
+            </a:schemeClr>
+          </a:lnRef>
+          <a:fillRef idx="1">
+            <a:schemeClr val="accent1"/>
+          </a:fillRef>
+          <a:effectRef idx="0">
+            <a:schemeClr val="accent1"/>
+          </a:effectRef>
+          <a:fontRef idx="minor">
+            <a:schemeClr val="lt1"/>
+          </a:fontRef>
+        </p:style>
+        <p:txBody>
+          <a:bodyPr rtlCol="0" anchor="ctr"/>
+          <a:lstStyle/>
+          <a:p>
+            <a:pPr algn="ctr"/>
+            <a:endParaRPr lang="ko-KR" altLang="en-US"/>
+          </a:p>
+        </p:txBody>
+      </p:sp>
+      <p:sp>
+        <p:nvSpPr>
+          <p:cNvPr id="9" name="타원 8"/>
+          <p:cNvSpPr/>
+          <p:nvPr/>
+        </p:nvSpPr>
+        <p:spPr>
+          <a:xfrm>
+            <a:off x="6545948" y="2236347"/>
+            <a:ext cx="235974" cy="231550"/>
+          </a:xfrm>
+          <a:prstGeom prst="ellipse">
+            <a:avLst/>
+          </a:prstGeom>
+          <a:noFill/>
+          <a:ln>
+            <a:solidFill>
+              <a:srgbClr val="FF0000"/>
+            </a:solidFill>
+          </a:ln>
+        </p:spPr>
+        <p:style>
+          <a:lnRef idx="2">
+            <a:schemeClr val="accent1">
+              <a:shade val="50000"/>
+            </a:schemeClr>
+          </a:lnRef>
+          <a:fillRef idx="1">
+            <a:schemeClr val="accent1"/>
+          </a:fillRef>
+          <a:effectRef idx="0">
+            <a:schemeClr val="accent1"/>
+          </a:effectRef>
+          <a:fontRef idx="minor">
+            <a:schemeClr val="lt1"/>
+          </a:fontRef>
+        </p:style>
+        <p:txBody>
+          <a:bodyPr rtlCol="0" anchor="ctr"/>
+          <a:lstStyle/>
+          <a:p>
+            <a:pPr algn="ctr"/>
+            <a:endParaRPr lang="ko-KR" altLang="en-US"/>
+          </a:p>
+        </p:txBody>
+      </p:sp>
+      <p:sp>
+        <p:nvSpPr>
+          <p:cNvPr id="10" name="타원 9"/>
+          <p:cNvSpPr/>
+          <p:nvPr/>
+        </p:nvSpPr>
+        <p:spPr>
+          <a:xfrm>
+            <a:off x="6540539" y="982685"/>
+            <a:ext cx="235974" cy="231550"/>
+          </a:xfrm>
+          <a:prstGeom prst="ellipse">
+            <a:avLst/>
+          </a:prstGeom>
+          <a:noFill/>
+          <a:ln>
+            <a:solidFill>
+              <a:srgbClr val="FF0000"/>
+            </a:solidFill>
+          </a:ln>
+        </p:spPr>
+        <p:style>
+          <a:lnRef idx="2">
+            <a:schemeClr val="accent1">
+              <a:shade val="50000"/>
+            </a:schemeClr>
+          </a:lnRef>
+          <a:fillRef idx="1">
+            <a:schemeClr val="accent1"/>
+          </a:fillRef>
+          <a:effectRef idx="0">
+            <a:schemeClr val="accent1"/>
+          </a:effectRef>
+          <a:fontRef idx="minor">
+            <a:schemeClr val="lt1"/>
+          </a:fontRef>
+        </p:style>
+        <p:txBody>
+          <a:bodyPr rtlCol="0" anchor="ctr"/>
+          <a:lstStyle/>
+          <a:p>
+            <a:pPr algn="ctr"/>
+            <a:endParaRPr lang="ko-KR" altLang="en-US"/>
+          </a:p>
+        </p:txBody>
+      </p:sp>
+      <p:sp>
+        <p:nvSpPr>
+          <p:cNvPr id="13" name="오른쪽 대괄호 12"/>
+          <p:cNvSpPr/>
+          <p:nvPr/>
+        </p:nvSpPr>
+        <p:spPr>
+          <a:xfrm>
+            <a:off x="6787332" y="4058018"/>
+            <a:ext cx="383456" cy="524821"/>
+          </a:xfrm>
+          <a:prstGeom prst="rightBracket">
+            <a:avLst/>
+          </a:prstGeom>
+          <a:ln w="15875"/>
+        </p:spPr>
+        <p:style>
+          <a:lnRef idx="1">
+            <a:schemeClr val="accent1"/>
+          </a:lnRef>
+          <a:fillRef idx="0">
+            <a:schemeClr val="accent1"/>
+          </a:fillRef>
+          <a:effectRef idx="0">
+            <a:schemeClr val="accent1"/>
+          </a:effectRef>
+          <a:fontRef idx="minor">
+            <a:schemeClr val="tx1"/>
+          </a:fontRef>
+        </p:style>
+        <p:txBody>
+          <a:bodyPr rtlCol="0" anchor="ctr"/>
+          <a:lstStyle/>
+          <a:p>
+            <a:pPr algn="ctr"/>
+            <a:endParaRPr lang="ko-KR" altLang="en-US"/>
+          </a:p>
+        </p:txBody>
+      </p:sp>
+      <p:sp>
+        <p:nvSpPr>
+          <p:cNvPr id="14" name="오른쪽 대괄호 13"/>
+          <p:cNvSpPr/>
+          <p:nvPr/>
+        </p:nvSpPr>
+        <p:spPr>
+          <a:xfrm>
+            <a:off x="6776513" y="2340077"/>
+            <a:ext cx="394275" cy="1717941"/>
+          </a:xfrm>
+          <a:prstGeom prst="rightBracket">
+            <a:avLst/>
+          </a:prstGeom>
+          <a:ln w="15875"/>
+        </p:spPr>
+        <p:style>
+          <a:lnRef idx="1">
+            <a:schemeClr val="accent1"/>
+          </a:lnRef>
+          <a:fillRef idx="0">
+            <a:schemeClr val="accent1"/>
+          </a:fillRef>
+          <a:effectRef idx="0">
+            <a:schemeClr val="accent1"/>
+          </a:effectRef>
+          <a:fontRef idx="minor">
+            <a:schemeClr val="tx1"/>
+          </a:fontRef>
+        </p:style>
+        <p:txBody>
+          <a:bodyPr rtlCol="0" anchor="ctr"/>
+          <a:lstStyle/>
+          <a:p>
+            <a:pPr algn="ctr"/>
+            <a:endParaRPr lang="ko-KR" altLang="en-US"/>
+          </a:p>
+        </p:txBody>
+      </p:sp>
+      <p:sp>
+        <p:nvSpPr>
+          <p:cNvPr id="15" name="오른쪽 대괄호 14"/>
+          <p:cNvSpPr/>
+          <p:nvPr/>
+        </p:nvSpPr>
+        <p:spPr>
+          <a:xfrm>
+            <a:off x="6776513" y="1114425"/>
+            <a:ext cx="394275" cy="1225652"/>
+          </a:xfrm>
+          <a:prstGeom prst="rightBracket">
+            <a:avLst/>
+          </a:prstGeom>
+          <a:ln w="15875"/>
+        </p:spPr>
+        <p:style>
+          <a:lnRef idx="1">
+            <a:schemeClr val="accent1"/>
+          </a:lnRef>
+          <a:fillRef idx="0">
+            <a:schemeClr val="accent1"/>
+          </a:fillRef>
+          <a:effectRef idx="0">
+            <a:schemeClr val="accent1"/>
+          </a:effectRef>
+          <a:fontRef idx="minor">
+            <a:schemeClr val="tx1"/>
+          </a:fontRef>
+        </p:style>
+        <p:txBody>
+          <a:bodyPr rtlCol="0" anchor="ctr"/>
+          <a:lstStyle/>
+          <a:p>
+            <a:pPr algn="ctr"/>
+            <a:endParaRPr lang="ko-KR" altLang="en-US"/>
+          </a:p>
+        </p:txBody>
+      </p:sp>
+      <p:sp>
+        <p:nvSpPr>
+          <p:cNvPr id="16" name="등호 15"/>
+          <p:cNvSpPr/>
+          <p:nvPr/>
+        </p:nvSpPr>
+        <p:spPr>
+          <a:xfrm>
+            <a:off x="6959394" y="1520288"/>
+            <a:ext cx="422787" cy="294968"/>
+          </a:xfrm>
+          <a:prstGeom prst="mathEqual">
+            <a:avLst/>
+          </a:prstGeom>
+        </p:spPr>
+        <p:style>
+          <a:lnRef idx="2">
+            <a:schemeClr val="accent1">
+              <a:shade val="50000"/>
+            </a:schemeClr>
+          </a:lnRef>
+          <a:fillRef idx="1">
+            <a:schemeClr val="accent1"/>
+          </a:fillRef>
+          <a:effectRef idx="0">
+            <a:schemeClr val="accent1"/>
+          </a:effectRef>
+          <a:fontRef idx="minor">
+            <a:schemeClr val="lt1"/>
+          </a:fontRef>
+        </p:style>
+        <p:txBody>
+          <a:bodyPr rtlCol="0" anchor="ctr"/>
+          <a:lstStyle/>
+          <a:p>
+            <a:pPr algn="ctr"/>
+            <a:endParaRPr lang="ko-KR" altLang="en-US">
+              <a:solidFill>
+                <a:schemeClr val="tx1"/>
+              </a:solidFill>
+            </a:endParaRPr>
+          </a:p>
+        </p:txBody>
+      </p:sp>
+      <p:sp>
+        <p:nvSpPr>
+          <p:cNvPr id="17" name="덧셈 기호 16"/>
+          <p:cNvSpPr/>
+          <p:nvPr/>
+        </p:nvSpPr>
+        <p:spPr>
+          <a:xfrm>
+            <a:off x="7008862" y="3018847"/>
+            <a:ext cx="314325" cy="342900"/>
+          </a:xfrm>
+          <a:prstGeom prst="mathPlus">
+            <a:avLst/>
+          </a:prstGeom>
+        </p:spPr>
+        <p:style>
+          <a:lnRef idx="2">
+            <a:schemeClr val="accent1">
+              <a:shade val="50000"/>
+            </a:schemeClr>
+          </a:lnRef>
+          <a:fillRef idx="1">
+            <a:schemeClr val="accent1"/>
+          </a:fillRef>
+          <a:effectRef idx="0">
+            <a:schemeClr val="accent1"/>
+          </a:effectRef>
+          <a:fontRef idx="minor">
+            <a:schemeClr val="lt1"/>
+          </a:fontRef>
+        </p:style>
+        <p:txBody>
+          <a:bodyPr rtlCol="0" anchor="ctr"/>
+          <a:lstStyle/>
+          <a:p>
+            <a:pPr algn="ctr"/>
+            <a:endParaRPr lang="ko-KR" altLang="en-US"/>
+          </a:p>
+        </p:txBody>
+      </p:sp>
+      <p:sp>
+        <p:nvSpPr>
+          <p:cNvPr id="18" name="덧셈 기호 17"/>
+          <p:cNvSpPr/>
+          <p:nvPr/>
+        </p:nvSpPr>
+        <p:spPr>
+          <a:xfrm>
+            <a:off x="7008861" y="4124035"/>
+            <a:ext cx="314325" cy="342900"/>
+          </a:xfrm>
+          <a:prstGeom prst="mathPlus">
+            <a:avLst/>
+          </a:prstGeom>
+        </p:spPr>
+        <p:style>
+          <a:lnRef idx="2">
+            <a:schemeClr val="accent1">
+              <a:shade val="50000"/>
+            </a:schemeClr>
+          </a:lnRef>
+          <a:fillRef idx="1">
+            <a:schemeClr val="accent1"/>
+          </a:fillRef>
+          <a:effectRef idx="0">
+            <a:schemeClr val="accent1"/>
+          </a:effectRef>
+          <a:fontRef idx="minor">
+            <a:schemeClr val="lt1"/>
+          </a:fontRef>
+        </p:style>
+        <p:txBody>
+          <a:bodyPr rtlCol="0" anchor="ctr"/>
+          <a:lstStyle/>
+          <a:p>
+            <a:pPr algn="ctr"/>
+            <a:endParaRPr lang="ko-KR" altLang="en-US"/>
+          </a:p>
+        </p:txBody>
+      </p:sp>
+    </p:spTree>
+    <p:extLst>
+      <p:ext uri="{BB962C8B-B14F-4D97-AF65-F5344CB8AC3E}">
+        <p14:creationId xmlns:p14="http://schemas.microsoft.com/office/powerpoint/2010/main" val="1363921085"/>
       </p:ext>
     </p:extLst>
   </p:cSld>

--- a/프레젠테이션1.pptx
+++ b/프레젠테이션1.pptx
@@ -17,6 +17,7 @@
     <p:sldId id="265" r:id="rId11"/>
     <p:sldId id="266" r:id="rId12"/>
     <p:sldId id="267" r:id="rId13"/>
+    <p:sldId id="268" r:id="rId14"/>
   </p:sldIdLst>
   <p:sldSz cx="12192000" cy="6858000"/>
   <p:notesSz cx="6858000" cy="9144000"/>
@@ -265,7 +266,7 @@
           <a:p>
             <a:fld id="{0F277587-4E01-4B1D-81CB-961BCCFD9D6E}" type="datetimeFigureOut">
               <a:rPr lang="ko-KR" altLang="en-US" smtClean="0"/>
-              <a:t>2021-02-25</a:t>
+              <a:t>2021-02-26</a:t>
             </a:fld>
             <a:endParaRPr lang="ko-KR" altLang="en-US"/>
           </a:p>
@@ -435,7 +436,7 @@
           <a:p>
             <a:fld id="{0F277587-4E01-4B1D-81CB-961BCCFD9D6E}" type="datetimeFigureOut">
               <a:rPr lang="ko-KR" altLang="en-US" smtClean="0"/>
-              <a:t>2021-02-25</a:t>
+              <a:t>2021-02-26</a:t>
             </a:fld>
             <a:endParaRPr lang="ko-KR" altLang="en-US"/>
           </a:p>
@@ -615,7 +616,7 @@
           <a:p>
             <a:fld id="{0F277587-4E01-4B1D-81CB-961BCCFD9D6E}" type="datetimeFigureOut">
               <a:rPr lang="ko-KR" altLang="en-US" smtClean="0"/>
-              <a:t>2021-02-25</a:t>
+              <a:t>2021-02-26</a:t>
             </a:fld>
             <a:endParaRPr lang="ko-KR" altLang="en-US"/>
           </a:p>
@@ -785,7 +786,7 @@
           <a:p>
             <a:fld id="{0F277587-4E01-4B1D-81CB-961BCCFD9D6E}" type="datetimeFigureOut">
               <a:rPr lang="ko-KR" altLang="en-US" smtClean="0"/>
-              <a:t>2021-02-25</a:t>
+              <a:t>2021-02-26</a:t>
             </a:fld>
             <a:endParaRPr lang="ko-KR" altLang="en-US"/>
           </a:p>
@@ -1031,7 +1032,7 @@
           <a:p>
             <a:fld id="{0F277587-4E01-4B1D-81CB-961BCCFD9D6E}" type="datetimeFigureOut">
               <a:rPr lang="ko-KR" altLang="en-US" smtClean="0"/>
-              <a:t>2021-02-25</a:t>
+              <a:t>2021-02-26</a:t>
             </a:fld>
             <a:endParaRPr lang="ko-KR" altLang="en-US"/>
           </a:p>
@@ -1263,7 +1264,7 @@
           <a:p>
             <a:fld id="{0F277587-4E01-4B1D-81CB-961BCCFD9D6E}" type="datetimeFigureOut">
               <a:rPr lang="ko-KR" altLang="en-US" smtClean="0"/>
-              <a:t>2021-02-25</a:t>
+              <a:t>2021-02-26</a:t>
             </a:fld>
             <a:endParaRPr lang="ko-KR" altLang="en-US"/>
           </a:p>
@@ -1630,7 +1631,7 @@
           <a:p>
             <a:fld id="{0F277587-4E01-4B1D-81CB-961BCCFD9D6E}" type="datetimeFigureOut">
               <a:rPr lang="ko-KR" altLang="en-US" smtClean="0"/>
-              <a:t>2021-02-25</a:t>
+              <a:t>2021-02-26</a:t>
             </a:fld>
             <a:endParaRPr lang="ko-KR" altLang="en-US"/>
           </a:p>
@@ -1748,7 +1749,7 @@
           <a:p>
             <a:fld id="{0F277587-4E01-4B1D-81CB-961BCCFD9D6E}" type="datetimeFigureOut">
               <a:rPr lang="ko-KR" altLang="en-US" smtClean="0"/>
-              <a:t>2021-02-25</a:t>
+              <a:t>2021-02-26</a:t>
             </a:fld>
             <a:endParaRPr lang="ko-KR" altLang="en-US"/>
           </a:p>
@@ -1843,7 +1844,7 @@
           <a:p>
             <a:fld id="{0F277587-4E01-4B1D-81CB-961BCCFD9D6E}" type="datetimeFigureOut">
               <a:rPr lang="ko-KR" altLang="en-US" smtClean="0"/>
-              <a:t>2021-02-25</a:t>
+              <a:t>2021-02-26</a:t>
             </a:fld>
             <a:endParaRPr lang="ko-KR" altLang="en-US"/>
           </a:p>
@@ -2120,7 +2121,7 @@
           <a:p>
             <a:fld id="{0F277587-4E01-4B1D-81CB-961BCCFD9D6E}" type="datetimeFigureOut">
               <a:rPr lang="ko-KR" altLang="en-US" smtClean="0"/>
-              <a:t>2021-02-25</a:t>
+              <a:t>2021-02-26</a:t>
             </a:fld>
             <a:endParaRPr lang="ko-KR" altLang="en-US"/>
           </a:p>
@@ -2373,7 +2374,7 @@
           <a:p>
             <a:fld id="{0F277587-4E01-4B1D-81CB-961BCCFD9D6E}" type="datetimeFigureOut">
               <a:rPr lang="ko-KR" altLang="en-US" smtClean="0"/>
-              <a:t>2021-02-25</a:t>
+              <a:t>2021-02-26</a:t>
             </a:fld>
             <a:endParaRPr lang="ko-KR" altLang="en-US"/>
           </a:p>
@@ -2586,7 +2587,7 @@
           <a:p>
             <a:fld id="{0F277587-4E01-4B1D-81CB-961BCCFD9D6E}" type="datetimeFigureOut">
               <a:rPr lang="ko-KR" altLang="en-US" smtClean="0"/>
-              <a:t>2021-02-25</a:t>
+              <a:t>2021-02-26</a:t>
             </a:fld>
             <a:endParaRPr lang="ko-KR" altLang="en-US"/>
           </a:p>
@@ -4430,6 +4431,3285 @@
     <p:extLst>
       <p:ext uri="{BB962C8B-B14F-4D97-AF65-F5344CB8AC3E}">
         <p14:creationId xmlns:p14="http://schemas.microsoft.com/office/powerpoint/2010/main" val="1363921085"/>
+      </p:ext>
+    </p:extLst>
+  </p:cSld>
+  <p:clrMapOvr>
+    <a:masterClrMapping/>
+  </p:clrMapOvr>
+</p:sld>
+</file>
+
+<file path=ppt/slides/slide13.xml><?xml version="1.0" encoding="utf-8"?>
+<p:sld xmlns:a="http://schemas.openxmlformats.org/drawingml/2006/main" xmlns:r="http://schemas.openxmlformats.org/officeDocument/2006/relationships" xmlns:p="http://schemas.openxmlformats.org/presentationml/2006/main">
+  <p:cSld>
+    <p:spTree>
+      <p:nvGrpSpPr>
+        <p:cNvPr id="1" name=""/>
+        <p:cNvGrpSpPr/>
+        <p:nvPr/>
+      </p:nvGrpSpPr>
+      <p:grpSpPr>
+        <a:xfrm>
+          <a:off x="0" y="0"/>
+          <a:ext cx="0" cy="0"/>
+          <a:chOff x="0" y="0"/>
+          <a:chExt cx="0" cy="0"/>
+        </a:xfrm>
+      </p:grpSpPr>
+      <p:sp>
+        <p:nvSpPr>
+          <p:cNvPr id="4" name="직사각형 3"/>
+          <p:cNvSpPr/>
+          <p:nvPr/>
+        </p:nvSpPr>
+        <p:spPr>
+          <a:xfrm>
+            <a:off x="3548611" y="912553"/>
+            <a:ext cx="614834" cy="343672"/>
+          </a:xfrm>
+          <a:prstGeom prst="rect">
+            <a:avLst/>
+          </a:prstGeom>
+          <a:noFill/>
+          <a:ln>
+            <a:noFill/>
+          </a:ln>
+        </p:spPr>
+        <p:style>
+          <a:lnRef idx="2">
+            <a:schemeClr val="accent1">
+              <a:shade val="50000"/>
+            </a:schemeClr>
+          </a:lnRef>
+          <a:fillRef idx="1">
+            <a:schemeClr val="accent1"/>
+          </a:fillRef>
+          <a:effectRef idx="0">
+            <a:schemeClr val="accent1"/>
+          </a:effectRef>
+          <a:fontRef idx="minor">
+            <a:schemeClr val="lt1"/>
+          </a:fontRef>
+        </p:style>
+        <p:txBody>
+          <a:bodyPr rtlCol="0" anchor="ctr"/>
+          <a:lstStyle/>
+          <a:p>
+            <a:pPr algn="ctr"/>
+            <a:r>
+              <a:rPr lang="en-US" altLang="ko-KR" sz="800" dirty="0" smtClean="0">
+                <a:solidFill>
+                  <a:schemeClr val="tx1"/>
+                </a:solidFill>
+              </a:rPr>
+              <a:t>trend</a:t>
+            </a:r>
+            <a:endParaRPr lang="ko-KR" altLang="en-US" sz="800" dirty="0">
+              <a:solidFill>
+                <a:schemeClr val="tx1"/>
+              </a:solidFill>
+            </a:endParaRPr>
+          </a:p>
+        </p:txBody>
+      </p:sp>
+      <p:sp>
+        <p:nvSpPr>
+          <p:cNvPr id="5" name="직사각형 4"/>
+          <p:cNvSpPr/>
+          <p:nvPr/>
+        </p:nvSpPr>
+        <p:spPr>
+          <a:xfrm>
+            <a:off x="4163445" y="912553"/>
+            <a:ext cx="614834" cy="343672"/>
+          </a:xfrm>
+          <a:prstGeom prst="rect">
+            <a:avLst/>
+          </a:prstGeom>
+          <a:noFill/>
+          <a:ln>
+            <a:noFill/>
+          </a:ln>
+        </p:spPr>
+        <p:style>
+          <a:lnRef idx="2">
+            <a:schemeClr val="accent1">
+              <a:shade val="50000"/>
+            </a:schemeClr>
+          </a:lnRef>
+          <a:fillRef idx="1">
+            <a:schemeClr val="accent1"/>
+          </a:fillRef>
+          <a:effectRef idx="0">
+            <a:schemeClr val="accent1"/>
+          </a:effectRef>
+          <a:fontRef idx="minor">
+            <a:schemeClr val="lt1"/>
+          </a:fontRef>
+        </p:style>
+        <p:txBody>
+          <a:bodyPr rtlCol="0" anchor="ctr"/>
+          <a:lstStyle/>
+          <a:p>
+            <a:pPr algn="ctr"/>
+            <a:r>
+              <a:rPr lang="en-US" altLang="ko-KR" sz="800" dirty="0" smtClean="0">
+                <a:solidFill>
+                  <a:schemeClr val="tx1"/>
+                </a:solidFill>
+              </a:rPr>
+              <a:t>Season2</a:t>
+            </a:r>
+            <a:endParaRPr lang="ko-KR" altLang="en-US" sz="800" dirty="0">
+              <a:solidFill>
+                <a:schemeClr val="tx1"/>
+              </a:solidFill>
+            </a:endParaRPr>
+          </a:p>
+        </p:txBody>
+      </p:sp>
+      <p:sp>
+        <p:nvSpPr>
+          <p:cNvPr id="6" name="직사각형 5"/>
+          <p:cNvSpPr/>
+          <p:nvPr/>
+        </p:nvSpPr>
+        <p:spPr>
+          <a:xfrm>
+            <a:off x="4778279" y="912553"/>
+            <a:ext cx="614834" cy="343672"/>
+          </a:xfrm>
+          <a:prstGeom prst="rect">
+            <a:avLst/>
+          </a:prstGeom>
+          <a:noFill/>
+          <a:ln>
+            <a:noFill/>
+          </a:ln>
+        </p:spPr>
+        <p:style>
+          <a:lnRef idx="2">
+            <a:schemeClr val="accent1">
+              <a:shade val="50000"/>
+            </a:schemeClr>
+          </a:lnRef>
+          <a:fillRef idx="1">
+            <a:schemeClr val="accent1"/>
+          </a:fillRef>
+          <a:effectRef idx="0">
+            <a:schemeClr val="accent1"/>
+          </a:effectRef>
+          <a:fontRef idx="minor">
+            <a:schemeClr val="lt1"/>
+          </a:fontRef>
+        </p:style>
+        <p:txBody>
+          <a:bodyPr rtlCol="0" anchor="ctr"/>
+          <a:lstStyle/>
+          <a:p>
+            <a:pPr algn="ctr"/>
+            <a:r>
+              <a:rPr lang="en-US" altLang="ko-KR" sz="800" dirty="0" smtClean="0">
+                <a:solidFill>
+                  <a:schemeClr val="tx1"/>
+                </a:solidFill>
+              </a:rPr>
+              <a:t>season3</a:t>
+            </a:r>
+            <a:endParaRPr lang="ko-KR" altLang="en-US" sz="800" dirty="0">
+              <a:solidFill>
+                <a:schemeClr val="tx1"/>
+              </a:solidFill>
+            </a:endParaRPr>
+          </a:p>
+        </p:txBody>
+      </p:sp>
+      <p:sp>
+        <p:nvSpPr>
+          <p:cNvPr id="7" name="직사각형 6"/>
+          <p:cNvSpPr/>
+          <p:nvPr/>
+        </p:nvSpPr>
+        <p:spPr>
+          <a:xfrm>
+            <a:off x="5393113" y="912553"/>
+            <a:ext cx="614834" cy="343672"/>
+          </a:xfrm>
+          <a:prstGeom prst="rect">
+            <a:avLst/>
+          </a:prstGeom>
+          <a:noFill/>
+          <a:ln>
+            <a:noFill/>
+          </a:ln>
+        </p:spPr>
+        <p:style>
+          <a:lnRef idx="2">
+            <a:schemeClr val="accent1">
+              <a:shade val="50000"/>
+            </a:schemeClr>
+          </a:lnRef>
+          <a:fillRef idx="1">
+            <a:schemeClr val="accent1"/>
+          </a:fillRef>
+          <a:effectRef idx="0">
+            <a:schemeClr val="accent1"/>
+          </a:effectRef>
+          <a:fontRef idx="minor">
+            <a:schemeClr val="lt1"/>
+          </a:fontRef>
+        </p:style>
+        <p:txBody>
+          <a:bodyPr rtlCol="0" anchor="ctr"/>
+          <a:lstStyle/>
+          <a:p>
+            <a:pPr algn="ctr"/>
+            <a:r>
+              <a:rPr lang="en-US" altLang="ko-KR" sz="800" dirty="0" smtClean="0">
+                <a:solidFill>
+                  <a:schemeClr val="tx1"/>
+                </a:solidFill>
+              </a:rPr>
+              <a:t>Season4</a:t>
+            </a:r>
+          </a:p>
+        </p:txBody>
+      </p:sp>
+      <p:sp>
+        <p:nvSpPr>
+          <p:cNvPr id="8" name="직사각형 7"/>
+          <p:cNvSpPr/>
+          <p:nvPr/>
+        </p:nvSpPr>
+        <p:spPr>
+          <a:xfrm>
+            <a:off x="6007947" y="912553"/>
+            <a:ext cx="614834" cy="343672"/>
+          </a:xfrm>
+          <a:prstGeom prst="rect">
+            <a:avLst/>
+          </a:prstGeom>
+          <a:noFill/>
+          <a:ln>
+            <a:noFill/>
+          </a:ln>
+        </p:spPr>
+        <p:style>
+          <a:lnRef idx="2">
+            <a:schemeClr val="accent1">
+              <a:shade val="50000"/>
+            </a:schemeClr>
+          </a:lnRef>
+          <a:fillRef idx="1">
+            <a:schemeClr val="accent1"/>
+          </a:fillRef>
+          <a:effectRef idx="0">
+            <a:schemeClr val="accent1"/>
+          </a:effectRef>
+          <a:fontRef idx="minor">
+            <a:schemeClr val="lt1"/>
+          </a:fontRef>
+        </p:style>
+        <p:txBody>
+          <a:bodyPr rtlCol="0" anchor="ctr"/>
+          <a:lstStyle/>
+          <a:p>
+            <a:pPr algn="ctr"/>
+            <a:r>
+              <a:rPr lang="en-US" altLang="ko-KR" sz="800" dirty="0" smtClean="0">
+                <a:solidFill>
+                  <a:schemeClr val="tx1"/>
+                </a:solidFill>
+              </a:rPr>
+              <a:t>season5</a:t>
+            </a:r>
+            <a:endParaRPr lang="ko-KR" altLang="en-US" sz="800" dirty="0">
+              <a:solidFill>
+                <a:schemeClr val="tx1"/>
+              </a:solidFill>
+            </a:endParaRPr>
+          </a:p>
+        </p:txBody>
+      </p:sp>
+      <p:sp>
+        <p:nvSpPr>
+          <p:cNvPr id="9" name="직사각형 8"/>
+          <p:cNvSpPr/>
+          <p:nvPr/>
+        </p:nvSpPr>
+        <p:spPr>
+          <a:xfrm>
+            <a:off x="6622781" y="912553"/>
+            <a:ext cx="614834" cy="343672"/>
+          </a:xfrm>
+          <a:prstGeom prst="rect">
+            <a:avLst/>
+          </a:prstGeom>
+          <a:noFill/>
+          <a:ln>
+            <a:noFill/>
+          </a:ln>
+        </p:spPr>
+        <p:style>
+          <a:lnRef idx="2">
+            <a:schemeClr val="accent1">
+              <a:shade val="50000"/>
+            </a:schemeClr>
+          </a:lnRef>
+          <a:fillRef idx="1">
+            <a:schemeClr val="accent1"/>
+          </a:fillRef>
+          <a:effectRef idx="0">
+            <a:schemeClr val="accent1"/>
+          </a:effectRef>
+          <a:fontRef idx="minor">
+            <a:schemeClr val="lt1"/>
+          </a:fontRef>
+        </p:style>
+        <p:txBody>
+          <a:bodyPr rtlCol="0" anchor="ctr"/>
+          <a:lstStyle/>
+          <a:p>
+            <a:pPr algn="ctr"/>
+            <a:r>
+              <a:rPr lang="en-US" altLang="ko-KR" sz="800" dirty="0" smtClean="0">
+                <a:solidFill>
+                  <a:schemeClr val="tx1"/>
+                </a:solidFill>
+              </a:rPr>
+              <a:t>season6</a:t>
+            </a:r>
+            <a:endParaRPr lang="ko-KR" altLang="en-US" sz="800" dirty="0">
+              <a:solidFill>
+                <a:schemeClr val="tx1"/>
+              </a:solidFill>
+            </a:endParaRPr>
+          </a:p>
+        </p:txBody>
+      </p:sp>
+      <p:sp>
+        <p:nvSpPr>
+          <p:cNvPr id="10" name="직사각형 9"/>
+          <p:cNvSpPr/>
+          <p:nvPr/>
+        </p:nvSpPr>
+        <p:spPr>
+          <a:xfrm>
+            <a:off x="7237616" y="912553"/>
+            <a:ext cx="614834" cy="343672"/>
+          </a:xfrm>
+          <a:prstGeom prst="rect">
+            <a:avLst/>
+          </a:prstGeom>
+          <a:noFill/>
+          <a:ln>
+            <a:noFill/>
+          </a:ln>
+        </p:spPr>
+        <p:style>
+          <a:lnRef idx="2">
+            <a:schemeClr val="accent1">
+              <a:shade val="50000"/>
+            </a:schemeClr>
+          </a:lnRef>
+          <a:fillRef idx="1">
+            <a:schemeClr val="accent1"/>
+          </a:fillRef>
+          <a:effectRef idx="0">
+            <a:schemeClr val="accent1"/>
+          </a:effectRef>
+          <a:fontRef idx="minor">
+            <a:schemeClr val="lt1"/>
+          </a:fontRef>
+        </p:style>
+        <p:txBody>
+          <a:bodyPr rtlCol="0" anchor="ctr"/>
+          <a:lstStyle/>
+          <a:p>
+            <a:pPr algn="ctr"/>
+            <a:r>
+              <a:rPr lang="en-US" altLang="ko-KR" sz="800" dirty="0" smtClean="0">
+                <a:solidFill>
+                  <a:schemeClr val="tx1"/>
+                </a:solidFill>
+              </a:rPr>
+              <a:t>season7</a:t>
+            </a:r>
+            <a:endParaRPr lang="ko-KR" altLang="en-US" sz="800" dirty="0">
+              <a:solidFill>
+                <a:schemeClr val="tx1"/>
+              </a:solidFill>
+            </a:endParaRPr>
+          </a:p>
+        </p:txBody>
+      </p:sp>
+      <p:sp>
+        <p:nvSpPr>
+          <p:cNvPr id="11" name="직사각형 10"/>
+          <p:cNvSpPr/>
+          <p:nvPr/>
+        </p:nvSpPr>
+        <p:spPr>
+          <a:xfrm>
+            <a:off x="7852450" y="912553"/>
+            <a:ext cx="614834" cy="343672"/>
+          </a:xfrm>
+          <a:prstGeom prst="rect">
+            <a:avLst/>
+          </a:prstGeom>
+          <a:noFill/>
+          <a:ln>
+            <a:noFill/>
+          </a:ln>
+        </p:spPr>
+        <p:style>
+          <a:lnRef idx="2">
+            <a:schemeClr val="accent1">
+              <a:shade val="50000"/>
+            </a:schemeClr>
+          </a:lnRef>
+          <a:fillRef idx="1">
+            <a:schemeClr val="accent1"/>
+          </a:fillRef>
+          <a:effectRef idx="0">
+            <a:schemeClr val="accent1"/>
+          </a:effectRef>
+          <a:fontRef idx="minor">
+            <a:schemeClr val="lt1"/>
+          </a:fontRef>
+        </p:style>
+        <p:txBody>
+          <a:bodyPr rtlCol="0" anchor="ctr"/>
+          <a:lstStyle/>
+          <a:p>
+            <a:pPr algn="ctr"/>
+            <a:r>
+              <a:rPr lang="en-US" altLang="ko-KR" sz="800" dirty="0" smtClean="0">
+                <a:solidFill>
+                  <a:schemeClr val="tx1"/>
+                </a:solidFill>
+              </a:rPr>
+              <a:t>season8</a:t>
+            </a:r>
+            <a:endParaRPr lang="ko-KR" altLang="en-US" sz="800" dirty="0">
+              <a:solidFill>
+                <a:schemeClr val="tx1"/>
+              </a:solidFill>
+            </a:endParaRPr>
+          </a:p>
+        </p:txBody>
+      </p:sp>
+      <p:sp>
+        <p:nvSpPr>
+          <p:cNvPr id="12" name="직사각형 11"/>
+          <p:cNvSpPr/>
+          <p:nvPr/>
+        </p:nvSpPr>
+        <p:spPr>
+          <a:xfrm>
+            <a:off x="8467284" y="912553"/>
+            <a:ext cx="614834" cy="343672"/>
+          </a:xfrm>
+          <a:prstGeom prst="rect">
+            <a:avLst/>
+          </a:prstGeom>
+          <a:noFill/>
+          <a:ln>
+            <a:noFill/>
+          </a:ln>
+        </p:spPr>
+        <p:style>
+          <a:lnRef idx="2">
+            <a:schemeClr val="accent1">
+              <a:shade val="50000"/>
+            </a:schemeClr>
+          </a:lnRef>
+          <a:fillRef idx="1">
+            <a:schemeClr val="accent1"/>
+          </a:fillRef>
+          <a:effectRef idx="0">
+            <a:schemeClr val="accent1"/>
+          </a:effectRef>
+          <a:fontRef idx="minor">
+            <a:schemeClr val="lt1"/>
+          </a:fontRef>
+        </p:style>
+        <p:txBody>
+          <a:bodyPr rtlCol="0" anchor="ctr"/>
+          <a:lstStyle/>
+          <a:p>
+            <a:pPr algn="ctr"/>
+            <a:r>
+              <a:rPr lang="en-US" altLang="ko-KR" sz="800" dirty="0" smtClean="0">
+                <a:solidFill>
+                  <a:schemeClr val="tx1"/>
+                </a:solidFill>
+              </a:rPr>
+              <a:t>season9</a:t>
+            </a:r>
+            <a:endParaRPr lang="ko-KR" altLang="en-US" sz="800" dirty="0">
+              <a:solidFill>
+                <a:schemeClr val="tx1"/>
+              </a:solidFill>
+            </a:endParaRPr>
+          </a:p>
+        </p:txBody>
+      </p:sp>
+      <p:sp>
+        <p:nvSpPr>
+          <p:cNvPr id="13" name="직사각형 12"/>
+          <p:cNvSpPr/>
+          <p:nvPr/>
+        </p:nvSpPr>
+        <p:spPr>
+          <a:xfrm>
+            <a:off x="9082118" y="912553"/>
+            <a:ext cx="614834" cy="343672"/>
+          </a:xfrm>
+          <a:prstGeom prst="rect">
+            <a:avLst/>
+          </a:prstGeom>
+          <a:noFill/>
+          <a:ln>
+            <a:noFill/>
+          </a:ln>
+        </p:spPr>
+        <p:style>
+          <a:lnRef idx="2">
+            <a:schemeClr val="accent1">
+              <a:shade val="50000"/>
+            </a:schemeClr>
+          </a:lnRef>
+          <a:fillRef idx="1">
+            <a:schemeClr val="accent1"/>
+          </a:fillRef>
+          <a:effectRef idx="0">
+            <a:schemeClr val="accent1"/>
+          </a:effectRef>
+          <a:fontRef idx="minor">
+            <a:schemeClr val="lt1"/>
+          </a:fontRef>
+        </p:style>
+        <p:txBody>
+          <a:bodyPr rtlCol="0" anchor="ctr"/>
+          <a:lstStyle/>
+          <a:p>
+            <a:pPr algn="ctr"/>
+            <a:r>
+              <a:rPr lang="en-US" altLang="ko-KR" sz="800" dirty="0" smtClean="0">
+                <a:solidFill>
+                  <a:schemeClr val="tx1"/>
+                </a:solidFill>
+              </a:rPr>
+              <a:t>season10</a:t>
+            </a:r>
+            <a:endParaRPr lang="ko-KR" altLang="en-US" sz="800" dirty="0">
+              <a:solidFill>
+                <a:schemeClr val="tx1"/>
+              </a:solidFill>
+            </a:endParaRPr>
+          </a:p>
+        </p:txBody>
+      </p:sp>
+      <p:sp>
+        <p:nvSpPr>
+          <p:cNvPr id="14" name="직사각형 13"/>
+          <p:cNvSpPr/>
+          <p:nvPr/>
+        </p:nvSpPr>
+        <p:spPr>
+          <a:xfrm>
+            <a:off x="9696952" y="912553"/>
+            <a:ext cx="614834" cy="343672"/>
+          </a:xfrm>
+          <a:prstGeom prst="rect">
+            <a:avLst/>
+          </a:prstGeom>
+          <a:noFill/>
+          <a:ln>
+            <a:noFill/>
+          </a:ln>
+        </p:spPr>
+        <p:style>
+          <a:lnRef idx="2">
+            <a:schemeClr val="accent1">
+              <a:shade val="50000"/>
+            </a:schemeClr>
+          </a:lnRef>
+          <a:fillRef idx="1">
+            <a:schemeClr val="accent1"/>
+          </a:fillRef>
+          <a:effectRef idx="0">
+            <a:schemeClr val="accent1"/>
+          </a:effectRef>
+          <a:fontRef idx="minor">
+            <a:schemeClr val="lt1"/>
+          </a:fontRef>
+        </p:style>
+        <p:txBody>
+          <a:bodyPr rtlCol="0" anchor="ctr"/>
+          <a:lstStyle/>
+          <a:p>
+            <a:pPr algn="ctr"/>
+            <a:r>
+              <a:rPr lang="en-US" altLang="ko-KR" sz="800" dirty="0" smtClean="0">
+                <a:solidFill>
+                  <a:schemeClr val="tx1"/>
+                </a:solidFill>
+              </a:rPr>
+              <a:t>season11</a:t>
+            </a:r>
+            <a:endParaRPr lang="ko-KR" altLang="en-US" sz="800" dirty="0">
+              <a:solidFill>
+                <a:schemeClr val="tx1"/>
+              </a:solidFill>
+            </a:endParaRPr>
+          </a:p>
+        </p:txBody>
+      </p:sp>
+      <p:sp>
+        <p:nvSpPr>
+          <p:cNvPr id="15" name="직사각형 14"/>
+          <p:cNvSpPr/>
+          <p:nvPr/>
+        </p:nvSpPr>
+        <p:spPr>
+          <a:xfrm>
+            <a:off x="10311786" y="912553"/>
+            <a:ext cx="614834" cy="343672"/>
+          </a:xfrm>
+          <a:prstGeom prst="rect">
+            <a:avLst/>
+          </a:prstGeom>
+          <a:noFill/>
+          <a:ln>
+            <a:noFill/>
+          </a:ln>
+        </p:spPr>
+        <p:style>
+          <a:lnRef idx="2">
+            <a:schemeClr val="accent1">
+              <a:shade val="50000"/>
+            </a:schemeClr>
+          </a:lnRef>
+          <a:fillRef idx="1">
+            <a:schemeClr val="accent1"/>
+          </a:fillRef>
+          <a:effectRef idx="0">
+            <a:schemeClr val="accent1"/>
+          </a:effectRef>
+          <a:fontRef idx="minor">
+            <a:schemeClr val="lt1"/>
+          </a:fontRef>
+        </p:style>
+        <p:txBody>
+          <a:bodyPr rtlCol="0" anchor="ctr"/>
+          <a:lstStyle/>
+          <a:p>
+            <a:pPr algn="ctr"/>
+            <a:r>
+              <a:rPr lang="en-US" altLang="ko-KR" sz="800" dirty="0" smtClean="0">
+                <a:solidFill>
+                  <a:schemeClr val="tx1"/>
+                </a:solidFill>
+              </a:rPr>
+              <a:t>season12</a:t>
+            </a:r>
+            <a:endParaRPr lang="ko-KR" altLang="en-US" sz="800" dirty="0">
+              <a:solidFill>
+                <a:schemeClr val="tx1"/>
+              </a:solidFill>
+            </a:endParaRPr>
+          </a:p>
+        </p:txBody>
+      </p:sp>
+      <p:sp>
+        <p:nvSpPr>
+          <p:cNvPr id="20" name="직사각형 19"/>
+          <p:cNvSpPr/>
+          <p:nvPr/>
+        </p:nvSpPr>
+        <p:spPr>
+          <a:xfrm>
+            <a:off x="3548611" y="1263455"/>
+            <a:ext cx="614834" cy="343672"/>
+          </a:xfrm>
+          <a:prstGeom prst="rect">
+            <a:avLst/>
+          </a:prstGeom>
+        </p:spPr>
+        <p:style>
+          <a:lnRef idx="2">
+            <a:schemeClr val="accent1">
+              <a:shade val="50000"/>
+            </a:schemeClr>
+          </a:lnRef>
+          <a:fillRef idx="1">
+            <a:schemeClr val="accent1"/>
+          </a:fillRef>
+          <a:effectRef idx="0">
+            <a:schemeClr val="accent1"/>
+          </a:effectRef>
+          <a:fontRef idx="minor">
+            <a:schemeClr val="lt1"/>
+          </a:fontRef>
+        </p:style>
+        <p:txBody>
+          <a:bodyPr rtlCol="0" anchor="ctr"/>
+          <a:lstStyle/>
+          <a:p>
+            <a:pPr algn="ctr"/>
+            <a:r>
+              <a:rPr lang="en-US" altLang="ko-KR" sz="800" dirty="0" smtClean="0">
+                <a:solidFill>
+                  <a:schemeClr val="bg1"/>
+                </a:solidFill>
+              </a:rPr>
+              <a:t>19.4</a:t>
+            </a:r>
+            <a:endParaRPr lang="ko-KR" altLang="en-US" sz="800" dirty="0">
+              <a:solidFill>
+                <a:schemeClr val="bg1"/>
+              </a:solidFill>
+            </a:endParaRPr>
+          </a:p>
+        </p:txBody>
+      </p:sp>
+      <p:sp>
+        <p:nvSpPr>
+          <p:cNvPr id="21" name="직사각형 20"/>
+          <p:cNvSpPr/>
+          <p:nvPr/>
+        </p:nvSpPr>
+        <p:spPr>
+          <a:xfrm>
+            <a:off x="4163445" y="1263455"/>
+            <a:ext cx="614834" cy="343672"/>
+          </a:xfrm>
+          <a:prstGeom prst="rect">
+            <a:avLst/>
+          </a:prstGeom>
+        </p:spPr>
+        <p:style>
+          <a:lnRef idx="2">
+            <a:schemeClr val="accent1">
+              <a:shade val="50000"/>
+            </a:schemeClr>
+          </a:lnRef>
+          <a:fillRef idx="1">
+            <a:schemeClr val="accent1"/>
+          </a:fillRef>
+          <a:effectRef idx="0">
+            <a:schemeClr val="accent1"/>
+          </a:effectRef>
+          <a:fontRef idx="minor">
+            <a:schemeClr val="lt1"/>
+          </a:fontRef>
+        </p:style>
+        <p:txBody>
+          <a:bodyPr rtlCol="0" anchor="ctr"/>
+          <a:lstStyle/>
+          <a:p>
+            <a:pPr algn="ctr"/>
+            <a:r>
+              <a:rPr lang="en-US" altLang="ko-KR" sz="800" dirty="0" smtClean="0">
+                <a:solidFill>
+                  <a:schemeClr val="bg1"/>
+                </a:solidFill>
+              </a:rPr>
+              <a:t>1.16</a:t>
+            </a:r>
+            <a:endParaRPr lang="ko-KR" altLang="en-US" sz="800" dirty="0">
+              <a:solidFill>
+                <a:schemeClr val="bg1"/>
+              </a:solidFill>
+            </a:endParaRPr>
+          </a:p>
+        </p:txBody>
+      </p:sp>
+      <p:sp>
+        <p:nvSpPr>
+          <p:cNvPr id="22" name="직사각형 21"/>
+          <p:cNvSpPr/>
+          <p:nvPr/>
+        </p:nvSpPr>
+        <p:spPr>
+          <a:xfrm>
+            <a:off x="4778279" y="1263455"/>
+            <a:ext cx="614834" cy="343672"/>
+          </a:xfrm>
+          <a:prstGeom prst="rect">
+            <a:avLst/>
+          </a:prstGeom>
+        </p:spPr>
+        <p:style>
+          <a:lnRef idx="2">
+            <a:schemeClr val="accent1">
+              <a:shade val="50000"/>
+            </a:schemeClr>
+          </a:lnRef>
+          <a:fillRef idx="1">
+            <a:schemeClr val="accent1"/>
+          </a:fillRef>
+          <a:effectRef idx="0">
+            <a:schemeClr val="accent1"/>
+          </a:effectRef>
+          <a:fontRef idx="minor">
+            <a:schemeClr val="lt1"/>
+          </a:fontRef>
+        </p:style>
+        <p:txBody>
+          <a:bodyPr rtlCol="0" anchor="ctr"/>
+          <a:lstStyle/>
+          <a:p>
+            <a:pPr algn="ctr"/>
+            <a:r>
+              <a:rPr lang="en-US" altLang="ko-KR" sz="800" dirty="0" smtClean="0">
+                <a:solidFill>
+                  <a:schemeClr val="bg1"/>
+                </a:solidFill>
+              </a:rPr>
+              <a:t>318.46</a:t>
+            </a:r>
+            <a:endParaRPr lang="ko-KR" altLang="en-US" sz="800" dirty="0">
+              <a:solidFill>
+                <a:schemeClr val="bg1"/>
+              </a:solidFill>
+            </a:endParaRPr>
+          </a:p>
+        </p:txBody>
+      </p:sp>
+      <p:sp>
+        <p:nvSpPr>
+          <p:cNvPr id="23" name="직사각형 22"/>
+          <p:cNvSpPr/>
+          <p:nvPr/>
+        </p:nvSpPr>
+        <p:spPr>
+          <a:xfrm>
+            <a:off x="5393113" y="1263455"/>
+            <a:ext cx="614834" cy="343672"/>
+          </a:xfrm>
+          <a:prstGeom prst="rect">
+            <a:avLst/>
+          </a:prstGeom>
+        </p:spPr>
+        <p:style>
+          <a:lnRef idx="2">
+            <a:schemeClr val="accent1">
+              <a:shade val="50000"/>
+            </a:schemeClr>
+          </a:lnRef>
+          <a:fillRef idx="1">
+            <a:schemeClr val="accent1"/>
+          </a:fillRef>
+          <a:effectRef idx="0">
+            <a:schemeClr val="accent1"/>
+          </a:effectRef>
+          <a:fontRef idx="minor">
+            <a:schemeClr val="lt1"/>
+          </a:fontRef>
+        </p:style>
+        <p:txBody>
+          <a:bodyPr rtlCol="0" anchor="ctr"/>
+          <a:lstStyle/>
+          <a:p>
+            <a:pPr algn="ctr"/>
+            <a:r>
+              <a:rPr lang="en-US" altLang="ko-KR" sz="800" dirty="0" smtClean="0">
+                <a:solidFill>
+                  <a:schemeClr val="bg1"/>
+                </a:solidFill>
+              </a:rPr>
+              <a:t>629.00</a:t>
+            </a:r>
+            <a:endParaRPr lang="ko-KR" altLang="en-US" sz="800" dirty="0">
+              <a:solidFill>
+                <a:schemeClr val="bg1"/>
+              </a:solidFill>
+            </a:endParaRPr>
+          </a:p>
+        </p:txBody>
+      </p:sp>
+      <p:sp>
+        <p:nvSpPr>
+          <p:cNvPr id="24" name="직사각형 23"/>
+          <p:cNvSpPr/>
+          <p:nvPr/>
+        </p:nvSpPr>
+        <p:spPr>
+          <a:xfrm>
+            <a:off x="6007947" y="1263455"/>
+            <a:ext cx="614834" cy="343672"/>
+          </a:xfrm>
+          <a:prstGeom prst="rect">
+            <a:avLst/>
+          </a:prstGeom>
+        </p:spPr>
+        <p:style>
+          <a:lnRef idx="2">
+            <a:schemeClr val="accent1">
+              <a:shade val="50000"/>
+            </a:schemeClr>
+          </a:lnRef>
+          <a:fillRef idx="1">
+            <a:schemeClr val="accent1"/>
+          </a:fillRef>
+          <a:effectRef idx="0">
+            <a:schemeClr val="accent1"/>
+          </a:effectRef>
+          <a:fontRef idx="minor">
+            <a:schemeClr val="lt1"/>
+          </a:fontRef>
+        </p:style>
+        <p:txBody>
+          <a:bodyPr rtlCol="0" anchor="ctr"/>
+          <a:lstStyle/>
+          <a:p>
+            <a:pPr algn="ctr"/>
+            <a:r>
+              <a:rPr lang="en-US" altLang="ko-KR" sz="800" dirty="0" smtClean="0">
+                <a:solidFill>
+                  <a:schemeClr val="bg1"/>
+                </a:solidFill>
+              </a:rPr>
+              <a:t>869.17</a:t>
+            </a:r>
+            <a:endParaRPr lang="ko-KR" altLang="en-US" sz="800" dirty="0">
+              <a:solidFill>
+                <a:schemeClr val="bg1"/>
+              </a:solidFill>
+            </a:endParaRPr>
+          </a:p>
+        </p:txBody>
+      </p:sp>
+      <p:sp>
+        <p:nvSpPr>
+          <p:cNvPr id="25" name="직사각형 24"/>
+          <p:cNvSpPr/>
+          <p:nvPr/>
+        </p:nvSpPr>
+        <p:spPr>
+          <a:xfrm>
+            <a:off x="6622781" y="1263455"/>
+            <a:ext cx="614834" cy="343672"/>
+          </a:xfrm>
+          <a:prstGeom prst="rect">
+            <a:avLst/>
+          </a:prstGeom>
+        </p:spPr>
+        <p:style>
+          <a:lnRef idx="2">
+            <a:schemeClr val="accent1">
+              <a:shade val="50000"/>
+            </a:schemeClr>
+          </a:lnRef>
+          <a:fillRef idx="1">
+            <a:schemeClr val="accent1"/>
+          </a:fillRef>
+          <a:effectRef idx="0">
+            <a:schemeClr val="accent1"/>
+          </a:effectRef>
+          <a:fontRef idx="minor">
+            <a:schemeClr val="lt1"/>
+          </a:fontRef>
+        </p:style>
+        <p:txBody>
+          <a:bodyPr rtlCol="0" anchor="ctr"/>
+          <a:lstStyle/>
+          <a:p>
+            <a:pPr algn="ctr"/>
+            <a:r>
+              <a:rPr lang="en-US" altLang="ko-KR" sz="800" dirty="0" smtClean="0">
+                <a:solidFill>
+                  <a:schemeClr val="bg1"/>
+                </a:solidFill>
+              </a:rPr>
+              <a:t>919.34</a:t>
+            </a:r>
+            <a:endParaRPr lang="ko-KR" altLang="en-US" sz="800" dirty="0">
+              <a:solidFill>
+                <a:schemeClr val="bg1"/>
+              </a:solidFill>
+            </a:endParaRPr>
+          </a:p>
+        </p:txBody>
+      </p:sp>
+      <p:sp>
+        <p:nvSpPr>
+          <p:cNvPr id="26" name="직사각형 25"/>
+          <p:cNvSpPr/>
+          <p:nvPr/>
+        </p:nvSpPr>
+        <p:spPr>
+          <a:xfrm>
+            <a:off x="7237616" y="1263455"/>
+            <a:ext cx="614834" cy="343672"/>
+          </a:xfrm>
+          <a:prstGeom prst="rect">
+            <a:avLst/>
+          </a:prstGeom>
+        </p:spPr>
+        <p:style>
+          <a:lnRef idx="2">
+            <a:schemeClr val="accent1">
+              <a:shade val="50000"/>
+            </a:schemeClr>
+          </a:lnRef>
+          <a:fillRef idx="1">
+            <a:schemeClr val="accent1"/>
+          </a:fillRef>
+          <a:effectRef idx="0">
+            <a:schemeClr val="accent1"/>
+          </a:effectRef>
+          <a:fontRef idx="minor">
+            <a:schemeClr val="lt1"/>
+          </a:fontRef>
+        </p:style>
+        <p:txBody>
+          <a:bodyPr rtlCol="0" anchor="ctr"/>
+          <a:lstStyle/>
+          <a:p>
+            <a:pPr algn="ctr"/>
+            <a:r>
+              <a:rPr lang="en-US" altLang="ko-KR" sz="800" dirty="0" smtClean="0">
+                <a:solidFill>
+                  <a:schemeClr val="bg1"/>
+                </a:solidFill>
+              </a:rPr>
+              <a:t>935.26</a:t>
+            </a:r>
+            <a:endParaRPr lang="ko-KR" altLang="en-US" sz="800" dirty="0">
+              <a:solidFill>
+                <a:schemeClr val="bg1"/>
+              </a:solidFill>
+            </a:endParaRPr>
+          </a:p>
+        </p:txBody>
+      </p:sp>
+      <p:sp>
+        <p:nvSpPr>
+          <p:cNvPr id="27" name="직사각형 26"/>
+          <p:cNvSpPr/>
+          <p:nvPr/>
+        </p:nvSpPr>
+        <p:spPr>
+          <a:xfrm>
+            <a:off x="7852450" y="1263455"/>
+            <a:ext cx="614834" cy="343672"/>
+          </a:xfrm>
+          <a:prstGeom prst="rect">
+            <a:avLst/>
+          </a:prstGeom>
+        </p:spPr>
+        <p:style>
+          <a:lnRef idx="2">
+            <a:schemeClr val="accent1">
+              <a:shade val="50000"/>
+            </a:schemeClr>
+          </a:lnRef>
+          <a:fillRef idx="1">
+            <a:schemeClr val="accent1"/>
+          </a:fillRef>
+          <a:effectRef idx="0">
+            <a:schemeClr val="accent1"/>
+          </a:effectRef>
+          <a:fontRef idx="minor">
+            <a:schemeClr val="lt1"/>
+          </a:fontRef>
+        </p:style>
+        <p:txBody>
+          <a:bodyPr rtlCol="0" anchor="ctr"/>
+          <a:lstStyle/>
+          <a:p>
+            <a:pPr algn="ctr"/>
+            <a:r>
+              <a:rPr lang="en-US" altLang="ko-KR" sz="800" dirty="0" smtClean="0">
+                <a:solidFill>
+                  <a:schemeClr val="bg1"/>
+                </a:solidFill>
+              </a:rPr>
+              <a:t>803.42</a:t>
+            </a:r>
+            <a:endParaRPr lang="ko-KR" altLang="en-US" sz="800" dirty="0">
+              <a:solidFill>
+                <a:schemeClr val="bg1"/>
+              </a:solidFill>
+            </a:endParaRPr>
+          </a:p>
+        </p:txBody>
+      </p:sp>
+      <p:sp>
+        <p:nvSpPr>
+          <p:cNvPr id="28" name="직사각형 27"/>
+          <p:cNvSpPr/>
+          <p:nvPr/>
+        </p:nvSpPr>
+        <p:spPr>
+          <a:xfrm>
+            <a:off x="8467284" y="1263455"/>
+            <a:ext cx="614834" cy="343672"/>
+          </a:xfrm>
+          <a:prstGeom prst="rect">
+            <a:avLst/>
+          </a:prstGeom>
+        </p:spPr>
+        <p:style>
+          <a:lnRef idx="2">
+            <a:schemeClr val="accent1">
+              <a:shade val="50000"/>
+            </a:schemeClr>
+          </a:lnRef>
+          <a:fillRef idx="1">
+            <a:schemeClr val="accent1"/>
+          </a:fillRef>
+          <a:effectRef idx="0">
+            <a:schemeClr val="accent1"/>
+          </a:effectRef>
+          <a:fontRef idx="minor">
+            <a:schemeClr val="lt1"/>
+          </a:fontRef>
+        </p:style>
+        <p:txBody>
+          <a:bodyPr rtlCol="0" anchor="ctr"/>
+          <a:lstStyle/>
+          <a:p>
+            <a:pPr algn="ctr"/>
+            <a:r>
+              <a:rPr lang="en-US" altLang="ko-KR" sz="800" dirty="0" smtClean="0">
+                <a:solidFill>
+                  <a:schemeClr val="bg1"/>
+                </a:solidFill>
+              </a:rPr>
+              <a:t>854.59</a:t>
+            </a:r>
+            <a:endParaRPr lang="ko-KR" altLang="en-US" sz="800" dirty="0">
+              <a:solidFill>
+                <a:schemeClr val="bg1"/>
+              </a:solidFill>
+            </a:endParaRPr>
+          </a:p>
+        </p:txBody>
+      </p:sp>
+      <p:sp>
+        <p:nvSpPr>
+          <p:cNvPr id="29" name="직사각형 28"/>
+          <p:cNvSpPr/>
+          <p:nvPr/>
+        </p:nvSpPr>
+        <p:spPr>
+          <a:xfrm>
+            <a:off x="9082118" y="1263455"/>
+            <a:ext cx="614834" cy="343672"/>
+          </a:xfrm>
+          <a:prstGeom prst="rect">
+            <a:avLst/>
+          </a:prstGeom>
+        </p:spPr>
+        <p:style>
+          <a:lnRef idx="2">
+            <a:schemeClr val="accent1">
+              <a:shade val="50000"/>
+            </a:schemeClr>
+          </a:lnRef>
+          <a:fillRef idx="1">
+            <a:schemeClr val="accent1"/>
+          </a:fillRef>
+          <a:effectRef idx="0">
+            <a:schemeClr val="accent1"/>
+          </a:effectRef>
+          <a:fontRef idx="minor">
+            <a:schemeClr val="lt1"/>
+          </a:fontRef>
+        </p:style>
+        <p:txBody>
+          <a:bodyPr rtlCol="0" anchor="ctr"/>
+          <a:lstStyle/>
+          <a:p>
+            <a:pPr algn="ctr"/>
+            <a:r>
+              <a:rPr lang="en-US" altLang="ko-KR" sz="800" dirty="0" smtClean="0">
+                <a:solidFill>
+                  <a:schemeClr val="bg1"/>
+                </a:solidFill>
+              </a:rPr>
+              <a:t>890.51</a:t>
+            </a:r>
+            <a:endParaRPr lang="ko-KR" altLang="en-US" sz="800" dirty="0">
+              <a:solidFill>
+                <a:schemeClr val="bg1"/>
+              </a:solidFill>
+            </a:endParaRPr>
+          </a:p>
+        </p:txBody>
+      </p:sp>
+      <p:sp>
+        <p:nvSpPr>
+          <p:cNvPr id="30" name="직사각형 29"/>
+          <p:cNvSpPr/>
+          <p:nvPr/>
+        </p:nvSpPr>
+        <p:spPr>
+          <a:xfrm>
+            <a:off x="9696952" y="1263455"/>
+            <a:ext cx="614834" cy="343672"/>
+          </a:xfrm>
+          <a:prstGeom prst="rect">
+            <a:avLst/>
+          </a:prstGeom>
+        </p:spPr>
+        <p:style>
+          <a:lnRef idx="2">
+            <a:schemeClr val="accent1">
+              <a:shade val="50000"/>
+            </a:schemeClr>
+          </a:lnRef>
+          <a:fillRef idx="1">
+            <a:schemeClr val="accent1"/>
+          </a:fillRef>
+          <a:effectRef idx="0">
+            <a:schemeClr val="accent1"/>
+          </a:effectRef>
+          <a:fontRef idx="minor">
+            <a:schemeClr val="lt1"/>
+          </a:fontRef>
+        </p:style>
+        <p:txBody>
+          <a:bodyPr rtlCol="0" anchor="ctr"/>
+          <a:lstStyle/>
+          <a:p>
+            <a:pPr algn="ctr"/>
+            <a:r>
+              <a:rPr lang="en-US" altLang="ko-KR" sz="800" dirty="0" smtClean="0">
+                <a:solidFill>
+                  <a:schemeClr val="bg1"/>
+                </a:solidFill>
+              </a:rPr>
+              <a:t>898.80</a:t>
+            </a:r>
+            <a:endParaRPr lang="ko-KR" altLang="en-US" sz="800" dirty="0">
+              <a:solidFill>
+                <a:schemeClr val="bg1"/>
+              </a:solidFill>
+            </a:endParaRPr>
+          </a:p>
+        </p:txBody>
+      </p:sp>
+      <p:sp>
+        <p:nvSpPr>
+          <p:cNvPr id="31" name="직사각형 30"/>
+          <p:cNvSpPr/>
+          <p:nvPr/>
+        </p:nvSpPr>
+        <p:spPr>
+          <a:xfrm>
+            <a:off x="10311786" y="1263455"/>
+            <a:ext cx="614834" cy="343672"/>
+          </a:xfrm>
+          <a:prstGeom prst="rect">
+            <a:avLst/>
+          </a:prstGeom>
+        </p:spPr>
+        <p:style>
+          <a:lnRef idx="2">
+            <a:schemeClr val="accent1">
+              <a:shade val="50000"/>
+            </a:schemeClr>
+          </a:lnRef>
+          <a:fillRef idx="1">
+            <a:schemeClr val="accent1"/>
+          </a:fillRef>
+          <a:effectRef idx="0">
+            <a:schemeClr val="accent1"/>
+          </a:effectRef>
+          <a:fontRef idx="minor">
+            <a:schemeClr val="lt1"/>
+          </a:fontRef>
+        </p:style>
+        <p:txBody>
+          <a:bodyPr rtlCol="0" anchor="ctr"/>
+          <a:lstStyle/>
+          <a:p>
+            <a:pPr algn="ctr"/>
+            <a:r>
+              <a:rPr lang="en-US" altLang="ko-KR" sz="800" dirty="0" smtClean="0">
+                <a:solidFill>
+                  <a:schemeClr val="bg1"/>
+                </a:solidFill>
+              </a:rPr>
+              <a:t>385.47</a:t>
+            </a:r>
+            <a:endParaRPr lang="ko-KR" altLang="en-US" sz="800" dirty="0">
+              <a:solidFill>
+                <a:schemeClr val="bg1"/>
+              </a:solidFill>
+            </a:endParaRPr>
+          </a:p>
+        </p:txBody>
+      </p:sp>
+      <p:sp>
+        <p:nvSpPr>
+          <p:cNvPr id="33" name="직사각형 32"/>
+          <p:cNvSpPr/>
+          <p:nvPr/>
+        </p:nvSpPr>
+        <p:spPr>
+          <a:xfrm>
+            <a:off x="2225964" y="2138298"/>
+            <a:ext cx="963043" cy="343672"/>
+          </a:xfrm>
+          <a:prstGeom prst="rect">
+            <a:avLst/>
+          </a:prstGeom>
+          <a:noFill/>
+          <a:ln>
+            <a:noFill/>
+          </a:ln>
+        </p:spPr>
+        <p:style>
+          <a:lnRef idx="2">
+            <a:schemeClr val="accent1">
+              <a:shade val="50000"/>
+            </a:schemeClr>
+          </a:lnRef>
+          <a:fillRef idx="1">
+            <a:schemeClr val="accent1"/>
+          </a:fillRef>
+          <a:effectRef idx="0">
+            <a:schemeClr val="accent1"/>
+          </a:effectRef>
+          <a:fontRef idx="minor">
+            <a:schemeClr val="lt1"/>
+          </a:fontRef>
+        </p:style>
+        <p:txBody>
+          <a:bodyPr rtlCol="0" anchor="ctr"/>
+          <a:lstStyle/>
+          <a:p>
+            <a:pPr algn="ctr"/>
+            <a:r>
+              <a:rPr lang="en-US" altLang="ko-KR" sz="1000" dirty="0" smtClean="0">
+                <a:solidFill>
+                  <a:schemeClr val="tx1"/>
+                </a:solidFill>
+              </a:rPr>
+              <a:t>X</a:t>
+            </a:r>
+            <a:r>
+              <a:rPr lang="ko-KR" altLang="en-US" sz="1000" dirty="0" smtClean="0">
+                <a:solidFill>
+                  <a:schemeClr val="tx1"/>
+                </a:solidFill>
+              </a:rPr>
+              <a:t>년도 </a:t>
+            </a:r>
+            <a:r>
+              <a:rPr lang="en-US" altLang="ko-KR" sz="1000" dirty="0" smtClean="0">
+                <a:solidFill>
+                  <a:schemeClr val="tx1"/>
+                </a:solidFill>
+              </a:rPr>
+              <a:t>2</a:t>
+            </a:r>
+            <a:r>
+              <a:rPr lang="ko-KR" altLang="en-US" sz="1000" dirty="0" smtClean="0">
+                <a:solidFill>
+                  <a:schemeClr val="tx1"/>
+                </a:solidFill>
+              </a:rPr>
+              <a:t>월</a:t>
+            </a:r>
+            <a:endParaRPr lang="en-US" altLang="ko-KR" sz="1000" dirty="0" smtClean="0">
+              <a:solidFill>
+                <a:schemeClr val="tx1"/>
+              </a:solidFill>
+            </a:endParaRPr>
+          </a:p>
+          <a:p>
+            <a:pPr algn="ctr"/>
+            <a:r>
+              <a:rPr lang="ko-KR" altLang="en-US" sz="1000" dirty="0" err="1" smtClean="0">
+                <a:solidFill>
+                  <a:schemeClr val="tx1"/>
+                </a:solidFill>
+              </a:rPr>
+              <a:t>예측데이터</a:t>
+            </a:r>
+            <a:endParaRPr lang="en-US" altLang="ko-KR" sz="1000" dirty="0" smtClean="0">
+              <a:solidFill>
+                <a:schemeClr val="tx1"/>
+              </a:solidFill>
+            </a:endParaRPr>
+          </a:p>
+        </p:txBody>
+      </p:sp>
+      <p:sp>
+        <p:nvSpPr>
+          <p:cNvPr id="34" name="직사각형 33"/>
+          <p:cNvSpPr/>
+          <p:nvPr/>
+        </p:nvSpPr>
+        <p:spPr>
+          <a:xfrm>
+            <a:off x="3542453" y="2138298"/>
+            <a:ext cx="614834" cy="343672"/>
+          </a:xfrm>
+          <a:prstGeom prst="rect">
+            <a:avLst/>
+          </a:prstGeom>
+        </p:spPr>
+        <p:style>
+          <a:lnRef idx="2">
+            <a:schemeClr val="accent1">
+              <a:shade val="50000"/>
+            </a:schemeClr>
+          </a:lnRef>
+          <a:fillRef idx="1">
+            <a:schemeClr val="accent1"/>
+          </a:fillRef>
+          <a:effectRef idx="0">
+            <a:schemeClr val="accent1"/>
+          </a:effectRef>
+          <a:fontRef idx="minor">
+            <a:schemeClr val="lt1"/>
+          </a:fontRef>
+        </p:style>
+        <p:txBody>
+          <a:bodyPr rtlCol="0" anchor="ctr"/>
+          <a:lstStyle/>
+          <a:p>
+            <a:pPr algn="ctr"/>
+            <a:r>
+              <a:rPr lang="en-US" altLang="ko-KR" sz="800" dirty="0" smtClean="0">
+                <a:solidFill>
+                  <a:schemeClr val="bg1"/>
+                </a:solidFill>
+              </a:rPr>
+              <a:t>x</a:t>
+            </a:r>
+            <a:endParaRPr lang="ko-KR" altLang="en-US" sz="800" dirty="0">
+              <a:solidFill>
+                <a:schemeClr val="bg1"/>
+              </a:solidFill>
+            </a:endParaRPr>
+          </a:p>
+        </p:txBody>
+      </p:sp>
+      <p:sp>
+        <p:nvSpPr>
+          <p:cNvPr id="35" name="직사각형 34"/>
+          <p:cNvSpPr/>
+          <p:nvPr/>
+        </p:nvSpPr>
+        <p:spPr>
+          <a:xfrm>
+            <a:off x="4157287" y="2138298"/>
+            <a:ext cx="614834" cy="343672"/>
+          </a:xfrm>
+          <a:prstGeom prst="rect">
+            <a:avLst/>
+          </a:prstGeom>
+        </p:spPr>
+        <p:style>
+          <a:lnRef idx="2">
+            <a:schemeClr val="accent1">
+              <a:shade val="50000"/>
+            </a:schemeClr>
+          </a:lnRef>
+          <a:fillRef idx="1">
+            <a:schemeClr val="accent1"/>
+          </a:fillRef>
+          <a:effectRef idx="0">
+            <a:schemeClr val="accent1"/>
+          </a:effectRef>
+          <a:fontRef idx="minor">
+            <a:schemeClr val="lt1"/>
+          </a:fontRef>
+        </p:style>
+        <p:txBody>
+          <a:bodyPr rtlCol="0" anchor="ctr"/>
+          <a:lstStyle/>
+          <a:p>
+            <a:pPr algn="ctr"/>
+            <a:r>
+              <a:rPr lang="en-US" altLang="ko-KR" sz="800" dirty="0" smtClean="0">
+                <a:solidFill>
+                  <a:schemeClr val="bg1"/>
+                </a:solidFill>
+              </a:rPr>
+              <a:t>1</a:t>
+            </a:r>
+            <a:endParaRPr lang="ko-KR" altLang="en-US" sz="800" dirty="0">
+              <a:solidFill>
+                <a:schemeClr val="bg1"/>
+              </a:solidFill>
+            </a:endParaRPr>
+          </a:p>
+        </p:txBody>
+      </p:sp>
+      <p:sp>
+        <p:nvSpPr>
+          <p:cNvPr id="36" name="직사각형 35"/>
+          <p:cNvSpPr/>
+          <p:nvPr/>
+        </p:nvSpPr>
+        <p:spPr>
+          <a:xfrm>
+            <a:off x="4772121" y="2138298"/>
+            <a:ext cx="614834" cy="343672"/>
+          </a:xfrm>
+          <a:prstGeom prst="rect">
+            <a:avLst/>
+          </a:prstGeom>
+        </p:spPr>
+        <p:style>
+          <a:lnRef idx="2">
+            <a:schemeClr val="accent1">
+              <a:shade val="50000"/>
+            </a:schemeClr>
+          </a:lnRef>
+          <a:fillRef idx="1">
+            <a:schemeClr val="accent1"/>
+          </a:fillRef>
+          <a:effectRef idx="0">
+            <a:schemeClr val="accent1"/>
+          </a:effectRef>
+          <a:fontRef idx="minor">
+            <a:schemeClr val="lt1"/>
+          </a:fontRef>
+        </p:style>
+        <p:txBody>
+          <a:bodyPr rtlCol="0" anchor="ctr"/>
+          <a:lstStyle/>
+          <a:p>
+            <a:pPr algn="ctr"/>
+            <a:r>
+              <a:rPr lang="en-US" altLang="ko-KR" sz="800" dirty="0" smtClean="0">
+                <a:solidFill>
+                  <a:schemeClr val="bg1"/>
+                </a:solidFill>
+              </a:rPr>
+              <a:t>0</a:t>
+            </a:r>
+            <a:endParaRPr lang="ko-KR" altLang="en-US" sz="800" dirty="0">
+              <a:solidFill>
+                <a:schemeClr val="bg1"/>
+              </a:solidFill>
+            </a:endParaRPr>
+          </a:p>
+        </p:txBody>
+      </p:sp>
+      <p:sp>
+        <p:nvSpPr>
+          <p:cNvPr id="37" name="직사각형 36"/>
+          <p:cNvSpPr/>
+          <p:nvPr/>
+        </p:nvSpPr>
+        <p:spPr>
+          <a:xfrm>
+            <a:off x="5386955" y="2138298"/>
+            <a:ext cx="614834" cy="343672"/>
+          </a:xfrm>
+          <a:prstGeom prst="rect">
+            <a:avLst/>
+          </a:prstGeom>
+        </p:spPr>
+        <p:style>
+          <a:lnRef idx="2">
+            <a:schemeClr val="accent1">
+              <a:shade val="50000"/>
+            </a:schemeClr>
+          </a:lnRef>
+          <a:fillRef idx="1">
+            <a:schemeClr val="accent1"/>
+          </a:fillRef>
+          <a:effectRef idx="0">
+            <a:schemeClr val="accent1"/>
+          </a:effectRef>
+          <a:fontRef idx="minor">
+            <a:schemeClr val="lt1"/>
+          </a:fontRef>
+        </p:style>
+        <p:txBody>
+          <a:bodyPr rtlCol="0" anchor="ctr"/>
+          <a:lstStyle/>
+          <a:p>
+            <a:pPr algn="ctr"/>
+            <a:r>
+              <a:rPr lang="en-US" altLang="ko-KR" sz="800" dirty="0" smtClean="0">
+                <a:solidFill>
+                  <a:schemeClr val="bg1"/>
+                </a:solidFill>
+              </a:rPr>
+              <a:t>0</a:t>
+            </a:r>
+            <a:endParaRPr lang="ko-KR" altLang="en-US" sz="800" dirty="0">
+              <a:solidFill>
+                <a:schemeClr val="bg1"/>
+              </a:solidFill>
+            </a:endParaRPr>
+          </a:p>
+        </p:txBody>
+      </p:sp>
+      <p:sp>
+        <p:nvSpPr>
+          <p:cNvPr id="38" name="직사각형 37"/>
+          <p:cNvSpPr/>
+          <p:nvPr/>
+        </p:nvSpPr>
+        <p:spPr>
+          <a:xfrm>
+            <a:off x="6001789" y="2138298"/>
+            <a:ext cx="614834" cy="343672"/>
+          </a:xfrm>
+          <a:prstGeom prst="rect">
+            <a:avLst/>
+          </a:prstGeom>
+        </p:spPr>
+        <p:style>
+          <a:lnRef idx="2">
+            <a:schemeClr val="accent1">
+              <a:shade val="50000"/>
+            </a:schemeClr>
+          </a:lnRef>
+          <a:fillRef idx="1">
+            <a:schemeClr val="accent1"/>
+          </a:fillRef>
+          <a:effectRef idx="0">
+            <a:schemeClr val="accent1"/>
+          </a:effectRef>
+          <a:fontRef idx="minor">
+            <a:schemeClr val="lt1"/>
+          </a:fontRef>
+        </p:style>
+        <p:txBody>
+          <a:bodyPr rtlCol="0" anchor="ctr"/>
+          <a:lstStyle/>
+          <a:p>
+            <a:pPr algn="ctr"/>
+            <a:r>
+              <a:rPr lang="en-US" altLang="ko-KR" sz="800" dirty="0" smtClean="0">
+                <a:solidFill>
+                  <a:schemeClr val="bg1"/>
+                </a:solidFill>
+              </a:rPr>
+              <a:t>0</a:t>
+            </a:r>
+            <a:endParaRPr lang="ko-KR" altLang="en-US" sz="800" dirty="0">
+              <a:solidFill>
+                <a:schemeClr val="bg1"/>
+              </a:solidFill>
+            </a:endParaRPr>
+          </a:p>
+        </p:txBody>
+      </p:sp>
+      <p:sp>
+        <p:nvSpPr>
+          <p:cNvPr id="39" name="직사각형 38"/>
+          <p:cNvSpPr/>
+          <p:nvPr/>
+        </p:nvSpPr>
+        <p:spPr>
+          <a:xfrm>
+            <a:off x="6616623" y="2138298"/>
+            <a:ext cx="614834" cy="343672"/>
+          </a:xfrm>
+          <a:prstGeom prst="rect">
+            <a:avLst/>
+          </a:prstGeom>
+        </p:spPr>
+        <p:style>
+          <a:lnRef idx="2">
+            <a:schemeClr val="accent1">
+              <a:shade val="50000"/>
+            </a:schemeClr>
+          </a:lnRef>
+          <a:fillRef idx="1">
+            <a:schemeClr val="accent1"/>
+          </a:fillRef>
+          <a:effectRef idx="0">
+            <a:schemeClr val="accent1"/>
+          </a:effectRef>
+          <a:fontRef idx="minor">
+            <a:schemeClr val="lt1"/>
+          </a:fontRef>
+        </p:style>
+        <p:txBody>
+          <a:bodyPr rtlCol="0" anchor="ctr"/>
+          <a:lstStyle/>
+          <a:p>
+            <a:pPr algn="ctr"/>
+            <a:r>
+              <a:rPr lang="en-US" altLang="ko-KR" sz="800" dirty="0" smtClean="0">
+                <a:solidFill>
+                  <a:schemeClr val="bg1"/>
+                </a:solidFill>
+              </a:rPr>
+              <a:t>0</a:t>
+            </a:r>
+            <a:endParaRPr lang="ko-KR" altLang="en-US" sz="800" dirty="0">
+              <a:solidFill>
+                <a:schemeClr val="bg1"/>
+              </a:solidFill>
+            </a:endParaRPr>
+          </a:p>
+        </p:txBody>
+      </p:sp>
+      <p:sp>
+        <p:nvSpPr>
+          <p:cNvPr id="40" name="직사각형 39"/>
+          <p:cNvSpPr/>
+          <p:nvPr/>
+        </p:nvSpPr>
+        <p:spPr>
+          <a:xfrm>
+            <a:off x="7231458" y="2138298"/>
+            <a:ext cx="614834" cy="343672"/>
+          </a:xfrm>
+          <a:prstGeom prst="rect">
+            <a:avLst/>
+          </a:prstGeom>
+        </p:spPr>
+        <p:style>
+          <a:lnRef idx="2">
+            <a:schemeClr val="accent1">
+              <a:shade val="50000"/>
+            </a:schemeClr>
+          </a:lnRef>
+          <a:fillRef idx="1">
+            <a:schemeClr val="accent1"/>
+          </a:fillRef>
+          <a:effectRef idx="0">
+            <a:schemeClr val="accent1"/>
+          </a:effectRef>
+          <a:fontRef idx="minor">
+            <a:schemeClr val="lt1"/>
+          </a:fontRef>
+        </p:style>
+        <p:txBody>
+          <a:bodyPr rtlCol="0" anchor="ctr"/>
+          <a:lstStyle/>
+          <a:p>
+            <a:pPr algn="ctr"/>
+            <a:r>
+              <a:rPr lang="en-US" altLang="ko-KR" sz="800" dirty="0" smtClean="0">
+                <a:solidFill>
+                  <a:schemeClr val="bg1"/>
+                </a:solidFill>
+              </a:rPr>
+              <a:t>0</a:t>
+            </a:r>
+            <a:endParaRPr lang="ko-KR" altLang="en-US" sz="800" dirty="0">
+              <a:solidFill>
+                <a:schemeClr val="bg1"/>
+              </a:solidFill>
+            </a:endParaRPr>
+          </a:p>
+        </p:txBody>
+      </p:sp>
+      <p:sp>
+        <p:nvSpPr>
+          <p:cNvPr id="41" name="직사각형 40"/>
+          <p:cNvSpPr/>
+          <p:nvPr/>
+        </p:nvSpPr>
+        <p:spPr>
+          <a:xfrm>
+            <a:off x="7846292" y="2138298"/>
+            <a:ext cx="614834" cy="343672"/>
+          </a:xfrm>
+          <a:prstGeom prst="rect">
+            <a:avLst/>
+          </a:prstGeom>
+        </p:spPr>
+        <p:style>
+          <a:lnRef idx="2">
+            <a:schemeClr val="accent1">
+              <a:shade val="50000"/>
+            </a:schemeClr>
+          </a:lnRef>
+          <a:fillRef idx="1">
+            <a:schemeClr val="accent1"/>
+          </a:fillRef>
+          <a:effectRef idx="0">
+            <a:schemeClr val="accent1"/>
+          </a:effectRef>
+          <a:fontRef idx="minor">
+            <a:schemeClr val="lt1"/>
+          </a:fontRef>
+        </p:style>
+        <p:txBody>
+          <a:bodyPr rtlCol="0" anchor="ctr"/>
+          <a:lstStyle/>
+          <a:p>
+            <a:pPr algn="ctr"/>
+            <a:r>
+              <a:rPr lang="en-US" altLang="ko-KR" sz="800" dirty="0" smtClean="0">
+                <a:solidFill>
+                  <a:schemeClr val="bg1"/>
+                </a:solidFill>
+              </a:rPr>
+              <a:t>0</a:t>
+            </a:r>
+            <a:endParaRPr lang="ko-KR" altLang="en-US" sz="800" dirty="0">
+              <a:solidFill>
+                <a:schemeClr val="bg1"/>
+              </a:solidFill>
+            </a:endParaRPr>
+          </a:p>
+        </p:txBody>
+      </p:sp>
+      <p:sp>
+        <p:nvSpPr>
+          <p:cNvPr id="42" name="직사각형 41"/>
+          <p:cNvSpPr/>
+          <p:nvPr/>
+        </p:nvSpPr>
+        <p:spPr>
+          <a:xfrm>
+            <a:off x="8461126" y="2138298"/>
+            <a:ext cx="614834" cy="343672"/>
+          </a:xfrm>
+          <a:prstGeom prst="rect">
+            <a:avLst/>
+          </a:prstGeom>
+        </p:spPr>
+        <p:style>
+          <a:lnRef idx="2">
+            <a:schemeClr val="accent1">
+              <a:shade val="50000"/>
+            </a:schemeClr>
+          </a:lnRef>
+          <a:fillRef idx="1">
+            <a:schemeClr val="accent1"/>
+          </a:fillRef>
+          <a:effectRef idx="0">
+            <a:schemeClr val="accent1"/>
+          </a:effectRef>
+          <a:fontRef idx="minor">
+            <a:schemeClr val="lt1"/>
+          </a:fontRef>
+        </p:style>
+        <p:txBody>
+          <a:bodyPr rtlCol="0" anchor="ctr"/>
+          <a:lstStyle/>
+          <a:p>
+            <a:pPr algn="ctr"/>
+            <a:r>
+              <a:rPr lang="en-US" altLang="ko-KR" sz="800" dirty="0" smtClean="0">
+                <a:solidFill>
+                  <a:schemeClr val="bg1"/>
+                </a:solidFill>
+              </a:rPr>
+              <a:t>0</a:t>
+            </a:r>
+            <a:endParaRPr lang="ko-KR" altLang="en-US" sz="800" dirty="0">
+              <a:solidFill>
+                <a:schemeClr val="bg1"/>
+              </a:solidFill>
+            </a:endParaRPr>
+          </a:p>
+        </p:txBody>
+      </p:sp>
+      <p:sp>
+        <p:nvSpPr>
+          <p:cNvPr id="43" name="직사각형 42"/>
+          <p:cNvSpPr/>
+          <p:nvPr/>
+        </p:nvSpPr>
+        <p:spPr>
+          <a:xfrm>
+            <a:off x="9075960" y="2138298"/>
+            <a:ext cx="614834" cy="343672"/>
+          </a:xfrm>
+          <a:prstGeom prst="rect">
+            <a:avLst/>
+          </a:prstGeom>
+        </p:spPr>
+        <p:style>
+          <a:lnRef idx="2">
+            <a:schemeClr val="accent1">
+              <a:shade val="50000"/>
+            </a:schemeClr>
+          </a:lnRef>
+          <a:fillRef idx="1">
+            <a:schemeClr val="accent1"/>
+          </a:fillRef>
+          <a:effectRef idx="0">
+            <a:schemeClr val="accent1"/>
+          </a:effectRef>
+          <a:fontRef idx="minor">
+            <a:schemeClr val="lt1"/>
+          </a:fontRef>
+        </p:style>
+        <p:txBody>
+          <a:bodyPr rtlCol="0" anchor="ctr"/>
+          <a:lstStyle/>
+          <a:p>
+            <a:pPr algn="ctr"/>
+            <a:r>
+              <a:rPr lang="en-US" altLang="ko-KR" sz="800" dirty="0" smtClean="0">
+                <a:solidFill>
+                  <a:schemeClr val="bg1"/>
+                </a:solidFill>
+              </a:rPr>
+              <a:t>0</a:t>
+            </a:r>
+            <a:endParaRPr lang="ko-KR" altLang="en-US" sz="800" dirty="0">
+              <a:solidFill>
+                <a:schemeClr val="bg1"/>
+              </a:solidFill>
+            </a:endParaRPr>
+          </a:p>
+        </p:txBody>
+      </p:sp>
+      <p:sp>
+        <p:nvSpPr>
+          <p:cNvPr id="44" name="직사각형 43"/>
+          <p:cNvSpPr/>
+          <p:nvPr/>
+        </p:nvSpPr>
+        <p:spPr>
+          <a:xfrm>
+            <a:off x="9690794" y="2138298"/>
+            <a:ext cx="614834" cy="343672"/>
+          </a:xfrm>
+          <a:prstGeom prst="rect">
+            <a:avLst/>
+          </a:prstGeom>
+        </p:spPr>
+        <p:style>
+          <a:lnRef idx="2">
+            <a:schemeClr val="accent1">
+              <a:shade val="50000"/>
+            </a:schemeClr>
+          </a:lnRef>
+          <a:fillRef idx="1">
+            <a:schemeClr val="accent1"/>
+          </a:fillRef>
+          <a:effectRef idx="0">
+            <a:schemeClr val="accent1"/>
+          </a:effectRef>
+          <a:fontRef idx="minor">
+            <a:schemeClr val="lt1"/>
+          </a:fontRef>
+        </p:style>
+        <p:txBody>
+          <a:bodyPr rtlCol="0" anchor="ctr"/>
+          <a:lstStyle/>
+          <a:p>
+            <a:pPr algn="ctr"/>
+            <a:r>
+              <a:rPr lang="en-US" altLang="ko-KR" sz="800" dirty="0" smtClean="0">
+                <a:solidFill>
+                  <a:schemeClr val="bg1"/>
+                </a:solidFill>
+              </a:rPr>
+              <a:t>0</a:t>
+            </a:r>
+            <a:endParaRPr lang="ko-KR" altLang="en-US" sz="800" dirty="0">
+              <a:solidFill>
+                <a:schemeClr val="bg1"/>
+              </a:solidFill>
+            </a:endParaRPr>
+          </a:p>
+        </p:txBody>
+      </p:sp>
+      <p:sp>
+        <p:nvSpPr>
+          <p:cNvPr id="45" name="직사각형 44"/>
+          <p:cNvSpPr/>
+          <p:nvPr/>
+        </p:nvSpPr>
+        <p:spPr>
+          <a:xfrm>
+            <a:off x="10305628" y="2138298"/>
+            <a:ext cx="614834" cy="343672"/>
+          </a:xfrm>
+          <a:prstGeom prst="rect">
+            <a:avLst/>
+          </a:prstGeom>
+        </p:spPr>
+        <p:style>
+          <a:lnRef idx="2">
+            <a:schemeClr val="accent1">
+              <a:shade val="50000"/>
+            </a:schemeClr>
+          </a:lnRef>
+          <a:fillRef idx="1">
+            <a:schemeClr val="accent1"/>
+          </a:fillRef>
+          <a:effectRef idx="0">
+            <a:schemeClr val="accent1"/>
+          </a:effectRef>
+          <a:fontRef idx="minor">
+            <a:schemeClr val="lt1"/>
+          </a:fontRef>
+        </p:style>
+        <p:txBody>
+          <a:bodyPr rtlCol="0" anchor="ctr"/>
+          <a:lstStyle/>
+          <a:p>
+            <a:pPr algn="ctr"/>
+            <a:r>
+              <a:rPr lang="en-US" altLang="ko-KR" sz="800" dirty="0" smtClean="0">
+                <a:solidFill>
+                  <a:schemeClr val="bg1"/>
+                </a:solidFill>
+              </a:rPr>
+              <a:t>0</a:t>
+            </a:r>
+            <a:endParaRPr lang="ko-KR" altLang="en-US" sz="800" dirty="0">
+              <a:solidFill>
+                <a:schemeClr val="bg1"/>
+              </a:solidFill>
+            </a:endParaRPr>
+          </a:p>
+        </p:txBody>
+      </p:sp>
+      <p:cxnSp>
+        <p:nvCxnSpPr>
+          <p:cNvPr id="47" name="직선 화살표 연결선 46"/>
+          <p:cNvCxnSpPr/>
+          <p:nvPr/>
+        </p:nvCxnSpPr>
+        <p:spPr>
+          <a:xfrm flipH="1">
+            <a:off x="3849870" y="1607127"/>
+            <a:ext cx="6158" cy="531171"/>
+          </a:xfrm>
+          <a:prstGeom prst="straightConnector1">
+            <a:avLst/>
+          </a:prstGeom>
+          <a:ln>
+            <a:tailEnd type="triangle"/>
+          </a:ln>
+        </p:spPr>
+        <p:style>
+          <a:lnRef idx="1">
+            <a:schemeClr val="accent1"/>
+          </a:lnRef>
+          <a:fillRef idx="0">
+            <a:schemeClr val="accent1"/>
+          </a:fillRef>
+          <a:effectRef idx="0">
+            <a:schemeClr val="accent1"/>
+          </a:effectRef>
+          <a:fontRef idx="minor">
+            <a:schemeClr val="tx1"/>
+          </a:fontRef>
+        </p:style>
+      </p:cxnSp>
+      <p:sp>
+        <p:nvSpPr>
+          <p:cNvPr id="60" name="곱셈 기호 59"/>
+          <p:cNvSpPr/>
+          <p:nvPr/>
+        </p:nvSpPr>
+        <p:spPr>
+          <a:xfrm>
+            <a:off x="3714404" y="1729549"/>
+            <a:ext cx="277091" cy="286327"/>
+          </a:xfrm>
+          <a:prstGeom prst="mathMultiply">
+            <a:avLst/>
+          </a:prstGeom>
+        </p:spPr>
+        <p:style>
+          <a:lnRef idx="2">
+            <a:schemeClr val="accent1">
+              <a:shade val="50000"/>
+            </a:schemeClr>
+          </a:lnRef>
+          <a:fillRef idx="1">
+            <a:schemeClr val="accent1"/>
+          </a:fillRef>
+          <a:effectRef idx="0">
+            <a:schemeClr val="accent1"/>
+          </a:effectRef>
+          <a:fontRef idx="minor">
+            <a:schemeClr val="lt1"/>
+          </a:fontRef>
+        </p:style>
+        <p:txBody>
+          <a:bodyPr rtlCol="0" anchor="ctr"/>
+          <a:lstStyle/>
+          <a:p>
+            <a:pPr algn="ctr"/>
+            <a:endParaRPr lang="ko-KR" altLang="en-US"/>
+          </a:p>
+        </p:txBody>
+      </p:sp>
+      <p:cxnSp>
+        <p:nvCxnSpPr>
+          <p:cNvPr id="72" name="직선 화살표 연결선 71"/>
+          <p:cNvCxnSpPr/>
+          <p:nvPr/>
+        </p:nvCxnSpPr>
+        <p:spPr>
+          <a:xfrm flipH="1">
+            <a:off x="4461624" y="1607127"/>
+            <a:ext cx="6158" cy="531171"/>
+          </a:xfrm>
+          <a:prstGeom prst="straightConnector1">
+            <a:avLst/>
+          </a:prstGeom>
+          <a:ln>
+            <a:tailEnd type="triangle"/>
+          </a:ln>
+        </p:spPr>
+        <p:style>
+          <a:lnRef idx="1">
+            <a:schemeClr val="accent1"/>
+          </a:lnRef>
+          <a:fillRef idx="0">
+            <a:schemeClr val="accent1"/>
+          </a:fillRef>
+          <a:effectRef idx="0">
+            <a:schemeClr val="accent1"/>
+          </a:effectRef>
+          <a:fontRef idx="minor">
+            <a:schemeClr val="tx1"/>
+          </a:fontRef>
+        </p:style>
+      </p:cxnSp>
+      <p:sp>
+        <p:nvSpPr>
+          <p:cNvPr id="73" name="곱셈 기호 72"/>
+          <p:cNvSpPr/>
+          <p:nvPr/>
+        </p:nvSpPr>
+        <p:spPr>
+          <a:xfrm>
+            <a:off x="4326158" y="1729549"/>
+            <a:ext cx="277091" cy="286327"/>
+          </a:xfrm>
+          <a:prstGeom prst="mathMultiply">
+            <a:avLst/>
+          </a:prstGeom>
+        </p:spPr>
+        <p:style>
+          <a:lnRef idx="2">
+            <a:schemeClr val="accent1">
+              <a:shade val="50000"/>
+            </a:schemeClr>
+          </a:lnRef>
+          <a:fillRef idx="1">
+            <a:schemeClr val="accent1"/>
+          </a:fillRef>
+          <a:effectRef idx="0">
+            <a:schemeClr val="accent1"/>
+          </a:effectRef>
+          <a:fontRef idx="minor">
+            <a:schemeClr val="lt1"/>
+          </a:fontRef>
+        </p:style>
+        <p:txBody>
+          <a:bodyPr rtlCol="0" anchor="ctr"/>
+          <a:lstStyle/>
+          <a:p>
+            <a:pPr algn="ctr"/>
+            <a:endParaRPr lang="ko-KR" altLang="en-US"/>
+          </a:p>
+        </p:txBody>
+      </p:sp>
+      <p:cxnSp>
+        <p:nvCxnSpPr>
+          <p:cNvPr id="74" name="직선 화살표 연결선 73"/>
+          <p:cNvCxnSpPr/>
+          <p:nvPr/>
+        </p:nvCxnSpPr>
+        <p:spPr>
+          <a:xfrm flipH="1">
+            <a:off x="5073378" y="1607127"/>
+            <a:ext cx="6158" cy="531171"/>
+          </a:xfrm>
+          <a:prstGeom prst="straightConnector1">
+            <a:avLst/>
+          </a:prstGeom>
+          <a:ln>
+            <a:tailEnd type="triangle"/>
+          </a:ln>
+        </p:spPr>
+        <p:style>
+          <a:lnRef idx="1">
+            <a:schemeClr val="accent1"/>
+          </a:lnRef>
+          <a:fillRef idx="0">
+            <a:schemeClr val="accent1"/>
+          </a:fillRef>
+          <a:effectRef idx="0">
+            <a:schemeClr val="accent1"/>
+          </a:effectRef>
+          <a:fontRef idx="minor">
+            <a:schemeClr val="tx1"/>
+          </a:fontRef>
+        </p:style>
+      </p:cxnSp>
+      <p:sp>
+        <p:nvSpPr>
+          <p:cNvPr id="75" name="곱셈 기호 74"/>
+          <p:cNvSpPr/>
+          <p:nvPr/>
+        </p:nvSpPr>
+        <p:spPr>
+          <a:xfrm>
+            <a:off x="4937912" y="1729549"/>
+            <a:ext cx="277091" cy="286327"/>
+          </a:xfrm>
+          <a:prstGeom prst="mathMultiply">
+            <a:avLst/>
+          </a:prstGeom>
+        </p:spPr>
+        <p:style>
+          <a:lnRef idx="2">
+            <a:schemeClr val="accent1">
+              <a:shade val="50000"/>
+            </a:schemeClr>
+          </a:lnRef>
+          <a:fillRef idx="1">
+            <a:schemeClr val="accent1"/>
+          </a:fillRef>
+          <a:effectRef idx="0">
+            <a:schemeClr val="accent1"/>
+          </a:effectRef>
+          <a:fontRef idx="minor">
+            <a:schemeClr val="lt1"/>
+          </a:fontRef>
+        </p:style>
+        <p:txBody>
+          <a:bodyPr rtlCol="0" anchor="ctr"/>
+          <a:lstStyle/>
+          <a:p>
+            <a:pPr algn="ctr"/>
+            <a:endParaRPr lang="ko-KR" altLang="en-US"/>
+          </a:p>
+        </p:txBody>
+      </p:sp>
+      <p:cxnSp>
+        <p:nvCxnSpPr>
+          <p:cNvPr id="76" name="직선 화살표 연결선 75"/>
+          <p:cNvCxnSpPr/>
+          <p:nvPr/>
+        </p:nvCxnSpPr>
+        <p:spPr>
+          <a:xfrm flipH="1">
+            <a:off x="5685132" y="1607127"/>
+            <a:ext cx="6158" cy="531171"/>
+          </a:xfrm>
+          <a:prstGeom prst="straightConnector1">
+            <a:avLst/>
+          </a:prstGeom>
+          <a:ln>
+            <a:tailEnd type="triangle"/>
+          </a:ln>
+        </p:spPr>
+        <p:style>
+          <a:lnRef idx="1">
+            <a:schemeClr val="accent1"/>
+          </a:lnRef>
+          <a:fillRef idx="0">
+            <a:schemeClr val="accent1"/>
+          </a:fillRef>
+          <a:effectRef idx="0">
+            <a:schemeClr val="accent1"/>
+          </a:effectRef>
+          <a:fontRef idx="minor">
+            <a:schemeClr val="tx1"/>
+          </a:fontRef>
+        </p:style>
+      </p:cxnSp>
+      <p:sp>
+        <p:nvSpPr>
+          <p:cNvPr id="77" name="곱셈 기호 76"/>
+          <p:cNvSpPr/>
+          <p:nvPr/>
+        </p:nvSpPr>
+        <p:spPr>
+          <a:xfrm>
+            <a:off x="5549666" y="1729549"/>
+            <a:ext cx="277091" cy="286327"/>
+          </a:xfrm>
+          <a:prstGeom prst="mathMultiply">
+            <a:avLst/>
+          </a:prstGeom>
+        </p:spPr>
+        <p:style>
+          <a:lnRef idx="2">
+            <a:schemeClr val="accent1">
+              <a:shade val="50000"/>
+            </a:schemeClr>
+          </a:lnRef>
+          <a:fillRef idx="1">
+            <a:schemeClr val="accent1"/>
+          </a:fillRef>
+          <a:effectRef idx="0">
+            <a:schemeClr val="accent1"/>
+          </a:effectRef>
+          <a:fontRef idx="minor">
+            <a:schemeClr val="lt1"/>
+          </a:fontRef>
+        </p:style>
+        <p:txBody>
+          <a:bodyPr rtlCol="0" anchor="ctr"/>
+          <a:lstStyle/>
+          <a:p>
+            <a:pPr algn="ctr"/>
+            <a:endParaRPr lang="ko-KR" altLang="en-US"/>
+          </a:p>
+        </p:txBody>
+      </p:sp>
+      <p:cxnSp>
+        <p:nvCxnSpPr>
+          <p:cNvPr id="78" name="직선 화살표 연결선 77"/>
+          <p:cNvCxnSpPr/>
+          <p:nvPr/>
+        </p:nvCxnSpPr>
+        <p:spPr>
+          <a:xfrm flipH="1">
+            <a:off x="6296886" y="1607127"/>
+            <a:ext cx="6158" cy="531171"/>
+          </a:xfrm>
+          <a:prstGeom prst="straightConnector1">
+            <a:avLst/>
+          </a:prstGeom>
+          <a:ln>
+            <a:tailEnd type="triangle"/>
+          </a:ln>
+        </p:spPr>
+        <p:style>
+          <a:lnRef idx="1">
+            <a:schemeClr val="accent1"/>
+          </a:lnRef>
+          <a:fillRef idx="0">
+            <a:schemeClr val="accent1"/>
+          </a:fillRef>
+          <a:effectRef idx="0">
+            <a:schemeClr val="accent1"/>
+          </a:effectRef>
+          <a:fontRef idx="minor">
+            <a:schemeClr val="tx1"/>
+          </a:fontRef>
+        </p:style>
+      </p:cxnSp>
+      <p:sp>
+        <p:nvSpPr>
+          <p:cNvPr id="79" name="곱셈 기호 78"/>
+          <p:cNvSpPr/>
+          <p:nvPr/>
+        </p:nvSpPr>
+        <p:spPr>
+          <a:xfrm>
+            <a:off x="6161420" y="1729549"/>
+            <a:ext cx="277091" cy="286327"/>
+          </a:xfrm>
+          <a:prstGeom prst="mathMultiply">
+            <a:avLst/>
+          </a:prstGeom>
+        </p:spPr>
+        <p:style>
+          <a:lnRef idx="2">
+            <a:schemeClr val="accent1">
+              <a:shade val="50000"/>
+            </a:schemeClr>
+          </a:lnRef>
+          <a:fillRef idx="1">
+            <a:schemeClr val="accent1"/>
+          </a:fillRef>
+          <a:effectRef idx="0">
+            <a:schemeClr val="accent1"/>
+          </a:effectRef>
+          <a:fontRef idx="minor">
+            <a:schemeClr val="lt1"/>
+          </a:fontRef>
+        </p:style>
+        <p:txBody>
+          <a:bodyPr rtlCol="0" anchor="ctr"/>
+          <a:lstStyle/>
+          <a:p>
+            <a:pPr algn="ctr"/>
+            <a:endParaRPr lang="ko-KR" altLang="en-US"/>
+          </a:p>
+        </p:txBody>
+      </p:sp>
+      <p:cxnSp>
+        <p:nvCxnSpPr>
+          <p:cNvPr id="80" name="직선 화살표 연결선 79"/>
+          <p:cNvCxnSpPr/>
+          <p:nvPr/>
+        </p:nvCxnSpPr>
+        <p:spPr>
+          <a:xfrm flipH="1">
+            <a:off x="6908640" y="1607127"/>
+            <a:ext cx="6158" cy="531171"/>
+          </a:xfrm>
+          <a:prstGeom prst="straightConnector1">
+            <a:avLst/>
+          </a:prstGeom>
+          <a:ln>
+            <a:tailEnd type="triangle"/>
+          </a:ln>
+        </p:spPr>
+        <p:style>
+          <a:lnRef idx="1">
+            <a:schemeClr val="accent1"/>
+          </a:lnRef>
+          <a:fillRef idx="0">
+            <a:schemeClr val="accent1"/>
+          </a:fillRef>
+          <a:effectRef idx="0">
+            <a:schemeClr val="accent1"/>
+          </a:effectRef>
+          <a:fontRef idx="minor">
+            <a:schemeClr val="tx1"/>
+          </a:fontRef>
+        </p:style>
+      </p:cxnSp>
+      <p:sp>
+        <p:nvSpPr>
+          <p:cNvPr id="81" name="곱셈 기호 80"/>
+          <p:cNvSpPr/>
+          <p:nvPr/>
+        </p:nvSpPr>
+        <p:spPr>
+          <a:xfrm>
+            <a:off x="6773174" y="1729549"/>
+            <a:ext cx="277091" cy="286327"/>
+          </a:xfrm>
+          <a:prstGeom prst="mathMultiply">
+            <a:avLst/>
+          </a:prstGeom>
+        </p:spPr>
+        <p:style>
+          <a:lnRef idx="2">
+            <a:schemeClr val="accent1">
+              <a:shade val="50000"/>
+            </a:schemeClr>
+          </a:lnRef>
+          <a:fillRef idx="1">
+            <a:schemeClr val="accent1"/>
+          </a:fillRef>
+          <a:effectRef idx="0">
+            <a:schemeClr val="accent1"/>
+          </a:effectRef>
+          <a:fontRef idx="minor">
+            <a:schemeClr val="lt1"/>
+          </a:fontRef>
+        </p:style>
+        <p:txBody>
+          <a:bodyPr rtlCol="0" anchor="ctr"/>
+          <a:lstStyle/>
+          <a:p>
+            <a:pPr algn="ctr"/>
+            <a:endParaRPr lang="ko-KR" altLang="en-US"/>
+          </a:p>
+        </p:txBody>
+      </p:sp>
+      <p:cxnSp>
+        <p:nvCxnSpPr>
+          <p:cNvPr id="82" name="직선 화살표 연결선 81"/>
+          <p:cNvCxnSpPr/>
+          <p:nvPr/>
+        </p:nvCxnSpPr>
+        <p:spPr>
+          <a:xfrm flipH="1">
+            <a:off x="7520394" y="1607127"/>
+            <a:ext cx="6158" cy="531171"/>
+          </a:xfrm>
+          <a:prstGeom prst="straightConnector1">
+            <a:avLst/>
+          </a:prstGeom>
+          <a:ln>
+            <a:tailEnd type="triangle"/>
+          </a:ln>
+        </p:spPr>
+        <p:style>
+          <a:lnRef idx="1">
+            <a:schemeClr val="accent1"/>
+          </a:lnRef>
+          <a:fillRef idx="0">
+            <a:schemeClr val="accent1"/>
+          </a:fillRef>
+          <a:effectRef idx="0">
+            <a:schemeClr val="accent1"/>
+          </a:effectRef>
+          <a:fontRef idx="minor">
+            <a:schemeClr val="tx1"/>
+          </a:fontRef>
+        </p:style>
+      </p:cxnSp>
+      <p:sp>
+        <p:nvSpPr>
+          <p:cNvPr id="83" name="곱셈 기호 82"/>
+          <p:cNvSpPr/>
+          <p:nvPr/>
+        </p:nvSpPr>
+        <p:spPr>
+          <a:xfrm>
+            <a:off x="7384928" y="1729549"/>
+            <a:ext cx="277091" cy="286327"/>
+          </a:xfrm>
+          <a:prstGeom prst="mathMultiply">
+            <a:avLst/>
+          </a:prstGeom>
+        </p:spPr>
+        <p:style>
+          <a:lnRef idx="2">
+            <a:schemeClr val="accent1">
+              <a:shade val="50000"/>
+            </a:schemeClr>
+          </a:lnRef>
+          <a:fillRef idx="1">
+            <a:schemeClr val="accent1"/>
+          </a:fillRef>
+          <a:effectRef idx="0">
+            <a:schemeClr val="accent1"/>
+          </a:effectRef>
+          <a:fontRef idx="minor">
+            <a:schemeClr val="lt1"/>
+          </a:fontRef>
+        </p:style>
+        <p:txBody>
+          <a:bodyPr rtlCol="0" anchor="ctr"/>
+          <a:lstStyle/>
+          <a:p>
+            <a:pPr algn="ctr"/>
+            <a:endParaRPr lang="ko-KR" altLang="en-US"/>
+          </a:p>
+        </p:txBody>
+      </p:sp>
+      <p:cxnSp>
+        <p:nvCxnSpPr>
+          <p:cNvPr id="84" name="직선 화살표 연결선 83"/>
+          <p:cNvCxnSpPr/>
+          <p:nvPr/>
+        </p:nvCxnSpPr>
+        <p:spPr>
+          <a:xfrm flipH="1">
+            <a:off x="8132148" y="1607127"/>
+            <a:ext cx="6158" cy="531171"/>
+          </a:xfrm>
+          <a:prstGeom prst="straightConnector1">
+            <a:avLst/>
+          </a:prstGeom>
+          <a:ln>
+            <a:tailEnd type="triangle"/>
+          </a:ln>
+        </p:spPr>
+        <p:style>
+          <a:lnRef idx="1">
+            <a:schemeClr val="accent1"/>
+          </a:lnRef>
+          <a:fillRef idx="0">
+            <a:schemeClr val="accent1"/>
+          </a:fillRef>
+          <a:effectRef idx="0">
+            <a:schemeClr val="accent1"/>
+          </a:effectRef>
+          <a:fontRef idx="minor">
+            <a:schemeClr val="tx1"/>
+          </a:fontRef>
+        </p:style>
+      </p:cxnSp>
+      <p:sp>
+        <p:nvSpPr>
+          <p:cNvPr id="85" name="곱셈 기호 84"/>
+          <p:cNvSpPr/>
+          <p:nvPr/>
+        </p:nvSpPr>
+        <p:spPr>
+          <a:xfrm>
+            <a:off x="7996682" y="1729549"/>
+            <a:ext cx="277091" cy="286327"/>
+          </a:xfrm>
+          <a:prstGeom prst="mathMultiply">
+            <a:avLst/>
+          </a:prstGeom>
+        </p:spPr>
+        <p:style>
+          <a:lnRef idx="2">
+            <a:schemeClr val="accent1">
+              <a:shade val="50000"/>
+            </a:schemeClr>
+          </a:lnRef>
+          <a:fillRef idx="1">
+            <a:schemeClr val="accent1"/>
+          </a:fillRef>
+          <a:effectRef idx="0">
+            <a:schemeClr val="accent1"/>
+          </a:effectRef>
+          <a:fontRef idx="minor">
+            <a:schemeClr val="lt1"/>
+          </a:fontRef>
+        </p:style>
+        <p:txBody>
+          <a:bodyPr rtlCol="0" anchor="ctr"/>
+          <a:lstStyle/>
+          <a:p>
+            <a:pPr algn="ctr"/>
+            <a:endParaRPr lang="ko-KR" altLang="en-US"/>
+          </a:p>
+        </p:txBody>
+      </p:sp>
+      <p:cxnSp>
+        <p:nvCxnSpPr>
+          <p:cNvPr id="86" name="직선 화살표 연결선 85"/>
+          <p:cNvCxnSpPr/>
+          <p:nvPr/>
+        </p:nvCxnSpPr>
+        <p:spPr>
+          <a:xfrm flipH="1">
+            <a:off x="8743902" y="1607127"/>
+            <a:ext cx="6158" cy="531171"/>
+          </a:xfrm>
+          <a:prstGeom prst="straightConnector1">
+            <a:avLst/>
+          </a:prstGeom>
+          <a:ln>
+            <a:tailEnd type="triangle"/>
+          </a:ln>
+        </p:spPr>
+        <p:style>
+          <a:lnRef idx="1">
+            <a:schemeClr val="accent1"/>
+          </a:lnRef>
+          <a:fillRef idx="0">
+            <a:schemeClr val="accent1"/>
+          </a:fillRef>
+          <a:effectRef idx="0">
+            <a:schemeClr val="accent1"/>
+          </a:effectRef>
+          <a:fontRef idx="minor">
+            <a:schemeClr val="tx1"/>
+          </a:fontRef>
+        </p:style>
+      </p:cxnSp>
+      <p:sp>
+        <p:nvSpPr>
+          <p:cNvPr id="87" name="곱셈 기호 86"/>
+          <p:cNvSpPr/>
+          <p:nvPr/>
+        </p:nvSpPr>
+        <p:spPr>
+          <a:xfrm>
+            <a:off x="8608436" y="1729549"/>
+            <a:ext cx="277091" cy="286327"/>
+          </a:xfrm>
+          <a:prstGeom prst="mathMultiply">
+            <a:avLst/>
+          </a:prstGeom>
+        </p:spPr>
+        <p:style>
+          <a:lnRef idx="2">
+            <a:schemeClr val="accent1">
+              <a:shade val="50000"/>
+            </a:schemeClr>
+          </a:lnRef>
+          <a:fillRef idx="1">
+            <a:schemeClr val="accent1"/>
+          </a:fillRef>
+          <a:effectRef idx="0">
+            <a:schemeClr val="accent1"/>
+          </a:effectRef>
+          <a:fontRef idx="minor">
+            <a:schemeClr val="lt1"/>
+          </a:fontRef>
+        </p:style>
+        <p:txBody>
+          <a:bodyPr rtlCol="0" anchor="ctr"/>
+          <a:lstStyle/>
+          <a:p>
+            <a:pPr algn="ctr"/>
+            <a:endParaRPr lang="ko-KR" altLang="en-US"/>
+          </a:p>
+        </p:txBody>
+      </p:sp>
+      <p:cxnSp>
+        <p:nvCxnSpPr>
+          <p:cNvPr id="88" name="직선 화살표 연결선 87"/>
+          <p:cNvCxnSpPr/>
+          <p:nvPr/>
+        </p:nvCxnSpPr>
+        <p:spPr>
+          <a:xfrm flipH="1">
+            <a:off x="9355656" y="1607127"/>
+            <a:ext cx="6158" cy="531171"/>
+          </a:xfrm>
+          <a:prstGeom prst="straightConnector1">
+            <a:avLst/>
+          </a:prstGeom>
+          <a:ln>
+            <a:tailEnd type="triangle"/>
+          </a:ln>
+        </p:spPr>
+        <p:style>
+          <a:lnRef idx="1">
+            <a:schemeClr val="accent1"/>
+          </a:lnRef>
+          <a:fillRef idx="0">
+            <a:schemeClr val="accent1"/>
+          </a:fillRef>
+          <a:effectRef idx="0">
+            <a:schemeClr val="accent1"/>
+          </a:effectRef>
+          <a:fontRef idx="minor">
+            <a:schemeClr val="tx1"/>
+          </a:fontRef>
+        </p:style>
+      </p:cxnSp>
+      <p:sp>
+        <p:nvSpPr>
+          <p:cNvPr id="89" name="곱셈 기호 88"/>
+          <p:cNvSpPr/>
+          <p:nvPr/>
+        </p:nvSpPr>
+        <p:spPr>
+          <a:xfrm>
+            <a:off x="9220190" y="1729549"/>
+            <a:ext cx="277091" cy="286327"/>
+          </a:xfrm>
+          <a:prstGeom prst="mathMultiply">
+            <a:avLst/>
+          </a:prstGeom>
+        </p:spPr>
+        <p:style>
+          <a:lnRef idx="2">
+            <a:schemeClr val="accent1">
+              <a:shade val="50000"/>
+            </a:schemeClr>
+          </a:lnRef>
+          <a:fillRef idx="1">
+            <a:schemeClr val="accent1"/>
+          </a:fillRef>
+          <a:effectRef idx="0">
+            <a:schemeClr val="accent1"/>
+          </a:effectRef>
+          <a:fontRef idx="minor">
+            <a:schemeClr val="lt1"/>
+          </a:fontRef>
+        </p:style>
+        <p:txBody>
+          <a:bodyPr rtlCol="0" anchor="ctr"/>
+          <a:lstStyle/>
+          <a:p>
+            <a:pPr algn="ctr"/>
+            <a:endParaRPr lang="ko-KR" altLang="en-US"/>
+          </a:p>
+        </p:txBody>
+      </p:sp>
+      <p:cxnSp>
+        <p:nvCxnSpPr>
+          <p:cNvPr id="90" name="직선 화살표 연결선 89"/>
+          <p:cNvCxnSpPr/>
+          <p:nvPr/>
+        </p:nvCxnSpPr>
+        <p:spPr>
+          <a:xfrm flipH="1">
+            <a:off x="9967410" y="1607127"/>
+            <a:ext cx="6158" cy="531171"/>
+          </a:xfrm>
+          <a:prstGeom prst="straightConnector1">
+            <a:avLst/>
+          </a:prstGeom>
+          <a:ln>
+            <a:tailEnd type="triangle"/>
+          </a:ln>
+        </p:spPr>
+        <p:style>
+          <a:lnRef idx="1">
+            <a:schemeClr val="accent1"/>
+          </a:lnRef>
+          <a:fillRef idx="0">
+            <a:schemeClr val="accent1"/>
+          </a:fillRef>
+          <a:effectRef idx="0">
+            <a:schemeClr val="accent1"/>
+          </a:effectRef>
+          <a:fontRef idx="minor">
+            <a:schemeClr val="tx1"/>
+          </a:fontRef>
+        </p:style>
+      </p:cxnSp>
+      <p:sp>
+        <p:nvSpPr>
+          <p:cNvPr id="91" name="곱셈 기호 90"/>
+          <p:cNvSpPr/>
+          <p:nvPr/>
+        </p:nvSpPr>
+        <p:spPr>
+          <a:xfrm>
+            <a:off x="9831944" y="1729549"/>
+            <a:ext cx="277091" cy="286327"/>
+          </a:xfrm>
+          <a:prstGeom prst="mathMultiply">
+            <a:avLst/>
+          </a:prstGeom>
+        </p:spPr>
+        <p:style>
+          <a:lnRef idx="2">
+            <a:schemeClr val="accent1">
+              <a:shade val="50000"/>
+            </a:schemeClr>
+          </a:lnRef>
+          <a:fillRef idx="1">
+            <a:schemeClr val="accent1"/>
+          </a:fillRef>
+          <a:effectRef idx="0">
+            <a:schemeClr val="accent1"/>
+          </a:effectRef>
+          <a:fontRef idx="minor">
+            <a:schemeClr val="lt1"/>
+          </a:fontRef>
+        </p:style>
+        <p:txBody>
+          <a:bodyPr rtlCol="0" anchor="ctr"/>
+          <a:lstStyle/>
+          <a:p>
+            <a:pPr algn="ctr"/>
+            <a:endParaRPr lang="ko-KR" altLang="en-US"/>
+          </a:p>
+        </p:txBody>
+      </p:sp>
+      <p:cxnSp>
+        <p:nvCxnSpPr>
+          <p:cNvPr id="92" name="직선 화살표 연결선 91"/>
+          <p:cNvCxnSpPr/>
+          <p:nvPr/>
+        </p:nvCxnSpPr>
+        <p:spPr>
+          <a:xfrm flipH="1">
+            <a:off x="10579164" y="1607127"/>
+            <a:ext cx="6158" cy="531171"/>
+          </a:xfrm>
+          <a:prstGeom prst="straightConnector1">
+            <a:avLst/>
+          </a:prstGeom>
+          <a:ln>
+            <a:tailEnd type="triangle"/>
+          </a:ln>
+        </p:spPr>
+        <p:style>
+          <a:lnRef idx="1">
+            <a:schemeClr val="accent1"/>
+          </a:lnRef>
+          <a:fillRef idx="0">
+            <a:schemeClr val="accent1"/>
+          </a:fillRef>
+          <a:effectRef idx="0">
+            <a:schemeClr val="accent1"/>
+          </a:effectRef>
+          <a:fontRef idx="minor">
+            <a:schemeClr val="tx1"/>
+          </a:fontRef>
+        </p:style>
+      </p:cxnSp>
+      <p:sp>
+        <p:nvSpPr>
+          <p:cNvPr id="93" name="곱셈 기호 92"/>
+          <p:cNvSpPr/>
+          <p:nvPr/>
+        </p:nvSpPr>
+        <p:spPr>
+          <a:xfrm>
+            <a:off x="10443698" y="1729549"/>
+            <a:ext cx="277091" cy="286327"/>
+          </a:xfrm>
+          <a:prstGeom prst="mathMultiply">
+            <a:avLst/>
+          </a:prstGeom>
+        </p:spPr>
+        <p:style>
+          <a:lnRef idx="2">
+            <a:schemeClr val="accent1">
+              <a:shade val="50000"/>
+            </a:schemeClr>
+          </a:lnRef>
+          <a:fillRef idx="1">
+            <a:schemeClr val="accent1"/>
+          </a:fillRef>
+          <a:effectRef idx="0">
+            <a:schemeClr val="accent1"/>
+          </a:effectRef>
+          <a:fontRef idx="minor">
+            <a:schemeClr val="lt1"/>
+          </a:fontRef>
+        </p:style>
+        <p:txBody>
+          <a:bodyPr rtlCol="0" anchor="ctr"/>
+          <a:lstStyle/>
+          <a:p>
+            <a:pPr algn="ctr"/>
+            <a:endParaRPr lang="ko-KR" altLang="en-US"/>
+          </a:p>
+        </p:txBody>
+      </p:sp>
+      <p:sp>
+        <p:nvSpPr>
+          <p:cNvPr id="94" name="오른쪽 대괄호 93"/>
+          <p:cNvSpPr/>
+          <p:nvPr/>
+        </p:nvSpPr>
+        <p:spPr>
+          <a:xfrm rot="5400000" flipV="1">
+            <a:off x="4045603" y="2299625"/>
+            <a:ext cx="221213" cy="600364"/>
+          </a:xfrm>
+          <a:prstGeom prst="rightBracket">
+            <a:avLst/>
+          </a:prstGeom>
+        </p:spPr>
+        <p:style>
+          <a:lnRef idx="1">
+            <a:schemeClr val="accent1"/>
+          </a:lnRef>
+          <a:fillRef idx="0">
+            <a:schemeClr val="accent1"/>
+          </a:fillRef>
+          <a:effectRef idx="0">
+            <a:schemeClr val="accent1"/>
+          </a:effectRef>
+          <a:fontRef idx="minor">
+            <a:schemeClr val="tx1"/>
+          </a:fontRef>
+        </p:style>
+        <p:txBody>
+          <a:bodyPr rtlCol="0" anchor="ctr"/>
+          <a:lstStyle/>
+          <a:p>
+            <a:pPr algn="ctr"/>
+            <a:endParaRPr lang="ko-KR" altLang="en-US"/>
+          </a:p>
+        </p:txBody>
+      </p:sp>
+      <p:sp>
+        <p:nvSpPr>
+          <p:cNvPr id="95" name="덧셈 기호 94"/>
+          <p:cNvSpPr/>
+          <p:nvPr/>
+        </p:nvSpPr>
+        <p:spPr>
+          <a:xfrm>
+            <a:off x="4027592" y="2576486"/>
+            <a:ext cx="257233" cy="267855"/>
+          </a:xfrm>
+          <a:prstGeom prst="mathPlus">
+            <a:avLst/>
+          </a:prstGeom>
+        </p:spPr>
+        <p:style>
+          <a:lnRef idx="2">
+            <a:schemeClr val="accent1">
+              <a:shade val="50000"/>
+            </a:schemeClr>
+          </a:lnRef>
+          <a:fillRef idx="1">
+            <a:schemeClr val="accent1"/>
+          </a:fillRef>
+          <a:effectRef idx="0">
+            <a:schemeClr val="accent1"/>
+          </a:effectRef>
+          <a:fontRef idx="minor">
+            <a:schemeClr val="lt1"/>
+          </a:fontRef>
+        </p:style>
+        <p:txBody>
+          <a:bodyPr rtlCol="0" anchor="ctr"/>
+          <a:lstStyle/>
+          <a:p>
+            <a:pPr algn="ctr"/>
+            <a:endParaRPr lang="ko-KR" altLang="en-US"/>
+          </a:p>
+        </p:txBody>
+      </p:sp>
+      <p:sp>
+        <p:nvSpPr>
+          <p:cNvPr id="96" name="등호 95"/>
+          <p:cNvSpPr/>
+          <p:nvPr/>
+        </p:nvSpPr>
+        <p:spPr>
+          <a:xfrm>
+            <a:off x="4581699" y="2626013"/>
+            <a:ext cx="288710" cy="168800"/>
+          </a:xfrm>
+          <a:prstGeom prst="mathEqual">
+            <a:avLst/>
+          </a:prstGeom>
+        </p:spPr>
+        <p:style>
+          <a:lnRef idx="2">
+            <a:schemeClr val="accent1">
+              <a:shade val="50000"/>
+            </a:schemeClr>
+          </a:lnRef>
+          <a:fillRef idx="1">
+            <a:schemeClr val="accent1"/>
+          </a:fillRef>
+          <a:effectRef idx="0">
+            <a:schemeClr val="accent1"/>
+          </a:effectRef>
+          <a:fontRef idx="minor">
+            <a:schemeClr val="lt1"/>
+          </a:fontRef>
+        </p:style>
+        <p:txBody>
+          <a:bodyPr rtlCol="0" anchor="ctr"/>
+          <a:lstStyle/>
+          <a:p>
+            <a:pPr algn="ctr"/>
+            <a:endParaRPr lang="ko-KR" altLang="en-US">
+              <a:solidFill>
+                <a:schemeClr val="tx1"/>
+              </a:solidFill>
+            </a:endParaRPr>
+          </a:p>
+        </p:txBody>
+      </p:sp>
+      <p:sp>
+        <p:nvSpPr>
+          <p:cNvPr id="102" name="직사각형 101"/>
+          <p:cNvSpPr/>
+          <p:nvPr/>
+        </p:nvSpPr>
+        <p:spPr>
+          <a:xfrm>
+            <a:off x="4897426" y="2543388"/>
+            <a:ext cx="2011214" cy="343672"/>
+          </a:xfrm>
+          <a:prstGeom prst="rect">
+            <a:avLst/>
+          </a:prstGeom>
+          <a:noFill/>
+          <a:ln>
+            <a:noFill/>
+          </a:ln>
+        </p:spPr>
+        <p:style>
+          <a:lnRef idx="2">
+            <a:schemeClr val="accent1">
+              <a:shade val="50000"/>
+            </a:schemeClr>
+          </a:lnRef>
+          <a:fillRef idx="1">
+            <a:schemeClr val="accent1"/>
+          </a:fillRef>
+          <a:effectRef idx="0">
+            <a:schemeClr val="accent1"/>
+          </a:effectRef>
+          <a:fontRef idx="minor">
+            <a:schemeClr val="lt1"/>
+          </a:fontRef>
+        </p:style>
+        <p:txBody>
+          <a:bodyPr rtlCol="0" anchor="ctr"/>
+          <a:lstStyle/>
+          <a:p>
+            <a:pPr algn="ctr"/>
+            <a:r>
+              <a:rPr lang="en-US" altLang="ko-KR" sz="1000" dirty="0" smtClean="0">
+                <a:solidFill>
+                  <a:schemeClr val="tx1"/>
+                </a:solidFill>
+              </a:rPr>
+              <a:t>19.4 * x + 1.16 * 1 + 24850.61</a:t>
+            </a:r>
+            <a:endParaRPr lang="ko-KR" altLang="en-US" sz="1000" dirty="0">
+              <a:solidFill>
+                <a:schemeClr val="tx1"/>
+              </a:solidFill>
+            </a:endParaRPr>
+          </a:p>
+        </p:txBody>
+      </p:sp>
+      <p:sp>
+        <p:nvSpPr>
+          <p:cNvPr id="103" name="직사각형 102"/>
+          <p:cNvSpPr/>
+          <p:nvPr/>
+        </p:nvSpPr>
+        <p:spPr>
+          <a:xfrm>
+            <a:off x="2934700" y="914019"/>
+            <a:ext cx="614834" cy="343672"/>
+          </a:xfrm>
+          <a:prstGeom prst="rect">
+            <a:avLst/>
+          </a:prstGeom>
+          <a:noFill/>
+          <a:ln>
+            <a:noFill/>
+          </a:ln>
+        </p:spPr>
+        <p:style>
+          <a:lnRef idx="2">
+            <a:schemeClr val="accent1">
+              <a:shade val="50000"/>
+            </a:schemeClr>
+          </a:lnRef>
+          <a:fillRef idx="1">
+            <a:schemeClr val="accent1"/>
+          </a:fillRef>
+          <a:effectRef idx="0">
+            <a:schemeClr val="accent1"/>
+          </a:effectRef>
+          <a:fontRef idx="minor">
+            <a:schemeClr val="lt1"/>
+          </a:fontRef>
+        </p:style>
+        <p:txBody>
+          <a:bodyPr rtlCol="0" anchor="ctr"/>
+          <a:lstStyle/>
+          <a:p>
+            <a:pPr algn="ctr"/>
+            <a:r>
+              <a:rPr lang="en-US" altLang="ko-KR" sz="800" dirty="0" smtClean="0">
+                <a:solidFill>
+                  <a:schemeClr val="tx1"/>
+                </a:solidFill>
+              </a:rPr>
+              <a:t>intercept</a:t>
+            </a:r>
+            <a:endParaRPr lang="ko-KR" altLang="en-US" sz="800" dirty="0">
+              <a:solidFill>
+                <a:schemeClr val="tx1"/>
+              </a:solidFill>
+            </a:endParaRPr>
+          </a:p>
+        </p:txBody>
+      </p:sp>
+      <p:sp>
+        <p:nvSpPr>
+          <p:cNvPr id="104" name="직사각형 103"/>
+          <p:cNvSpPr/>
+          <p:nvPr/>
+        </p:nvSpPr>
+        <p:spPr>
+          <a:xfrm>
+            <a:off x="2934700" y="1264921"/>
+            <a:ext cx="614834" cy="343672"/>
+          </a:xfrm>
+          <a:prstGeom prst="rect">
+            <a:avLst/>
+          </a:prstGeom>
+        </p:spPr>
+        <p:style>
+          <a:lnRef idx="2">
+            <a:schemeClr val="accent1">
+              <a:shade val="50000"/>
+            </a:schemeClr>
+          </a:lnRef>
+          <a:fillRef idx="1">
+            <a:schemeClr val="accent1"/>
+          </a:fillRef>
+          <a:effectRef idx="0">
+            <a:schemeClr val="accent1"/>
+          </a:effectRef>
+          <a:fontRef idx="minor">
+            <a:schemeClr val="lt1"/>
+          </a:fontRef>
+        </p:style>
+        <p:txBody>
+          <a:bodyPr rtlCol="0" anchor="ctr"/>
+          <a:lstStyle/>
+          <a:p>
+            <a:pPr algn="ctr"/>
+            <a:r>
+              <a:rPr lang="en-US" altLang="ko-KR" sz="800" dirty="0" smtClean="0">
+                <a:solidFill>
+                  <a:schemeClr val="bg1"/>
+                </a:solidFill>
+              </a:rPr>
+              <a:t>24850.61</a:t>
+            </a:r>
+            <a:endParaRPr lang="ko-KR" altLang="en-US" sz="800" dirty="0">
+              <a:solidFill>
+                <a:schemeClr val="bg1"/>
+              </a:solidFill>
+            </a:endParaRPr>
+          </a:p>
+        </p:txBody>
+      </p:sp>
+      <p:cxnSp>
+        <p:nvCxnSpPr>
+          <p:cNvPr id="106" name="꺾인 연결선 105"/>
+          <p:cNvCxnSpPr>
+            <a:stCxn id="104" idx="2"/>
+            <a:endCxn id="95" idx="2"/>
+          </p:cNvCxnSpPr>
+          <p:nvPr/>
+        </p:nvCxnSpPr>
+        <p:spPr>
+          <a:xfrm rot="16200000" flipH="1">
+            <a:off x="3100992" y="1749717"/>
+            <a:ext cx="1101821" cy="819571"/>
+          </a:xfrm>
+          <a:prstGeom prst="bentConnector2">
+            <a:avLst/>
+          </a:prstGeom>
+          <a:ln>
+            <a:tailEnd type="triangle"/>
+          </a:ln>
+        </p:spPr>
+        <p:style>
+          <a:lnRef idx="1">
+            <a:schemeClr val="accent1"/>
+          </a:lnRef>
+          <a:fillRef idx="0">
+            <a:schemeClr val="accent1"/>
+          </a:fillRef>
+          <a:effectRef idx="0">
+            <a:schemeClr val="accent1"/>
+          </a:effectRef>
+          <a:fontRef idx="minor">
+            <a:schemeClr val="tx1"/>
+          </a:fontRef>
+        </p:style>
+      </p:cxnSp>
+      <p:sp>
+        <p:nvSpPr>
+          <p:cNvPr id="107" name="덧셈 기호 106"/>
+          <p:cNvSpPr/>
+          <p:nvPr/>
+        </p:nvSpPr>
+        <p:spPr>
+          <a:xfrm>
+            <a:off x="3421226" y="2572564"/>
+            <a:ext cx="257233" cy="267855"/>
+          </a:xfrm>
+          <a:prstGeom prst="mathPlus">
+            <a:avLst/>
+          </a:prstGeom>
+        </p:spPr>
+        <p:style>
+          <a:lnRef idx="2">
+            <a:schemeClr val="accent1">
+              <a:shade val="50000"/>
+            </a:schemeClr>
+          </a:lnRef>
+          <a:fillRef idx="1">
+            <a:schemeClr val="accent1"/>
+          </a:fillRef>
+          <a:effectRef idx="0">
+            <a:schemeClr val="accent1"/>
+          </a:effectRef>
+          <a:fontRef idx="minor">
+            <a:schemeClr val="lt1"/>
+          </a:fontRef>
+        </p:style>
+        <p:txBody>
+          <a:bodyPr rtlCol="0" anchor="ctr"/>
+          <a:lstStyle/>
+          <a:p>
+            <a:pPr algn="ctr"/>
+            <a:endParaRPr lang="ko-KR" altLang="en-US"/>
+          </a:p>
+        </p:txBody>
+      </p:sp>
+    </p:spTree>
+    <p:extLst>
+      <p:ext uri="{BB962C8B-B14F-4D97-AF65-F5344CB8AC3E}">
+        <p14:creationId xmlns:p14="http://schemas.microsoft.com/office/powerpoint/2010/main" val="4134483368"/>
       </p:ext>
     </p:extLst>
   </p:cSld>

--- a/프레젠테이션1.pptx
+++ b/프레젠테이션1.pptx
@@ -4,6 +4,9 @@
   <p:sldMasterIdLst>
     <p:sldMasterId id="2147483648" r:id="rId1"/>
   </p:sldMasterIdLst>
+  <p:notesMasterIdLst>
+    <p:notesMasterId r:id="rId19"/>
+  </p:notesMasterIdLst>
   <p:sldIdLst>
     <p:sldId id="256" r:id="rId2"/>
     <p:sldId id="257" r:id="rId3"/>
@@ -18,6 +21,10 @@
     <p:sldId id="266" r:id="rId12"/>
     <p:sldId id="267" r:id="rId13"/>
     <p:sldId id="268" r:id="rId14"/>
+    <p:sldId id="269" r:id="rId15"/>
+    <p:sldId id="270" r:id="rId16"/>
+    <p:sldId id="271" r:id="rId17"/>
+    <p:sldId id="272" r:id="rId18"/>
   </p:sldIdLst>
   <p:sldSz cx="12192000" cy="6858000"/>
   <p:notesSz cx="6858000" cy="9144000"/>
@@ -135,6 +142,356 @@
 </p:presentation>
 </file>
 
+<file path=ppt/notesMasters/notesMaster1.xml><?xml version="1.0" encoding="utf-8"?>
+<p:notesMaster xmlns:a="http://schemas.openxmlformats.org/drawingml/2006/main" xmlns:r="http://schemas.openxmlformats.org/officeDocument/2006/relationships" xmlns:p="http://schemas.openxmlformats.org/presentationml/2006/main">
+  <p:cSld>
+    <p:bg>
+      <p:bgRef idx="1001">
+        <a:schemeClr val="bg1"/>
+      </p:bgRef>
+    </p:bg>
+    <p:spTree>
+      <p:nvGrpSpPr>
+        <p:cNvPr id="1" name=""/>
+        <p:cNvGrpSpPr/>
+        <p:nvPr/>
+      </p:nvGrpSpPr>
+      <p:grpSpPr>
+        <a:xfrm>
+          <a:off x="0" y="0"/>
+          <a:ext cx="0" cy="0"/>
+          <a:chOff x="0" y="0"/>
+          <a:chExt cx="0" cy="0"/>
+        </a:xfrm>
+      </p:grpSpPr>
+      <p:sp>
+        <p:nvSpPr>
+          <p:cNvPr id="2" name="머리글 개체 틀 1"/>
+          <p:cNvSpPr>
+            <a:spLocks noGrp="1"/>
+          </p:cNvSpPr>
+          <p:nvPr>
+            <p:ph type="hdr" sz="quarter"/>
+          </p:nvPr>
+        </p:nvSpPr>
+        <p:spPr>
+          <a:xfrm>
+            <a:off x="0" y="0"/>
+            <a:ext cx="2971800" cy="458788"/>
+          </a:xfrm>
+          <a:prstGeom prst="rect">
+            <a:avLst/>
+          </a:prstGeom>
+        </p:spPr>
+        <p:txBody>
+          <a:bodyPr vert="horz" lIns="91440" tIns="45720" rIns="91440" bIns="45720" rtlCol="0"/>
+          <a:lstStyle>
+            <a:lvl1pPr algn="l">
+              <a:defRPr sz="1200"/>
+            </a:lvl1pPr>
+          </a:lstStyle>
+          <a:p>
+            <a:endParaRPr lang="ko-KR" altLang="en-US"/>
+          </a:p>
+        </p:txBody>
+      </p:sp>
+      <p:sp>
+        <p:nvSpPr>
+          <p:cNvPr id="3" name="날짜 개체 틀 2"/>
+          <p:cNvSpPr>
+            <a:spLocks noGrp="1"/>
+          </p:cNvSpPr>
+          <p:nvPr>
+            <p:ph type="dt" idx="1"/>
+          </p:nvPr>
+        </p:nvSpPr>
+        <p:spPr>
+          <a:xfrm>
+            <a:off x="3884613" y="0"/>
+            <a:ext cx="2971800" cy="458788"/>
+          </a:xfrm>
+          <a:prstGeom prst="rect">
+            <a:avLst/>
+          </a:prstGeom>
+        </p:spPr>
+        <p:txBody>
+          <a:bodyPr vert="horz" lIns="91440" tIns="45720" rIns="91440" bIns="45720" rtlCol="0"/>
+          <a:lstStyle>
+            <a:lvl1pPr algn="r">
+              <a:defRPr sz="1200"/>
+            </a:lvl1pPr>
+          </a:lstStyle>
+          <a:p>
+            <a:fld id="{7C1190C3-B361-4589-A7A5-616181CA4866}" type="datetimeFigureOut">
+              <a:rPr lang="ko-KR" altLang="en-US" smtClean="0"/>
+              <a:t>2021-02-28</a:t>
+            </a:fld>
+            <a:endParaRPr lang="ko-KR" altLang="en-US"/>
+          </a:p>
+        </p:txBody>
+      </p:sp>
+      <p:sp>
+        <p:nvSpPr>
+          <p:cNvPr id="4" name="슬라이드 이미지 개체 틀 3"/>
+          <p:cNvSpPr>
+            <a:spLocks noGrp="1" noRot="1" noChangeAspect="1"/>
+          </p:cNvSpPr>
+          <p:nvPr>
+            <p:ph type="sldImg" idx="2"/>
+          </p:nvPr>
+        </p:nvSpPr>
+        <p:spPr>
+          <a:xfrm>
+            <a:off x="685800" y="1143000"/>
+            <a:ext cx="5486400" cy="3086100"/>
+          </a:xfrm>
+          <a:prstGeom prst="rect">
+            <a:avLst/>
+          </a:prstGeom>
+          <a:noFill/>
+          <a:ln w="12700">
+            <a:solidFill>
+              <a:prstClr val="black"/>
+            </a:solidFill>
+          </a:ln>
+        </p:spPr>
+        <p:txBody>
+          <a:bodyPr vert="horz" lIns="91440" tIns="45720" rIns="91440" bIns="45720" rtlCol="0" anchor="ctr"/>
+          <a:lstStyle/>
+          <a:p>
+            <a:endParaRPr lang="ko-KR" altLang="en-US"/>
+          </a:p>
+        </p:txBody>
+      </p:sp>
+      <p:sp>
+        <p:nvSpPr>
+          <p:cNvPr id="5" name="슬라이드 노트 개체 틀 4"/>
+          <p:cNvSpPr>
+            <a:spLocks noGrp="1"/>
+          </p:cNvSpPr>
+          <p:nvPr>
+            <p:ph type="body" sz="quarter" idx="3"/>
+          </p:nvPr>
+        </p:nvSpPr>
+        <p:spPr>
+          <a:xfrm>
+            <a:off x="685800" y="4400550"/>
+            <a:ext cx="5486400" cy="3600450"/>
+          </a:xfrm>
+          <a:prstGeom prst="rect">
+            <a:avLst/>
+          </a:prstGeom>
+        </p:spPr>
+        <p:txBody>
+          <a:bodyPr vert="horz" lIns="91440" tIns="45720" rIns="91440" bIns="45720" rtlCol="0"/>
+          <a:lstStyle/>
+          <a:p>
+            <a:pPr lvl="0"/>
+            <a:r>
+              <a:rPr lang="ko-KR" altLang="en-US" smtClean="0"/>
+              <a:t>마스터 텍스트 스타일 편집</a:t>
+            </a:r>
+          </a:p>
+          <a:p>
+            <a:pPr lvl="1"/>
+            <a:r>
+              <a:rPr lang="ko-KR" altLang="en-US" smtClean="0"/>
+              <a:t>둘째 수준</a:t>
+            </a:r>
+          </a:p>
+          <a:p>
+            <a:pPr lvl="2"/>
+            <a:r>
+              <a:rPr lang="ko-KR" altLang="en-US" smtClean="0"/>
+              <a:t>셋째 수준</a:t>
+            </a:r>
+          </a:p>
+          <a:p>
+            <a:pPr lvl="3"/>
+            <a:r>
+              <a:rPr lang="ko-KR" altLang="en-US" smtClean="0"/>
+              <a:t>넷째 수준</a:t>
+            </a:r>
+          </a:p>
+          <a:p>
+            <a:pPr lvl="4"/>
+            <a:r>
+              <a:rPr lang="ko-KR" altLang="en-US" smtClean="0"/>
+              <a:t>다섯째 수준</a:t>
+            </a:r>
+            <a:endParaRPr lang="ko-KR" altLang="en-US"/>
+          </a:p>
+        </p:txBody>
+      </p:sp>
+      <p:sp>
+        <p:nvSpPr>
+          <p:cNvPr id="6" name="바닥글 개체 틀 5"/>
+          <p:cNvSpPr>
+            <a:spLocks noGrp="1"/>
+          </p:cNvSpPr>
+          <p:nvPr>
+            <p:ph type="ftr" sz="quarter" idx="4"/>
+          </p:nvPr>
+        </p:nvSpPr>
+        <p:spPr>
+          <a:xfrm>
+            <a:off x="0" y="8685213"/>
+            <a:ext cx="2971800" cy="458787"/>
+          </a:xfrm>
+          <a:prstGeom prst="rect">
+            <a:avLst/>
+          </a:prstGeom>
+        </p:spPr>
+        <p:txBody>
+          <a:bodyPr vert="horz" lIns="91440" tIns="45720" rIns="91440" bIns="45720" rtlCol="0" anchor="b"/>
+          <a:lstStyle>
+            <a:lvl1pPr algn="l">
+              <a:defRPr sz="1200"/>
+            </a:lvl1pPr>
+          </a:lstStyle>
+          <a:p>
+            <a:endParaRPr lang="ko-KR" altLang="en-US"/>
+          </a:p>
+        </p:txBody>
+      </p:sp>
+      <p:sp>
+        <p:nvSpPr>
+          <p:cNvPr id="7" name="슬라이드 번호 개체 틀 6"/>
+          <p:cNvSpPr>
+            <a:spLocks noGrp="1"/>
+          </p:cNvSpPr>
+          <p:nvPr>
+            <p:ph type="sldNum" sz="quarter" idx="5"/>
+          </p:nvPr>
+        </p:nvSpPr>
+        <p:spPr>
+          <a:xfrm>
+            <a:off x="3884613" y="8685213"/>
+            <a:ext cx="2971800" cy="458787"/>
+          </a:xfrm>
+          <a:prstGeom prst="rect">
+            <a:avLst/>
+          </a:prstGeom>
+        </p:spPr>
+        <p:txBody>
+          <a:bodyPr vert="horz" lIns="91440" tIns="45720" rIns="91440" bIns="45720" rtlCol="0" anchor="b"/>
+          <a:lstStyle>
+            <a:lvl1pPr algn="r">
+              <a:defRPr sz="1200"/>
+            </a:lvl1pPr>
+          </a:lstStyle>
+          <a:p>
+            <a:fld id="{F197B5AA-97E5-4C36-A9EA-892CC7C422BB}" type="slidenum">
+              <a:rPr lang="ko-KR" altLang="en-US" smtClean="0"/>
+              <a:t>‹#›</a:t>
+            </a:fld>
+            <a:endParaRPr lang="ko-KR" altLang="en-US"/>
+          </a:p>
+        </p:txBody>
+      </p:sp>
+    </p:spTree>
+    <p:extLst>
+      <p:ext uri="{BB962C8B-B14F-4D97-AF65-F5344CB8AC3E}">
+        <p14:creationId xmlns:p14="http://schemas.microsoft.com/office/powerpoint/2010/main" val="2200991923"/>
+      </p:ext>
+    </p:extLst>
+  </p:cSld>
+  <p:clrMap bg1="lt1" tx1="dk1" bg2="lt2" tx2="dk2" accent1="accent1" accent2="accent2" accent3="accent3" accent4="accent4" accent5="accent5" accent6="accent6" hlink="hlink" folHlink="folHlink"/>
+  <p:notesStyle>
+    <a:lvl1pPr marL="0" algn="l" defTabSz="914400" rtl="0" eaLnBrk="1" latinLnBrk="1" hangingPunct="1">
+      <a:defRPr sz="1200" kern="1200">
+        <a:solidFill>
+          <a:schemeClr val="tx1"/>
+        </a:solidFill>
+        <a:latin typeface="+mn-lt"/>
+        <a:ea typeface="+mn-ea"/>
+        <a:cs typeface="+mn-cs"/>
+      </a:defRPr>
+    </a:lvl1pPr>
+    <a:lvl2pPr marL="457200" algn="l" defTabSz="914400" rtl="0" eaLnBrk="1" latinLnBrk="1" hangingPunct="1">
+      <a:defRPr sz="1200" kern="1200">
+        <a:solidFill>
+          <a:schemeClr val="tx1"/>
+        </a:solidFill>
+        <a:latin typeface="+mn-lt"/>
+        <a:ea typeface="+mn-ea"/>
+        <a:cs typeface="+mn-cs"/>
+      </a:defRPr>
+    </a:lvl2pPr>
+    <a:lvl3pPr marL="914400" algn="l" defTabSz="914400" rtl="0" eaLnBrk="1" latinLnBrk="1" hangingPunct="1">
+      <a:defRPr sz="1200" kern="1200">
+        <a:solidFill>
+          <a:schemeClr val="tx1"/>
+        </a:solidFill>
+        <a:latin typeface="+mn-lt"/>
+        <a:ea typeface="+mn-ea"/>
+        <a:cs typeface="+mn-cs"/>
+      </a:defRPr>
+    </a:lvl3pPr>
+    <a:lvl4pPr marL="1371600" algn="l" defTabSz="914400" rtl="0" eaLnBrk="1" latinLnBrk="1" hangingPunct="1">
+      <a:defRPr sz="1200" kern="1200">
+        <a:solidFill>
+          <a:schemeClr val="tx1"/>
+        </a:solidFill>
+        <a:latin typeface="+mn-lt"/>
+        <a:ea typeface="+mn-ea"/>
+        <a:cs typeface="+mn-cs"/>
+      </a:defRPr>
+    </a:lvl4pPr>
+    <a:lvl5pPr marL="1828800" algn="l" defTabSz="914400" rtl="0" eaLnBrk="1" latinLnBrk="1" hangingPunct="1">
+      <a:defRPr sz="1200" kern="1200">
+        <a:solidFill>
+          <a:schemeClr val="tx1"/>
+        </a:solidFill>
+        <a:latin typeface="+mn-lt"/>
+        <a:ea typeface="+mn-ea"/>
+        <a:cs typeface="+mn-cs"/>
+      </a:defRPr>
+    </a:lvl5pPr>
+    <a:lvl6pPr marL="2286000" algn="l" defTabSz="914400" rtl="0" eaLnBrk="1" latinLnBrk="1" hangingPunct="1">
+      <a:defRPr sz="1200" kern="1200">
+        <a:solidFill>
+          <a:schemeClr val="tx1"/>
+        </a:solidFill>
+        <a:latin typeface="+mn-lt"/>
+        <a:ea typeface="+mn-ea"/>
+        <a:cs typeface="+mn-cs"/>
+      </a:defRPr>
+    </a:lvl6pPr>
+    <a:lvl7pPr marL="2743200" algn="l" defTabSz="914400" rtl="0" eaLnBrk="1" latinLnBrk="1" hangingPunct="1">
+      <a:defRPr sz="1200" kern="1200">
+        <a:solidFill>
+          <a:schemeClr val="tx1"/>
+        </a:solidFill>
+        <a:latin typeface="+mn-lt"/>
+        <a:ea typeface="+mn-ea"/>
+        <a:cs typeface="+mn-cs"/>
+      </a:defRPr>
+    </a:lvl7pPr>
+    <a:lvl8pPr marL="3200400" algn="l" defTabSz="914400" rtl="0" eaLnBrk="1" latinLnBrk="1" hangingPunct="1">
+      <a:defRPr sz="1200" kern="1200">
+        <a:solidFill>
+          <a:schemeClr val="tx1"/>
+        </a:solidFill>
+        <a:latin typeface="+mn-lt"/>
+        <a:ea typeface="+mn-ea"/>
+        <a:cs typeface="+mn-cs"/>
+      </a:defRPr>
+    </a:lvl8pPr>
+    <a:lvl9pPr marL="3657600" algn="l" defTabSz="914400" rtl="0" eaLnBrk="1" latinLnBrk="1" hangingPunct="1">
+      <a:defRPr sz="1200" kern="1200">
+        <a:solidFill>
+          <a:schemeClr val="tx1"/>
+        </a:solidFill>
+        <a:latin typeface="+mn-lt"/>
+        <a:ea typeface="+mn-ea"/>
+        <a:cs typeface="+mn-cs"/>
+      </a:defRPr>
+    </a:lvl9pPr>
+  </p:notesStyle>
+</p:notesMaster>
+</file>
+
 <file path=ppt/slideLayouts/slideLayout1.xml><?xml version="1.0" encoding="utf-8"?>
 <p:sldLayout xmlns:a="http://schemas.openxmlformats.org/drawingml/2006/main" xmlns:r="http://schemas.openxmlformats.org/officeDocument/2006/relationships" xmlns:p="http://schemas.openxmlformats.org/presentationml/2006/main" type="title" preserve="1">
   <p:cSld name="제목 슬라이드">
@@ -266,7 +623,7 @@
           <a:p>
             <a:fld id="{0F277587-4E01-4B1D-81CB-961BCCFD9D6E}" type="datetimeFigureOut">
               <a:rPr lang="ko-KR" altLang="en-US" smtClean="0"/>
-              <a:t>2021-02-26</a:t>
+              <a:t>2021-02-28</a:t>
             </a:fld>
             <a:endParaRPr lang="ko-KR" altLang="en-US"/>
           </a:p>
@@ -436,7 +793,7 @@
           <a:p>
             <a:fld id="{0F277587-4E01-4B1D-81CB-961BCCFD9D6E}" type="datetimeFigureOut">
               <a:rPr lang="ko-KR" altLang="en-US" smtClean="0"/>
-              <a:t>2021-02-26</a:t>
+              <a:t>2021-02-28</a:t>
             </a:fld>
             <a:endParaRPr lang="ko-KR" altLang="en-US"/>
           </a:p>
@@ -616,7 +973,7 @@
           <a:p>
             <a:fld id="{0F277587-4E01-4B1D-81CB-961BCCFD9D6E}" type="datetimeFigureOut">
               <a:rPr lang="ko-KR" altLang="en-US" smtClean="0"/>
-              <a:t>2021-02-26</a:t>
+              <a:t>2021-02-28</a:t>
             </a:fld>
             <a:endParaRPr lang="ko-KR" altLang="en-US"/>
           </a:p>
@@ -786,7 +1143,7 @@
           <a:p>
             <a:fld id="{0F277587-4E01-4B1D-81CB-961BCCFD9D6E}" type="datetimeFigureOut">
               <a:rPr lang="ko-KR" altLang="en-US" smtClean="0"/>
-              <a:t>2021-02-26</a:t>
+              <a:t>2021-02-28</a:t>
             </a:fld>
             <a:endParaRPr lang="ko-KR" altLang="en-US"/>
           </a:p>
@@ -1032,7 +1389,7 @@
           <a:p>
             <a:fld id="{0F277587-4E01-4B1D-81CB-961BCCFD9D6E}" type="datetimeFigureOut">
               <a:rPr lang="ko-KR" altLang="en-US" smtClean="0"/>
-              <a:t>2021-02-26</a:t>
+              <a:t>2021-02-28</a:t>
             </a:fld>
             <a:endParaRPr lang="ko-KR" altLang="en-US"/>
           </a:p>
@@ -1264,7 +1621,7 @@
           <a:p>
             <a:fld id="{0F277587-4E01-4B1D-81CB-961BCCFD9D6E}" type="datetimeFigureOut">
               <a:rPr lang="ko-KR" altLang="en-US" smtClean="0"/>
-              <a:t>2021-02-26</a:t>
+              <a:t>2021-02-28</a:t>
             </a:fld>
             <a:endParaRPr lang="ko-KR" altLang="en-US"/>
           </a:p>
@@ -1631,7 +1988,7 @@
           <a:p>
             <a:fld id="{0F277587-4E01-4B1D-81CB-961BCCFD9D6E}" type="datetimeFigureOut">
               <a:rPr lang="ko-KR" altLang="en-US" smtClean="0"/>
-              <a:t>2021-02-26</a:t>
+              <a:t>2021-02-28</a:t>
             </a:fld>
             <a:endParaRPr lang="ko-KR" altLang="en-US"/>
           </a:p>
@@ -1749,7 +2106,7 @@
           <a:p>
             <a:fld id="{0F277587-4E01-4B1D-81CB-961BCCFD9D6E}" type="datetimeFigureOut">
               <a:rPr lang="ko-KR" altLang="en-US" smtClean="0"/>
-              <a:t>2021-02-26</a:t>
+              <a:t>2021-02-28</a:t>
             </a:fld>
             <a:endParaRPr lang="ko-KR" altLang="en-US"/>
           </a:p>
@@ -1844,7 +2201,7 @@
           <a:p>
             <a:fld id="{0F277587-4E01-4B1D-81CB-961BCCFD9D6E}" type="datetimeFigureOut">
               <a:rPr lang="ko-KR" altLang="en-US" smtClean="0"/>
-              <a:t>2021-02-26</a:t>
+              <a:t>2021-02-28</a:t>
             </a:fld>
             <a:endParaRPr lang="ko-KR" altLang="en-US"/>
           </a:p>
@@ -2121,7 +2478,7 @@
           <a:p>
             <a:fld id="{0F277587-4E01-4B1D-81CB-961BCCFD9D6E}" type="datetimeFigureOut">
               <a:rPr lang="ko-KR" altLang="en-US" smtClean="0"/>
-              <a:t>2021-02-26</a:t>
+              <a:t>2021-02-28</a:t>
             </a:fld>
             <a:endParaRPr lang="ko-KR" altLang="en-US"/>
           </a:p>
@@ -2374,7 +2731,7 @@
           <a:p>
             <a:fld id="{0F277587-4E01-4B1D-81CB-961BCCFD9D6E}" type="datetimeFigureOut">
               <a:rPr lang="ko-KR" altLang="en-US" smtClean="0"/>
-              <a:t>2021-02-26</a:t>
+              <a:t>2021-02-28</a:t>
             </a:fld>
             <a:endParaRPr lang="ko-KR" altLang="en-US"/>
           </a:p>
@@ -2587,7 +2944,7 @@
           <a:p>
             <a:fld id="{0F277587-4E01-4B1D-81CB-961BCCFD9D6E}" type="datetimeFigureOut">
               <a:rPr lang="ko-KR" altLang="en-US" smtClean="0"/>
-              <a:t>2021-02-26</a:t>
+              <a:t>2021-02-28</a:t>
             </a:fld>
             <a:endParaRPr lang="ko-KR" altLang="en-US"/>
           </a:p>
@@ -7710,6 +8067,2514 @@
     <p:extLst>
       <p:ext uri="{BB962C8B-B14F-4D97-AF65-F5344CB8AC3E}">
         <p14:creationId xmlns:p14="http://schemas.microsoft.com/office/powerpoint/2010/main" val="4134483368"/>
+      </p:ext>
+    </p:extLst>
+  </p:cSld>
+  <p:clrMapOvr>
+    <a:masterClrMapping/>
+  </p:clrMapOvr>
+</p:sld>
+</file>
+
+<file path=ppt/slides/slide14.xml><?xml version="1.0" encoding="utf-8"?>
+<p:sld xmlns:a="http://schemas.openxmlformats.org/drawingml/2006/main" xmlns:r="http://schemas.openxmlformats.org/officeDocument/2006/relationships" xmlns:p="http://schemas.openxmlformats.org/presentationml/2006/main">
+  <p:cSld>
+    <p:spTree>
+      <p:nvGrpSpPr>
+        <p:cNvPr id="1" name=""/>
+        <p:cNvGrpSpPr/>
+        <p:nvPr/>
+      </p:nvGrpSpPr>
+      <p:grpSpPr>
+        <a:xfrm>
+          <a:off x="0" y="0"/>
+          <a:ext cx="0" cy="0"/>
+          <a:chOff x="0" y="0"/>
+          <a:chExt cx="0" cy="0"/>
+        </a:xfrm>
+      </p:grpSpPr>
+      <p:grpSp>
+        <p:nvGrpSpPr>
+          <p:cNvPr id="26" name="그룹 25"/>
+          <p:cNvGrpSpPr/>
+          <p:nvPr/>
+        </p:nvGrpSpPr>
+        <p:grpSpPr>
+          <a:xfrm>
+            <a:off x="1660486" y="626858"/>
+            <a:ext cx="8107768" cy="4072608"/>
+            <a:chOff x="1660486" y="626858"/>
+            <a:chExt cx="8107768" cy="4072608"/>
+          </a:xfrm>
+        </p:grpSpPr>
+        <p:pic>
+          <p:nvPicPr>
+            <p:cNvPr id="4" name="그림 3"/>
+            <p:cNvPicPr>
+              <a:picLocks noChangeAspect="1"/>
+            </p:cNvPicPr>
+            <p:nvPr/>
+          </p:nvPicPr>
+          <p:blipFill>
+            <a:blip r:embed="rId2">
+              <a:extLst>
+                <a:ext uri="{28A0092B-C50C-407E-A947-70E740481C1C}">
+                  <a14:useLocalDpi xmlns:a14="http://schemas.microsoft.com/office/drawing/2010/main" val="0"/>
+                </a:ext>
+              </a:extLst>
+            </a:blip>
+            <a:stretch>
+              <a:fillRect/>
+            </a:stretch>
+          </p:blipFill>
+          <p:spPr>
+            <a:xfrm>
+              <a:off x="1660486" y="626858"/>
+              <a:ext cx="8107768" cy="4072608"/>
+            </a:xfrm>
+            <a:prstGeom prst="rect">
+              <a:avLst/>
+            </a:prstGeom>
+          </p:spPr>
+        </p:pic>
+        <p:sp>
+          <p:nvSpPr>
+            <p:cNvPr id="5" name="모서리가 둥근 직사각형 4"/>
+            <p:cNvSpPr/>
+            <p:nvPr/>
+          </p:nvSpPr>
+          <p:spPr>
+            <a:xfrm>
+              <a:off x="3028950" y="1477108"/>
+              <a:ext cx="241787" cy="1696915"/>
+            </a:xfrm>
+            <a:prstGeom prst="roundRect">
+              <a:avLst/>
+            </a:prstGeom>
+            <a:noFill/>
+            <a:ln w="22225"/>
+          </p:spPr>
+          <p:style>
+            <a:lnRef idx="2">
+              <a:schemeClr val="accent1">
+                <a:shade val="50000"/>
+              </a:schemeClr>
+            </a:lnRef>
+            <a:fillRef idx="1">
+              <a:schemeClr val="accent1"/>
+            </a:fillRef>
+            <a:effectRef idx="0">
+              <a:schemeClr val="accent1"/>
+            </a:effectRef>
+            <a:fontRef idx="minor">
+              <a:schemeClr val="lt1"/>
+            </a:fontRef>
+          </p:style>
+          <p:txBody>
+            <a:bodyPr rtlCol="0" anchor="ctr"/>
+            <a:lstStyle/>
+            <a:p>
+              <a:pPr algn="ctr"/>
+              <a:endParaRPr lang="ko-KR" altLang="en-US"/>
+            </a:p>
+          </p:txBody>
+        </p:sp>
+        <p:sp>
+          <p:nvSpPr>
+            <p:cNvPr id="6" name="모서리가 둥근 직사각형 5"/>
+            <p:cNvSpPr/>
+            <p:nvPr/>
+          </p:nvSpPr>
+          <p:spPr>
+            <a:xfrm>
+              <a:off x="3514725" y="1477108"/>
+              <a:ext cx="241787" cy="1696915"/>
+            </a:xfrm>
+            <a:prstGeom prst="roundRect">
+              <a:avLst/>
+            </a:prstGeom>
+            <a:noFill/>
+            <a:ln w="22225"/>
+          </p:spPr>
+          <p:style>
+            <a:lnRef idx="2">
+              <a:schemeClr val="accent1">
+                <a:shade val="50000"/>
+              </a:schemeClr>
+            </a:lnRef>
+            <a:fillRef idx="1">
+              <a:schemeClr val="accent1"/>
+            </a:fillRef>
+            <a:effectRef idx="0">
+              <a:schemeClr val="accent1"/>
+            </a:effectRef>
+            <a:fontRef idx="minor">
+              <a:schemeClr val="lt1"/>
+            </a:fontRef>
+          </p:style>
+          <p:txBody>
+            <a:bodyPr rtlCol="0" anchor="ctr"/>
+            <a:lstStyle/>
+            <a:p>
+              <a:pPr algn="ctr"/>
+              <a:endParaRPr lang="ko-KR" altLang="en-US"/>
+            </a:p>
+          </p:txBody>
+        </p:sp>
+        <p:sp>
+          <p:nvSpPr>
+            <p:cNvPr id="7" name="모서리가 둥근 직사각형 6"/>
+            <p:cNvSpPr/>
+            <p:nvPr/>
+          </p:nvSpPr>
+          <p:spPr>
+            <a:xfrm>
+              <a:off x="4029075" y="1477108"/>
+              <a:ext cx="241787" cy="1696915"/>
+            </a:xfrm>
+            <a:prstGeom prst="roundRect">
+              <a:avLst/>
+            </a:prstGeom>
+            <a:noFill/>
+            <a:ln w="22225"/>
+          </p:spPr>
+          <p:style>
+            <a:lnRef idx="2">
+              <a:schemeClr val="accent1">
+                <a:shade val="50000"/>
+              </a:schemeClr>
+            </a:lnRef>
+            <a:fillRef idx="1">
+              <a:schemeClr val="accent1"/>
+            </a:fillRef>
+            <a:effectRef idx="0">
+              <a:schemeClr val="accent1"/>
+            </a:effectRef>
+            <a:fontRef idx="minor">
+              <a:schemeClr val="lt1"/>
+            </a:fontRef>
+          </p:style>
+          <p:txBody>
+            <a:bodyPr rtlCol="0" anchor="ctr"/>
+            <a:lstStyle/>
+            <a:p>
+              <a:pPr algn="ctr"/>
+              <a:endParaRPr lang="ko-KR" altLang="en-US"/>
+            </a:p>
+          </p:txBody>
+        </p:sp>
+        <p:sp>
+          <p:nvSpPr>
+            <p:cNvPr id="8" name="모서리가 둥근 직사각형 7"/>
+            <p:cNvSpPr/>
+            <p:nvPr/>
+          </p:nvSpPr>
+          <p:spPr>
+            <a:xfrm>
+              <a:off x="4543425" y="1469781"/>
+              <a:ext cx="241787" cy="1696915"/>
+            </a:xfrm>
+            <a:prstGeom prst="roundRect">
+              <a:avLst/>
+            </a:prstGeom>
+            <a:noFill/>
+            <a:ln w="22225"/>
+          </p:spPr>
+          <p:style>
+            <a:lnRef idx="2">
+              <a:schemeClr val="accent1">
+                <a:shade val="50000"/>
+              </a:schemeClr>
+            </a:lnRef>
+            <a:fillRef idx="1">
+              <a:schemeClr val="accent1"/>
+            </a:fillRef>
+            <a:effectRef idx="0">
+              <a:schemeClr val="accent1"/>
+            </a:effectRef>
+            <a:fontRef idx="minor">
+              <a:schemeClr val="lt1"/>
+            </a:fontRef>
+          </p:style>
+          <p:txBody>
+            <a:bodyPr rtlCol="0" anchor="ctr"/>
+            <a:lstStyle/>
+            <a:p>
+              <a:pPr algn="ctr"/>
+              <a:endParaRPr lang="ko-KR" altLang="en-US"/>
+            </a:p>
+          </p:txBody>
+        </p:sp>
+        <p:sp>
+          <p:nvSpPr>
+            <p:cNvPr id="9" name="TextBox 8"/>
+            <p:cNvSpPr txBox="1"/>
+            <p:nvPr/>
+          </p:nvSpPr>
+          <p:spPr>
+            <a:xfrm>
+              <a:off x="3570491" y="4330134"/>
+              <a:ext cx="745717" cy="369332"/>
+            </a:xfrm>
+            <a:prstGeom prst="rect">
+              <a:avLst/>
+            </a:prstGeom>
+            <a:noFill/>
+          </p:spPr>
+          <p:txBody>
+            <a:bodyPr wrap="none" rtlCol="0">
+              <a:spAutoFit/>
+            </a:bodyPr>
+            <a:lstStyle/>
+            <a:p>
+              <a:r>
+                <a:rPr lang="en-US" altLang="ko-KR" dirty="0" smtClean="0"/>
+                <a:t>AR(4)</a:t>
+              </a:r>
+              <a:endParaRPr lang="ko-KR" altLang="en-US" dirty="0"/>
+            </a:p>
+          </p:txBody>
+        </p:sp>
+        <p:cxnSp>
+          <p:nvCxnSpPr>
+            <p:cNvPr id="19" name="직선 화살표 연결선 18"/>
+            <p:cNvCxnSpPr>
+              <a:stCxn id="5" idx="2"/>
+              <a:endCxn id="9" idx="0"/>
+            </p:cNvCxnSpPr>
+            <p:nvPr/>
+          </p:nvCxnSpPr>
+          <p:spPr>
+            <a:xfrm>
+              <a:off x="3149844" y="3174023"/>
+              <a:ext cx="793506" cy="1156111"/>
+            </a:xfrm>
+            <a:prstGeom prst="straightConnector1">
+              <a:avLst/>
+            </a:prstGeom>
+            <a:ln>
+              <a:tailEnd type="triangle"/>
+            </a:ln>
+          </p:spPr>
+          <p:style>
+            <a:lnRef idx="1">
+              <a:schemeClr val="accent1"/>
+            </a:lnRef>
+            <a:fillRef idx="0">
+              <a:schemeClr val="accent1"/>
+            </a:fillRef>
+            <a:effectRef idx="0">
+              <a:schemeClr val="accent1"/>
+            </a:effectRef>
+            <a:fontRef idx="minor">
+              <a:schemeClr val="tx1"/>
+            </a:fontRef>
+          </p:style>
+        </p:cxnSp>
+        <p:cxnSp>
+          <p:nvCxnSpPr>
+            <p:cNvPr id="21" name="직선 화살표 연결선 20"/>
+            <p:cNvCxnSpPr>
+              <a:stCxn id="6" idx="2"/>
+              <a:endCxn id="9" idx="0"/>
+            </p:cNvCxnSpPr>
+            <p:nvPr/>
+          </p:nvCxnSpPr>
+          <p:spPr>
+            <a:xfrm>
+              <a:off x="3635619" y="3174023"/>
+              <a:ext cx="307731" cy="1156111"/>
+            </a:xfrm>
+            <a:prstGeom prst="straightConnector1">
+              <a:avLst/>
+            </a:prstGeom>
+            <a:ln>
+              <a:tailEnd type="triangle"/>
+            </a:ln>
+          </p:spPr>
+          <p:style>
+            <a:lnRef idx="1">
+              <a:schemeClr val="accent1"/>
+            </a:lnRef>
+            <a:fillRef idx="0">
+              <a:schemeClr val="accent1"/>
+            </a:fillRef>
+            <a:effectRef idx="0">
+              <a:schemeClr val="accent1"/>
+            </a:effectRef>
+            <a:fontRef idx="minor">
+              <a:schemeClr val="tx1"/>
+            </a:fontRef>
+          </p:style>
+        </p:cxnSp>
+        <p:cxnSp>
+          <p:nvCxnSpPr>
+            <p:cNvPr id="23" name="직선 화살표 연결선 22"/>
+            <p:cNvCxnSpPr>
+              <a:stCxn id="7" idx="2"/>
+              <a:endCxn id="9" idx="0"/>
+            </p:cNvCxnSpPr>
+            <p:nvPr/>
+          </p:nvCxnSpPr>
+          <p:spPr>
+            <a:xfrm flipH="1">
+              <a:off x="3943350" y="3174023"/>
+              <a:ext cx="206619" cy="1156111"/>
+            </a:xfrm>
+            <a:prstGeom prst="straightConnector1">
+              <a:avLst/>
+            </a:prstGeom>
+            <a:ln>
+              <a:tailEnd type="triangle"/>
+            </a:ln>
+          </p:spPr>
+          <p:style>
+            <a:lnRef idx="1">
+              <a:schemeClr val="accent1"/>
+            </a:lnRef>
+            <a:fillRef idx="0">
+              <a:schemeClr val="accent1"/>
+            </a:fillRef>
+            <a:effectRef idx="0">
+              <a:schemeClr val="accent1"/>
+            </a:effectRef>
+            <a:fontRef idx="minor">
+              <a:schemeClr val="tx1"/>
+            </a:fontRef>
+          </p:style>
+        </p:cxnSp>
+        <p:cxnSp>
+          <p:nvCxnSpPr>
+            <p:cNvPr id="25" name="직선 화살표 연결선 24"/>
+            <p:cNvCxnSpPr>
+              <a:stCxn id="8" idx="2"/>
+              <a:endCxn id="9" idx="0"/>
+            </p:cNvCxnSpPr>
+            <p:nvPr/>
+          </p:nvCxnSpPr>
+          <p:spPr>
+            <a:xfrm flipH="1">
+              <a:off x="3943350" y="3166696"/>
+              <a:ext cx="720969" cy="1163438"/>
+            </a:xfrm>
+            <a:prstGeom prst="straightConnector1">
+              <a:avLst/>
+            </a:prstGeom>
+            <a:ln>
+              <a:tailEnd type="triangle"/>
+            </a:ln>
+          </p:spPr>
+          <p:style>
+            <a:lnRef idx="1">
+              <a:schemeClr val="accent1"/>
+            </a:lnRef>
+            <a:fillRef idx="0">
+              <a:schemeClr val="accent1"/>
+            </a:fillRef>
+            <a:effectRef idx="0">
+              <a:schemeClr val="accent1"/>
+            </a:effectRef>
+            <a:fontRef idx="minor">
+              <a:schemeClr val="tx1"/>
+            </a:fontRef>
+          </p:style>
+        </p:cxnSp>
+      </p:grpSp>
+    </p:spTree>
+    <p:extLst>
+      <p:ext uri="{BB962C8B-B14F-4D97-AF65-F5344CB8AC3E}">
+        <p14:creationId xmlns:p14="http://schemas.microsoft.com/office/powerpoint/2010/main" val="2039311770"/>
+      </p:ext>
+    </p:extLst>
+  </p:cSld>
+  <p:clrMapOvr>
+    <a:masterClrMapping/>
+  </p:clrMapOvr>
+</p:sld>
+</file>
+
+<file path=ppt/slides/slide15.xml><?xml version="1.0" encoding="utf-8"?>
+<p:sld xmlns:a="http://schemas.openxmlformats.org/drawingml/2006/main" xmlns:r="http://schemas.openxmlformats.org/officeDocument/2006/relationships" xmlns:p="http://schemas.openxmlformats.org/presentationml/2006/main">
+  <p:cSld>
+    <p:spTree>
+      <p:nvGrpSpPr>
+        <p:cNvPr id="1" name=""/>
+        <p:cNvGrpSpPr/>
+        <p:nvPr/>
+      </p:nvGrpSpPr>
+      <p:grpSpPr>
+        <a:xfrm>
+          <a:off x="0" y="0"/>
+          <a:ext cx="0" cy="0"/>
+          <a:chOff x="0" y="0"/>
+          <a:chExt cx="0" cy="0"/>
+        </a:xfrm>
+      </p:grpSpPr>
+      <p:pic>
+        <p:nvPicPr>
+          <p:cNvPr id="5" name="그림 4"/>
+          <p:cNvPicPr>
+            <a:picLocks noChangeAspect="1"/>
+          </p:cNvPicPr>
+          <p:nvPr/>
+        </p:nvPicPr>
+        <p:blipFill>
+          <a:blip r:embed="rId2"/>
+          <a:stretch>
+            <a:fillRect/>
+          </a:stretch>
+        </p:blipFill>
+        <p:spPr>
+          <a:xfrm>
+            <a:off x="2293736" y="1547446"/>
+            <a:ext cx="7375970" cy="4552791"/>
+          </a:xfrm>
+          <a:prstGeom prst="rect">
+            <a:avLst/>
+          </a:prstGeom>
+        </p:spPr>
+      </p:pic>
+      <p:sp>
+        <p:nvSpPr>
+          <p:cNvPr id="6" name="직사각형 5"/>
+          <p:cNvSpPr/>
+          <p:nvPr/>
+        </p:nvSpPr>
+        <p:spPr>
+          <a:xfrm>
+            <a:off x="3569677" y="1820008"/>
+            <a:ext cx="369277" cy="369277"/>
+          </a:xfrm>
+          <a:prstGeom prst="rect">
+            <a:avLst/>
+          </a:prstGeom>
+          <a:solidFill>
+            <a:schemeClr val="accent2">
+              <a:alpha val="50000"/>
+            </a:schemeClr>
+          </a:solidFill>
+        </p:spPr>
+        <p:style>
+          <a:lnRef idx="2">
+            <a:schemeClr val="accent1">
+              <a:shade val="50000"/>
+            </a:schemeClr>
+          </a:lnRef>
+          <a:fillRef idx="1">
+            <a:schemeClr val="accent1"/>
+          </a:fillRef>
+          <a:effectRef idx="0">
+            <a:schemeClr val="accent1"/>
+          </a:effectRef>
+          <a:fontRef idx="minor">
+            <a:schemeClr val="lt1"/>
+          </a:fontRef>
+        </p:style>
+        <p:txBody>
+          <a:bodyPr rtlCol="0" anchor="ctr"/>
+          <a:lstStyle/>
+          <a:p>
+            <a:pPr algn="ctr"/>
+            <a:endParaRPr lang="ko-KR" altLang="en-US"/>
+          </a:p>
+        </p:txBody>
+      </p:sp>
+      <p:sp>
+        <p:nvSpPr>
+          <p:cNvPr id="7" name="직사각형 6"/>
+          <p:cNvSpPr/>
+          <p:nvPr/>
+        </p:nvSpPr>
+        <p:spPr>
+          <a:xfrm>
+            <a:off x="3820400" y="1952744"/>
+            <a:ext cx="377975" cy="377975"/>
+          </a:xfrm>
+          <a:prstGeom prst="rect">
+            <a:avLst/>
+          </a:prstGeom>
+          <a:solidFill>
+            <a:schemeClr val="accent2">
+              <a:alpha val="50000"/>
+            </a:schemeClr>
+          </a:solidFill>
+        </p:spPr>
+        <p:style>
+          <a:lnRef idx="2">
+            <a:schemeClr val="accent1">
+              <a:shade val="50000"/>
+            </a:schemeClr>
+          </a:lnRef>
+          <a:fillRef idx="1">
+            <a:schemeClr val="accent1"/>
+          </a:fillRef>
+          <a:effectRef idx="0">
+            <a:schemeClr val="accent1"/>
+          </a:effectRef>
+          <a:fontRef idx="minor">
+            <a:schemeClr val="lt1"/>
+          </a:fontRef>
+        </p:style>
+        <p:txBody>
+          <a:bodyPr rtlCol="0" anchor="ctr"/>
+          <a:lstStyle/>
+          <a:p>
+            <a:pPr algn="ctr"/>
+            <a:endParaRPr lang="ko-KR" altLang="en-US"/>
+          </a:p>
+        </p:txBody>
+      </p:sp>
+      <p:sp>
+        <p:nvSpPr>
+          <p:cNvPr id="8" name="직사각형 7"/>
+          <p:cNvSpPr/>
+          <p:nvPr/>
+        </p:nvSpPr>
+        <p:spPr>
+          <a:xfrm>
+            <a:off x="4111021" y="2124526"/>
+            <a:ext cx="373058" cy="373058"/>
+          </a:xfrm>
+          <a:prstGeom prst="rect">
+            <a:avLst/>
+          </a:prstGeom>
+          <a:solidFill>
+            <a:schemeClr val="accent2">
+              <a:alpha val="50000"/>
+            </a:schemeClr>
+          </a:solidFill>
+        </p:spPr>
+        <p:style>
+          <a:lnRef idx="2">
+            <a:schemeClr val="accent1">
+              <a:shade val="50000"/>
+            </a:schemeClr>
+          </a:lnRef>
+          <a:fillRef idx="1">
+            <a:schemeClr val="accent1"/>
+          </a:fillRef>
+          <a:effectRef idx="0">
+            <a:schemeClr val="accent1"/>
+          </a:effectRef>
+          <a:fontRef idx="minor">
+            <a:schemeClr val="lt1"/>
+          </a:fontRef>
+        </p:style>
+        <p:txBody>
+          <a:bodyPr rtlCol="0" anchor="ctr"/>
+          <a:lstStyle/>
+          <a:p>
+            <a:pPr algn="ctr"/>
+            <a:endParaRPr lang="ko-KR" altLang="en-US"/>
+          </a:p>
+        </p:txBody>
+      </p:sp>
+      <p:sp>
+        <p:nvSpPr>
+          <p:cNvPr id="9" name="직사각형 8"/>
+          <p:cNvSpPr/>
+          <p:nvPr/>
+        </p:nvSpPr>
+        <p:spPr>
+          <a:xfrm>
+            <a:off x="4371573" y="2296590"/>
+            <a:ext cx="249965" cy="249965"/>
+          </a:xfrm>
+          <a:prstGeom prst="rect">
+            <a:avLst/>
+          </a:prstGeom>
+          <a:solidFill>
+            <a:schemeClr val="accent2">
+              <a:alpha val="50000"/>
+            </a:schemeClr>
+          </a:solidFill>
+        </p:spPr>
+        <p:style>
+          <a:lnRef idx="2">
+            <a:schemeClr val="accent1">
+              <a:shade val="50000"/>
+            </a:schemeClr>
+          </a:lnRef>
+          <a:fillRef idx="1">
+            <a:schemeClr val="accent1"/>
+          </a:fillRef>
+          <a:effectRef idx="0">
+            <a:schemeClr val="accent1"/>
+          </a:effectRef>
+          <a:fontRef idx="minor">
+            <a:schemeClr val="lt1"/>
+          </a:fontRef>
+        </p:style>
+        <p:txBody>
+          <a:bodyPr rtlCol="0" anchor="ctr"/>
+          <a:lstStyle/>
+          <a:p>
+            <a:pPr algn="ctr"/>
+            <a:endParaRPr lang="ko-KR" altLang="en-US"/>
+          </a:p>
+        </p:txBody>
+      </p:sp>
+      <p:sp>
+        <p:nvSpPr>
+          <p:cNvPr id="10" name="직사각형 9"/>
+          <p:cNvSpPr/>
+          <p:nvPr/>
+        </p:nvSpPr>
+        <p:spPr>
+          <a:xfrm>
+            <a:off x="4707384" y="2448990"/>
+            <a:ext cx="87352" cy="97565"/>
+          </a:xfrm>
+          <a:prstGeom prst="rect">
+            <a:avLst/>
+          </a:prstGeom>
+          <a:solidFill>
+            <a:schemeClr val="accent2">
+              <a:alpha val="50000"/>
+            </a:schemeClr>
+          </a:solidFill>
+        </p:spPr>
+        <p:style>
+          <a:lnRef idx="2">
+            <a:schemeClr val="accent1">
+              <a:shade val="50000"/>
+            </a:schemeClr>
+          </a:lnRef>
+          <a:fillRef idx="1">
+            <a:schemeClr val="accent1"/>
+          </a:fillRef>
+          <a:effectRef idx="0">
+            <a:schemeClr val="accent1"/>
+          </a:effectRef>
+          <a:fontRef idx="minor">
+            <a:schemeClr val="lt1"/>
+          </a:fontRef>
+        </p:style>
+        <p:txBody>
+          <a:bodyPr rtlCol="0" anchor="ctr"/>
+          <a:lstStyle/>
+          <a:p>
+            <a:pPr algn="ctr"/>
+            <a:endParaRPr lang="ko-KR" altLang="en-US"/>
+          </a:p>
+        </p:txBody>
+      </p:sp>
+      <p:sp>
+        <p:nvSpPr>
+          <p:cNvPr id="11" name="직사각형 10"/>
+          <p:cNvSpPr/>
+          <p:nvPr/>
+        </p:nvSpPr>
+        <p:spPr>
+          <a:xfrm>
+            <a:off x="5194081" y="2546555"/>
+            <a:ext cx="213661" cy="196645"/>
+          </a:xfrm>
+          <a:prstGeom prst="rect">
+            <a:avLst/>
+          </a:prstGeom>
+          <a:solidFill>
+            <a:schemeClr val="accent2">
+              <a:alpha val="50000"/>
+            </a:schemeClr>
+          </a:solidFill>
+        </p:spPr>
+        <p:style>
+          <a:lnRef idx="2">
+            <a:schemeClr val="accent1">
+              <a:shade val="50000"/>
+            </a:schemeClr>
+          </a:lnRef>
+          <a:fillRef idx="1">
+            <a:schemeClr val="accent1"/>
+          </a:fillRef>
+          <a:effectRef idx="0">
+            <a:schemeClr val="accent1"/>
+          </a:effectRef>
+          <a:fontRef idx="minor">
+            <a:schemeClr val="lt1"/>
+          </a:fontRef>
+        </p:style>
+        <p:txBody>
+          <a:bodyPr rtlCol="0" anchor="ctr"/>
+          <a:lstStyle/>
+          <a:p>
+            <a:pPr algn="ctr"/>
+            <a:endParaRPr lang="ko-KR" altLang="en-US"/>
+          </a:p>
+        </p:txBody>
+      </p:sp>
+      <p:sp>
+        <p:nvSpPr>
+          <p:cNvPr id="12" name="직사각형 11"/>
+          <p:cNvSpPr/>
+          <p:nvPr/>
+        </p:nvSpPr>
+        <p:spPr>
+          <a:xfrm>
+            <a:off x="5464467" y="2541639"/>
+            <a:ext cx="389931" cy="358877"/>
+          </a:xfrm>
+          <a:prstGeom prst="rect">
+            <a:avLst/>
+          </a:prstGeom>
+          <a:solidFill>
+            <a:schemeClr val="accent2">
+              <a:alpha val="50000"/>
+            </a:schemeClr>
+          </a:solidFill>
+        </p:spPr>
+        <p:style>
+          <a:lnRef idx="2">
+            <a:schemeClr val="accent1">
+              <a:shade val="50000"/>
+            </a:schemeClr>
+          </a:lnRef>
+          <a:fillRef idx="1">
+            <a:schemeClr val="accent1"/>
+          </a:fillRef>
+          <a:effectRef idx="0">
+            <a:schemeClr val="accent1"/>
+          </a:effectRef>
+          <a:fontRef idx="minor">
+            <a:schemeClr val="lt1"/>
+          </a:fontRef>
+        </p:style>
+        <p:txBody>
+          <a:bodyPr rtlCol="0" anchor="ctr"/>
+          <a:lstStyle/>
+          <a:p>
+            <a:pPr algn="ctr"/>
+            <a:endParaRPr lang="ko-KR" altLang="en-US"/>
+          </a:p>
+        </p:txBody>
+      </p:sp>
+      <p:sp>
+        <p:nvSpPr>
+          <p:cNvPr id="13" name="직사각형 12"/>
+          <p:cNvSpPr/>
+          <p:nvPr/>
+        </p:nvSpPr>
+        <p:spPr>
+          <a:xfrm>
+            <a:off x="5736157" y="2625213"/>
+            <a:ext cx="467998" cy="432619"/>
+          </a:xfrm>
+          <a:prstGeom prst="rect">
+            <a:avLst/>
+          </a:prstGeom>
+          <a:solidFill>
+            <a:schemeClr val="accent2">
+              <a:alpha val="50000"/>
+            </a:schemeClr>
+          </a:solidFill>
+        </p:spPr>
+        <p:style>
+          <a:lnRef idx="2">
+            <a:schemeClr val="accent1">
+              <a:shade val="50000"/>
+            </a:schemeClr>
+          </a:lnRef>
+          <a:fillRef idx="1">
+            <a:schemeClr val="accent1"/>
+          </a:fillRef>
+          <a:effectRef idx="0">
+            <a:schemeClr val="accent1"/>
+          </a:effectRef>
+          <a:fontRef idx="minor">
+            <a:schemeClr val="lt1"/>
+          </a:fontRef>
+        </p:style>
+        <p:txBody>
+          <a:bodyPr rtlCol="0" anchor="ctr"/>
+          <a:lstStyle/>
+          <a:p>
+            <a:pPr algn="ctr"/>
+            <a:endParaRPr lang="ko-KR" altLang="en-US"/>
+          </a:p>
+        </p:txBody>
+      </p:sp>
+      <p:sp>
+        <p:nvSpPr>
+          <p:cNvPr id="14" name="직사각형 13"/>
+          <p:cNvSpPr/>
+          <p:nvPr/>
+        </p:nvSpPr>
+        <p:spPr>
+          <a:xfrm>
+            <a:off x="6018480" y="2743200"/>
+            <a:ext cx="539636" cy="498841"/>
+          </a:xfrm>
+          <a:prstGeom prst="rect">
+            <a:avLst/>
+          </a:prstGeom>
+          <a:solidFill>
+            <a:schemeClr val="accent2">
+              <a:alpha val="50000"/>
+            </a:schemeClr>
+          </a:solidFill>
+        </p:spPr>
+        <p:style>
+          <a:lnRef idx="2">
+            <a:schemeClr val="accent1">
+              <a:shade val="50000"/>
+            </a:schemeClr>
+          </a:lnRef>
+          <a:fillRef idx="1">
+            <a:schemeClr val="accent1"/>
+          </a:fillRef>
+          <a:effectRef idx="0">
+            <a:schemeClr val="accent1"/>
+          </a:effectRef>
+          <a:fontRef idx="minor">
+            <a:schemeClr val="lt1"/>
+          </a:fontRef>
+        </p:style>
+        <p:txBody>
+          <a:bodyPr rtlCol="0" anchor="ctr"/>
+          <a:lstStyle/>
+          <a:p>
+            <a:pPr algn="ctr"/>
+            <a:endParaRPr lang="ko-KR" altLang="en-US"/>
+          </a:p>
+        </p:txBody>
+      </p:sp>
+      <p:sp>
+        <p:nvSpPr>
+          <p:cNvPr id="15" name="직사각형 14"/>
+          <p:cNvSpPr/>
+          <p:nvPr/>
+        </p:nvSpPr>
+        <p:spPr>
+          <a:xfrm>
+            <a:off x="6288298" y="2966738"/>
+            <a:ext cx="446799" cy="413022"/>
+          </a:xfrm>
+          <a:prstGeom prst="rect">
+            <a:avLst/>
+          </a:prstGeom>
+          <a:solidFill>
+            <a:schemeClr val="accent2">
+              <a:alpha val="50000"/>
+            </a:schemeClr>
+          </a:solidFill>
+        </p:spPr>
+        <p:style>
+          <a:lnRef idx="2">
+            <a:schemeClr val="accent1">
+              <a:shade val="50000"/>
+            </a:schemeClr>
+          </a:lnRef>
+          <a:fillRef idx="1">
+            <a:schemeClr val="accent1"/>
+          </a:fillRef>
+          <a:effectRef idx="0">
+            <a:schemeClr val="accent1"/>
+          </a:effectRef>
+          <a:fontRef idx="minor">
+            <a:schemeClr val="lt1"/>
+          </a:fontRef>
+        </p:style>
+        <p:txBody>
+          <a:bodyPr rtlCol="0" anchor="ctr"/>
+          <a:lstStyle/>
+          <a:p>
+            <a:pPr algn="ctr"/>
+            <a:endParaRPr lang="ko-KR" altLang="en-US"/>
+          </a:p>
+        </p:txBody>
+      </p:sp>
+      <p:sp>
+        <p:nvSpPr>
+          <p:cNvPr id="16" name="직사각형 15"/>
+          <p:cNvSpPr/>
+          <p:nvPr/>
+        </p:nvSpPr>
+        <p:spPr>
+          <a:xfrm>
+            <a:off x="6565206" y="3242041"/>
+            <a:ext cx="317375" cy="293382"/>
+          </a:xfrm>
+          <a:prstGeom prst="rect">
+            <a:avLst/>
+          </a:prstGeom>
+          <a:solidFill>
+            <a:schemeClr val="accent2">
+              <a:alpha val="50000"/>
+            </a:schemeClr>
+          </a:solidFill>
+        </p:spPr>
+        <p:style>
+          <a:lnRef idx="2">
+            <a:schemeClr val="accent1">
+              <a:shade val="50000"/>
+            </a:schemeClr>
+          </a:lnRef>
+          <a:fillRef idx="1">
+            <a:schemeClr val="accent1"/>
+          </a:fillRef>
+          <a:effectRef idx="0">
+            <a:schemeClr val="accent1"/>
+          </a:effectRef>
+          <a:fontRef idx="minor">
+            <a:schemeClr val="lt1"/>
+          </a:fontRef>
+        </p:style>
+        <p:txBody>
+          <a:bodyPr rtlCol="0" anchor="ctr"/>
+          <a:lstStyle/>
+          <a:p>
+            <a:pPr algn="ctr"/>
+            <a:endParaRPr lang="ko-KR" altLang="en-US"/>
+          </a:p>
+        </p:txBody>
+      </p:sp>
+      <p:sp>
+        <p:nvSpPr>
+          <p:cNvPr id="17" name="직사각형 16"/>
+          <p:cNvSpPr/>
+          <p:nvPr/>
+        </p:nvSpPr>
+        <p:spPr>
+          <a:xfrm>
+            <a:off x="6842114" y="3517344"/>
+            <a:ext cx="217447" cy="201008"/>
+          </a:xfrm>
+          <a:prstGeom prst="rect">
+            <a:avLst/>
+          </a:prstGeom>
+          <a:solidFill>
+            <a:schemeClr val="accent2">
+              <a:alpha val="50000"/>
+            </a:schemeClr>
+          </a:solidFill>
+        </p:spPr>
+        <p:style>
+          <a:lnRef idx="2">
+            <a:schemeClr val="accent1">
+              <a:shade val="50000"/>
+            </a:schemeClr>
+          </a:lnRef>
+          <a:fillRef idx="1">
+            <a:schemeClr val="accent1"/>
+          </a:fillRef>
+          <a:effectRef idx="0">
+            <a:schemeClr val="accent1"/>
+          </a:effectRef>
+          <a:fontRef idx="minor">
+            <a:schemeClr val="lt1"/>
+          </a:fontRef>
+        </p:style>
+        <p:txBody>
+          <a:bodyPr rtlCol="0" anchor="ctr"/>
+          <a:lstStyle/>
+          <a:p>
+            <a:pPr algn="ctr"/>
+            <a:endParaRPr lang="ko-KR" altLang="en-US"/>
+          </a:p>
+        </p:txBody>
+      </p:sp>
+      <p:sp>
+        <p:nvSpPr>
+          <p:cNvPr id="18" name="직사각형 17"/>
+          <p:cNvSpPr/>
+          <p:nvPr/>
+        </p:nvSpPr>
+        <p:spPr>
+          <a:xfrm>
+            <a:off x="7112502" y="3738570"/>
+            <a:ext cx="135772" cy="125508"/>
+          </a:xfrm>
+          <a:prstGeom prst="rect">
+            <a:avLst/>
+          </a:prstGeom>
+          <a:solidFill>
+            <a:schemeClr val="accent2">
+              <a:alpha val="50000"/>
+            </a:schemeClr>
+          </a:solidFill>
+        </p:spPr>
+        <p:style>
+          <a:lnRef idx="2">
+            <a:schemeClr val="accent1">
+              <a:shade val="50000"/>
+            </a:schemeClr>
+          </a:lnRef>
+          <a:fillRef idx="1">
+            <a:schemeClr val="accent1"/>
+          </a:fillRef>
+          <a:effectRef idx="0">
+            <a:schemeClr val="accent1"/>
+          </a:effectRef>
+          <a:fontRef idx="minor">
+            <a:schemeClr val="lt1"/>
+          </a:fontRef>
+        </p:style>
+        <p:txBody>
+          <a:bodyPr rtlCol="0" anchor="ctr"/>
+          <a:lstStyle/>
+          <a:p>
+            <a:pPr algn="ctr"/>
+            <a:endParaRPr lang="ko-KR" altLang="en-US"/>
+          </a:p>
+        </p:txBody>
+      </p:sp>
+      <p:sp>
+        <p:nvSpPr>
+          <p:cNvPr id="19" name="직사각형 18"/>
+          <p:cNvSpPr/>
+          <p:nvPr/>
+        </p:nvSpPr>
+        <p:spPr>
+          <a:xfrm>
+            <a:off x="8198968" y="4530066"/>
+            <a:ext cx="135772" cy="125508"/>
+          </a:xfrm>
+          <a:prstGeom prst="rect">
+            <a:avLst/>
+          </a:prstGeom>
+          <a:solidFill>
+            <a:schemeClr val="accent2">
+              <a:alpha val="50000"/>
+            </a:schemeClr>
+          </a:solidFill>
+        </p:spPr>
+        <p:style>
+          <a:lnRef idx="2">
+            <a:schemeClr val="accent1">
+              <a:shade val="50000"/>
+            </a:schemeClr>
+          </a:lnRef>
+          <a:fillRef idx="1">
+            <a:schemeClr val="accent1"/>
+          </a:fillRef>
+          <a:effectRef idx="0">
+            <a:schemeClr val="accent1"/>
+          </a:effectRef>
+          <a:fontRef idx="minor">
+            <a:schemeClr val="lt1"/>
+          </a:fontRef>
+        </p:style>
+        <p:txBody>
+          <a:bodyPr rtlCol="0" anchor="ctr"/>
+          <a:lstStyle/>
+          <a:p>
+            <a:pPr algn="ctr"/>
+            <a:endParaRPr lang="ko-KR" altLang="en-US"/>
+          </a:p>
+        </p:txBody>
+      </p:sp>
+      <p:sp>
+        <p:nvSpPr>
+          <p:cNvPr id="20" name="직사각형 19"/>
+          <p:cNvSpPr/>
+          <p:nvPr/>
+        </p:nvSpPr>
+        <p:spPr>
+          <a:xfrm>
+            <a:off x="8474270" y="4655573"/>
+            <a:ext cx="196772" cy="181897"/>
+          </a:xfrm>
+          <a:prstGeom prst="rect">
+            <a:avLst/>
+          </a:prstGeom>
+          <a:solidFill>
+            <a:schemeClr val="accent2">
+              <a:alpha val="50000"/>
+            </a:schemeClr>
+          </a:solidFill>
+        </p:spPr>
+        <p:style>
+          <a:lnRef idx="2">
+            <a:schemeClr val="accent1">
+              <a:shade val="50000"/>
+            </a:schemeClr>
+          </a:lnRef>
+          <a:fillRef idx="1">
+            <a:schemeClr val="accent1"/>
+          </a:fillRef>
+          <a:effectRef idx="0">
+            <a:schemeClr val="accent1"/>
+          </a:effectRef>
+          <a:fontRef idx="minor">
+            <a:schemeClr val="lt1"/>
+          </a:fontRef>
+        </p:style>
+        <p:txBody>
+          <a:bodyPr rtlCol="0" anchor="ctr"/>
+          <a:lstStyle/>
+          <a:p>
+            <a:pPr algn="ctr"/>
+            <a:endParaRPr lang="ko-KR" altLang="en-US"/>
+          </a:p>
+        </p:txBody>
+      </p:sp>
+      <p:sp>
+        <p:nvSpPr>
+          <p:cNvPr id="21" name="직사각형 20"/>
+          <p:cNvSpPr/>
+          <p:nvPr/>
+        </p:nvSpPr>
+        <p:spPr>
+          <a:xfrm>
+            <a:off x="8730308" y="4827637"/>
+            <a:ext cx="236711" cy="218817"/>
+          </a:xfrm>
+          <a:prstGeom prst="rect">
+            <a:avLst/>
+          </a:prstGeom>
+          <a:solidFill>
+            <a:schemeClr val="accent2">
+              <a:alpha val="50000"/>
+            </a:schemeClr>
+          </a:solidFill>
+        </p:spPr>
+        <p:style>
+          <a:lnRef idx="2">
+            <a:schemeClr val="accent1">
+              <a:shade val="50000"/>
+            </a:schemeClr>
+          </a:lnRef>
+          <a:fillRef idx="1">
+            <a:schemeClr val="accent1"/>
+          </a:fillRef>
+          <a:effectRef idx="0">
+            <a:schemeClr val="accent1"/>
+          </a:effectRef>
+          <a:fontRef idx="minor">
+            <a:schemeClr val="lt1"/>
+          </a:fontRef>
+        </p:style>
+        <p:txBody>
+          <a:bodyPr rtlCol="0" anchor="ctr"/>
+          <a:lstStyle/>
+          <a:p>
+            <a:pPr algn="ctr"/>
+            <a:endParaRPr lang="ko-KR" altLang="en-US"/>
+          </a:p>
+        </p:txBody>
+      </p:sp>
+      <p:sp>
+        <p:nvSpPr>
+          <p:cNvPr id="22" name="직사각형 21"/>
+          <p:cNvSpPr/>
+          <p:nvPr/>
+        </p:nvSpPr>
+        <p:spPr>
+          <a:xfrm>
+            <a:off x="9030192" y="4980037"/>
+            <a:ext cx="281864" cy="260557"/>
+          </a:xfrm>
+          <a:prstGeom prst="rect">
+            <a:avLst/>
+          </a:prstGeom>
+          <a:solidFill>
+            <a:schemeClr val="accent2">
+              <a:alpha val="50000"/>
+            </a:schemeClr>
+          </a:solidFill>
+        </p:spPr>
+        <p:style>
+          <a:lnRef idx="2">
+            <a:schemeClr val="accent1">
+              <a:shade val="50000"/>
+            </a:schemeClr>
+          </a:lnRef>
+          <a:fillRef idx="1">
+            <a:schemeClr val="accent1"/>
+          </a:fillRef>
+          <a:effectRef idx="0">
+            <a:schemeClr val="accent1"/>
+          </a:effectRef>
+          <a:fontRef idx="minor">
+            <a:schemeClr val="lt1"/>
+          </a:fontRef>
+        </p:style>
+        <p:txBody>
+          <a:bodyPr rtlCol="0" anchor="ctr"/>
+          <a:lstStyle/>
+          <a:p>
+            <a:pPr algn="ctr"/>
+            <a:endParaRPr lang="ko-KR" altLang="en-US"/>
+          </a:p>
+        </p:txBody>
+      </p:sp>
+      <p:sp>
+        <p:nvSpPr>
+          <p:cNvPr id="23" name="직사각형 22"/>
+          <p:cNvSpPr/>
+          <p:nvPr/>
+        </p:nvSpPr>
+        <p:spPr>
+          <a:xfrm>
+            <a:off x="9300579" y="5132437"/>
+            <a:ext cx="281864" cy="260557"/>
+          </a:xfrm>
+          <a:prstGeom prst="rect">
+            <a:avLst/>
+          </a:prstGeom>
+          <a:solidFill>
+            <a:schemeClr val="accent2">
+              <a:alpha val="50000"/>
+            </a:schemeClr>
+          </a:solidFill>
+        </p:spPr>
+        <p:style>
+          <a:lnRef idx="2">
+            <a:schemeClr val="accent1">
+              <a:shade val="50000"/>
+            </a:schemeClr>
+          </a:lnRef>
+          <a:fillRef idx="1">
+            <a:schemeClr val="accent1"/>
+          </a:fillRef>
+          <a:effectRef idx="0">
+            <a:schemeClr val="accent1"/>
+          </a:effectRef>
+          <a:fontRef idx="minor">
+            <a:schemeClr val="lt1"/>
+          </a:fontRef>
+        </p:style>
+        <p:txBody>
+          <a:bodyPr rtlCol="0" anchor="ctr"/>
+          <a:lstStyle/>
+          <a:p>
+            <a:pPr algn="ctr"/>
+            <a:endParaRPr lang="ko-KR" altLang="en-US"/>
+          </a:p>
+        </p:txBody>
+      </p:sp>
+    </p:spTree>
+    <p:extLst>
+      <p:ext uri="{BB962C8B-B14F-4D97-AF65-F5344CB8AC3E}">
+        <p14:creationId xmlns:p14="http://schemas.microsoft.com/office/powerpoint/2010/main" val="1735194153"/>
+      </p:ext>
+    </p:extLst>
+  </p:cSld>
+  <p:clrMapOvr>
+    <a:masterClrMapping/>
+  </p:clrMapOvr>
+</p:sld>
+</file>
+
+<file path=ppt/slides/slide16.xml><?xml version="1.0" encoding="utf-8"?>
+<p:sld xmlns:a="http://schemas.openxmlformats.org/drawingml/2006/main" xmlns:r="http://schemas.openxmlformats.org/officeDocument/2006/relationships" xmlns:p="http://schemas.openxmlformats.org/presentationml/2006/main">
+  <p:cSld>
+    <p:spTree>
+      <p:nvGrpSpPr>
+        <p:cNvPr id="1" name=""/>
+        <p:cNvGrpSpPr/>
+        <p:nvPr/>
+      </p:nvGrpSpPr>
+      <p:grpSpPr>
+        <a:xfrm>
+          <a:off x="0" y="0"/>
+          <a:ext cx="0" cy="0"/>
+          <a:chOff x="0" y="0"/>
+          <a:chExt cx="0" cy="0"/>
+        </a:xfrm>
+      </p:grpSpPr>
+      <p:pic>
+        <p:nvPicPr>
+          <p:cNvPr id="4" name="그림 3"/>
+          <p:cNvPicPr>
+            <a:picLocks noChangeAspect="1"/>
+          </p:cNvPicPr>
+          <p:nvPr/>
+        </p:nvPicPr>
+        <p:blipFill>
+          <a:blip r:embed="rId2"/>
+          <a:stretch>
+            <a:fillRect/>
+          </a:stretch>
+        </p:blipFill>
+        <p:spPr>
+          <a:xfrm>
+            <a:off x="2293736" y="780529"/>
+            <a:ext cx="7375970" cy="4552791"/>
+          </a:xfrm>
+          <a:prstGeom prst="rect">
+            <a:avLst/>
+          </a:prstGeom>
+        </p:spPr>
+      </p:pic>
+      <p:cxnSp>
+        <p:nvCxnSpPr>
+          <p:cNvPr id="24" name="직선 연결선 23"/>
+          <p:cNvCxnSpPr/>
+          <p:nvPr/>
+        </p:nvCxnSpPr>
+        <p:spPr>
+          <a:xfrm>
+            <a:off x="3824750" y="1356851"/>
+            <a:ext cx="0" cy="3480619"/>
+          </a:xfrm>
+          <a:prstGeom prst="line">
+            <a:avLst/>
+          </a:prstGeom>
+          <a:ln w="22225">
+            <a:solidFill>
+              <a:schemeClr val="accent1">
+                <a:alpha val="50000"/>
+              </a:schemeClr>
+            </a:solidFill>
+          </a:ln>
+        </p:spPr>
+        <p:style>
+          <a:lnRef idx="1">
+            <a:schemeClr val="accent1"/>
+          </a:lnRef>
+          <a:fillRef idx="0">
+            <a:schemeClr val="accent1"/>
+          </a:fillRef>
+          <a:effectRef idx="0">
+            <a:schemeClr val="accent1"/>
+          </a:effectRef>
+          <a:fontRef idx="minor">
+            <a:schemeClr val="tx1"/>
+          </a:fontRef>
+        </p:style>
+      </p:cxnSp>
+      <p:sp>
+        <p:nvSpPr>
+          <p:cNvPr id="26" name="오른쪽 대괄호 25"/>
+          <p:cNvSpPr/>
+          <p:nvPr/>
+        </p:nvSpPr>
+        <p:spPr>
+          <a:xfrm>
+            <a:off x="3811228" y="1209367"/>
+            <a:ext cx="245803" cy="383458"/>
+          </a:xfrm>
+          <a:prstGeom prst="rightBracket">
+            <a:avLst>
+              <a:gd name="adj" fmla="val 88334"/>
+            </a:avLst>
+          </a:prstGeom>
+          <a:ln w="15875">
+            <a:solidFill>
+              <a:srgbClr val="FF0000"/>
+            </a:solidFill>
+          </a:ln>
+        </p:spPr>
+        <p:style>
+          <a:lnRef idx="1">
+            <a:schemeClr val="accent1"/>
+          </a:lnRef>
+          <a:fillRef idx="0">
+            <a:schemeClr val="accent1"/>
+          </a:fillRef>
+          <a:effectRef idx="0">
+            <a:schemeClr val="accent1"/>
+          </a:effectRef>
+          <a:fontRef idx="minor">
+            <a:schemeClr val="tx1"/>
+          </a:fontRef>
+        </p:style>
+        <p:txBody>
+          <a:bodyPr rtlCol="0" anchor="ctr"/>
+          <a:lstStyle/>
+          <a:p>
+            <a:pPr algn="ctr"/>
+            <a:endParaRPr lang="ko-KR" altLang="en-US"/>
+          </a:p>
+        </p:txBody>
+      </p:sp>
+      <p:sp>
+        <p:nvSpPr>
+          <p:cNvPr id="27" name="오른쪽 대괄호 26"/>
+          <p:cNvSpPr/>
+          <p:nvPr/>
+        </p:nvSpPr>
+        <p:spPr>
+          <a:xfrm flipH="1">
+            <a:off x="3569108" y="1582994"/>
+            <a:ext cx="255640" cy="3254476"/>
+          </a:xfrm>
+          <a:prstGeom prst="rightBracket">
+            <a:avLst>
+              <a:gd name="adj" fmla="val 92948"/>
+            </a:avLst>
+          </a:prstGeom>
+          <a:ln w="15875">
+            <a:solidFill>
+              <a:schemeClr val="accent1"/>
+            </a:solidFill>
+          </a:ln>
+        </p:spPr>
+        <p:style>
+          <a:lnRef idx="1">
+            <a:schemeClr val="accent1"/>
+          </a:lnRef>
+          <a:fillRef idx="0">
+            <a:schemeClr val="accent1"/>
+          </a:fillRef>
+          <a:effectRef idx="0">
+            <a:schemeClr val="accent1"/>
+          </a:effectRef>
+          <a:fontRef idx="minor">
+            <a:schemeClr val="tx1"/>
+          </a:fontRef>
+        </p:style>
+        <p:txBody>
+          <a:bodyPr rtlCol="0" anchor="ctr"/>
+          <a:lstStyle/>
+          <a:p>
+            <a:pPr algn="ctr"/>
+            <a:endParaRPr lang="ko-KR" altLang="en-US"/>
+          </a:p>
+        </p:txBody>
+      </p:sp>
+      <p:cxnSp>
+        <p:nvCxnSpPr>
+          <p:cNvPr id="32" name="직선 화살표 연결선 31"/>
+          <p:cNvCxnSpPr/>
+          <p:nvPr/>
+        </p:nvCxnSpPr>
+        <p:spPr>
+          <a:xfrm flipV="1">
+            <a:off x="4001729" y="614528"/>
+            <a:ext cx="462116" cy="624337"/>
+          </a:xfrm>
+          <a:prstGeom prst="straightConnector1">
+            <a:avLst/>
+          </a:prstGeom>
+          <a:ln>
+            <a:solidFill>
+              <a:srgbClr val="FF0000"/>
+            </a:solidFill>
+            <a:tailEnd type="triangle"/>
+          </a:ln>
+        </p:spPr>
+        <p:style>
+          <a:lnRef idx="1">
+            <a:schemeClr val="accent1"/>
+          </a:lnRef>
+          <a:fillRef idx="0">
+            <a:schemeClr val="accent1"/>
+          </a:fillRef>
+          <a:effectRef idx="0">
+            <a:schemeClr val="accent1"/>
+          </a:effectRef>
+          <a:fontRef idx="minor">
+            <a:schemeClr val="tx1"/>
+          </a:fontRef>
+        </p:style>
+      </p:cxnSp>
+      <p:sp>
+        <p:nvSpPr>
+          <p:cNvPr id="38" name="TextBox 37"/>
+          <p:cNvSpPr txBox="1"/>
+          <p:nvPr/>
+        </p:nvSpPr>
+        <p:spPr>
+          <a:xfrm>
+            <a:off x="2432394" y="232519"/>
+            <a:ext cx="4033476" cy="369332"/>
+          </a:xfrm>
+          <a:prstGeom prst="rect">
+            <a:avLst/>
+          </a:prstGeom>
+          <a:noFill/>
+        </p:spPr>
+        <p:txBody>
+          <a:bodyPr wrap="none" rtlCol="0">
+            <a:spAutoFit/>
+          </a:bodyPr>
+          <a:lstStyle/>
+          <a:p>
+            <a:pPr algn="ctr"/>
+            <a:r>
+              <a:rPr lang="ko-KR" altLang="en-US" dirty="0" smtClean="0"/>
+              <a:t>실제값 대비 오차값</a:t>
+            </a:r>
+            <a:r>
+              <a:rPr lang="en-US" altLang="ko-KR" dirty="0" smtClean="0"/>
+              <a:t>(</a:t>
+            </a:r>
+            <a:r>
+              <a:rPr lang="ko-KR" altLang="en-US" dirty="0" smtClean="0"/>
+              <a:t>절대값</a:t>
+            </a:r>
+            <a:r>
+              <a:rPr lang="en-US" altLang="ko-KR" dirty="0" smtClean="0"/>
+              <a:t>)</a:t>
+            </a:r>
+            <a:r>
+              <a:rPr lang="ko-KR" altLang="en-US" dirty="0" smtClean="0"/>
+              <a:t>의 백분률</a:t>
+            </a:r>
+            <a:endParaRPr lang="ko-KR" altLang="en-US" dirty="0"/>
+          </a:p>
+        </p:txBody>
+      </p:sp>
+      <p:cxnSp>
+        <p:nvCxnSpPr>
+          <p:cNvPr id="44" name="직선 연결선 43"/>
+          <p:cNvCxnSpPr/>
+          <p:nvPr/>
+        </p:nvCxnSpPr>
+        <p:spPr>
+          <a:xfrm>
+            <a:off x="5737131" y="2281083"/>
+            <a:ext cx="0" cy="2541641"/>
+          </a:xfrm>
+          <a:prstGeom prst="line">
+            <a:avLst/>
+          </a:prstGeom>
+          <a:ln w="22225">
+            <a:solidFill>
+              <a:schemeClr val="accent1">
+                <a:alpha val="50000"/>
+              </a:schemeClr>
+            </a:solidFill>
+          </a:ln>
+        </p:spPr>
+        <p:style>
+          <a:lnRef idx="1">
+            <a:schemeClr val="accent1"/>
+          </a:lnRef>
+          <a:fillRef idx="0">
+            <a:schemeClr val="accent1"/>
+          </a:fillRef>
+          <a:effectRef idx="0">
+            <a:schemeClr val="accent1"/>
+          </a:effectRef>
+          <a:fontRef idx="minor">
+            <a:schemeClr val="tx1"/>
+          </a:fontRef>
+        </p:style>
+      </p:cxnSp>
+      <p:sp>
+        <p:nvSpPr>
+          <p:cNvPr id="45" name="오른쪽 대괄호 44"/>
+          <p:cNvSpPr/>
+          <p:nvPr/>
+        </p:nvSpPr>
+        <p:spPr>
+          <a:xfrm>
+            <a:off x="5761703" y="1853954"/>
+            <a:ext cx="216306" cy="466458"/>
+          </a:xfrm>
+          <a:prstGeom prst="rightBracket">
+            <a:avLst>
+              <a:gd name="adj" fmla="val 88334"/>
+            </a:avLst>
+          </a:prstGeom>
+          <a:ln w="15875">
+            <a:solidFill>
+              <a:srgbClr val="FF0000"/>
+            </a:solidFill>
+          </a:ln>
+        </p:spPr>
+        <p:style>
+          <a:lnRef idx="1">
+            <a:schemeClr val="accent1"/>
+          </a:lnRef>
+          <a:fillRef idx="0">
+            <a:schemeClr val="accent1"/>
+          </a:fillRef>
+          <a:effectRef idx="0">
+            <a:schemeClr val="accent1"/>
+          </a:effectRef>
+          <a:fontRef idx="minor">
+            <a:schemeClr val="tx1"/>
+          </a:fontRef>
+        </p:style>
+        <p:txBody>
+          <a:bodyPr rtlCol="0" anchor="ctr"/>
+          <a:lstStyle/>
+          <a:p>
+            <a:pPr algn="ctr"/>
+            <a:endParaRPr lang="ko-KR" altLang="en-US"/>
+          </a:p>
+        </p:txBody>
+      </p:sp>
+      <p:sp>
+        <p:nvSpPr>
+          <p:cNvPr id="46" name="오른쪽 대괄호 45"/>
+          <p:cNvSpPr/>
+          <p:nvPr/>
+        </p:nvSpPr>
+        <p:spPr>
+          <a:xfrm flipH="1">
+            <a:off x="5481488" y="1858297"/>
+            <a:ext cx="260550" cy="2964427"/>
+          </a:xfrm>
+          <a:prstGeom prst="rightBracket">
+            <a:avLst>
+              <a:gd name="adj" fmla="val 92948"/>
+            </a:avLst>
+          </a:prstGeom>
+          <a:ln w="15875">
+            <a:solidFill>
+              <a:schemeClr val="accent1"/>
+            </a:solidFill>
+          </a:ln>
+        </p:spPr>
+        <p:style>
+          <a:lnRef idx="1">
+            <a:schemeClr val="accent1"/>
+          </a:lnRef>
+          <a:fillRef idx="0">
+            <a:schemeClr val="accent1"/>
+          </a:fillRef>
+          <a:effectRef idx="0">
+            <a:schemeClr val="accent1"/>
+          </a:effectRef>
+          <a:fontRef idx="minor">
+            <a:schemeClr val="tx1"/>
+          </a:fontRef>
+        </p:style>
+        <p:txBody>
+          <a:bodyPr rtlCol="0" anchor="ctr"/>
+          <a:lstStyle/>
+          <a:p>
+            <a:pPr algn="ctr"/>
+            <a:endParaRPr lang="ko-KR" altLang="en-US"/>
+          </a:p>
+        </p:txBody>
+      </p:sp>
+      <p:cxnSp>
+        <p:nvCxnSpPr>
+          <p:cNvPr id="50" name="직선 화살표 연결선 49"/>
+          <p:cNvCxnSpPr/>
+          <p:nvPr/>
+        </p:nvCxnSpPr>
+        <p:spPr>
+          <a:xfrm>
+            <a:off x="5895057" y="2281083"/>
+            <a:ext cx="0" cy="3060840"/>
+          </a:xfrm>
+          <a:prstGeom prst="straightConnector1">
+            <a:avLst/>
+          </a:prstGeom>
+          <a:ln>
+            <a:solidFill>
+              <a:srgbClr val="FF0000"/>
+            </a:solidFill>
+            <a:tailEnd type="triangle"/>
+          </a:ln>
+        </p:spPr>
+        <p:style>
+          <a:lnRef idx="1">
+            <a:schemeClr val="accent1"/>
+          </a:lnRef>
+          <a:fillRef idx="0">
+            <a:schemeClr val="accent1"/>
+          </a:fillRef>
+          <a:effectRef idx="0">
+            <a:schemeClr val="accent1"/>
+          </a:effectRef>
+          <a:fontRef idx="minor">
+            <a:schemeClr val="tx1"/>
+          </a:fontRef>
+        </p:style>
+      </p:cxnSp>
+      <p:sp>
+        <p:nvSpPr>
+          <p:cNvPr id="62" name="오른쪽 대괄호 61"/>
+          <p:cNvSpPr/>
+          <p:nvPr/>
+        </p:nvSpPr>
+        <p:spPr>
+          <a:xfrm>
+            <a:off x="9684772" y="1494502"/>
+            <a:ext cx="245807" cy="501445"/>
+          </a:xfrm>
+          <a:prstGeom prst="rightBracket">
+            <a:avLst/>
+          </a:prstGeom>
+          <a:ln w="15875"/>
+        </p:spPr>
+        <p:style>
+          <a:lnRef idx="1">
+            <a:schemeClr val="accent1"/>
+          </a:lnRef>
+          <a:fillRef idx="0">
+            <a:schemeClr val="accent1"/>
+          </a:fillRef>
+          <a:effectRef idx="0">
+            <a:schemeClr val="accent1"/>
+          </a:effectRef>
+          <a:fontRef idx="minor">
+            <a:schemeClr val="tx1"/>
+          </a:fontRef>
+        </p:style>
+        <p:txBody>
+          <a:bodyPr rtlCol="0" anchor="ctr"/>
+          <a:lstStyle/>
+          <a:p>
+            <a:pPr algn="ctr"/>
+            <a:endParaRPr lang="ko-KR" altLang="en-US"/>
+          </a:p>
+        </p:txBody>
+      </p:sp>
+      <p:sp>
+        <p:nvSpPr>
+          <p:cNvPr id="63" name="오른쪽 대괄호 62"/>
+          <p:cNvSpPr/>
+          <p:nvPr/>
+        </p:nvSpPr>
+        <p:spPr>
+          <a:xfrm>
+            <a:off x="9684772" y="2242327"/>
+            <a:ext cx="245807" cy="501445"/>
+          </a:xfrm>
+          <a:prstGeom prst="rightBracket">
+            <a:avLst/>
+          </a:prstGeom>
+          <a:ln w="15875">
+            <a:solidFill>
+              <a:srgbClr val="FF0000"/>
+            </a:solidFill>
+          </a:ln>
+        </p:spPr>
+        <p:style>
+          <a:lnRef idx="1">
+            <a:schemeClr val="accent1"/>
+          </a:lnRef>
+          <a:fillRef idx="0">
+            <a:schemeClr val="accent1"/>
+          </a:fillRef>
+          <a:effectRef idx="0">
+            <a:schemeClr val="accent1"/>
+          </a:effectRef>
+          <a:fontRef idx="minor">
+            <a:schemeClr val="tx1"/>
+          </a:fontRef>
+        </p:style>
+        <p:txBody>
+          <a:bodyPr rtlCol="0" anchor="ctr"/>
+          <a:lstStyle/>
+          <a:p>
+            <a:pPr algn="ctr"/>
+            <a:endParaRPr lang="ko-KR" altLang="en-US"/>
+          </a:p>
+        </p:txBody>
+      </p:sp>
+      <p:sp>
+        <p:nvSpPr>
+          <p:cNvPr id="64" name="TextBox 63"/>
+          <p:cNvSpPr txBox="1"/>
+          <p:nvPr/>
+        </p:nvSpPr>
+        <p:spPr>
+          <a:xfrm>
+            <a:off x="9930580" y="1533010"/>
+            <a:ext cx="914402" cy="369332"/>
+          </a:xfrm>
+          <a:prstGeom prst="rect">
+            <a:avLst/>
+          </a:prstGeom>
+          <a:noFill/>
+        </p:spPr>
+        <p:txBody>
+          <a:bodyPr wrap="square" rtlCol="0">
+            <a:spAutoFit/>
+          </a:bodyPr>
+          <a:lstStyle/>
+          <a:p>
+            <a:pPr algn="ctr"/>
+            <a:r>
+              <a:rPr lang="ko-KR" altLang="en-US" dirty="0" smtClean="0"/>
+              <a:t>실제값</a:t>
+            </a:r>
+            <a:endParaRPr lang="ko-KR" altLang="en-US" dirty="0"/>
+          </a:p>
+        </p:txBody>
+      </p:sp>
+      <p:sp>
+        <p:nvSpPr>
+          <p:cNvPr id="65" name="TextBox 64"/>
+          <p:cNvSpPr txBox="1"/>
+          <p:nvPr/>
+        </p:nvSpPr>
+        <p:spPr>
+          <a:xfrm>
+            <a:off x="9935498" y="2308383"/>
+            <a:ext cx="914402" cy="369332"/>
+          </a:xfrm>
+          <a:prstGeom prst="rect">
+            <a:avLst/>
+          </a:prstGeom>
+          <a:noFill/>
+        </p:spPr>
+        <p:txBody>
+          <a:bodyPr wrap="square" rtlCol="0">
+            <a:spAutoFit/>
+          </a:bodyPr>
+          <a:lstStyle/>
+          <a:p>
+            <a:pPr algn="ctr"/>
+            <a:r>
+              <a:rPr lang="ko-KR" altLang="en-US" dirty="0" smtClean="0"/>
+              <a:t>오차값</a:t>
+            </a:r>
+            <a:endParaRPr lang="ko-KR" altLang="en-US" dirty="0"/>
+          </a:p>
+        </p:txBody>
+      </p:sp>
+      <p:sp>
+        <p:nvSpPr>
+          <p:cNvPr id="67" name="TextBox 66"/>
+          <p:cNvSpPr txBox="1"/>
+          <p:nvPr/>
+        </p:nvSpPr>
+        <p:spPr>
+          <a:xfrm>
+            <a:off x="4001729" y="5333320"/>
+            <a:ext cx="4033476" cy="369332"/>
+          </a:xfrm>
+          <a:prstGeom prst="rect">
+            <a:avLst/>
+          </a:prstGeom>
+          <a:noFill/>
+        </p:spPr>
+        <p:txBody>
+          <a:bodyPr wrap="none" rtlCol="0">
+            <a:spAutoFit/>
+          </a:bodyPr>
+          <a:lstStyle/>
+          <a:p>
+            <a:pPr algn="ctr"/>
+            <a:r>
+              <a:rPr lang="ko-KR" altLang="en-US" dirty="0" smtClean="0"/>
+              <a:t>실제값 대비 오차값</a:t>
+            </a:r>
+            <a:r>
+              <a:rPr lang="en-US" altLang="ko-KR" dirty="0" smtClean="0"/>
+              <a:t>(</a:t>
+            </a:r>
+            <a:r>
+              <a:rPr lang="ko-KR" altLang="en-US" dirty="0" smtClean="0"/>
+              <a:t>절대값</a:t>
+            </a:r>
+            <a:r>
+              <a:rPr lang="en-US" altLang="ko-KR" dirty="0" smtClean="0"/>
+              <a:t>)</a:t>
+            </a:r>
+            <a:r>
+              <a:rPr lang="ko-KR" altLang="en-US" dirty="0" smtClean="0"/>
+              <a:t>의 백분률</a:t>
+            </a:r>
+            <a:endParaRPr lang="ko-KR" altLang="en-US" dirty="0"/>
+          </a:p>
+        </p:txBody>
+      </p:sp>
+    </p:spTree>
+    <p:extLst>
+      <p:ext uri="{BB962C8B-B14F-4D97-AF65-F5344CB8AC3E}">
+        <p14:creationId xmlns:p14="http://schemas.microsoft.com/office/powerpoint/2010/main" val="2219656465"/>
+      </p:ext>
+    </p:extLst>
+  </p:cSld>
+  <p:clrMapOvr>
+    <a:masterClrMapping/>
+  </p:clrMapOvr>
+</p:sld>
+</file>
+
+<file path=ppt/slides/slide17.xml><?xml version="1.0" encoding="utf-8"?>
+<p:sld xmlns:a="http://schemas.openxmlformats.org/drawingml/2006/main" xmlns:r="http://schemas.openxmlformats.org/officeDocument/2006/relationships" xmlns:p="http://schemas.openxmlformats.org/presentationml/2006/main">
+  <p:cSld>
+    <p:spTree>
+      <p:nvGrpSpPr>
+        <p:cNvPr id="1" name=""/>
+        <p:cNvGrpSpPr/>
+        <p:nvPr/>
+      </p:nvGrpSpPr>
+      <p:grpSpPr>
+        <a:xfrm>
+          <a:off x="0" y="0"/>
+          <a:ext cx="0" cy="0"/>
+          <a:chOff x="0" y="0"/>
+          <a:chExt cx="0" cy="0"/>
+        </a:xfrm>
+      </p:grpSpPr>
+      <p:sp>
+        <p:nvSpPr>
+          <p:cNvPr id="4" name="TextBox 3"/>
+          <p:cNvSpPr txBox="1"/>
+          <p:nvPr/>
+        </p:nvSpPr>
+        <p:spPr>
+          <a:xfrm>
+            <a:off x="3442278" y="231152"/>
+            <a:ext cx="5137176" cy="584775"/>
+          </a:xfrm>
+          <a:prstGeom prst="rect">
+            <a:avLst/>
+          </a:prstGeom>
+          <a:noFill/>
+        </p:spPr>
+        <p:txBody>
+          <a:bodyPr wrap="none" rtlCol="0">
+            <a:spAutoFit/>
+          </a:bodyPr>
+          <a:lstStyle/>
+          <a:p>
+            <a:r>
+              <a:rPr lang="en-US" altLang="ko-KR" sz="3200" b="1" dirty="0" smtClean="0">
+                <a:ln w="13462">
+                  <a:solidFill>
+                    <a:schemeClr val="bg1"/>
+                  </a:solidFill>
+                  <a:prstDash val="solid"/>
+                </a:ln>
+                <a:solidFill>
+                  <a:schemeClr val="tx1">
+                    <a:lumMod val="85000"/>
+                    <a:lumOff val="15000"/>
+                  </a:schemeClr>
+                </a:solidFill>
+                <a:effectLst>
+                  <a:outerShdw dist="38100" dir="2700000" algn="bl" rotWithShape="0">
+                    <a:schemeClr val="accent5"/>
+                  </a:outerShdw>
+                </a:effectLst>
+                <a:latin typeface="Arial Black" panose="020B0A04020102020204" pitchFamily="34" charset="0"/>
+              </a:rPr>
+              <a:t>MODELTIME workflow</a:t>
+            </a:r>
+            <a:endParaRPr lang="ko-KR" altLang="en-US" sz="3200" b="1" dirty="0">
+              <a:ln w="13462">
+                <a:solidFill>
+                  <a:schemeClr val="bg1"/>
+                </a:solidFill>
+                <a:prstDash val="solid"/>
+              </a:ln>
+              <a:solidFill>
+                <a:schemeClr val="tx1">
+                  <a:lumMod val="85000"/>
+                  <a:lumOff val="15000"/>
+                </a:schemeClr>
+              </a:solidFill>
+              <a:effectLst>
+                <a:outerShdw dist="38100" dir="2700000" algn="bl" rotWithShape="0">
+                  <a:schemeClr val="accent5"/>
+                </a:outerShdw>
+              </a:effectLst>
+              <a:latin typeface="Arial Black" panose="020B0A04020102020204" pitchFamily="34" charset="0"/>
+            </a:endParaRPr>
+          </a:p>
+        </p:txBody>
+      </p:sp>
+      <p:sp>
+        <p:nvSpPr>
+          <p:cNvPr id="5" name="TextBox 4"/>
+          <p:cNvSpPr txBox="1"/>
+          <p:nvPr/>
+        </p:nvSpPr>
+        <p:spPr>
+          <a:xfrm>
+            <a:off x="889820" y="1753348"/>
+            <a:ext cx="3149004" cy="369332"/>
+          </a:xfrm>
+          <a:prstGeom prst="rect">
+            <a:avLst/>
+          </a:prstGeom>
+          <a:noFill/>
+        </p:spPr>
+        <p:txBody>
+          <a:bodyPr wrap="none" rtlCol="0">
+            <a:spAutoFit/>
+          </a:bodyPr>
+          <a:lstStyle/>
+          <a:p>
+            <a:r>
+              <a:rPr lang="en-US" altLang="ko-KR" dirty="0" smtClean="0">
+                <a:latin typeface="Arial Black" panose="020B0A04020102020204" pitchFamily="34" charset="0"/>
+              </a:rPr>
+              <a:t>Create </a:t>
+            </a:r>
+            <a:r>
+              <a:rPr lang="en-US" altLang="ko-KR" dirty="0" err="1" smtClean="0">
+                <a:latin typeface="Arial Black" panose="020B0A04020102020204" pitchFamily="34" charset="0"/>
+              </a:rPr>
+              <a:t>Modeltime</a:t>
+            </a:r>
+            <a:r>
+              <a:rPr lang="en-US" altLang="ko-KR" dirty="0" smtClean="0">
+                <a:latin typeface="Arial Black" panose="020B0A04020102020204" pitchFamily="34" charset="0"/>
+              </a:rPr>
+              <a:t> table</a:t>
+            </a:r>
+            <a:endParaRPr lang="ko-KR" altLang="en-US" dirty="0">
+              <a:latin typeface="Arial Black" panose="020B0A04020102020204" pitchFamily="34" charset="0"/>
+            </a:endParaRPr>
+          </a:p>
+        </p:txBody>
+      </p:sp>
+      <p:sp>
+        <p:nvSpPr>
+          <p:cNvPr id="6" name="TextBox 5"/>
+          <p:cNvSpPr txBox="1"/>
+          <p:nvPr/>
+        </p:nvSpPr>
+        <p:spPr>
+          <a:xfrm>
+            <a:off x="5399077" y="1753348"/>
+            <a:ext cx="1338828" cy="369332"/>
+          </a:xfrm>
+          <a:prstGeom prst="rect">
+            <a:avLst/>
+          </a:prstGeom>
+          <a:noFill/>
+        </p:spPr>
+        <p:txBody>
+          <a:bodyPr wrap="none" rtlCol="0">
+            <a:spAutoFit/>
+          </a:bodyPr>
+          <a:lstStyle/>
+          <a:p>
+            <a:r>
+              <a:rPr lang="en-US" altLang="ko-KR" dirty="0" smtClean="0">
+                <a:latin typeface="Arial Black" panose="020B0A04020102020204" pitchFamily="34" charset="0"/>
+              </a:rPr>
+              <a:t>Calibrate</a:t>
+            </a:r>
+            <a:endParaRPr lang="ko-KR" altLang="en-US" dirty="0">
+              <a:latin typeface="Arial Black" panose="020B0A04020102020204" pitchFamily="34" charset="0"/>
+            </a:endParaRPr>
+          </a:p>
+        </p:txBody>
+      </p:sp>
+      <p:sp>
+        <p:nvSpPr>
+          <p:cNvPr id="7" name="TextBox 6"/>
+          <p:cNvSpPr txBox="1"/>
+          <p:nvPr/>
+        </p:nvSpPr>
+        <p:spPr>
+          <a:xfrm>
+            <a:off x="9152622" y="1753348"/>
+            <a:ext cx="781624" cy="369332"/>
+          </a:xfrm>
+          <a:prstGeom prst="rect">
+            <a:avLst/>
+          </a:prstGeom>
+          <a:noFill/>
+        </p:spPr>
+        <p:txBody>
+          <a:bodyPr wrap="none" rtlCol="0">
+            <a:spAutoFit/>
+          </a:bodyPr>
+          <a:lstStyle/>
+          <a:p>
+            <a:r>
+              <a:rPr lang="en-US" altLang="ko-KR" dirty="0" smtClean="0">
+                <a:latin typeface="Arial Black" panose="020B0A04020102020204" pitchFamily="34" charset="0"/>
+              </a:rPr>
+              <a:t>Refit</a:t>
+            </a:r>
+            <a:endParaRPr lang="ko-KR" altLang="en-US" dirty="0">
+              <a:latin typeface="Arial Black" panose="020B0A04020102020204" pitchFamily="34" charset="0"/>
+            </a:endParaRPr>
+          </a:p>
+        </p:txBody>
+      </p:sp>
+      <p:sp>
+        <p:nvSpPr>
+          <p:cNvPr id="8" name="TextBox 7"/>
+          <p:cNvSpPr txBox="1"/>
+          <p:nvPr/>
+        </p:nvSpPr>
+        <p:spPr>
+          <a:xfrm>
+            <a:off x="1448660" y="2260019"/>
+            <a:ext cx="2031325" cy="369332"/>
+          </a:xfrm>
+          <a:prstGeom prst="rect">
+            <a:avLst/>
+          </a:prstGeom>
+          <a:noFill/>
+        </p:spPr>
+        <p:txBody>
+          <a:bodyPr wrap="none" rtlCol="0">
+            <a:spAutoFit/>
+          </a:bodyPr>
+          <a:lstStyle/>
+          <a:p>
+            <a:r>
+              <a:rPr lang="en-US" altLang="ko-KR" smtClean="0">
+                <a:latin typeface="Candara" panose="020E0502030303020204" pitchFamily="34" charset="0"/>
+              </a:rPr>
+              <a:t>modeltime_table</a:t>
+            </a:r>
+            <a:r>
+              <a:rPr lang="en-US" altLang="ko-KR" dirty="0" smtClean="0">
+                <a:latin typeface="Candara" panose="020E0502030303020204" pitchFamily="34" charset="0"/>
+              </a:rPr>
+              <a:t>()</a:t>
+            </a:r>
+            <a:endParaRPr lang="ko-KR" altLang="en-US" dirty="0">
+              <a:latin typeface="Candara" panose="020E0502030303020204" pitchFamily="34" charset="0"/>
+            </a:endParaRPr>
+          </a:p>
+        </p:txBody>
+      </p:sp>
+      <p:sp>
+        <p:nvSpPr>
+          <p:cNvPr id="9" name="TextBox 8"/>
+          <p:cNvSpPr txBox="1"/>
+          <p:nvPr/>
+        </p:nvSpPr>
+        <p:spPr>
+          <a:xfrm>
+            <a:off x="4884513" y="2260019"/>
+            <a:ext cx="2367956" cy="369332"/>
+          </a:xfrm>
+          <a:prstGeom prst="rect">
+            <a:avLst/>
+          </a:prstGeom>
+          <a:noFill/>
+        </p:spPr>
+        <p:txBody>
+          <a:bodyPr wrap="none" rtlCol="0">
+            <a:spAutoFit/>
+          </a:bodyPr>
+          <a:lstStyle/>
+          <a:p>
+            <a:r>
+              <a:rPr lang="en-US" altLang="ko-KR" dirty="0" err="1" smtClean="0">
+                <a:latin typeface="Candara" panose="020E0502030303020204" pitchFamily="34" charset="0"/>
+              </a:rPr>
+              <a:t>modeltime_calibrate</a:t>
+            </a:r>
+            <a:r>
+              <a:rPr lang="en-US" altLang="ko-KR" dirty="0" smtClean="0">
+                <a:latin typeface="Candara" panose="020E0502030303020204" pitchFamily="34" charset="0"/>
+              </a:rPr>
+              <a:t>()</a:t>
+            </a:r>
+            <a:endParaRPr lang="ko-KR" altLang="en-US" dirty="0">
+              <a:latin typeface="Candara" panose="020E0502030303020204" pitchFamily="34" charset="0"/>
+            </a:endParaRPr>
+          </a:p>
+        </p:txBody>
+      </p:sp>
+      <p:sp>
+        <p:nvSpPr>
+          <p:cNvPr id="10" name="TextBox 9"/>
+          <p:cNvSpPr txBox="1"/>
+          <p:nvPr/>
+        </p:nvSpPr>
+        <p:spPr>
+          <a:xfrm>
+            <a:off x="8576663" y="2260019"/>
+            <a:ext cx="1933543" cy="369332"/>
+          </a:xfrm>
+          <a:prstGeom prst="rect">
+            <a:avLst/>
+          </a:prstGeom>
+          <a:noFill/>
+        </p:spPr>
+        <p:txBody>
+          <a:bodyPr wrap="none" rtlCol="0">
+            <a:spAutoFit/>
+          </a:bodyPr>
+          <a:lstStyle/>
+          <a:p>
+            <a:r>
+              <a:rPr lang="en-US" altLang="ko-KR" dirty="0" err="1" smtClean="0">
+                <a:latin typeface="Candara" panose="020E0502030303020204" pitchFamily="34" charset="0"/>
+              </a:rPr>
+              <a:t>modeltime_refit</a:t>
+            </a:r>
+            <a:r>
+              <a:rPr lang="en-US" altLang="ko-KR" dirty="0" smtClean="0">
+                <a:latin typeface="Candara" panose="020E0502030303020204" pitchFamily="34" charset="0"/>
+              </a:rPr>
+              <a:t>()</a:t>
+            </a:r>
+            <a:endParaRPr lang="ko-KR" altLang="en-US" dirty="0">
+              <a:latin typeface="Candara" panose="020E0502030303020204" pitchFamily="34" charset="0"/>
+            </a:endParaRPr>
+          </a:p>
+        </p:txBody>
+      </p:sp>
+      <p:pic>
+        <p:nvPicPr>
+          <p:cNvPr id="2" name="그림 1"/>
+          <p:cNvPicPr>
+            <a:picLocks noChangeAspect="1"/>
+          </p:cNvPicPr>
+          <p:nvPr/>
+        </p:nvPicPr>
+        <p:blipFill>
+          <a:blip r:embed="rId2"/>
+          <a:stretch>
+            <a:fillRect/>
+          </a:stretch>
+        </p:blipFill>
+        <p:spPr>
+          <a:xfrm>
+            <a:off x="799367" y="3011362"/>
+            <a:ext cx="2518048" cy="1179267"/>
+          </a:xfrm>
+          <a:prstGeom prst="rect">
+            <a:avLst/>
+          </a:prstGeom>
+        </p:spPr>
+      </p:pic>
+      <p:pic>
+        <p:nvPicPr>
+          <p:cNvPr id="11" name="그림 10"/>
+          <p:cNvPicPr>
+            <a:picLocks noChangeAspect="1"/>
+          </p:cNvPicPr>
+          <p:nvPr/>
+        </p:nvPicPr>
+        <p:blipFill>
+          <a:blip r:embed="rId3"/>
+          <a:stretch>
+            <a:fillRect/>
+          </a:stretch>
+        </p:blipFill>
+        <p:spPr>
+          <a:xfrm>
+            <a:off x="4385594" y="3011362"/>
+            <a:ext cx="3861592" cy="1178802"/>
+          </a:xfrm>
+          <a:prstGeom prst="rect">
+            <a:avLst/>
+          </a:prstGeom>
+        </p:spPr>
+      </p:pic>
+      <p:pic>
+        <p:nvPicPr>
+          <p:cNvPr id="13" name="그림 12"/>
+          <p:cNvPicPr>
+            <a:picLocks noChangeAspect="1"/>
+          </p:cNvPicPr>
+          <p:nvPr/>
+        </p:nvPicPr>
+        <p:blipFill>
+          <a:blip r:embed="rId4"/>
+          <a:stretch>
+            <a:fillRect/>
+          </a:stretch>
+        </p:blipFill>
+        <p:spPr>
+          <a:xfrm>
+            <a:off x="1302360" y="4498375"/>
+            <a:ext cx="2632584" cy="1624953"/>
+          </a:xfrm>
+          <a:prstGeom prst="rect">
+            <a:avLst/>
+          </a:prstGeom>
+        </p:spPr>
+      </p:pic>
+      <p:pic>
+        <p:nvPicPr>
+          <p:cNvPr id="14" name="그림 13"/>
+          <p:cNvPicPr>
+            <a:picLocks noChangeAspect="1"/>
+          </p:cNvPicPr>
+          <p:nvPr/>
+        </p:nvPicPr>
+        <p:blipFill>
+          <a:blip r:embed="rId5"/>
+          <a:stretch>
+            <a:fillRect/>
+          </a:stretch>
+        </p:blipFill>
+        <p:spPr>
+          <a:xfrm>
+            <a:off x="5880782" y="5117123"/>
+            <a:ext cx="5268152" cy="1090880"/>
+          </a:xfrm>
+          <a:prstGeom prst="rect">
+            <a:avLst/>
+          </a:prstGeom>
+        </p:spPr>
+      </p:pic>
+      <p:sp>
+        <p:nvSpPr>
+          <p:cNvPr id="15" name="아래로 구부러진 화살표 14"/>
+          <p:cNvSpPr/>
+          <p:nvPr/>
+        </p:nvSpPr>
+        <p:spPr>
+          <a:xfrm>
+            <a:off x="3737594" y="1075697"/>
+            <a:ext cx="1567098" cy="555673"/>
+          </a:xfrm>
+          <a:prstGeom prst="curvedDownArrow">
+            <a:avLst/>
+          </a:prstGeom>
+        </p:spPr>
+        <p:style>
+          <a:lnRef idx="2">
+            <a:schemeClr val="accent1">
+              <a:shade val="50000"/>
+            </a:schemeClr>
+          </a:lnRef>
+          <a:fillRef idx="1">
+            <a:schemeClr val="accent1"/>
+          </a:fillRef>
+          <a:effectRef idx="0">
+            <a:schemeClr val="accent1"/>
+          </a:effectRef>
+          <a:fontRef idx="minor">
+            <a:schemeClr val="lt1"/>
+          </a:fontRef>
+        </p:style>
+        <p:txBody>
+          <a:bodyPr rtlCol="0" anchor="ctr"/>
+          <a:lstStyle/>
+          <a:p>
+            <a:pPr algn="ctr"/>
+            <a:endParaRPr lang="ko-KR" altLang="en-US">
+              <a:solidFill>
+                <a:schemeClr val="tx1"/>
+              </a:solidFill>
+            </a:endParaRPr>
+          </a:p>
+        </p:txBody>
+      </p:sp>
+      <p:sp>
+        <p:nvSpPr>
+          <p:cNvPr id="16" name="아래로 구부러진 화살표 15"/>
+          <p:cNvSpPr/>
+          <p:nvPr/>
+        </p:nvSpPr>
+        <p:spPr>
+          <a:xfrm>
+            <a:off x="7252469" y="1075696"/>
+            <a:ext cx="1567098" cy="555673"/>
+          </a:xfrm>
+          <a:prstGeom prst="curvedDownArrow">
+            <a:avLst/>
+          </a:prstGeom>
+        </p:spPr>
+        <p:style>
+          <a:lnRef idx="2">
+            <a:schemeClr val="accent1">
+              <a:shade val="50000"/>
+            </a:schemeClr>
+          </a:lnRef>
+          <a:fillRef idx="1">
+            <a:schemeClr val="accent1"/>
+          </a:fillRef>
+          <a:effectRef idx="0">
+            <a:schemeClr val="accent1"/>
+          </a:effectRef>
+          <a:fontRef idx="minor">
+            <a:schemeClr val="lt1"/>
+          </a:fontRef>
+        </p:style>
+        <p:txBody>
+          <a:bodyPr rtlCol="0" anchor="ctr"/>
+          <a:lstStyle/>
+          <a:p>
+            <a:pPr algn="ctr"/>
+            <a:endParaRPr lang="ko-KR" altLang="en-US">
+              <a:solidFill>
+                <a:schemeClr val="tx1"/>
+              </a:solidFill>
+            </a:endParaRPr>
+          </a:p>
+        </p:txBody>
+      </p:sp>
+      <p:sp>
+        <p:nvSpPr>
+          <p:cNvPr id="17" name="굽은 화살표 16"/>
+          <p:cNvSpPr/>
+          <p:nvPr/>
+        </p:nvSpPr>
+        <p:spPr>
+          <a:xfrm rot="10800000">
+            <a:off x="4123592" y="4190164"/>
+            <a:ext cx="659423" cy="926959"/>
+          </a:xfrm>
+          <a:prstGeom prst="bentArrow">
+            <a:avLst/>
+          </a:prstGeom>
+        </p:spPr>
+        <p:style>
+          <a:lnRef idx="2">
+            <a:schemeClr val="accent1">
+              <a:shade val="50000"/>
+            </a:schemeClr>
+          </a:lnRef>
+          <a:fillRef idx="1">
+            <a:schemeClr val="accent1"/>
+          </a:fillRef>
+          <a:effectRef idx="0">
+            <a:schemeClr val="accent1"/>
+          </a:effectRef>
+          <a:fontRef idx="minor">
+            <a:schemeClr val="lt1"/>
+          </a:fontRef>
+        </p:style>
+        <p:txBody>
+          <a:bodyPr rtlCol="0" anchor="ctr"/>
+          <a:lstStyle/>
+          <a:p>
+            <a:pPr algn="ctr"/>
+            <a:endParaRPr lang="ko-KR" altLang="en-US">
+              <a:solidFill>
+                <a:schemeClr val="tx1"/>
+              </a:solidFill>
+            </a:endParaRPr>
+          </a:p>
+        </p:txBody>
+      </p:sp>
+      <p:sp>
+        <p:nvSpPr>
+          <p:cNvPr id="18" name="굽은 화살표 17"/>
+          <p:cNvSpPr/>
+          <p:nvPr/>
+        </p:nvSpPr>
+        <p:spPr>
+          <a:xfrm rot="10800000" flipH="1">
+            <a:off x="5032711" y="4190162"/>
+            <a:ext cx="818483" cy="1674306"/>
+          </a:xfrm>
+          <a:prstGeom prst="bentArrow">
+            <a:avLst>
+              <a:gd name="adj1" fmla="val 16283"/>
+              <a:gd name="adj2" fmla="val 16781"/>
+              <a:gd name="adj3" fmla="val 17465"/>
+              <a:gd name="adj4" fmla="val 43750"/>
+            </a:avLst>
+          </a:prstGeom>
+        </p:spPr>
+        <p:style>
+          <a:lnRef idx="2">
+            <a:schemeClr val="accent1">
+              <a:shade val="50000"/>
+            </a:schemeClr>
+          </a:lnRef>
+          <a:fillRef idx="1">
+            <a:schemeClr val="accent1"/>
+          </a:fillRef>
+          <a:effectRef idx="0">
+            <a:schemeClr val="accent1"/>
+          </a:effectRef>
+          <a:fontRef idx="minor">
+            <a:schemeClr val="lt1"/>
+          </a:fontRef>
+        </p:style>
+        <p:txBody>
+          <a:bodyPr rtlCol="0" anchor="ctr"/>
+          <a:lstStyle/>
+          <a:p>
+            <a:pPr algn="ctr"/>
+            <a:endParaRPr lang="ko-KR" altLang="en-US">
+              <a:solidFill>
+                <a:schemeClr val="tx1"/>
+              </a:solidFill>
+            </a:endParaRPr>
+          </a:p>
+        </p:txBody>
+      </p:sp>
+    </p:spTree>
+    <p:extLst>
+      <p:ext uri="{BB962C8B-B14F-4D97-AF65-F5344CB8AC3E}">
+        <p14:creationId xmlns:p14="http://schemas.microsoft.com/office/powerpoint/2010/main" val="4259933850"/>
       </p:ext>
     </p:extLst>
   </p:cSld>
@@ -29361,8 +32226,8 @@
         </p:nvSpPr>
         <p:spPr>
           <a:xfrm>
-            <a:off x="812800" y="-2916442"/>
-            <a:ext cx="11234057" cy="11450842"/>
+            <a:off x="1071402" y="-2321170"/>
+            <a:ext cx="9145260" cy="10482987"/>
           </a:xfrm>
           <a:prstGeom prst="rect">
             <a:avLst/>
@@ -32793,6 +35658,16 @@
         </p:nvPicPr>
         <p:blipFill>
           <a:blip r:embed="rId5">
+            <a:clrChange>
+              <a:clrFrom>
+                <a:srgbClr val="FFFFFF"/>
+              </a:clrFrom>
+              <a:clrTo>
+                <a:srgbClr val="FFFFFF">
+                  <a:alpha val="0"/>
+                </a:srgbClr>
+              </a:clrTo>
+            </a:clrChange>
             <a:extLst>
               <a:ext uri="{28A0092B-C50C-407E-A947-70E740481C1C}">
                 <a14:useLocalDpi xmlns:a14="http://schemas.microsoft.com/office/drawing/2010/main" val="0"/>
@@ -32805,8 +35680,8 @@
         </p:blipFill>
         <p:spPr>
           <a:xfrm>
-            <a:off x="1897879" y="-2916442"/>
-            <a:ext cx="9818834" cy="4932092"/>
+            <a:off x="1071402" y="-2125129"/>
+            <a:ext cx="8547383" cy="4293430"/>
           </a:xfrm>
           <a:prstGeom prst="rect">
             <a:avLst/>
@@ -32821,8 +35696,8 @@
         </p:nvSpPr>
         <p:spPr>
           <a:xfrm>
-            <a:off x="2981110" y="-1965428"/>
-            <a:ext cx="265204" cy="2088101"/>
+            <a:off x="2541494" y="-1305997"/>
+            <a:ext cx="230862" cy="1817707"/>
           </a:xfrm>
           <a:prstGeom prst="roundRect">
             <a:avLst/>
@@ -32870,13 +35745,13 @@
         </p:nvCxnSpPr>
         <p:spPr>
           <a:xfrm flipH="1" flipV="1">
-            <a:off x="3113712" y="-1965428"/>
-            <a:ext cx="6271528" cy="5013428"/>
+            <a:off x="2656925" y="-1305997"/>
+            <a:ext cx="6728315" cy="4353997"/>
           </a:xfrm>
           <a:prstGeom prst="bentConnector4">
             <a:avLst>
-              <a:gd name="adj1" fmla="val -10125"/>
-              <a:gd name="adj2" fmla="val 104560"/>
+              <a:gd name="adj1" fmla="val -10193"/>
+              <a:gd name="adj2" fmla="val 121607"/>
             </a:avLst>
           </a:prstGeom>
           <a:ln w="15875">
@@ -32909,8 +35784,8 @@
         </p:nvSpPr>
         <p:spPr>
           <a:xfrm>
-            <a:off x="3550162" y="-1955009"/>
-            <a:ext cx="310624" cy="2077682"/>
+            <a:off x="3031415" y="-1295578"/>
+            <a:ext cx="270401" cy="1808641"/>
           </a:xfrm>
           <a:prstGeom prst="roundRect">
             <a:avLst/>
@@ -32955,8 +35830,8 @@
         </p:nvSpPr>
         <p:spPr>
           <a:xfrm>
-            <a:off x="4199514" y="-1955009"/>
-            <a:ext cx="235670" cy="2077682"/>
+            <a:off x="3592849" y="-1295578"/>
+            <a:ext cx="205153" cy="1808642"/>
           </a:xfrm>
           <a:prstGeom prst="roundRect">
             <a:avLst/>
@@ -33004,13 +35879,13 @@
         </p:nvCxnSpPr>
         <p:spPr>
           <a:xfrm flipH="1" flipV="1">
-            <a:off x="3705474" y="-1955009"/>
-            <a:ext cx="5726384" cy="7100323"/>
+            <a:off x="3166616" y="-1295578"/>
+            <a:ext cx="6265242" cy="6440892"/>
           </a:xfrm>
           <a:prstGeom prst="bentConnector4">
             <a:avLst>
-              <a:gd name="adj1" fmla="val -20626"/>
-              <a:gd name="adj2" fmla="val 105724"/>
+              <a:gd name="adj1" fmla="val -6315"/>
+              <a:gd name="adj2" fmla="val 112012"/>
             </a:avLst>
           </a:prstGeom>
           <a:ln w="15875">
@@ -33046,13 +35921,13 @@
         </p:nvCxnSpPr>
         <p:spPr>
           <a:xfrm flipH="1" flipV="1">
-            <a:off x="4317349" y="-1955009"/>
-            <a:ext cx="5067891" cy="9193839"/>
+            <a:off x="3695426" y="-1295578"/>
+            <a:ext cx="5689814" cy="8534408"/>
           </a:xfrm>
           <a:prstGeom prst="bentConnector4">
             <a:avLst>
-              <a:gd name="adj1" fmla="val -34833"/>
-              <a:gd name="adj2" fmla="val 106492"/>
+              <a:gd name="adj1" fmla="val -4018"/>
+              <a:gd name="adj2" fmla="val 107006"/>
             </a:avLst>
           </a:prstGeom>
           <a:ln w="15875">
@@ -33077,168 +35952,6 @@
           </a:fontRef>
         </p:style>
       </p:cxnSp>
-      <p:sp>
-        <p:nvSpPr>
-          <p:cNvPr id="81" name="TextBox 80"/>
-          <p:cNvSpPr txBox="1"/>
-          <p:nvPr/>
-        </p:nvSpPr>
-        <p:spPr>
-          <a:xfrm>
-            <a:off x="9385239" y="3135268"/>
-            <a:ext cx="2012089" cy="261610"/>
-          </a:xfrm>
-          <a:prstGeom prst="rect">
-            <a:avLst/>
-          </a:prstGeom>
-          <a:noFill/>
-        </p:spPr>
-        <p:txBody>
-          <a:bodyPr wrap="none" rtlCol="0">
-            <a:spAutoFit/>
-          </a:bodyPr>
-          <a:lstStyle/>
-          <a:p>
-            <a:r>
-              <a:rPr lang="en-US" altLang="ko-KR" sz="1100" dirty="0" smtClean="0">
-                <a:solidFill>
-                  <a:schemeClr val="accent2"/>
-                </a:solidFill>
-              </a:rPr>
-              <a:t>cor(</a:t>
-            </a:r>
-            <a:r>
-              <a:rPr lang="ko-KR" altLang="en-US" sz="1100" dirty="0" smtClean="0">
-                <a:solidFill>
-                  <a:schemeClr val="accent2"/>
-                </a:solidFill>
-              </a:rPr>
-              <a:t>학생수계</a:t>
-            </a:r>
-            <a:r>
-              <a:rPr lang="en-US" altLang="ko-KR" sz="1100" dirty="0" smtClean="0">
-                <a:solidFill>
-                  <a:schemeClr val="accent2"/>
-                </a:solidFill>
-              </a:rPr>
-              <a:t>, lag(1)) = 0.875</a:t>
-            </a:r>
-            <a:endParaRPr lang="ko-KR" altLang="en-US" sz="1100" dirty="0">
-              <a:solidFill>
-                <a:schemeClr val="accent2"/>
-              </a:solidFill>
-            </a:endParaRPr>
-          </a:p>
-        </p:txBody>
-      </p:sp>
-      <p:sp>
-        <p:nvSpPr>
-          <p:cNvPr id="82" name="TextBox 81"/>
-          <p:cNvSpPr txBox="1"/>
-          <p:nvPr/>
-        </p:nvSpPr>
-        <p:spPr>
-          <a:xfrm>
-            <a:off x="9385240" y="5184320"/>
-            <a:ext cx="2012089" cy="261610"/>
-          </a:xfrm>
-          <a:prstGeom prst="rect">
-            <a:avLst/>
-          </a:prstGeom>
-          <a:noFill/>
-        </p:spPr>
-        <p:txBody>
-          <a:bodyPr wrap="none" rtlCol="0">
-            <a:spAutoFit/>
-          </a:bodyPr>
-          <a:lstStyle/>
-          <a:p>
-            <a:r>
-              <a:rPr lang="en-US" altLang="ko-KR" sz="1100" dirty="0" smtClean="0">
-                <a:solidFill>
-                  <a:schemeClr val="accent6"/>
-                </a:solidFill>
-              </a:rPr>
-              <a:t>cor(</a:t>
-            </a:r>
-            <a:r>
-              <a:rPr lang="ko-KR" altLang="en-US" sz="1100" dirty="0" smtClean="0">
-                <a:solidFill>
-                  <a:schemeClr val="accent6"/>
-                </a:solidFill>
-              </a:rPr>
-              <a:t>학생수계</a:t>
-            </a:r>
-            <a:r>
-              <a:rPr lang="en-US" altLang="ko-KR" sz="1100" dirty="0" smtClean="0">
-                <a:solidFill>
-                  <a:schemeClr val="accent6"/>
-                </a:solidFill>
-              </a:rPr>
-              <a:t>, lag(2)) = 0.745</a:t>
-            </a:r>
-            <a:endParaRPr lang="ko-KR" altLang="en-US" sz="1100" dirty="0">
-              <a:solidFill>
-                <a:schemeClr val="accent6"/>
-              </a:solidFill>
-            </a:endParaRPr>
-          </a:p>
-        </p:txBody>
-      </p:sp>
-      <p:sp>
-        <p:nvSpPr>
-          <p:cNvPr id="83" name="TextBox 82"/>
-          <p:cNvSpPr txBox="1"/>
-          <p:nvPr/>
-        </p:nvSpPr>
-        <p:spPr>
-          <a:xfrm>
-            <a:off x="9385239" y="7331167"/>
-            <a:ext cx="2012089" cy="261610"/>
-          </a:xfrm>
-          <a:prstGeom prst="rect">
-            <a:avLst/>
-          </a:prstGeom>
-          <a:noFill/>
-        </p:spPr>
-        <p:txBody>
-          <a:bodyPr wrap="none" rtlCol="0">
-            <a:spAutoFit/>
-          </a:bodyPr>
-          <a:lstStyle/>
-          <a:p>
-            <a:r>
-              <a:rPr lang="en-US" altLang="ko-KR" sz="1100" dirty="0" smtClean="0">
-                <a:solidFill>
-                  <a:schemeClr val="tx2"/>
-                </a:solidFill>
-              </a:rPr>
-              <a:t>cor(</a:t>
-            </a:r>
-            <a:r>
-              <a:rPr lang="ko-KR" altLang="en-US" sz="1100" dirty="0" smtClean="0">
-                <a:solidFill>
-                  <a:schemeClr val="tx2"/>
-                </a:solidFill>
-              </a:rPr>
-              <a:t>학생수계</a:t>
-            </a:r>
-            <a:r>
-              <a:rPr lang="en-US" altLang="ko-KR" sz="1100" dirty="0" smtClean="0">
-                <a:solidFill>
-                  <a:schemeClr val="tx2"/>
-                </a:solidFill>
-              </a:rPr>
-              <a:t>, lag(3)) = 0.616</a:t>
-            </a:r>
-            <a:endParaRPr lang="ko-KR" altLang="en-US" sz="1100" dirty="0">
-              <a:solidFill>
-                <a:schemeClr val="tx2"/>
-              </a:solidFill>
-            </a:endParaRPr>
-          </a:p>
-        </p:txBody>
-      </p:sp>
       <p:cxnSp>
         <p:nvCxnSpPr>
           <p:cNvPr id="43" name="꺾인 연결선 42"/>
@@ -33622,4 +36335,265 @@
     </a:ext>
   </a:extLst>
 </a:theme>
+</file>
+
+<file path=ppt/theme/theme2.xml><?xml version="1.0" encoding="utf-8"?>
+<a:theme xmlns:a="http://schemas.openxmlformats.org/drawingml/2006/main" name="Office 테마">
+  <a:themeElements>
+    <a:clrScheme name="Office">
+      <a:dk1>
+        <a:sysClr val="windowText" lastClr="000000"/>
+      </a:dk1>
+      <a:lt1>
+        <a:sysClr val="window" lastClr="FFFFFF"/>
+      </a:lt1>
+      <a:dk2>
+        <a:srgbClr val="44546A"/>
+      </a:dk2>
+      <a:lt2>
+        <a:srgbClr val="E7E6E6"/>
+      </a:lt2>
+      <a:accent1>
+        <a:srgbClr val="5B9BD5"/>
+      </a:accent1>
+      <a:accent2>
+        <a:srgbClr val="ED7D31"/>
+      </a:accent2>
+      <a:accent3>
+        <a:srgbClr val="A5A5A5"/>
+      </a:accent3>
+      <a:accent4>
+        <a:srgbClr val="FFC000"/>
+      </a:accent4>
+      <a:accent5>
+        <a:srgbClr val="4472C4"/>
+      </a:accent5>
+      <a:accent6>
+        <a:srgbClr val="70AD47"/>
+      </a:accent6>
+      <a:hlink>
+        <a:srgbClr val="0563C1"/>
+      </a:hlink>
+      <a:folHlink>
+        <a:srgbClr val="954F72"/>
+      </a:folHlink>
+    </a:clrScheme>
+    <a:fontScheme name="Office">
+      <a:majorFont>
+        <a:latin typeface="맑은 고딕" panose="020F0302020204030204"/>
+        <a:ea typeface=""/>
+        <a:cs typeface=""/>
+        <a:font script="Jpan" typeface="游ゴシック Light"/>
+        <a:font script="Hang" typeface="맑은 고딕"/>
+        <a:font script="Hans" typeface="等线 Light"/>
+        <a:font script="Hant" typeface="新細明體"/>
+        <a:font script="Arab" typeface="Times New Roman"/>
+        <a:font script="Hebr" typeface="Times New Roman"/>
+        <a:font script="Thai" typeface="Angsana New"/>
+        <a:font script="Ethi" typeface="Nyala"/>
+        <a:font script="Beng" typeface="Vrinda"/>
+        <a:font script="Gujr" typeface="Shruti"/>
+        <a:font script="Khmr" typeface="MoolBoran"/>
+        <a:font script="Knda" typeface="Tunga"/>
+        <a:font script="Guru" typeface="Raavi"/>
+        <a:font script="Cans" typeface="Euphemia"/>
+        <a:font script="Cher" typeface="Plantagenet Cherokee"/>
+        <a:font script="Yiii" typeface="Microsoft Yi Baiti"/>
+        <a:font script="Tibt" typeface="Microsoft Himalaya"/>
+        <a:font script="Thaa" typeface="MV Boli"/>
+        <a:font script="Deva" typeface="Mangal"/>
+        <a:font script="Telu" typeface="Gautami"/>
+        <a:font script="Taml" typeface="Latha"/>
+        <a:font script="Syrc" typeface="Estrangelo Edessa"/>
+        <a:font script="Orya" typeface="Kalinga"/>
+        <a:font script="Mlym" typeface="Kartika"/>
+        <a:font script="Laoo" typeface="DokChampa"/>
+        <a:font script="Sinh" typeface="Iskoola Pota"/>
+        <a:font script="Mong" typeface="Mongolian Baiti"/>
+        <a:font script="Viet" typeface="Times New Roman"/>
+        <a:font script="Uigh" typeface="Microsoft Uighur"/>
+        <a:font script="Geor" typeface="Sylfaen"/>
+      </a:majorFont>
+      <a:minorFont>
+        <a:latin typeface="맑은 고딕" panose="020F0502020204030204"/>
+        <a:ea typeface=""/>
+        <a:cs typeface=""/>
+        <a:font script="Jpan" typeface="游ゴシック"/>
+        <a:font script="Hang" typeface="맑은 고딕"/>
+        <a:font script="Hans" typeface="等线"/>
+        <a:font script="Hant" typeface="新細明體"/>
+        <a:font script="Arab" typeface="Arial"/>
+        <a:font script="Hebr" typeface="Arial"/>
+        <a:font script="Thai" typeface="Cordia New"/>
+        <a:font script="Ethi" typeface="Nyala"/>
+        <a:font script="Beng" typeface="Vrinda"/>
+        <a:font script="Gujr" typeface="Shruti"/>
+        <a:font script="Khmr" typeface="DaunPenh"/>
+        <a:font script="Knda" typeface="Tunga"/>
+        <a:font script="Guru" typeface="Raavi"/>
+        <a:font script="Cans" typeface="Euphemia"/>
+        <a:font script="Cher" typeface="Plantagenet Cherokee"/>
+        <a:font script="Yiii" typeface="Microsoft Yi Baiti"/>
+        <a:font script="Tibt" typeface="Microsoft Himalaya"/>
+        <a:font script="Thaa" typeface="MV Boli"/>
+        <a:font script="Deva" typeface="Mangal"/>
+        <a:font script="Telu" typeface="Gautami"/>
+        <a:font script="Taml" typeface="Latha"/>
+        <a:font script="Syrc" typeface="Estrangelo Edessa"/>
+        <a:font script="Orya" typeface="Kalinga"/>
+        <a:font script="Mlym" typeface="Kartika"/>
+        <a:font script="Laoo" typeface="DokChampa"/>
+        <a:font script="Sinh" typeface="Iskoola Pota"/>
+        <a:font script="Mong" typeface="Mongolian Baiti"/>
+        <a:font script="Viet" typeface="Arial"/>
+        <a:font script="Uigh" typeface="Microsoft Uighur"/>
+        <a:font script="Geor" typeface="Sylfaen"/>
+      </a:minorFont>
+    </a:fontScheme>
+    <a:fmtScheme name="Office">
+      <a:fillStyleLst>
+        <a:solidFill>
+          <a:schemeClr val="phClr"/>
+        </a:solidFill>
+        <a:gradFill rotWithShape="1">
+          <a:gsLst>
+            <a:gs pos="0">
+              <a:schemeClr val="phClr">
+                <a:lumMod val="110000"/>
+                <a:satMod val="105000"/>
+                <a:tint val="67000"/>
+              </a:schemeClr>
+            </a:gs>
+            <a:gs pos="50000">
+              <a:schemeClr val="phClr">
+                <a:lumMod val="105000"/>
+                <a:satMod val="103000"/>
+                <a:tint val="73000"/>
+              </a:schemeClr>
+            </a:gs>
+            <a:gs pos="100000">
+              <a:schemeClr val="phClr">
+                <a:lumMod val="105000"/>
+                <a:satMod val="109000"/>
+                <a:tint val="81000"/>
+              </a:schemeClr>
+            </a:gs>
+          </a:gsLst>
+          <a:lin ang="5400000" scaled="0"/>
+        </a:gradFill>
+        <a:gradFill rotWithShape="1">
+          <a:gsLst>
+            <a:gs pos="0">
+              <a:schemeClr val="phClr">
+                <a:satMod val="103000"/>
+                <a:lumMod val="102000"/>
+                <a:tint val="94000"/>
+              </a:schemeClr>
+            </a:gs>
+            <a:gs pos="50000">
+              <a:schemeClr val="phClr">
+                <a:satMod val="110000"/>
+                <a:lumMod val="100000"/>
+                <a:shade val="100000"/>
+              </a:schemeClr>
+            </a:gs>
+            <a:gs pos="100000">
+              <a:schemeClr val="phClr">
+                <a:lumMod val="99000"/>
+                <a:satMod val="120000"/>
+                <a:shade val="78000"/>
+              </a:schemeClr>
+            </a:gs>
+          </a:gsLst>
+          <a:lin ang="5400000" scaled="0"/>
+        </a:gradFill>
+      </a:fillStyleLst>
+      <a:lnStyleLst>
+        <a:ln w="6350" cap="flat" cmpd="sng" algn="ctr">
+          <a:solidFill>
+            <a:schemeClr val="phClr"/>
+          </a:solidFill>
+          <a:prstDash val="solid"/>
+          <a:miter lim="800000"/>
+        </a:ln>
+        <a:ln w="12700" cap="flat" cmpd="sng" algn="ctr">
+          <a:solidFill>
+            <a:schemeClr val="phClr"/>
+          </a:solidFill>
+          <a:prstDash val="solid"/>
+          <a:miter lim="800000"/>
+        </a:ln>
+        <a:ln w="19050" cap="flat" cmpd="sng" algn="ctr">
+          <a:solidFill>
+            <a:schemeClr val="phClr"/>
+          </a:solidFill>
+          <a:prstDash val="solid"/>
+          <a:miter lim="800000"/>
+        </a:ln>
+      </a:lnStyleLst>
+      <a:effectStyleLst>
+        <a:effectStyle>
+          <a:effectLst/>
+        </a:effectStyle>
+        <a:effectStyle>
+          <a:effectLst/>
+        </a:effectStyle>
+        <a:effectStyle>
+          <a:effectLst>
+            <a:outerShdw blurRad="57150" dist="19050" dir="5400000" algn="ctr" rotWithShape="0">
+              <a:srgbClr val="000000">
+                <a:alpha val="63000"/>
+              </a:srgbClr>
+            </a:outerShdw>
+          </a:effectLst>
+        </a:effectStyle>
+      </a:effectStyleLst>
+      <a:bgFillStyleLst>
+        <a:solidFill>
+          <a:schemeClr val="phClr"/>
+        </a:solidFill>
+        <a:solidFill>
+          <a:schemeClr val="phClr">
+            <a:tint val="95000"/>
+            <a:satMod val="170000"/>
+          </a:schemeClr>
+        </a:solidFill>
+        <a:gradFill rotWithShape="1">
+          <a:gsLst>
+            <a:gs pos="0">
+              <a:schemeClr val="phClr">
+                <a:tint val="93000"/>
+                <a:satMod val="150000"/>
+                <a:shade val="98000"/>
+                <a:lumMod val="102000"/>
+              </a:schemeClr>
+            </a:gs>
+            <a:gs pos="50000">
+              <a:schemeClr val="phClr">
+                <a:tint val="98000"/>
+                <a:satMod val="130000"/>
+                <a:shade val="90000"/>
+                <a:lumMod val="103000"/>
+              </a:schemeClr>
+            </a:gs>
+            <a:gs pos="100000">
+              <a:schemeClr val="phClr">
+                <a:shade val="63000"/>
+                <a:satMod val="120000"/>
+              </a:schemeClr>
+            </a:gs>
+          </a:gsLst>
+          <a:lin ang="5400000" scaled="0"/>
+        </a:gradFill>
+      </a:bgFillStyleLst>
+    </a:fmtScheme>
+  </a:themeElements>
+  <a:objectDefaults/>
+  <a:extraClrSchemeLst/>
+  <a:extLst>
+    <a:ext uri="{05A4C25C-085E-4340-85A3-A5531E510DB2}">
+      <thm15:themeFamily xmlns:thm15="http://schemas.microsoft.com/office/thememl/2012/main" name="Office Theme" id="{62F939B6-93AF-4DB8-9C6B-D6C7DFDC589F}" vid="{4A3C46E8-61CC-4603-A589-7422A47A8E4A}"/>
+    </a:ext>
+  </a:extLst>
+</a:theme>
 </file>
--- a/프레젠테이션1.pptx
+++ b/프레젠테이션1.pptx
@@ -5,7 +5,7 @@
     <p:sldMasterId id="2147483648" r:id="rId1"/>
   </p:sldMasterIdLst>
   <p:notesMasterIdLst>
-    <p:notesMasterId r:id="rId19"/>
+    <p:notesMasterId r:id="rId21"/>
   </p:notesMasterIdLst>
   <p:sldIdLst>
     <p:sldId id="256" r:id="rId2"/>
@@ -25,6 +25,8 @@
     <p:sldId id="270" r:id="rId16"/>
     <p:sldId id="271" r:id="rId17"/>
     <p:sldId id="272" r:id="rId18"/>
+    <p:sldId id="273" r:id="rId19"/>
+    <p:sldId id="274" r:id="rId20"/>
   </p:sldIdLst>
   <p:sldSz cx="12192000" cy="6858000"/>
   <p:notesSz cx="6858000" cy="9144000"/>
@@ -224,7 +226,7 @@
           <a:p>
             <a:fld id="{7C1190C3-B361-4589-A7A5-616181CA4866}" type="datetimeFigureOut">
               <a:rPr lang="ko-KR" altLang="en-US" smtClean="0"/>
-              <a:t>2021-02-28</a:t>
+              <a:t>2021-03-03</a:t>
             </a:fld>
             <a:endParaRPr lang="ko-KR" altLang="en-US"/>
           </a:p>
@@ -623,7 +625,7 @@
           <a:p>
             <a:fld id="{0F277587-4E01-4B1D-81CB-961BCCFD9D6E}" type="datetimeFigureOut">
               <a:rPr lang="ko-KR" altLang="en-US" smtClean="0"/>
-              <a:t>2021-02-28</a:t>
+              <a:t>2021-03-03</a:t>
             </a:fld>
             <a:endParaRPr lang="ko-KR" altLang="en-US"/>
           </a:p>
@@ -793,7 +795,7 @@
           <a:p>
             <a:fld id="{0F277587-4E01-4B1D-81CB-961BCCFD9D6E}" type="datetimeFigureOut">
               <a:rPr lang="ko-KR" altLang="en-US" smtClean="0"/>
-              <a:t>2021-02-28</a:t>
+              <a:t>2021-03-03</a:t>
             </a:fld>
             <a:endParaRPr lang="ko-KR" altLang="en-US"/>
           </a:p>
@@ -973,7 +975,7 @@
           <a:p>
             <a:fld id="{0F277587-4E01-4B1D-81CB-961BCCFD9D6E}" type="datetimeFigureOut">
               <a:rPr lang="ko-KR" altLang="en-US" smtClean="0"/>
-              <a:t>2021-02-28</a:t>
+              <a:t>2021-03-03</a:t>
             </a:fld>
             <a:endParaRPr lang="ko-KR" altLang="en-US"/>
           </a:p>
@@ -1143,7 +1145,7 @@
           <a:p>
             <a:fld id="{0F277587-4E01-4B1D-81CB-961BCCFD9D6E}" type="datetimeFigureOut">
               <a:rPr lang="ko-KR" altLang="en-US" smtClean="0"/>
-              <a:t>2021-02-28</a:t>
+              <a:t>2021-03-03</a:t>
             </a:fld>
             <a:endParaRPr lang="ko-KR" altLang="en-US"/>
           </a:p>
@@ -1389,7 +1391,7 @@
           <a:p>
             <a:fld id="{0F277587-4E01-4B1D-81CB-961BCCFD9D6E}" type="datetimeFigureOut">
               <a:rPr lang="ko-KR" altLang="en-US" smtClean="0"/>
-              <a:t>2021-02-28</a:t>
+              <a:t>2021-03-03</a:t>
             </a:fld>
             <a:endParaRPr lang="ko-KR" altLang="en-US"/>
           </a:p>
@@ -1621,7 +1623,7 @@
           <a:p>
             <a:fld id="{0F277587-4E01-4B1D-81CB-961BCCFD9D6E}" type="datetimeFigureOut">
               <a:rPr lang="ko-KR" altLang="en-US" smtClean="0"/>
-              <a:t>2021-02-28</a:t>
+              <a:t>2021-03-03</a:t>
             </a:fld>
             <a:endParaRPr lang="ko-KR" altLang="en-US"/>
           </a:p>
@@ -1988,7 +1990,7 @@
           <a:p>
             <a:fld id="{0F277587-4E01-4B1D-81CB-961BCCFD9D6E}" type="datetimeFigureOut">
               <a:rPr lang="ko-KR" altLang="en-US" smtClean="0"/>
-              <a:t>2021-02-28</a:t>
+              <a:t>2021-03-03</a:t>
             </a:fld>
             <a:endParaRPr lang="ko-KR" altLang="en-US"/>
           </a:p>
@@ -2106,7 +2108,7 @@
           <a:p>
             <a:fld id="{0F277587-4E01-4B1D-81CB-961BCCFD9D6E}" type="datetimeFigureOut">
               <a:rPr lang="ko-KR" altLang="en-US" smtClean="0"/>
-              <a:t>2021-02-28</a:t>
+              <a:t>2021-03-03</a:t>
             </a:fld>
             <a:endParaRPr lang="ko-KR" altLang="en-US"/>
           </a:p>
@@ -2201,7 +2203,7 @@
           <a:p>
             <a:fld id="{0F277587-4E01-4B1D-81CB-961BCCFD9D6E}" type="datetimeFigureOut">
               <a:rPr lang="ko-KR" altLang="en-US" smtClean="0"/>
-              <a:t>2021-02-28</a:t>
+              <a:t>2021-03-03</a:t>
             </a:fld>
             <a:endParaRPr lang="ko-KR" altLang="en-US"/>
           </a:p>
@@ -2478,7 +2480,7 @@
           <a:p>
             <a:fld id="{0F277587-4E01-4B1D-81CB-961BCCFD9D6E}" type="datetimeFigureOut">
               <a:rPr lang="ko-KR" altLang="en-US" smtClean="0"/>
-              <a:t>2021-02-28</a:t>
+              <a:t>2021-03-03</a:t>
             </a:fld>
             <a:endParaRPr lang="ko-KR" altLang="en-US"/>
           </a:p>
@@ -2731,7 +2733,7 @@
           <a:p>
             <a:fld id="{0F277587-4E01-4B1D-81CB-961BCCFD9D6E}" type="datetimeFigureOut">
               <a:rPr lang="ko-KR" altLang="en-US" smtClean="0"/>
-              <a:t>2021-02-28</a:t>
+              <a:t>2021-03-03</a:t>
             </a:fld>
             <a:endParaRPr lang="ko-KR" altLang="en-US"/>
           </a:p>
@@ -2944,7 +2946,7 @@
           <a:p>
             <a:fld id="{0F277587-4E01-4B1D-81CB-961BCCFD9D6E}" type="datetimeFigureOut">
               <a:rPr lang="ko-KR" altLang="en-US" smtClean="0"/>
-              <a:t>2021-02-28</a:t>
+              <a:t>2021-03-03</a:t>
             </a:fld>
             <a:endParaRPr lang="ko-KR" altLang="en-US"/>
           </a:p>
@@ -10575,6 +10577,1277 @@
     <p:extLst>
       <p:ext uri="{BB962C8B-B14F-4D97-AF65-F5344CB8AC3E}">
         <p14:creationId xmlns:p14="http://schemas.microsoft.com/office/powerpoint/2010/main" val="4259933850"/>
+      </p:ext>
+    </p:extLst>
+  </p:cSld>
+  <p:clrMapOvr>
+    <a:masterClrMapping/>
+  </p:clrMapOvr>
+</p:sld>
+</file>
+
+<file path=ppt/slides/slide18.xml><?xml version="1.0" encoding="utf-8"?>
+<p:sld xmlns:a="http://schemas.openxmlformats.org/drawingml/2006/main" xmlns:r="http://schemas.openxmlformats.org/officeDocument/2006/relationships" xmlns:p="http://schemas.openxmlformats.org/presentationml/2006/main">
+  <p:cSld>
+    <p:spTree>
+      <p:nvGrpSpPr>
+        <p:cNvPr id="1" name=""/>
+        <p:cNvGrpSpPr/>
+        <p:nvPr/>
+      </p:nvGrpSpPr>
+      <p:grpSpPr>
+        <a:xfrm>
+          <a:off x="0" y="0"/>
+          <a:ext cx="0" cy="0"/>
+          <a:chOff x="0" y="0"/>
+          <a:chExt cx="0" cy="0"/>
+        </a:xfrm>
+      </p:grpSpPr>
+      <p:sp>
+        <p:nvSpPr>
+          <p:cNvPr id="11" name="굽은 화살표 10"/>
+          <p:cNvSpPr/>
+          <p:nvPr/>
+        </p:nvSpPr>
+        <p:spPr>
+          <a:xfrm flipV="1">
+            <a:off x="3185856" y="4885331"/>
+            <a:ext cx="2506675" cy="1081000"/>
+          </a:xfrm>
+          <a:prstGeom prst="bentArrow">
+            <a:avLst>
+              <a:gd name="adj1" fmla="val 38014"/>
+              <a:gd name="adj2" fmla="val 25000"/>
+              <a:gd name="adj3" fmla="val 37200"/>
+              <a:gd name="adj4" fmla="val 43750"/>
+            </a:avLst>
+          </a:prstGeom>
+        </p:spPr>
+        <p:style>
+          <a:lnRef idx="2">
+            <a:schemeClr val="accent1">
+              <a:shade val="50000"/>
+            </a:schemeClr>
+          </a:lnRef>
+          <a:fillRef idx="1">
+            <a:schemeClr val="accent1"/>
+          </a:fillRef>
+          <a:effectRef idx="0">
+            <a:schemeClr val="accent1"/>
+          </a:effectRef>
+          <a:fontRef idx="minor">
+            <a:schemeClr val="lt1"/>
+          </a:fontRef>
+        </p:style>
+        <p:txBody>
+          <a:bodyPr rtlCol="0" anchor="ctr"/>
+          <a:lstStyle/>
+          <a:p>
+            <a:pPr algn="ctr"/>
+            <a:endParaRPr lang="ko-KR" altLang="en-US">
+              <a:solidFill>
+                <a:schemeClr val="tx1"/>
+              </a:solidFill>
+            </a:endParaRPr>
+          </a:p>
+        </p:txBody>
+      </p:sp>
+      <p:graphicFrame>
+        <p:nvGraphicFramePr>
+          <p:cNvPr id="4" name="표 3"/>
+          <p:cNvGraphicFramePr>
+            <a:graphicFrameLocks noGrp="1"/>
+          </p:cNvGraphicFramePr>
+          <p:nvPr>
+            <p:extLst>
+              <p:ext uri="{D42A27DB-BD31-4B8C-83A1-F6EECF244321}">
+                <p14:modId xmlns:p14="http://schemas.microsoft.com/office/powerpoint/2010/main" val="204935341"/>
+              </p:ext>
+            </p:extLst>
+          </p:nvPr>
+        </p:nvGraphicFramePr>
+        <p:xfrm>
+          <a:off x="1785816" y="1924213"/>
+          <a:ext cx="3032369" cy="2966720"/>
+        </p:xfrm>
+        <a:graphic>
+          <a:graphicData uri="http://schemas.openxmlformats.org/drawingml/2006/table">
+            <a:tbl>
+              <a:tblPr firstRow="1" bandRow="1">
+                <a:tableStyleId>{5940675A-B579-460E-94D1-54222C63F5DA}</a:tableStyleId>
+              </a:tblPr>
+              <a:tblGrid>
+                <a:gridCol w="1511300">
+                  <a:extLst>
+                    <a:ext uri="{9D8B030D-6E8A-4147-A177-3AD203B41FA5}">
+                      <a16:colId xmlns:a16="http://schemas.microsoft.com/office/drawing/2014/main" val="3067364717"/>
+                    </a:ext>
+                  </a:extLst>
+                </a:gridCol>
+                <a:gridCol w="1521069">
+                  <a:extLst>
+                    <a:ext uri="{9D8B030D-6E8A-4147-A177-3AD203B41FA5}">
+                      <a16:colId xmlns:a16="http://schemas.microsoft.com/office/drawing/2014/main" val="3462563447"/>
+                    </a:ext>
+                  </a:extLst>
+                </a:gridCol>
+              </a:tblGrid>
+              <a:tr h="370840">
+                <a:tc>
+                  <a:txBody>
+                    <a:bodyPr/>
+                    <a:lstStyle/>
+                    <a:p>
+                      <a:pPr algn="ctr" latinLnBrk="1"/>
+                      <a:r>
+                        <a:rPr lang="en-US" altLang="ko-KR" dirty="0" smtClean="0"/>
+                        <a:t>time</a:t>
+                      </a:r>
+                      <a:endParaRPr lang="ko-KR" altLang="en-US" dirty="0"/>
+                    </a:p>
+                  </a:txBody>
+                  <a:tcPr/>
+                </a:tc>
+                <a:tc>
+                  <a:txBody>
+                    <a:bodyPr/>
+                    <a:lstStyle/>
+                    <a:p>
+                      <a:pPr algn="ctr" latinLnBrk="1"/>
+                      <a:r>
+                        <a:rPr lang="en-US" altLang="ko-KR" dirty="0" smtClean="0"/>
+                        <a:t>value</a:t>
+                      </a:r>
+                      <a:endParaRPr lang="ko-KR" altLang="en-US" dirty="0"/>
+                    </a:p>
+                  </a:txBody>
+                  <a:tcPr/>
+                </a:tc>
+                <a:extLst>
+                  <a:ext uri="{0D108BD9-81ED-4DB2-BD59-A6C34878D82A}">
+                    <a16:rowId xmlns:a16="http://schemas.microsoft.com/office/drawing/2014/main" val="1576153053"/>
+                  </a:ext>
+                </a:extLst>
+              </a:tr>
+              <a:tr h="370840">
+                <a:tc>
+                  <a:txBody>
+                    <a:bodyPr/>
+                    <a:lstStyle/>
+                    <a:p>
+                      <a:pPr algn="ctr" latinLnBrk="1"/>
+                      <a:r>
+                        <a:rPr lang="en-US" altLang="ko-KR" dirty="0" smtClean="0"/>
+                        <a:t>2019.01</a:t>
+                      </a:r>
+                      <a:endParaRPr lang="ko-KR" altLang="en-US" dirty="0"/>
+                    </a:p>
+                  </a:txBody>
+                  <a:tcPr/>
+                </a:tc>
+                <a:tc>
+                  <a:txBody>
+                    <a:bodyPr/>
+                    <a:lstStyle/>
+                    <a:p>
+                      <a:pPr algn="ctr" latinLnBrk="1"/>
+                      <a:r>
+                        <a:rPr lang="en-US" altLang="ko-KR" dirty="0" smtClean="0"/>
+                        <a:t>1</a:t>
+                      </a:r>
+                      <a:endParaRPr lang="ko-KR" altLang="en-US" dirty="0"/>
+                    </a:p>
+                  </a:txBody>
+                  <a:tcPr/>
+                </a:tc>
+                <a:extLst>
+                  <a:ext uri="{0D108BD9-81ED-4DB2-BD59-A6C34878D82A}">
+                    <a16:rowId xmlns:a16="http://schemas.microsoft.com/office/drawing/2014/main" val="2901879702"/>
+                  </a:ext>
+                </a:extLst>
+              </a:tr>
+              <a:tr h="370840">
+                <a:tc>
+                  <a:txBody>
+                    <a:bodyPr/>
+                    <a:lstStyle/>
+                    <a:p>
+                      <a:pPr algn="ctr" latinLnBrk="1"/>
+                      <a:r>
+                        <a:rPr lang="en-US" altLang="ko-KR" dirty="0" smtClean="0"/>
+                        <a:t>….</a:t>
+                      </a:r>
+                      <a:endParaRPr lang="ko-KR" altLang="en-US" dirty="0"/>
+                    </a:p>
+                  </a:txBody>
+                  <a:tcPr/>
+                </a:tc>
+                <a:tc>
+                  <a:txBody>
+                    <a:bodyPr/>
+                    <a:lstStyle/>
+                    <a:p>
+                      <a:pPr algn="ctr" latinLnBrk="1"/>
+                      <a:r>
+                        <a:rPr lang="en-US" altLang="ko-KR" dirty="0" smtClean="0"/>
+                        <a:t>2</a:t>
+                      </a:r>
+                      <a:endParaRPr lang="ko-KR" altLang="en-US" dirty="0"/>
+                    </a:p>
+                  </a:txBody>
+                  <a:tcPr/>
+                </a:tc>
+                <a:extLst>
+                  <a:ext uri="{0D108BD9-81ED-4DB2-BD59-A6C34878D82A}">
+                    <a16:rowId xmlns:a16="http://schemas.microsoft.com/office/drawing/2014/main" val="825869205"/>
+                  </a:ext>
+                </a:extLst>
+              </a:tr>
+              <a:tr h="370840">
+                <a:tc>
+                  <a:txBody>
+                    <a:bodyPr/>
+                    <a:lstStyle/>
+                    <a:p>
+                      <a:pPr algn="ctr" latinLnBrk="1"/>
+                      <a:r>
+                        <a:rPr lang="en-US" altLang="ko-KR" dirty="0" smtClean="0"/>
+                        <a:t>2019.12</a:t>
+                      </a:r>
+                      <a:endParaRPr lang="ko-KR" altLang="en-US" dirty="0"/>
+                    </a:p>
+                  </a:txBody>
+                  <a:tcPr/>
+                </a:tc>
+                <a:tc>
+                  <a:txBody>
+                    <a:bodyPr/>
+                    <a:lstStyle/>
+                    <a:p>
+                      <a:pPr algn="ctr" latinLnBrk="1"/>
+                      <a:r>
+                        <a:rPr lang="en-US" altLang="ko-KR" dirty="0" smtClean="0"/>
+                        <a:t>3</a:t>
+                      </a:r>
+                      <a:endParaRPr lang="ko-KR" altLang="en-US" dirty="0"/>
+                    </a:p>
+                  </a:txBody>
+                  <a:tcPr/>
+                </a:tc>
+                <a:extLst>
+                  <a:ext uri="{0D108BD9-81ED-4DB2-BD59-A6C34878D82A}">
+                    <a16:rowId xmlns:a16="http://schemas.microsoft.com/office/drawing/2014/main" val="483636294"/>
+                  </a:ext>
+                </a:extLst>
+              </a:tr>
+              <a:tr h="370840">
+                <a:tc>
+                  <a:txBody>
+                    <a:bodyPr/>
+                    <a:lstStyle/>
+                    <a:p>
+                      <a:pPr algn="ctr" latinLnBrk="1"/>
+                      <a:r>
+                        <a:rPr lang="en-US" altLang="ko-KR" dirty="0" smtClean="0"/>
+                        <a:t>2020.01</a:t>
+                      </a:r>
+                      <a:endParaRPr lang="ko-KR" altLang="en-US" dirty="0"/>
+                    </a:p>
+                  </a:txBody>
+                  <a:tcPr/>
+                </a:tc>
+                <a:tc>
+                  <a:txBody>
+                    <a:bodyPr/>
+                    <a:lstStyle/>
+                    <a:p>
+                      <a:pPr algn="ctr" latinLnBrk="1"/>
+                      <a:r>
+                        <a:rPr lang="en-US" altLang="ko-KR" dirty="0" smtClean="0"/>
+                        <a:t>4</a:t>
+                      </a:r>
+                      <a:endParaRPr lang="ko-KR" altLang="en-US" dirty="0"/>
+                    </a:p>
+                  </a:txBody>
+                  <a:tcPr/>
+                </a:tc>
+                <a:extLst>
+                  <a:ext uri="{0D108BD9-81ED-4DB2-BD59-A6C34878D82A}">
+                    <a16:rowId xmlns:a16="http://schemas.microsoft.com/office/drawing/2014/main" val="651978729"/>
+                  </a:ext>
+                </a:extLst>
+              </a:tr>
+              <a:tr h="370840">
+                <a:tc>
+                  <a:txBody>
+                    <a:bodyPr/>
+                    <a:lstStyle/>
+                    <a:p>
+                      <a:pPr algn="ctr" latinLnBrk="1"/>
+                      <a:r>
+                        <a:rPr lang="en-US" altLang="ko-KR" dirty="0" smtClean="0"/>
+                        <a:t>….</a:t>
+                      </a:r>
+                      <a:endParaRPr lang="ko-KR" altLang="en-US" dirty="0"/>
+                    </a:p>
+                  </a:txBody>
+                  <a:tcPr/>
+                </a:tc>
+                <a:tc>
+                  <a:txBody>
+                    <a:bodyPr/>
+                    <a:lstStyle/>
+                    <a:p>
+                      <a:pPr algn="ctr" latinLnBrk="1"/>
+                      <a:r>
+                        <a:rPr lang="en-US" altLang="ko-KR" dirty="0" smtClean="0"/>
+                        <a:t>5</a:t>
+                      </a:r>
+                      <a:endParaRPr lang="ko-KR" altLang="en-US" dirty="0"/>
+                    </a:p>
+                  </a:txBody>
+                  <a:tcPr/>
+                </a:tc>
+                <a:extLst>
+                  <a:ext uri="{0D108BD9-81ED-4DB2-BD59-A6C34878D82A}">
+                    <a16:rowId xmlns:a16="http://schemas.microsoft.com/office/drawing/2014/main" val="1608800902"/>
+                  </a:ext>
+                </a:extLst>
+              </a:tr>
+              <a:tr h="370840">
+                <a:tc>
+                  <a:txBody>
+                    <a:bodyPr/>
+                    <a:lstStyle/>
+                    <a:p>
+                      <a:pPr algn="ctr" latinLnBrk="1"/>
+                      <a:r>
+                        <a:rPr lang="en-US" altLang="ko-KR" dirty="0" smtClean="0"/>
+                        <a:t>2020.12</a:t>
+                      </a:r>
+                      <a:endParaRPr lang="ko-KR" altLang="en-US" dirty="0"/>
+                    </a:p>
+                  </a:txBody>
+                  <a:tcPr/>
+                </a:tc>
+                <a:tc>
+                  <a:txBody>
+                    <a:bodyPr/>
+                    <a:lstStyle/>
+                    <a:p>
+                      <a:pPr algn="ctr" latinLnBrk="1"/>
+                      <a:r>
+                        <a:rPr lang="en-US" altLang="ko-KR" dirty="0" smtClean="0"/>
+                        <a:t>6</a:t>
+                      </a:r>
+                      <a:endParaRPr lang="ko-KR" altLang="en-US" dirty="0"/>
+                    </a:p>
+                  </a:txBody>
+                  <a:tcPr/>
+                </a:tc>
+                <a:extLst>
+                  <a:ext uri="{0D108BD9-81ED-4DB2-BD59-A6C34878D82A}">
+                    <a16:rowId xmlns:a16="http://schemas.microsoft.com/office/drawing/2014/main" val="4139157447"/>
+                  </a:ext>
+                </a:extLst>
+              </a:tr>
+              <a:tr h="370840">
+                <a:tc>
+                  <a:txBody>
+                    <a:bodyPr/>
+                    <a:lstStyle/>
+                    <a:p>
+                      <a:pPr algn="ctr" latinLnBrk="1"/>
+                      <a:r>
+                        <a:rPr lang="en-US" altLang="ko-KR" dirty="0" smtClean="0"/>
+                        <a:t>2021.01</a:t>
+                      </a:r>
+                      <a:endParaRPr lang="ko-KR" altLang="en-US" dirty="0"/>
+                    </a:p>
+                  </a:txBody>
+                  <a:tcPr/>
+                </a:tc>
+                <a:tc>
+                  <a:txBody>
+                    <a:bodyPr/>
+                    <a:lstStyle/>
+                    <a:p>
+                      <a:pPr algn="ctr" latinLnBrk="1"/>
+                      <a:r>
+                        <a:rPr lang="en-US" altLang="ko-KR" dirty="0" smtClean="0"/>
+                        <a:t>7</a:t>
+                      </a:r>
+                      <a:endParaRPr lang="ko-KR" altLang="en-US" dirty="0"/>
+                    </a:p>
+                  </a:txBody>
+                  <a:tcPr/>
+                </a:tc>
+                <a:extLst>
+                  <a:ext uri="{0D108BD9-81ED-4DB2-BD59-A6C34878D82A}">
+                    <a16:rowId xmlns:a16="http://schemas.microsoft.com/office/drawing/2014/main" val="2729750213"/>
+                  </a:ext>
+                </a:extLst>
+              </a:tr>
+            </a:tbl>
+          </a:graphicData>
+        </a:graphic>
+      </p:graphicFrame>
+      <p:graphicFrame>
+        <p:nvGraphicFramePr>
+          <p:cNvPr id="5" name="표 4"/>
+          <p:cNvGraphicFramePr>
+            <a:graphicFrameLocks noGrp="1"/>
+          </p:cNvGraphicFramePr>
+          <p:nvPr>
+            <p:extLst>
+              <p:ext uri="{D42A27DB-BD31-4B8C-83A1-F6EECF244321}">
+                <p14:modId xmlns:p14="http://schemas.microsoft.com/office/powerpoint/2010/main" val="3914654566"/>
+              </p:ext>
+            </p:extLst>
+          </p:nvPr>
+        </p:nvGraphicFramePr>
+        <p:xfrm>
+          <a:off x="5692531" y="716540"/>
+          <a:ext cx="3032369" cy="1483360"/>
+        </p:xfrm>
+        <a:graphic>
+          <a:graphicData uri="http://schemas.openxmlformats.org/drawingml/2006/table">
+            <a:tbl>
+              <a:tblPr firstRow="1" bandRow="1">
+                <a:tableStyleId>{5940675A-B579-460E-94D1-54222C63F5DA}</a:tableStyleId>
+              </a:tblPr>
+              <a:tblGrid>
+                <a:gridCol w="1511300">
+                  <a:extLst>
+                    <a:ext uri="{9D8B030D-6E8A-4147-A177-3AD203B41FA5}">
+                      <a16:colId xmlns:a16="http://schemas.microsoft.com/office/drawing/2014/main" val="3067364717"/>
+                    </a:ext>
+                  </a:extLst>
+                </a:gridCol>
+                <a:gridCol w="1521069">
+                  <a:extLst>
+                    <a:ext uri="{9D8B030D-6E8A-4147-A177-3AD203B41FA5}">
+                      <a16:colId xmlns:a16="http://schemas.microsoft.com/office/drawing/2014/main" val="3462563447"/>
+                    </a:ext>
+                  </a:extLst>
+                </a:gridCol>
+              </a:tblGrid>
+              <a:tr h="370840">
+                <a:tc>
+                  <a:txBody>
+                    <a:bodyPr/>
+                    <a:lstStyle/>
+                    <a:p>
+                      <a:pPr algn="ctr" latinLnBrk="1"/>
+                      <a:r>
+                        <a:rPr lang="en-US" altLang="ko-KR" dirty="0" smtClean="0"/>
+                        <a:t>time</a:t>
+                      </a:r>
+                      <a:endParaRPr lang="ko-KR" altLang="en-US" dirty="0"/>
+                    </a:p>
+                  </a:txBody>
+                  <a:tcPr/>
+                </a:tc>
+                <a:tc>
+                  <a:txBody>
+                    <a:bodyPr/>
+                    <a:lstStyle/>
+                    <a:p>
+                      <a:pPr algn="ctr" latinLnBrk="1"/>
+                      <a:r>
+                        <a:rPr lang="en-US" altLang="ko-KR" dirty="0" smtClean="0"/>
+                        <a:t>sum</a:t>
+                      </a:r>
+                      <a:endParaRPr lang="ko-KR" altLang="en-US" dirty="0"/>
+                    </a:p>
+                  </a:txBody>
+                  <a:tcPr/>
+                </a:tc>
+                <a:extLst>
+                  <a:ext uri="{0D108BD9-81ED-4DB2-BD59-A6C34878D82A}">
+                    <a16:rowId xmlns:a16="http://schemas.microsoft.com/office/drawing/2014/main" val="1576153053"/>
+                  </a:ext>
+                </a:extLst>
+              </a:tr>
+              <a:tr h="370840">
+                <a:tc>
+                  <a:txBody>
+                    <a:bodyPr/>
+                    <a:lstStyle/>
+                    <a:p>
+                      <a:pPr algn="ctr" latinLnBrk="1"/>
+                      <a:r>
+                        <a:rPr lang="en-US" altLang="ko-KR" dirty="0" smtClean="0"/>
+                        <a:t>2019</a:t>
+                      </a:r>
+                      <a:endParaRPr lang="ko-KR" altLang="en-US" dirty="0"/>
+                    </a:p>
+                  </a:txBody>
+                  <a:tcPr/>
+                </a:tc>
+                <a:tc>
+                  <a:txBody>
+                    <a:bodyPr/>
+                    <a:lstStyle/>
+                    <a:p>
+                      <a:pPr algn="ctr" latinLnBrk="1"/>
+                      <a:r>
+                        <a:rPr lang="en-US" altLang="ko-KR" dirty="0" smtClean="0"/>
+                        <a:t>6</a:t>
+                      </a:r>
+                      <a:endParaRPr lang="ko-KR" altLang="en-US" dirty="0"/>
+                    </a:p>
+                  </a:txBody>
+                  <a:tcPr/>
+                </a:tc>
+                <a:extLst>
+                  <a:ext uri="{0D108BD9-81ED-4DB2-BD59-A6C34878D82A}">
+                    <a16:rowId xmlns:a16="http://schemas.microsoft.com/office/drawing/2014/main" val="2901879702"/>
+                  </a:ext>
+                </a:extLst>
+              </a:tr>
+              <a:tr h="370840">
+                <a:tc>
+                  <a:txBody>
+                    <a:bodyPr/>
+                    <a:lstStyle/>
+                    <a:p>
+                      <a:pPr algn="ctr" latinLnBrk="1"/>
+                      <a:r>
+                        <a:rPr lang="en-US" altLang="ko-KR" dirty="0" smtClean="0"/>
+                        <a:t>2020</a:t>
+                      </a:r>
+                      <a:endParaRPr lang="ko-KR" altLang="en-US" dirty="0"/>
+                    </a:p>
+                  </a:txBody>
+                  <a:tcPr/>
+                </a:tc>
+                <a:tc>
+                  <a:txBody>
+                    <a:bodyPr/>
+                    <a:lstStyle/>
+                    <a:p>
+                      <a:pPr algn="ctr" latinLnBrk="1"/>
+                      <a:r>
+                        <a:rPr lang="en-US" altLang="ko-KR" dirty="0" smtClean="0"/>
+                        <a:t>15</a:t>
+                      </a:r>
+                      <a:endParaRPr lang="ko-KR" altLang="en-US" dirty="0"/>
+                    </a:p>
+                  </a:txBody>
+                  <a:tcPr/>
+                </a:tc>
+                <a:extLst>
+                  <a:ext uri="{0D108BD9-81ED-4DB2-BD59-A6C34878D82A}">
+                    <a16:rowId xmlns:a16="http://schemas.microsoft.com/office/drawing/2014/main" val="825869205"/>
+                  </a:ext>
+                </a:extLst>
+              </a:tr>
+              <a:tr h="370840">
+                <a:tc>
+                  <a:txBody>
+                    <a:bodyPr/>
+                    <a:lstStyle/>
+                    <a:p>
+                      <a:pPr algn="ctr" latinLnBrk="1"/>
+                      <a:r>
+                        <a:rPr lang="en-US" altLang="ko-KR" dirty="0" smtClean="0"/>
+                        <a:t>2021</a:t>
+                      </a:r>
+                      <a:endParaRPr lang="ko-KR" altLang="en-US" dirty="0"/>
+                    </a:p>
+                  </a:txBody>
+                  <a:tcPr/>
+                </a:tc>
+                <a:tc>
+                  <a:txBody>
+                    <a:bodyPr/>
+                    <a:lstStyle/>
+                    <a:p>
+                      <a:pPr algn="ctr" latinLnBrk="1"/>
+                      <a:r>
+                        <a:rPr lang="en-US" altLang="ko-KR" dirty="0" smtClean="0"/>
+                        <a:t>7</a:t>
+                      </a:r>
+                      <a:endParaRPr lang="ko-KR" altLang="en-US" dirty="0"/>
+                    </a:p>
+                  </a:txBody>
+                  <a:tcPr/>
+                </a:tc>
+                <a:extLst>
+                  <a:ext uri="{0D108BD9-81ED-4DB2-BD59-A6C34878D82A}">
+                    <a16:rowId xmlns:a16="http://schemas.microsoft.com/office/drawing/2014/main" val="483636294"/>
+                  </a:ext>
+                </a:extLst>
+              </a:tr>
+            </a:tbl>
+          </a:graphicData>
+        </a:graphic>
+      </p:graphicFrame>
+      <p:graphicFrame>
+        <p:nvGraphicFramePr>
+          <p:cNvPr id="6" name="표 5"/>
+          <p:cNvGraphicFramePr>
+            <a:graphicFrameLocks noGrp="1"/>
+          </p:cNvGraphicFramePr>
+          <p:nvPr>
+            <p:extLst>
+              <p:ext uri="{D42A27DB-BD31-4B8C-83A1-F6EECF244321}">
+                <p14:modId xmlns:p14="http://schemas.microsoft.com/office/powerpoint/2010/main" val="1923372313"/>
+              </p:ext>
+            </p:extLst>
+          </p:nvPr>
+        </p:nvGraphicFramePr>
+        <p:xfrm>
+          <a:off x="5692531" y="3070143"/>
+          <a:ext cx="3032369" cy="2966720"/>
+        </p:xfrm>
+        <a:graphic>
+          <a:graphicData uri="http://schemas.openxmlformats.org/drawingml/2006/table">
+            <a:tbl>
+              <a:tblPr firstRow="1" bandRow="1">
+                <a:tableStyleId>{5940675A-B579-460E-94D1-54222C63F5DA}</a:tableStyleId>
+              </a:tblPr>
+              <a:tblGrid>
+                <a:gridCol w="1006453">
+                  <a:extLst>
+                    <a:ext uri="{9D8B030D-6E8A-4147-A177-3AD203B41FA5}">
+                      <a16:colId xmlns:a16="http://schemas.microsoft.com/office/drawing/2014/main" val="3067364717"/>
+                    </a:ext>
+                  </a:extLst>
+                </a:gridCol>
+                <a:gridCol w="1012958">
+                  <a:extLst>
+                    <a:ext uri="{9D8B030D-6E8A-4147-A177-3AD203B41FA5}">
+                      <a16:colId xmlns:a16="http://schemas.microsoft.com/office/drawing/2014/main" val="3462563447"/>
+                    </a:ext>
+                  </a:extLst>
+                </a:gridCol>
+                <a:gridCol w="1012958">
+                  <a:extLst>
+                    <a:ext uri="{9D8B030D-6E8A-4147-A177-3AD203B41FA5}">
+                      <a16:colId xmlns:a16="http://schemas.microsoft.com/office/drawing/2014/main" val="801049266"/>
+                    </a:ext>
+                  </a:extLst>
+                </a:gridCol>
+              </a:tblGrid>
+              <a:tr h="370840">
+                <a:tc>
+                  <a:txBody>
+                    <a:bodyPr/>
+                    <a:lstStyle/>
+                    <a:p>
+                      <a:pPr algn="ctr" latinLnBrk="1"/>
+                      <a:r>
+                        <a:rPr lang="en-US" altLang="ko-KR" dirty="0" smtClean="0"/>
+                        <a:t>time</a:t>
+                      </a:r>
+                      <a:endParaRPr lang="ko-KR" altLang="en-US" dirty="0"/>
+                    </a:p>
+                  </a:txBody>
+                  <a:tcPr/>
+                </a:tc>
+                <a:tc>
+                  <a:txBody>
+                    <a:bodyPr/>
+                    <a:lstStyle/>
+                    <a:p>
+                      <a:pPr algn="ctr" latinLnBrk="1"/>
+                      <a:r>
+                        <a:rPr lang="en-US" altLang="ko-KR" dirty="0" smtClean="0"/>
+                        <a:t>value</a:t>
+                      </a:r>
+                      <a:endParaRPr lang="ko-KR" altLang="en-US" dirty="0"/>
+                    </a:p>
+                  </a:txBody>
+                  <a:tcPr/>
+                </a:tc>
+                <a:tc>
+                  <a:txBody>
+                    <a:bodyPr/>
+                    <a:lstStyle/>
+                    <a:p>
+                      <a:pPr algn="ctr" latinLnBrk="1"/>
+                      <a:r>
+                        <a:rPr lang="en-US" altLang="ko-KR" dirty="0" smtClean="0"/>
+                        <a:t>sum</a:t>
+                      </a:r>
+                      <a:endParaRPr lang="ko-KR" altLang="en-US" dirty="0"/>
+                    </a:p>
+                  </a:txBody>
+                  <a:tcPr/>
+                </a:tc>
+                <a:extLst>
+                  <a:ext uri="{0D108BD9-81ED-4DB2-BD59-A6C34878D82A}">
+                    <a16:rowId xmlns:a16="http://schemas.microsoft.com/office/drawing/2014/main" val="1576153053"/>
+                  </a:ext>
+                </a:extLst>
+              </a:tr>
+              <a:tr h="370840">
+                <a:tc>
+                  <a:txBody>
+                    <a:bodyPr/>
+                    <a:lstStyle/>
+                    <a:p>
+                      <a:pPr algn="ctr" latinLnBrk="1"/>
+                      <a:r>
+                        <a:rPr lang="en-US" altLang="ko-KR" dirty="0" smtClean="0"/>
+                        <a:t>2019.01</a:t>
+                      </a:r>
+                      <a:endParaRPr lang="ko-KR" altLang="en-US" dirty="0"/>
+                    </a:p>
+                  </a:txBody>
+                  <a:tcPr/>
+                </a:tc>
+                <a:tc>
+                  <a:txBody>
+                    <a:bodyPr/>
+                    <a:lstStyle/>
+                    <a:p>
+                      <a:pPr algn="ctr" latinLnBrk="1"/>
+                      <a:r>
+                        <a:rPr lang="en-US" altLang="ko-KR" dirty="0" smtClean="0"/>
+                        <a:t>1</a:t>
+                      </a:r>
+                      <a:endParaRPr lang="ko-KR" altLang="en-US" dirty="0"/>
+                    </a:p>
+                  </a:txBody>
+                  <a:tcPr/>
+                </a:tc>
+                <a:tc>
+                  <a:txBody>
+                    <a:bodyPr/>
+                    <a:lstStyle/>
+                    <a:p>
+                      <a:pPr algn="ctr" latinLnBrk="1"/>
+                      <a:r>
+                        <a:rPr lang="en-US" altLang="ko-KR" dirty="0" smtClean="0"/>
+                        <a:t>6</a:t>
+                      </a:r>
+                      <a:endParaRPr lang="ko-KR" altLang="en-US" dirty="0"/>
+                    </a:p>
+                  </a:txBody>
+                  <a:tcPr/>
+                </a:tc>
+                <a:extLst>
+                  <a:ext uri="{0D108BD9-81ED-4DB2-BD59-A6C34878D82A}">
+                    <a16:rowId xmlns:a16="http://schemas.microsoft.com/office/drawing/2014/main" val="2901879702"/>
+                  </a:ext>
+                </a:extLst>
+              </a:tr>
+              <a:tr h="370840">
+                <a:tc>
+                  <a:txBody>
+                    <a:bodyPr/>
+                    <a:lstStyle/>
+                    <a:p>
+                      <a:pPr algn="ctr" latinLnBrk="1"/>
+                      <a:r>
+                        <a:rPr lang="en-US" altLang="ko-KR" dirty="0" smtClean="0"/>
+                        <a:t>….</a:t>
+                      </a:r>
+                      <a:endParaRPr lang="ko-KR" altLang="en-US" dirty="0"/>
+                    </a:p>
+                  </a:txBody>
+                  <a:tcPr/>
+                </a:tc>
+                <a:tc>
+                  <a:txBody>
+                    <a:bodyPr/>
+                    <a:lstStyle/>
+                    <a:p>
+                      <a:pPr algn="ctr" latinLnBrk="1"/>
+                      <a:r>
+                        <a:rPr lang="en-US" altLang="ko-KR" dirty="0" smtClean="0"/>
+                        <a:t>2</a:t>
+                      </a:r>
+                      <a:endParaRPr lang="ko-KR" altLang="en-US" dirty="0"/>
+                    </a:p>
+                  </a:txBody>
+                  <a:tcPr/>
+                </a:tc>
+                <a:tc>
+                  <a:txBody>
+                    <a:bodyPr/>
+                    <a:lstStyle/>
+                    <a:p>
+                      <a:pPr algn="ctr" latinLnBrk="1"/>
+                      <a:r>
+                        <a:rPr lang="en-US" altLang="ko-KR" dirty="0" smtClean="0"/>
+                        <a:t>6</a:t>
+                      </a:r>
+                      <a:endParaRPr lang="ko-KR" altLang="en-US" dirty="0"/>
+                    </a:p>
+                  </a:txBody>
+                  <a:tcPr/>
+                </a:tc>
+                <a:extLst>
+                  <a:ext uri="{0D108BD9-81ED-4DB2-BD59-A6C34878D82A}">
+                    <a16:rowId xmlns:a16="http://schemas.microsoft.com/office/drawing/2014/main" val="825869205"/>
+                  </a:ext>
+                </a:extLst>
+              </a:tr>
+              <a:tr h="370840">
+                <a:tc>
+                  <a:txBody>
+                    <a:bodyPr/>
+                    <a:lstStyle/>
+                    <a:p>
+                      <a:pPr algn="ctr" latinLnBrk="1"/>
+                      <a:r>
+                        <a:rPr lang="en-US" altLang="ko-KR" dirty="0" smtClean="0"/>
+                        <a:t>2019.12</a:t>
+                      </a:r>
+                      <a:endParaRPr lang="ko-KR" altLang="en-US" dirty="0"/>
+                    </a:p>
+                  </a:txBody>
+                  <a:tcPr/>
+                </a:tc>
+                <a:tc>
+                  <a:txBody>
+                    <a:bodyPr/>
+                    <a:lstStyle/>
+                    <a:p>
+                      <a:pPr algn="ctr" latinLnBrk="1"/>
+                      <a:r>
+                        <a:rPr lang="en-US" altLang="ko-KR" dirty="0" smtClean="0"/>
+                        <a:t>3</a:t>
+                      </a:r>
+                      <a:endParaRPr lang="ko-KR" altLang="en-US" dirty="0"/>
+                    </a:p>
+                  </a:txBody>
+                  <a:tcPr/>
+                </a:tc>
+                <a:tc>
+                  <a:txBody>
+                    <a:bodyPr/>
+                    <a:lstStyle/>
+                    <a:p>
+                      <a:pPr algn="ctr" latinLnBrk="1"/>
+                      <a:r>
+                        <a:rPr lang="en-US" altLang="ko-KR" dirty="0" smtClean="0"/>
+                        <a:t>6</a:t>
+                      </a:r>
+                      <a:endParaRPr lang="ko-KR" altLang="en-US" dirty="0"/>
+                    </a:p>
+                  </a:txBody>
+                  <a:tcPr/>
+                </a:tc>
+                <a:extLst>
+                  <a:ext uri="{0D108BD9-81ED-4DB2-BD59-A6C34878D82A}">
+                    <a16:rowId xmlns:a16="http://schemas.microsoft.com/office/drawing/2014/main" val="483636294"/>
+                  </a:ext>
+                </a:extLst>
+              </a:tr>
+              <a:tr h="370840">
+                <a:tc>
+                  <a:txBody>
+                    <a:bodyPr/>
+                    <a:lstStyle/>
+                    <a:p>
+                      <a:pPr algn="ctr" latinLnBrk="1"/>
+                      <a:r>
+                        <a:rPr lang="en-US" altLang="ko-KR" dirty="0" smtClean="0"/>
+                        <a:t>2020.01</a:t>
+                      </a:r>
+                      <a:endParaRPr lang="ko-KR" altLang="en-US" dirty="0"/>
+                    </a:p>
+                  </a:txBody>
+                  <a:tcPr/>
+                </a:tc>
+                <a:tc>
+                  <a:txBody>
+                    <a:bodyPr/>
+                    <a:lstStyle/>
+                    <a:p>
+                      <a:pPr algn="ctr" latinLnBrk="1"/>
+                      <a:r>
+                        <a:rPr lang="en-US" altLang="ko-KR" dirty="0" smtClean="0"/>
+                        <a:t>4</a:t>
+                      </a:r>
+                      <a:endParaRPr lang="ko-KR" altLang="en-US" dirty="0"/>
+                    </a:p>
+                  </a:txBody>
+                  <a:tcPr/>
+                </a:tc>
+                <a:tc>
+                  <a:txBody>
+                    <a:bodyPr/>
+                    <a:lstStyle/>
+                    <a:p>
+                      <a:pPr algn="ctr" latinLnBrk="1"/>
+                      <a:r>
+                        <a:rPr lang="en-US" altLang="ko-KR" dirty="0" smtClean="0"/>
+                        <a:t>15</a:t>
+                      </a:r>
+                      <a:endParaRPr lang="ko-KR" altLang="en-US" dirty="0"/>
+                    </a:p>
+                  </a:txBody>
+                  <a:tcPr/>
+                </a:tc>
+                <a:extLst>
+                  <a:ext uri="{0D108BD9-81ED-4DB2-BD59-A6C34878D82A}">
+                    <a16:rowId xmlns:a16="http://schemas.microsoft.com/office/drawing/2014/main" val="651978729"/>
+                  </a:ext>
+                </a:extLst>
+              </a:tr>
+              <a:tr h="370840">
+                <a:tc>
+                  <a:txBody>
+                    <a:bodyPr/>
+                    <a:lstStyle/>
+                    <a:p>
+                      <a:pPr algn="ctr" latinLnBrk="1"/>
+                      <a:r>
+                        <a:rPr lang="en-US" altLang="ko-KR" dirty="0" smtClean="0"/>
+                        <a:t>….</a:t>
+                      </a:r>
+                      <a:endParaRPr lang="ko-KR" altLang="en-US" dirty="0"/>
+                    </a:p>
+                  </a:txBody>
+                  <a:tcPr/>
+                </a:tc>
+                <a:tc>
+                  <a:txBody>
+                    <a:bodyPr/>
+                    <a:lstStyle/>
+                    <a:p>
+                      <a:pPr algn="ctr" latinLnBrk="1"/>
+                      <a:r>
+                        <a:rPr lang="en-US" altLang="ko-KR" dirty="0" smtClean="0"/>
+                        <a:t>5</a:t>
+                      </a:r>
+                      <a:endParaRPr lang="ko-KR" altLang="en-US" dirty="0"/>
+                    </a:p>
+                  </a:txBody>
+                  <a:tcPr/>
+                </a:tc>
+                <a:tc>
+                  <a:txBody>
+                    <a:bodyPr/>
+                    <a:lstStyle/>
+                    <a:p>
+                      <a:pPr algn="ctr" latinLnBrk="1"/>
+                      <a:r>
+                        <a:rPr lang="en-US" altLang="ko-KR" dirty="0" smtClean="0"/>
+                        <a:t>15</a:t>
+                      </a:r>
+                      <a:endParaRPr lang="ko-KR" altLang="en-US" dirty="0"/>
+                    </a:p>
+                  </a:txBody>
+                  <a:tcPr/>
+                </a:tc>
+                <a:extLst>
+                  <a:ext uri="{0D108BD9-81ED-4DB2-BD59-A6C34878D82A}">
+                    <a16:rowId xmlns:a16="http://schemas.microsoft.com/office/drawing/2014/main" val="1608800902"/>
+                  </a:ext>
+                </a:extLst>
+              </a:tr>
+              <a:tr h="370840">
+                <a:tc>
+                  <a:txBody>
+                    <a:bodyPr/>
+                    <a:lstStyle/>
+                    <a:p>
+                      <a:pPr algn="ctr" latinLnBrk="1"/>
+                      <a:r>
+                        <a:rPr lang="en-US" altLang="ko-KR" dirty="0" smtClean="0"/>
+                        <a:t>2020.12</a:t>
+                      </a:r>
+                      <a:endParaRPr lang="ko-KR" altLang="en-US" dirty="0"/>
+                    </a:p>
+                  </a:txBody>
+                  <a:tcPr/>
+                </a:tc>
+                <a:tc>
+                  <a:txBody>
+                    <a:bodyPr/>
+                    <a:lstStyle/>
+                    <a:p>
+                      <a:pPr algn="ctr" latinLnBrk="1"/>
+                      <a:r>
+                        <a:rPr lang="en-US" altLang="ko-KR" dirty="0" smtClean="0"/>
+                        <a:t>6</a:t>
+                      </a:r>
+                      <a:endParaRPr lang="ko-KR" altLang="en-US" dirty="0"/>
+                    </a:p>
+                  </a:txBody>
+                  <a:tcPr/>
+                </a:tc>
+                <a:tc>
+                  <a:txBody>
+                    <a:bodyPr/>
+                    <a:lstStyle/>
+                    <a:p>
+                      <a:pPr algn="ctr" latinLnBrk="1"/>
+                      <a:r>
+                        <a:rPr lang="en-US" altLang="ko-KR" dirty="0" smtClean="0"/>
+                        <a:t>15</a:t>
+                      </a:r>
+                      <a:endParaRPr lang="ko-KR" altLang="en-US" dirty="0"/>
+                    </a:p>
+                  </a:txBody>
+                  <a:tcPr/>
+                </a:tc>
+                <a:extLst>
+                  <a:ext uri="{0D108BD9-81ED-4DB2-BD59-A6C34878D82A}">
+                    <a16:rowId xmlns:a16="http://schemas.microsoft.com/office/drawing/2014/main" val="4139157447"/>
+                  </a:ext>
+                </a:extLst>
+              </a:tr>
+              <a:tr h="370840">
+                <a:tc>
+                  <a:txBody>
+                    <a:bodyPr/>
+                    <a:lstStyle/>
+                    <a:p>
+                      <a:pPr algn="ctr" latinLnBrk="1"/>
+                      <a:r>
+                        <a:rPr lang="en-US" altLang="ko-KR" dirty="0" smtClean="0"/>
+                        <a:t>2021.01</a:t>
+                      </a:r>
+                      <a:endParaRPr lang="ko-KR" altLang="en-US" dirty="0"/>
+                    </a:p>
+                  </a:txBody>
+                  <a:tcPr/>
+                </a:tc>
+                <a:tc>
+                  <a:txBody>
+                    <a:bodyPr/>
+                    <a:lstStyle/>
+                    <a:p>
+                      <a:pPr algn="ctr" latinLnBrk="1"/>
+                      <a:r>
+                        <a:rPr lang="en-US" altLang="ko-KR" dirty="0" smtClean="0"/>
+                        <a:t>7</a:t>
+                      </a:r>
+                      <a:endParaRPr lang="ko-KR" altLang="en-US" dirty="0"/>
+                    </a:p>
+                  </a:txBody>
+                  <a:tcPr/>
+                </a:tc>
+                <a:tc>
+                  <a:txBody>
+                    <a:bodyPr/>
+                    <a:lstStyle/>
+                    <a:p>
+                      <a:pPr algn="ctr" latinLnBrk="1"/>
+                      <a:r>
+                        <a:rPr lang="en-US" altLang="ko-KR" dirty="0" smtClean="0"/>
+                        <a:t>7</a:t>
+                      </a:r>
+                      <a:endParaRPr lang="ko-KR" altLang="en-US" dirty="0"/>
+                    </a:p>
+                  </a:txBody>
+                  <a:tcPr/>
+                </a:tc>
+                <a:extLst>
+                  <a:ext uri="{0D108BD9-81ED-4DB2-BD59-A6C34878D82A}">
+                    <a16:rowId xmlns:a16="http://schemas.microsoft.com/office/drawing/2014/main" val="2729750213"/>
+                  </a:ext>
+                </a:extLst>
+              </a:tr>
+            </a:tbl>
+          </a:graphicData>
+        </a:graphic>
+      </p:graphicFrame>
+      <p:sp>
+        <p:nvSpPr>
+          <p:cNvPr id="10" name="TextBox 9"/>
+          <p:cNvSpPr txBox="1"/>
+          <p:nvPr/>
+        </p:nvSpPr>
+        <p:spPr>
+          <a:xfrm>
+            <a:off x="3402623" y="5506916"/>
+            <a:ext cx="1911229" cy="307777"/>
+          </a:xfrm>
+          <a:prstGeom prst="rect">
+            <a:avLst/>
+          </a:prstGeom>
+          <a:noFill/>
+        </p:spPr>
+        <p:txBody>
+          <a:bodyPr wrap="none" rtlCol="0">
+            <a:spAutoFit/>
+          </a:bodyPr>
+          <a:lstStyle/>
+          <a:p>
+            <a:r>
+              <a:rPr lang="en-US" altLang="ko-KR" sz="1400" dirty="0" smtClean="0">
+                <a:solidFill>
+                  <a:schemeClr val="bg1"/>
+                </a:solidFill>
+              </a:rPr>
+              <a:t>mutate(sum = sum())</a:t>
+            </a:r>
+            <a:endParaRPr lang="ko-KR" altLang="en-US" sz="1400" dirty="0">
+              <a:solidFill>
+                <a:schemeClr val="bg1"/>
+              </a:solidFill>
+            </a:endParaRPr>
+          </a:p>
+        </p:txBody>
+      </p:sp>
+      <p:sp>
+        <p:nvSpPr>
+          <p:cNvPr id="12" name="굽은 화살표 11"/>
+          <p:cNvSpPr/>
+          <p:nvPr/>
+        </p:nvSpPr>
+        <p:spPr>
+          <a:xfrm>
+            <a:off x="3166751" y="840412"/>
+            <a:ext cx="2506675" cy="1081000"/>
+          </a:xfrm>
+          <a:prstGeom prst="bentArrow">
+            <a:avLst>
+              <a:gd name="adj1" fmla="val 38014"/>
+              <a:gd name="adj2" fmla="val 25000"/>
+              <a:gd name="adj3" fmla="val 37200"/>
+              <a:gd name="adj4" fmla="val 43750"/>
+            </a:avLst>
+          </a:prstGeom>
+        </p:spPr>
+        <p:style>
+          <a:lnRef idx="2">
+            <a:schemeClr val="accent1">
+              <a:shade val="50000"/>
+            </a:schemeClr>
+          </a:lnRef>
+          <a:fillRef idx="1">
+            <a:schemeClr val="accent1"/>
+          </a:fillRef>
+          <a:effectRef idx="0">
+            <a:schemeClr val="accent1"/>
+          </a:effectRef>
+          <a:fontRef idx="minor">
+            <a:schemeClr val="lt1"/>
+          </a:fontRef>
+        </p:style>
+        <p:txBody>
+          <a:bodyPr rtlCol="0" anchor="ctr"/>
+          <a:lstStyle/>
+          <a:p>
+            <a:pPr algn="ctr"/>
+            <a:endParaRPr lang="ko-KR" altLang="en-US">
+              <a:solidFill>
+                <a:schemeClr val="tx1"/>
+              </a:solidFill>
+            </a:endParaRPr>
+          </a:p>
+        </p:txBody>
+      </p:sp>
+      <p:sp>
+        <p:nvSpPr>
+          <p:cNvPr id="13" name="TextBox 12"/>
+          <p:cNvSpPr txBox="1"/>
+          <p:nvPr/>
+        </p:nvSpPr>
+        <p:spPr>
+          <a:xfrm>
+            <a:off x="3330764" y="927278"/>
+            <a:ext cx="2212465" cy="307777"/>
+          </a:xfrm>
+          <a:prstGeom prst="rect">
+            <a:avLst/>
+          </a:prstGeom>
+          <a:noFill/>
+        </p:spPr>
+        <p:txBody>
+          <a:bodyPr wrap="none" rtlCol="0">
+            <a:spAutoFit/>
+          </a:bodyPr>
+          <a:lstStyle/>
+          <a:p>
+            <a:r>
+              <a:rPr lang="en-US" altLang="ko-KR" sz="1400" dirty="0" smtClean="0">
+                <a:solidFill>
+                  <a:schemeClr val="bg1"/>
+                </a:solidFill>
+              </a:rPr>
+              <a:t>summarise(sum = sum())</a:t>
+            </a:r>
+            <a:endParaRPr lang="ko-KR" altLang="en-US" sz="1400" dirty="0">
+              <a:solidFill>
+                <a:schemeClr val="bg1"/>
+              </a:solidFill>
+            </a:endParaRPr>
+          </a:p>
+        </p:txBody>
+      </p:sp>
+    </p:spTree>
+    <p:extLst>
+      <p:ext uri="{BB962C8B-B14F-4D97-AF65-F5344CB8AC3E}">
+        <p14:creationId xmlns:p14="http://schemas.microsoft.com/office/powerpoint/2010/main" val="1540069256"/>
+      </p:ext>
+    </p:extLst>
+  </p:cSld>
+  <p:clrMapOvr>
+    <a:masterClrMapping/>
+  </p:clrMapOvr>
+</p:sld>
+</file>
+
+<file path=ppt/slides/slide19.xml><?xml version="1.0" encoding="utf-8"?>
+<p:sld xmlns:a="http://schemas.openxmlformats.org/drawingml/2006/main" xmlns:r="http://schemas.openxmlformats.org/officeDocument/2006/relationships" xmlns:p="http://schemas.openxmlformats.org/presentationml/2006/main">
+  <p:cSld>
+    <p:spTree>
+      <p:nvGrpSpPr>
+        <p:cNvPr id="1" name=""/>
+        <p:cNvGrpSpPr/>
+        <p:nvPr/>
+      </p:nvGrpSpPr>
+      <p:grpSpPr>
+        <a:xfrm>
+          <a:off x="0" y="0"/>
+          <a:ext cx="0" cy="0"/>
+          <a:chOff x="0" y="0"/>
+          <a:chExt cx="0" cy="0"/>
+        </a:xfrm>
+      </p:grpSpPr>
+      <p:sp>
+        <p:nvSpPr>
+          <p:cNvPr id="2" name="제목 1"/>
+          <p:cNvSpPr>
+            <a:spLocks noGrp="1"/>
+          </p:cNvSpPr>
+          <p:nvPr>
+            <p:ph type="title"/>
+          </p:nvPr>
+        </p:nvSpPr>
+        <p:spPr/>
+        <p:txBody>
+          <a:bodyPr/>
+          <a:lstStyle/>
+          <a:p>
+            <a:endParaRPr lang="ko-KR" altLang="en-US"/>
+          </a:p>
+        </p:txBody>
+      </p:sp>
+      <p:sp>
+        <p:nvSpPr>
+          <p:cNvPr id="3" name="내용 개체 틀 2"/>
+          <p:cNvSpPr>
+            <a:spLocks noGrp="1"/>
+          </p:cNvSpPr>
+          <p:nvPr>
+            <p:ph idx="1"/>
+          </p:nvPr>
+        </p:nvSpPr>
+        <p:spPr/>
+        <p:txBody>
+          <a:bodyPr/>
+          <a:lstStyle/>
+          <a:p>
+            <a:endParaRPr lang="ko-KR" altLang="en-US"/>
+          </a:p>
+        </p:txBody>
+      </p:sp>
+    </p:spTree>
+    <p:extLst>
+      <p:ext uri="{BB962C8B-B14F-4D97-AF65-F5344CB8AC3E}">
+        <p14:creationId xmlns:p14="http://schemas.microsoft.com/office/powerpoint/2010/main" val="3789721539"/>
       </p:ext>
     </p:extLst>
   </p:cSld>
